--- a/docs/cv/Jon-Paul Boyd Resume.pptx
+++ b/docs/cv/Jon-Paul Boyd Resume.pptx
@@ -208,7 +208,7 @@
           <a:p>
             <a:fld id="{0D642CF5-0F59-452D-A22D-9CF205FE8940}" type="datetimeFigureOut">
               <a:rPr lang="en-GB" smtClean="0"/>
-              <a:t>25/08/2020</a:t>
+              <a:t>26/08/2020</a:t>
             </a:fld>
             <a:endParaRPr lang="en-GB"/>
           </a:p>
@@ -741,7 +741,7 @@
           <a:p>
             <a:fld id="{7A88F2A5-D086-4936-BC29-0F70CC39936A}" type="datetimeFigureOut">
               <a:rPr lang="en-GB" smtClean="0"/>
-              <a:t>25/08/2020</a:t>
+              <a:t>26/08/2020</a:t>
             </a:fld>
             <a:endParaRPr lang="en-GB"/>
           </a:p>
@@ -911,7 +911,7 @@
           <a:p>
             <a:fld id="{7A88F2A5-D086-4936-BC29-0F70CC39936A}" type="datetimeFigureOut">
               <a:rPr lang="en-GB" smtClean="0"/>
-              <a:t>25/08/2020</a:t>
+              <a:t>26/08/2020</a:t>
             </a:fld>
             <a:endParaRPr lang="en-GB"/>
           </a:p>
@@ -1091,7 +1091,7 @@
           <a:p>
             <a:fld id="{7A88F2A5-D086-4936-BC29-0F70CC39936A}" type="datetimeFigureOut">
               <a:rPr lang="en-GB" smtClean="0"/>
-              <a:t>25/08/2020</a:t>
+              <a:t>26/08/2020</a:t>
             </a:fld>
             <a:endParaRPr lang="en-GB"/>
           </a:p>
@@ -1261,7 +1261,7 @@
           <a:p>
             <a:fld id="{7A88F2A5-D086-4936-BC29-0F70CC39936A}" type="datetimeFigureOut">
               <a:rPr lang="en-GB" smtClean="0"/>
-              <a:t>25/08/2020</a:t>
+              <a:t>26/08/2020</a:t>
             </a:fld>
             <a:endParaRPr lang="en-GB"/>
           </a:p>
@@ -1507,7 +1507,7 @@
           <a:p>
             <a:fld id="{7A88F2A5-D086-4936-BC29-0F70CC39936A}" type="datetimeFigureOut">
               <a:rPr lang="en-GB" smtClean="0"/>
-              <a:t>25/08/2020</a:t>
+              <a:t>26/08/2020</a:t>
             </a:fld>
             <a:endParaRPr lang="en-GB"/>
           </a:p>
@@ -1795,7 +1795,7 @@
           <a:p>
             <a:fld id="{7A88F2A5-D086-4936-BC29-0F70CC39936A}" type="datetimeFigureOut">
               <a:rPr lang="en-GB" smtClean="0"/>
-              <a:t>25/08/2020</a:t>
+              <a:t>26/08/2020</a:t>
             </a:fld>
             <a:endParaRPr lang="en-GB"/>
           </a:p>
@@ -2222,7 +2222,7 @@
           <a:p>
             <a:fld id="{7A88F2A5-D086-4936-BC29-0F70CC39936A}" type="datetimeFigureOut">
               <a:rPr lang="en-GB" smtClean="0"/>
-              <a:t>25/08/2020</a:t>
+              <a:t>26/08/2020</a:t>
             </a:fld>
             <a:endParaRPr lang="en-GB"/>
           </a:p>
@@ -2340,7 +2340,7 @@
           <a:p>
             <a:fld id="{7A88F2A5-D086-4936-BC29-0F70CC39936A}" type="datetimeFigureOut">
               <a:rPr lang="en-GB" smtClean="0"/>
-              <a:t>25/08/2020</a:t>
+              <a:t>26/08/2020</a:t>
             </a:fld>
             <a:endParaRPr lang="en-GB"/>
           </a:p>
@@ -2435,7 +2435,7 @@
           <a:p>
             <a:fld id="{7A88F2A5-D086-4936-BC29-0F70CC39936A}" type="datetimeFigureOut">
               <a:rPr lang="en-GB" smtClean="0"/>
-              <a:t>25/08/2020</a:t>
+              <a:t>26/08/2020</a:t>
             </a:fld>
             <a:endParaRPr lang="en-GB"/>
           </a:p>
@@ -2712,7 +2712,7 @@
           <a:p>
             <a:fld id="{7A88F2A5-D086-4936-BC29-0F70CC39936A}" type="datetimeFigureOut">
               <a:rPr lang="en-GB" smtClean="0"/>
-              <a:t>25/08/2020</a:t>
+              <a:t>26/08/2020</a:t>
             </a:fld>
             <a:endParaRPr lang="en-GB"/>
           </a:p>
@@ -2965,7 +2965,7 @@
           <a:p>
             <a:fld id="{7A88F2A5-D086-4936-BC29-0F70CC39936A}" type="datetimeFigureOut">
               <a:rPr lang="en-GB" smtClean="0"/>
-              <a:t>25/08/2020</a:t>
+              <a:t>26/08/2020</a:t>
             </a:fld>
             <a:endParaRPr lang="en-GB"/>
           </a:p>
@@ -3178,7 +3178,7 @@
           <a:p>
             <a:fld id="{7A88F2A5-D086-4936-BC29-0F70CC39936A}" type="datetimeFigureOut">
               <a:rPr lang="en-GB" smtClean="0"/>
-              <a:t>25/08/2020</a:t>
+              <a:t>26/08/2020</a:t>
             </a:fld>
             <a:endParaRPr lang="en-GB"/>
           </a:p>
@@ -3553,263 +3553,6 @@
           <a:chExt cx="0" cy="0"/>
         </a:xfrm>
       </p:grpSpPr>
-      <p:sp>
-        <p:nvSpPr>
-          <p:cNvPr id="23" name="TextBox 22">
-            <a:extLst>
-              <a:ext uri="{FF2B5EF4-FFF2-40B4-BE49-F238E27FC236}">
-                <a16:creationId xmlns:a16="http://schemas.microsoft.com/office/drawing/2014/main" id="{2E0F1AF6-D4E6-46A5-8AD4-98484A4A8BAB}"/>
-              </a:ext>
-            </a:extLst>
-          </p:cNvPr>
-          <p:cNvSpPr txBox="1"/>
-          <p:nvPr/>
-        </p:nvSpPr>
-        <p:spPr>
-          <a:xfrm>
-            <a:off x="6081051" y="7125656"/>
-            <a:ext cx="773554" cy="3135600"/>
-          </a:xfrm>
-          <a:prstGeom prst="rect">
-            <a:avLst/>
-          </a:prstGeom>
-          <a:solidFill>
-            <a:srgbClr val="E8EEF7"/>
-          </a:solidFill>
-          <a:ln>
-            <a:noFill/>
-          </a:ln>
-          <a:effectLst/>
-        </p:spPr>
-        <p:txBody>
-          <a:bodyPr wrap="square" tIns="72000" rtlCol="0">
-            <a:spAutoFit/>
-          </a:bodyPr>
-          <a:lstStyle/>
-          <a:p>
-            <a:r>
-              <a:rPr lang="en-GB" sz="700" dirty="0">
-                <a:latin typeface="Futura (Light)" panose="020B7200000000000000" pitchFamily="34" charset="0"/>
-              </a:rPr>
-              <a:t>Python</a:t>
-            </a:r>
-          </a:p>
-          <a:p>
-            <a:r>
-              <a:rPr lang="en-GB" sz="700" dirty="0">
-                <a:latin typeface="Futura (Light)" panose="020B7200000000000000" pitchFamily="34" charset="0"/>
-              </a:rPr>
-              <a:t>Pandas</a:t>
-            </a:r>
-          </a:p>
-          <a:p>
-            <a:r>
-              <a:rPr lang="en-GB" sz="700" dirty="0">
-                <a:latin typeface="Futura (Light)" panose="020B7200000000000000" pitchFamily="34" charset="0"/>
-              </a:rPr>
-              <a:t>Numpy</a:t>
-            </a:r>
-          </a:p>
-          <a:p>
-            <a:r>
-              <a:rPr lang="en-GB" sz="700" dirty="0">
-                <a:latin typeface="Futura (Light)" panose="020B7200000000000000" pitchFamily="34" charset="0"/>
-              </a:rPr>
-              <a:t>Scikit-Learn</a:t>
-            </a:r>
-          </a:p>
-          <a:p>
-            <a:r>
-              <a:rPr lang="en-GB" sz="700" dirty="0">
-                <a:latin typeface="Futura (Light)" panose="020B7200000000000000" pitchFamily="34" charset="0"/>
-              </a:rPr>
-              <a:t>Keras</a:t>
-            </a:r>
-          </a:p>
-          <a:p>
-            <a:r>
-              <a:rPr lang="en-GB" sz="700" dirty="0">
-                <a:latin typeface="Futura (Light)" panose="020B7200000000000000" pitchFamily="34" charset="0"/>
-              </a:rPr>
-              <a:t>NLTK</a:t>
-            </a:r>
-          </a:p>
-          <a:p>
-            <a:r>
-              <a:rPr lang="en-GB" sz="700" dirty="0">
-                <a:latin typeface="Futura (Light)" panose="020B7200000000000000" pitchFamily="34" charset="0"/>
-              </a:rPr>
-              <a:t>Elasticsearch MongoDB </a:t>
-            </a:r>
-          </a:p>
-          <a:p>
-            <a:r>
-              <a:rPr lang="en-GB" sz="700" dirty="0">
-                <a:latin typeface="Futura (Light)" panose="020B7200000000000000" pitchFamily="34" charset="0"/>
-              </a:rPr>
-              <a:t>SAP HANA</a:t>
-            </a:r>
-          </a:p>
-          <a:p>
-            <a:r>
-              <a:rPr lang="en-GB" sz="700" dirty="0">
-                <a:latin typeface="Futura (Light)" panose="020B7200000000000000" pitchFamily="34" charset="0"/>
-              </a:rPr>
-              <a:t>SAP Fiori</a:t>
-            </a:r>
-          </a:p>
-          <a:p>
-            <a:r>
-              <a:rPr lang="en-GB" sz="700" dirty="0">
-                <a:latin typeface="Futura (Light)" panose="020B7200000000000000" pitchFamily="34" charset="0"/>
-              </a:rPr>
-              <a:t>SAP ABAP</a:t>
-            </a:r>
-          </a:p>
-          <a:p>
-            <a:r>
-              <a:rPr lang="en-GB" sz="700" dirty="0">
-                <a:latin typeface="Futura (Light)" panose="020B7200000000000000" pitchFamily="34" charset="0"/>
-              </a:rPr>
-              <a:t>SAP Security</a:t>
-            </a:r>
-          </a:p>
-          <a:p>
-            <a:r>
-              <a:rPr lang="en-GB" sz="700" dirty="0">
-                <a:latin typeface="Futura (Light)" panose="020B7200000000000000" pitchFamily="34" charset="0"/>
-              </a:rPr>
-              <a:t>ReactJS</a:t>
-            </a:r>
-          </a:p>
-          <a:p>
-            <a:r>
-              <a:rPr lang="en-GB" sz="700" dirty="0">
-                <a:latin typeface="Futura (Light)" panose="020B7200000000000000" pitchFamily="34" charset="0"/>
-              </a:rPr>
-              <a:t>JavaScript</a:t>
-            </a:r>
-          </a:p>
-          <a:p>
-            <a:r>
-              <a:rPr lang="en-GB" sz="700" dirty="0">
-                <a:latin typeface="Futura (Light)" panose="020B7200000000000000" pitchFamily="34" charset="0"/>
-              </a:rPr>
-              <a:t>Amazon AWS</a:t>
-            </a:r>
-          </a:p>
-          <a:p>
-            <a:r>
-              <a:rPr lang="en-GB" sz="700" dirty="0">
-                <a:latin typeface="Futura (Light)" panose="020B7200000000000000" pitchFamily="34" charset="0"/>
-              </a:rPr>
-              <a:t>MS Azure</a:t>
-            </a:r>
-          </a:p>
-          <a:p>
-            <a:r>
-              <a:rPr lang="en-GB" sz="700" dirty="0">
-                <a:latin typeface="Futura (Light)" panose="020B7200000000000000" pitchFamily="34" charset="0"/>
-              </a:rPr>
-              <a:t>Docker</a:t>
-            </a:r>
-          </a:p>
-          <a:p>
-            <a:r>
-              <a:rPr lang="en-GB" sz="700" dirty="0">
-                <a:latin typeface="Futura (Light)" panose="020B7200000000000000" pitchFamily="34" charset="0"/>
-              </a:rPr>
-              <a:t>Git</a:t>
-            </a:r>
-          </a:p>
-          <a:p>
-            <a:r>
-              <a:rPr lang="en-GB" sz="700" dirty="0">
-                <a:latin typeface="Futura (Light)" panose="020B7200000000000000" pitchFamily="34" charset="0"/>
-              </a:rPr>
-              <a:t>GitLab</a:t>
-            </a:r>
-          </a:p>
-          <a:p>
-            <a:r>
-              <a:rPr lang="en-GB" sz="700" dirty="0">
-                <a:latin typeface="Futura (Light)" panose="020B7200000000000000" pitchFamily="34" charset="0"/>
-              </a:rPr>
-              <a:t>Jira</a:t>
-            </a:r>
-          </a:p>
-          <a:p>
-            <a:r>
-              <a:rPr lang="en-GB" sz="700" dirty="0">
-                <a:latin typeface="Futura (Light)" panose="020B7200000000000000" pitchFamily="34" charset="0"/>
-              </a:rPr>
-              <a:t>Linux</a:t>
-            </a:r>
-          </a:p>
-          <a:p>
-            <a:r>
-              <a:rPr lang="en-GB" sz="700" dirty="0">
-                <a:latin typeface="Futura (Light)" panose="020B7200000000000000" pitchFamily="34" charset="0"/>
-              </a:rPr>
-              <a:t>Windows 10</a:t>
-            </a:r>
-          </a:p>
-          <a:p>
-            <a:r>
-              <a:rPr lang="en-GB" sz="700" dirty="0">
-                <a:latin typeface="Futura (Light)" panose="020B7200000000000000" pitchFamily="34" charset="0"/>
-              </a:rPr>
-              <a:t>SAS</a:t>
-            </a:r>
-          </a:p>
-        </p:txBody>
-      </p:sp>
-      <p:sp>
-        <p:nvSpPr>
-          <p:cNvPr id="19" name="TextBox 18">
-            <a:extLst>
-              <a:ext uri="{FF2B5EF4-FFF2-40B4-BE49-F238E27FC236}">
-                <a16:creationId xmlns:a16="http://schemas.microsoft.com/office/drawing/2014/main" id="{4EA0DC6C-1932-4035-B3A9-7DE5361F75BC}"/>
-              </a:ext>
-            </a:extLst>
-          </p:cNvPr>
-          <p:cNvSpPr txBox="1"/>
-          <p:nvPr/>
-        </p:nvSpPr>
-        <p:spPr>
-          <a:xfrm>
-            <a:off x="6090034" y="6848738"/>
-            <a:ext cx="767966" cy="276999"/>
-          </a:xfrm>
-          <a:prstGeom prst="rect">
-            <a:avLst/>
-          </a:prstGeom>
-          <a:solidFill>
-            <a:srgbClr val="E8EEF7"/>
-          </a:solidFill>
-          <a:effectLst>
-            <a:outerShdw blurRad="50800" dist="38100" dir="5400000" algn="t" rotWithShape="0">
-              <a:prstClr val="black">
-                <a:alpha val="40000"/>
-              </a:prstClr>
-            </a:outerShdw>
-          </a:effectLst>
-        </p:spPr>
-        <p:txBody>
-          <a:bodyPr wrap="square" lIns="72000" rtlCol="0">
-            <a:spAutoFit/>
-          </a:bodyPr>
-          <a:lstStyle/>
-          <a:p>
-            <a:r>
-              <a:rPr lang="en-GB" sz="1200" b="1" dirty="0">
-                <a:latin typeface="Futura LtCn BT" panose="020B0408020204030204" pitchFamily="34" charset="0"/>
-              </a:rPr>
-              <a:t>TOOLS</a:t>
-            </a:r>
-          </a:p>
-        </p:txBody>
-      </p:sp>
       <p:pic>
         <p:nvPicPr>
           <p:cNvPr id="20" name="Picture 19" descr="A person wearing glasses posing for the camera&#10;&#10;Description automatically generated">
@@ -3848,8 +3591,8 @@
         </p:nvSpPr>
         <p:spPr>
           <a:xfrm>
-            <a:off x="3305112" y="8267616"/>
-            <a:ext cx="2783086" cy="1666800"/>
+            <a:off x="3305112" y="8367634"/>
+            <a:ext cx="2523018" cy="1548000"/>
           </a:xfrm>
           <a:prstGeom prst="rect">
             <a:avLst/>
@@ -3865,16 +3608,10 @@
           <a:lstStyle/>
           <a:p>
             <a:r>
-              <a:rPr lang="en-GB" sz="800" b="1" dirty="0">
+              <a:rPr lang="en-GB" sz="750" b="1" dirty="0">
                 <a:latin typeface="Futura LtCn BT" panose="020B0408020204030204" pitchFamily="34" charset="0"/>
               </a:rPr>
-              <a:t>“Tech savvy, experienced, meticulous, committed, dependable, ingenious and eager to learn more”</a:t>
-            </a:r>
-            <a:r>
-              <a:rPr lang="en-GB" sz="700" b="1" dirty="0">
-                <a:latin typeface="Futura LtCn BT" panose="020B0408020204030204" pitchFamily="34" charset="0"/>
-              </a:rPr>
-              <a:t> </a:t>
+              <a:t>“Tech savvy, experienced, meticulous, dependable, ingenious &amp; eager to learn more” </a:t>
             </a:r>
           </a:p>
           <a:p>
@@ -3898,16 +3635,16 @@
             </a:r>
           </a:p>
           <a:p>
-            <a:endParaRPr lang="en-GB" sz="500" b="1" dirty="0">
+            <a:endParaRPr lang="en-GB" sz="300" b="1" dirty="0">
               <a:latin typeface="Futura LtCn BT" panose="020B0408020204030204" pitchFamily="34" charset="0"/>
             </a:endParaRPr>
           </a:p>
           <a:p>
             <a:r>
-              <a:rPr lang="en-GB" sz="800" b="1" dirty="0">
+              <a:rPr lang="en-GB" sz="750" b="1" dirty="0">
                 <a:latin typeface="Futura LtCn BT" panose="020B0408020204030204" pitchFamily="34" charset="0"/>
               </a:rPr>
-              <a:t>“Builds comprehensive &amp; passionate understanding of the architectures &amp; frameworks involved, educating and inspiring teams and co-workers in the process. A real flair for challenging, on-the-edge development”</a:t>
+              <a:t>“Builds comprehensive understanding of architectures involved, educating &amp; inspiring teams &amp; co-workers in the process. A real flair for challenging, on-the-edge development”</a:t>
             </a:r>
           </a:p>
           <a:p>
@@ -3927,20 +3664,20 @@
               <a:rPr lang="en-GB" sz="600" dirty="0">
                 <a:latin typeface="Futura (Light)" panose="020B7200000000000000" pitchFamily="34" charset="0"/>
               </a:rPr>
-              <a:t>, Team Lead, SAP App Tech Expertise Centre, Nestle</a:t>
-            </a:r>
-          </a:p>
-          <a:p>
-            <a:endParaRPr lang="en-GB" sz="500" b="1" dirty="0">
+              <a:t>, Team Lead, SAP App Expertise Centre, Nestle</a:t>
+            </a:r>
+          </a:p>
+          <a:p>
+            <a:endParaRPr lang="en-GB" sz="300" b="1" dirty="0">
               <a:latin typeface="Futura LtCn BT" panose="020B0408020204030204" pitchFamily="34" charset="0"/>
             </a:endParaRPr>
           </a:p>
           <a:p>
             <a:r>
-              <a:rPr lang="en-GB" sz="800" b="1" dirty="0">
+              <a:rPr lang="en-GB" sz="750" b="1" dirty="0">
                 <a:latin typeface="Futura LtCn BT" panose="020B0408020204030204" pitchFamily="34" charset="0"/>
               </a:rPr>
-              <a:t>“An expert in his domain and a great team player. His focus on results with optimal quality is outstanding”</a:t>
+              <a:t>“An expert in his domain, a great team player. His focus on results with optimal quality is outstanding”</a:t>
             </a:r>
           </a:p>
           <a:p>
@@ -3979,8 +3716,8 @@
         </p:nvSpPr>
         <p:spPr>
           <a:xfrm>
-            <a:off x="3304795" y="7990301"/>
-            <a:ext cx="2779302" cy="276999"/>
+            <a:off x="3304795" y="8090319"/>
+            <a:ext cx="2522320" cy="276999"/>
           </a:xfrm>
           <a:prstGeom prst="rect">
             <a:avLst/>
@@ -4622,8 +4359,8 @@
         </p:nvSpPr>
         <p:spPr>
           <a:xfrm>
-            <a:off x="3305809" y="2031194"/>
-            <a:ext cx="2784225" cy="5961600"/>
+            <a:off x="3305810" y="2031194"/>
+            <a:ext cx="2522320" cy="6080400"/>
           </a:xfrm>
           <a:prstGeom prst="rect">
             <a:avLst/>
@@ -4663,14 +4400,11 @@
               <a:buChar char="§"/>
             </a:pPr>
             <a:r>
-              <a:rPr lang="en-GB" sz="900" dirty="0">
+              <a:rPr lang="en-GB" sz="800" dirty="0">
                 <a:latin typeface="Futura (Light)" panose="020B7200000000000000" pitchFamily="34" charset="0"/>
               </a:rPr>
               <a:t>Discovered why stronger partnerships should exist between enterprise and academia.</a:t>
             </a:r>
-            <a:endParaRPr lang="en-GB" sz="900" b="1" dirty="0">
-              <a:latin typeface="Futura LtCn BT" panose="020B0408020204030204" pitchFamily="34" charset="0"/>
-            </a:endParaRPr>
           </a:p>
           <a:p>
             <a:pPr marL="88900" indent="-88900" algn="just">
@@ -4708,7 +4442,7 @@
               <a:rPr lang="en-GB" sz="800" dirty="0">
                 <a:latin typeface="Futura (Light)" panose="020B7200000000000000" pitchFamily="34" charset="0"/>
               </a:rPr>
-              <a:t>NLP with Python &amp; NLTK context-free grammars for natural language to formal SQL database query.</a:t>
+              <a:t>NLP Python NLTK context-free grammars for natural language to SQL database query.</a:t>
             </a:r>
           </a:p>
           <a:p>
@@ -4729,7 +4463,7 @@
               <a:rPr lang="en-GB" sz="800" dirty="0">
                 <a:latin typeface="Futura (Light)" panose="020B7200000000000000" pitchFamily="34" charset="0"/>
               </a:rPr>
-              <a:t>Full-flow data mining analysis and machine learning to predict risk indicators for cardiovascular disease.</a:t>
+              <a:t>Data analysis &amp; machine learning to predict risk indicators for cardiovascular disease.</a:t>
             </a:r>
           </a:p>
           <a:p>
@@ -4750,19 +4484,7 @@
               <a:rPr lang="en-GB" sz="800" dirty="0">
                 <a:latin typeface="Futura (Light)" panose="020B7200000000000000" pitchFamily="34" charset="0"/>
               </a:rPr>
-              <a:t>Evaluation of biomass &amp; classification of network activity (intrusion, attack or normal) with </a:t>
-            </a:r>
-            <a:r>
-              <a:rPr lang="en-GB" sz="800" dirty="0" err="1">
-                <a:latin typeface="Futura (Light)" panose="020B7200000000000000" pitchFamily="34" charset="0"/>
-              </a:rPr>
-              <a:t>nn’s</a:t>
-            </a:r>
-            <a:r>
-              <a:rPr lang="en-GB" sz="800" dirty="0">
-                <a:latin typeface="Futura (Light)" panose="020B7200000000000000" pitchFamily="34" charset="0"/>
-              </a:rPr>
-              <a:t>.</a:t>
+              <a:t>Evaluation of biomass &amp; classification of network activity (intrusion, attack, normal).</a:t>
             </a:r>
           </a:p>
           <a:p>
@@ -4783,7 +4505,7 @@
               <a:rPr lang="en-GB" sz="800" dirty="0">
                 <a:latin typeface="Futura (Light)" panose="020B7200000000000000" pitchFamily="34" charset="0"/>
               </a:rPr>
-              <a:t>Classification of breast cancer tumours with fuzzy inference system (outperforming neural networks &amp; other ML approaches). Paper being submitted to journal of </a:t>
+              <a:t>Classifying breast cancer tumours with fuzzy inference system, outperforming neural networks. Paper being submitted to journal of </a:t>
             </a:r>
             <a:r>
               <a:rPr lang="en-GB" sz="800" i="1" dirty="0">
@@ -4837,7 +4559,7 @@
               <a:rPr lang="en-GB" sz="800" dirty="0">
                 <a:latin typeface="Futura (Light)" panose="020B7200000000000000" pitchFamily="34" charset="0"/>
               </a:rPr>
-              <a:t>Virtual search &amp; rescue robot controlled via Python API, implementing obstacle avoidance, sensor data fusion, environment mapping, precision navigation and victim location.</a:t>
+              <a:t>Virtual search &amp; rescue robot controlled via Python, implementing obstacle avoidance, sensor data fusion, environment mapping, precision navigation, victim location.</a:t>
             </a:r>
           </a:p>
           <a:p>
@@ -4855,7 +4577,7 @@
               <a:rPr lang="en-GB" sz="800" dirty="0">
                 <a:latin typeface="Futura (Light)" panose="020B7200000000000000" pitchFamily="34" charset="0"/>
               </a:rPr>
-              <a:t>Design and build of Hyper-heuristic Optimization Platform, a Python-based framework to address the real-world problem of scheduling optimisation. 5 example nature-inspired metaheuristic algorithms are implemented. A hyper-heuristic feature dynamically switches between low-level metaheuristics to deterministically use the most appropriate algorithm according to current problem state, or select one stochastically.</a:t>
+              <a:t>Design &amp; build of Python-based hyper-heuristic optimization platform to address the real-world problem of scheduling optimisation. 5 example nature-inspired metaheuristic algorithms are implemented. A hyper-heuristic feature dynamically switches between low-level metaheuristics to deterministically use the most appropriate algorithm according to current problem state, or select one stochastically.</a:t>
             </a:r>
           </a:p>
           <a:p>
@@ -4876,17 +4598,116 @@
               <a:rPr lang="en-GB" sz="800" dirty="0">
                 <a:latin typeface="Futura (Light)" panose="020B7200000000000000" pitchFamily="34" charset="0"/>
               </a:rPr>
-              <a:t>Building cloud-hosted medical research cockpit for knowledge discovery, summarization, topic classification and clustering etc for best-informed next stage research actions, using COVID-19 literature as unstructured data sources.</a:t>
-            </a:r>
-          </a:p>
-        </p:txBody>
-      </p:sp>
-      <p:sp>
-        <p:nvSpPr>
-          <p:cNvPr id="18" name="TextBox 17">
+              <a:t>Building cloud-hosted medical research cockpit for knowledge discovery, summarization, topic classification &amp; clustering for best-informed next stage research actions, using COVID-19 literature.</a:t>
+            </a:r>
+          </a:p>
+        </p:txBody>
+      </p:sp>
+      <p:sp>
+        <p:nvSpPr>
+          <p:cNvPr id="10" name="TextBox 9"/>
+          <p:cNvSpPr txBox="1"/>
+          <p:nvPr/>
+        </p:nvSpPr>
+        <p:spPr>
+          <a:xfrm>
+            <a:off x="1605742" y="-3217"/>
+            <a:ext cx="5187310" cy="1398711"/>
+          </a:xfrm>
+          <a:prstGeom prst="rect">
+            <a:avLst/>
+          </a:prstGeom>
+          <a:noFill/>
+        </p:spPr>
+        <p:txBody>
+          <a:bodyPr wrap="square" lIns="28824" tIns="14412" rIns="28824" bIns="14412" rtlCol="0" anchor="ctr">
+            <a:spAutoFit/>
+          </a:bodyPr>
+          <a:lstStyle/>
+          <a:p>
+            <a:pPr algn="ctr"/>
+            <a:r>
+              <a:rPr lang="en-GB" sz="3600" b="1" dirty="0">
+                <a:latin typeface="Futura LtCn BT" panose="020B0408020204030204" pitchFamily="34" charset="0"/>
+              </a:rPr>
+              <a:t>JON-PAUL BOYD</a:t>
+            </a:r>
+          </a:p>
+          <a:p>
+            <a:pPr algn="ctr"/>
+            <a:r>
+              <a:rPr lang="en-GB" sz="1600" b="1" dirty="0">
+                <a:latin typeface="Futura LtCn BT" panose="020B0408020204030204" pitchFamily="34" charset="0"/>
+              </a:rPr>
+              <a:t>Intelligent Systems Engineer</a:t>
+            </a:r>
+          </a:p>
+          <a:p>
+            <a:pPr algn="ctr"/>
+            <a:endParaRPr lang="en-GB" sz="700" b="1" dirty="0">
+              <a:latin typeface="Futura LtCn BT" panose="020B0408020204030204" pitchFamily="34" charset="0"/>
+            </a:endParaRPr>
+          </a:p>
+          <a:p>
+            <a:pPr algn="ctr"/>
+            <a:r>
+              <a:rPr lang="en-GB" sz="900" dirty="0">
+                <a:latin typeface="Futura LtCn BT" panose="020B0408020204030204" pitchFamily="34" charset="0"/>
+              </a:rPr>
+              <a:t>I thrive on delivering tangible, cutting-edge, AI-enabled and analytic solutions that inform, empower &amp; perform. I help solve business challenges and deliver value to all stakeholders through strong theory, practical hands-on, clarity of thought and communication.</a:t>
+            </a:r>
+            <a:endParaRPr lang="en-GB" sz="1800" dirty="0">
+              <a:latin typeface="Futura LtCn BT" panose="020B0408020204030204" pitchFamily="34" charset="0"/>
+            </a:endParaRPr>
+          </a:p>
+        </p:txBody>
+      </p:sp>
+      <p:sp>
+        <p:nvSpPr>
+          <p:cNvPr id="86" name="TextBox 85"/>
+          <p:cNvSpPr txBox="1"/>
+          <p:nvPr/>
+        </p:nvSpPr>
+        <p:spPr>
+          <a:xfrm>
+            <a:off x="3305431" y="1754989"/>
+            <a:ext cx="2518649" cy="276999"/>
+          </a:xfrm>
+          <a:prstGeom prst="rect">
+            <a:avLst/>
+          </a:prstGeom>
+          <a:solidFill>
+            <a:srgbClr val="DAE3F1"/>
+          </a:solidFill>
+          <a:effectLst>
+            <a:outerShdw blurRad="50800" dist="38100" dir="5400000" algn="t" rotWithShape="0">
+              <a:prstClr val="black">
+                <a:alpha val="40000"/>
+              </a:prstClr>
+            </a:outerShdw>
+          </a:effectLst>
+        </p:spPr>
+        <p:txBody>
+          <a:bodyPr wrap="square" lIns="72000" rtlCol="0">
+            <a:spAutoFit/>
+          </a:bodyPr>
+          <a:lstStyle/>
+          <a:p>
+            <a:r>
+              <a:rPr lang="en-GB" sz="1200" b="1" dirty="0">
+                <a:latin typeface="Futura LtCn BT" panose="020B0408020204030204" pitchFamily="34" charset="0"/>
+              </a:rPr>
+              <a:t>EDUCATION</a:t>
+            </a:r>
+          </a:p>
+        </p:txBody>
+      </p:sp>
+      <p:sp>
+        <p:nvSpPr>
+          <p:cNvPr id="3" name="TextBox 2">
             <a:extLst>
               <a:ext uri="{FF2B5EF4-FFF2-40B4-BE49-F238E27FC236}">
-                <a16:creationId xmlns:a16="http://schemas.microsoft.com/office/drawing/2014/main" id="{ACC8DB70-2E37-4CB9-A23D-982DB6F34156}"/>
+                <a16:creationId xmlns:a16="http://schemas.microsoft.com/office/drawing/2014/main" id="{D6CAF53E-DA0E-4000-9DC7-C0A188FA8142}"/>
               </a:ext>
             </a:extLst>
           </p:cNvPr>
@@ -4895,8 +4716,8 @@
         </p:nvSpPr>
         <p:spPr>
           <a:xfrm>
-            <a:off x="6084446" y="2031196"/>
-            <a:ext cx="773555" cy="4842000"/>
+            <a:off x="5830497" y="9018004"/>
+            <a:ext cx="1034556" cy="1018800"/>
           </a:xfrm>
           <a:prstGeom prst="rect">
             <a:avLst/>
@@ -4916,164 +4737,33 @@
           <a:lstStyle/>
           <a:p>
             <a:r>
-              <a:rPr lang="en-GB" sz="1600" b="1" dirty="0">
-                <a:latin typeface="Futura LtCn BT" panose="020B0408020204030204" pitchFamily="34" charset="0"/>
-              </a:rPr>
-              <a:t>24</a:t>
-            </a:r>
-          </a:p>
-          <a:p>
-            <a:r>
               <a:rPr lang="en-GB" sz="700" dirty="0">
                 <a:latin typeface="Futura (Light)" panose="020B7200000000000000" pitchFamily="34" charset="0"/>
               </a:rPr>
-              <a:t>Years software dev</a:t>
-            </a:r>
-          </a:p>
-          <a:p>
-            <a:endParaRPr lang="en-GB" sz="800" dirty="0">
+              <a:t>Microsoft Certified Azure Fundamentals</a:t>
+            </a:r>
+          </a:p>
+          <a:p>
+            <a:endParaRPr lang="en-GB" sz="700" dirty="0">
               <a:latin typeface="Futura (Light)" panose="020B7200000000000000" pitchFamily="34" charset="0"/>
             </a:endParaRPr>
           </a:p>
           <a:p>
             <a:r>
-              <a:rPr lang="en-GB" sz="1600" b="1" dirty="0">
-                <a:latin typeface="Futura LtCn BT" panose="020B0408020204030204" pitchFamily="34" charset="0"/>
-              </a:rPr>
-              <a:t>13</a:t>
-            </a:r>
-          </a:p>
-          <a:p>
-            <a:r>
               <a:rPr lang="en-GB" sz="700" dirty="0">
                 <a:latin typeface="Futura (Light)" panose="020B7200000000000000" pitchFamily="34" charset="0"/>
               </a:rPr>
-              <a:t>Years SAP ABAP dev</a:t>
-            </a:r>
-          </a:p>
-          <a:p>
-            <a:endParaRPr lang="en-GB" sz="800" b="1" dirty="0">
-              <a:latin typeface="Futura LtCn BT" panose="020B0408020204030204" pitchFamily="34" charset="0"/>
-            </a:endParaRPr>
-          </a:p>
-          <a:p>
-            <a:r>
-              <a:rPr lang="en-GB" sz="1600" b="1" dirty="0">
-                <a:latin typeface="Futura LtCn BT" panose="020B0408020204030204" pitchFamily="34" charset="0"/>
-              </a:rPr>
-              <a:t>5</a:t>
-            </a:r>
-          </a:p>
-          <a:p>
-            <a:r>
-              <a:rPr lang="en-GB" sz="700" dirty="0">
-                <a:latin typeface="Futura (Light)" panose="020B7200000000000000" pitchFamily="34" charset="0"/>
-              </a:rPr>
-              <a:t>Years  HANA dev</a:t>
-            </a:r>
-          </a:p>
-          <a:p>
-            <a:endParaRPr lang="en-GB" sz="800" b="1" dirty="0">
-              <a:latin typeface="Futura LtCn BT" panose="020B0408020204030204" pitchFamily="34" charset="0"/>
-            </a:endParaRPr>
-          </a:p>
-          <a:p>
-            <a:r>
-              <a:rPr lang="en-GB" sz="1600" b="1" dirty="0">
-                <a:latin typeface="Futura LtCn BT" panose="020B0408020204030204" pitchFamily="34" charset="0"/>
-              </a:rPr>
-              <a:t>8</a:t>
-            </a:r>
-          </a:p>
-          <a:p>
-            <a:r>
-              <a:rPr lang="en-GB" sz="700" dirty="0">
-                <a:latin typeface="Futura (Light)" panose="020B7200000000000000" pitchFamily="34" charset="0"/>
-              </a:rPr>
-              <a:t>Masters modules graded distinction</a:t>
-            </a:r>
-          </a:p>
-          <a:p>
-            <a:endParaRPr lang="en-GB" sz="800" b="1" dirty="0">
-              <a:latin typeface="Futura LtCn BT" panose="020B0408020204030204" pitchFamily="34" charset="0"/>
-            </a:endParaRPr>
-          </a:p>
-          <a:p>
-            <a:r>
-              <a:rPr lang="en-GB" b="1" dirty="0">
-                <a:latin typeface="Futura LtCn BT" panose="020B0408020204030204" pitchFamily="34" charset="0"/>
-              </a:rPr>
-              <a:t>36</a:t>
-            </a:r>
-          </a:p>
-          <a:p>
-            <a:r>
-              <a:rPr lang="en-GB" sz="700" dirty="0">
-                <a:latin typeface="Futura (Light)" panose="020B7200000000000000" pitchFamily="34" charset="0"/>
-              </a:rPr>
-              <a:t>Companies provided expertise</a:t>
-            </a:r>
-          </a:p>
-          <a:p>
-            <a:endParaRPr lang="en-GB" sz="800" b="1" dirty="0">
-              <a:latin typeface="Futura LtCn BT" panose="020B0408020204030204" pitchFamily="34" charset="0"/>
-            </a:endParaRPr>
-          </a:p>
-          <a:p>
-            <a:r>
-              <a:rPr lang="en-GB" b="1" dirty="0">
-                <a:latin typeface="Futura LtCn BT" panose="020B0408020204030204" pitchFamily="34" charset="0"/>
-              </a:rPr>
-              <a:t>12</a:t>
-            </a:r>
-          </a:p>
-          <a:p>
-            <a:r>
-              <a:rPr lang="en-GB" sz="700" dirty="0">
-                <a:latin typeface="Futura (Light)" panose="020B7200000000000000" pitchFamily="34" charset="0"/>
-              </a:rPr>
-              <a:t>Times  consulting contract extended</a:t>
-            </a:r>
-          </a:p>
-          <a:p>
-            <a:endParaRPr lang="en-GB" sz="800" b="1" dirty="0">
-              <a:latin typeface="Futura LtCn BT" panose="020B0408020204030204" pitchFamily="34" charset="0"/>
-            </a:endParaRPr>
-          </a:p>
-          <a:p>
-            <a:r>
-              <a:rPr lang="en-GB" b="1" dirty="0">
-                <a:latin typeface="Futura LtCn BT" panose="020B0408020204030204" pitchFamily="34" charset="0"/>
-              </a:rPr>
-              <a:t>1</a:t>
-            </a:r>
-          </a:p>
-          <a:p>
-            <a:r>
-              <a:rPr lang="en-GB" sz="800" dirty="0">
-                <a:latin typeface="Futura (Light)" panose="020B7200000000000000" pitchFamily="34" charset="0"/>
-              </a:rPr>
-              <a:t>Individual delivering client centric excellence</a:t>
-            </a:r>
-          </a:p>
-          <a:p>
-            <a:endParaRPr lang="en-GB" sz="800" dirty="0">
-              <a:latin typeface="Futura (Light)" panose="020B7200000000000000" pitchFamily="34" charset="0"/>
-            </a:endParaRPr>
-          </a:p>
-          <a:p>
-            <a:endParaRPr lang="en-GB" sz="800" dirty="0">
-              <a:latin typeface="Futura (Light)" panose="020B7200000000000000" pitchFamily="34" charset="0"/>
-            </a:endParaRPr>
-          </a:p>
-        </p:txBody>
-      </p:sp>
-      <p:sp>
-        <p:nvSpPr>
-          <p:cNvPr id="17" name="TextBox 16">
+              <a:t>AWS Certified Cloud Practitioner</a:t>
+            </a:r>
+          </a:p>
+        </p:txBody>
+      </p:sp>
+      <p:sp>
+        <p:nvSpPr>
+          <p:cNvPr id="2" name="TextBox 1">
             <a:extLst>
               <a:ext uri="{FF2B5EF4-FFF2-40B4-BE49-F238E27FC236}">
-                <a16:creationId xmlns:a16="http://schemas.microsoft.com/office/drawing/2014/main" id="{A548CB67-3D5D-42D7-A56B-CD53195CB380}"/>
+                <a16:creationId xmlns:a16="http://schemas.microsoft.com/office/drawing/2014/main" id="{8A82E7F1-7E38-4B39-8212-1F26279E961A}"/>
               </a:ext>
             </a:extLst>
           </p:cNvPr>
@@ -5082,8 +4772,8 @@
         </p:nvSpPr>
         <p:spPr>
           <a:xfrm>
-            <a:off x="6084096" y="1754195"/>
-            <a:ext cx="770509" cy="276999"/>
+            <a:off x="5830497" y="8738446"/>
+            <a:ext cx="1035649" cy="276999"/>
           </a:xfrm>
           <a:prstGeom prst="rect">
             <a:avLst/>
@@ -5109,80 +4799,220 @@
               <a:rPr lang="en-GB" sz="1200" b="1" dirty="0">
                 <a:latin typeface="Futura LtCn BT" panose="020B0408020204030204" pitchFamily="34" charset="0"/>
               </a:rPr>
-              <a:t>STATS</a:t>
-            </a:r>
-          </a:p>
-        </p:txBody>
-      </p:sp>
-      <p:sp>
-        <p:nvSpPr>
-          <p:cNvPr id="10" name="TextBox 9"/>
+              <a:t>AWARDS</a:t>
+            </a:r>
+          </a:p>
+        </p:txBody>
+      </p:sp>
+      <p:sp>
+        <p:nvSpPr>
+          <p:cNvPr id="23" name="TextBox 22">
+            <a:extLst>
+              <a:ext uri="{FF2B5EF4-FFF2-40B4-BE49-F238E27FC236}">
+                <a16:creationId xmlns:a16="http://schemas.microsoft.com/office/drawing/2014/main" id="{2E0F1AF6-D4E6-46A5-8AD4-98484A4A8BAB}"/>
+              </a:ext>
+            </a:extLst>
+          </p:cNvPr>
           <p:cNvSpPr txBox="1"/>
           <p:nvPr/>
         </p:nvSpPr>
         <p:spPr>
           <a:xfrm>
-            <a:off x="1652396" y="29686"/>
-            <a:ext cx="5187310" cy="1444878"/>
-          </a:xfrm>
-          <a:prstGeom prst="rect">
-            <a:avLst/>
-          </a:prstGeom>
-          <a:noFill/>
-        </p:spPr>
-        <p:txBody>
-          <a:bodyPr wrap="square" lIns="28824" tIns="14412" rIns="28824" bIns="14412" rtlCol="0" anchor="ctr">
-            <a:spAutoFit/>
-          </a:bodyPr>
-          <a:lstStyle/>
-          <a:p>
-            <a:pPr algn="ctr"/>
-            <a:r>
-              <a:rPr lang="en-GB" sz="3600" b="1" dirty="0">
-                <a:latin typeface="Futura LtCn BT" panose="020B0408020204030204" pitchFamily="34" charset="0"/>
-              </a:rPr>
-              <a:t>JON-PAUL BOYD</a:t>
-            </a:r>
-          </a:p>
-          <a:p>
-            <a:pPr algn="ctr"/>
-            <a:r>
-              <a:rPr lang="en-GB" sz="1600" b="1" dirty="0">
-                <a:latin typeface="Futura LtCn BT" panose="020B0408020204030204" pitchFamily="34" charset="0"/>
-              </a:rPr>
-              <a:t>Intelligent Systems Engineer</a:t>
-            </a:r>
-          </a:p>
-          <a:p>
-            <a:pPr algn="ctr"/>
-            <a:r>
-              <a:rPr lang="en-GB" sz="1000" dirty="0">
-                <a:latin typeface="Futura LtCn BT" panose="020B0408020204030204" pitchFamily="34" charset="0"/>
-              </a:rPr>
-              <a:t>A multi-skilled SAP HANA technical architect &amp; A.I. engineering postgrad who thrives on delivering tangible, cutting-edge solutions that inform, empower &amp; perform. I help clients solve business challenges fast with strong theory, practical hands-on, clarity of thought and communication.</a:t>
-            </a:r>
-            <a:endParaRPr lang="en-GB" sz="2000" dirty="0">
-              <a:latin typeface="Futura LtCn BT" panose="020B0408020204030204" pitchFamily="34" charset="0"/>
-            </a:endParaRPr>
-          </a:p>
-        </p:txBody>
-      </p:sp>
-      <p:sp>
-        <p:nvSpPr>
-          <p:cNvPr id="86" name="TextBox 85"/>
-          <p:cNvSpPr txBox="1"/>
-          <p:nvPr/>
-        </p:nvSpPr>
-        <p:spPr>
-          <a:xfrm>
-            <a:off x="3305431" y="1754989"/>
-            <a:ext cx="2778000" cy="276999"/>
+            <a:off x="5830497" y="6548967"/>
+            <a:ext cx="1034556" cy="2273306"/>
           </a:xfrm>
           <a:prstGeom prst="rect">
             <a:avLst/>
           </a:prstGeom>
           <a:solidFill>
-            <a:srgbClr val="DAE3F1"/>
+            <a:srgbClr val="E8EEF7"/>
+          </a:solidFill>
+          <a:ln>
+            <a:noFill/>
+          </a:ln>
+          <a:effectLst/>
+        </p:spPr>
+        <p:txBody>
+          <a:bodyPr wrap="square" tIns="72000" rtlCol="0">
+            <a:spAutoFit/>
+          </a:bodyPr>
+          <a:lstStyle/>
+          <a:p>
+            <a:r>
+              <a:rPr lang="en-GB" sz="700" dirty="0">
+                <a:latin typeface="Futura (Light)" panose="020B7200000000000000" pitchFamily="34" charset="0"/>
+              </a:rPr>
+              <a:t>Python</a:t>
+            </a:r>
+          </a:p>
+          <a:p>
+            <a:r>
+              <a:rPr lang="en-GB" sz="700" dirty="0">
+                <a:latin typeface="Futura (Light)" panose="020B7200000000000000" pitchFamily="34" charset="0"/>
+              </a:rPr>
+              <a:t>Pandas</a:t>
+            </a:r>
+          </a:p>
+          <a:p>
+            <a:r>
+              <a:rPr lang="en-GB" sz="700" dirty="0">
+                <a:latin typeface="Futura (Light)" panose="020B7200000000000000" pitchFamily="34" charset="0"/>
+              </a:rPr>
+              <a:t>Numpy</a:t>
+            </a:r>
+          </a:p>
+          <a:p>
+            <a:r>
+              <a:rPr lang="en-GB" sz="700" dirty="0">
+                <a:latin typeface="Futura (Light)" panose="020B7200000000000000" pitchFamily="34" charset="0"/>
+              </a:rPr>
+              <a:t>Scikit-Learn</a:t>
+            </a:r>
+          </a:p>
+          <a:p>
+            <a:r>
+              <a:rPr lang="en-GB" sz="700" dirty="0">
+                <a:latin typeface="Futura (Light)" panose="020B7200000000000000" pitchFamily="34" charset="0"/>
+              </a:rPr>
+              <a:t>Keras</a:t>
+            </a:r>
+          </a:p>
+          <a:p>
+            <a:r>
+              <a:rPr lang="en-GB" sz="700" dirty="0">
+                <a:latin typeface="Futura (Light)" panose="020B7200000000000000" pitchFamily="34" charset="0"/>
+              </a:rPr>
+              <a:t>NLTK</a:t>
+            </a:r>
+          </a:p>
+          <a:p>
+            <a:r>
+              <a:rPr lang="en-GB" sz="700" dirty="0">
+                <a:latin typeface="Futura (Light)" panose="020B7200000000000000" pitchFamily="34" charset="0"/>
+              </a:rPr>
+              <a:t>Elasticsearch MongoDB </a:t>
+            </a:r>
+          </a:p>
+          <a:p>
+            <a:r>
+              <a:rPr lang="en-GB" sz="700" dirty="0">
+                <a:latin typeface="Futura (Light)" panose="020B7200000000000000" pitchFamily="34" charset="0"/>
+              </a:rPr>
+              <a:t>SAP HANA</a:t>
+            </a:r>
+          </a:p>
+          <a:p>
+            <a:r>
+              <a:rPr lang="en-GB" sz="700" dirty="0">
+                <a:latin typeface="Futura (Light)" panose="020B7200000000000000" pitchFamily="34" charset="0"/>
+              </a:rPr>
+              <a:t>SAP ABAP</a:t>
+            </a:r>
+          </a:p>
+          <a:p>
+            <a:r>
+              <a:rPr lang="en-GB" sz="700" dirty="0">
+                <a:latin typeface="Futura (Light)" panose="020B7200000000000000" pitchFamily="34" charset="0"/>
+              </a:rPr>
+              <a:t>SAP Security</a:t>
+            </a:r>
+          </a:p>
+          <a:p>
+            <a:r>
+              <a:rPr lang="en-GB" sz="700" dirty="0">
+                <a:latin typeface="Futura (Light)" panose="020B7200000000000000" pitchFamily="34" charset="0"/>
+              </a:rPr>
+              <a:t>ReactJS</a:t>
+            </a:r>
+          </a:p>
+          <a:p>
+            <a:r>
+              <a:rPr lang="en-GB" sz="700" dirty="0">
+                <a:latin typeface="Futura (Light)" panose="020B7200000000000000" pitchFamily="34" charset="0"/>
+              </a:rPr>
+              <a:t>JavaScript</a:t>
+            </a:r>
+          </a:p>
+          <a:p>
+            <a:r>
+              <a:rPr lang="en-GB" sz="700" dirty="0">
+                <a:latin typeface="Futura (Light)" panose="020B7200000000000000" pitchFamily="34" charset="0"/>
+              </a:rPr>
+              <a:t>Amazon AWS</a:t>
+            </a:r>
+          </a:p>
+          <a:p>
+            <a:r>
+              <a:rPr lang="en-GB" sz="700" dirty="0">
+                <a:latin typeface="Futura (Light)" panose="020B7200000000000000" pitchFamily="34" charset="0"/>
+              </a:rPr>
+              <a:t>MS Azure</a:t>
+            </a:r>
+          </a:p>
+          <a:p>
+            <a:r>
+              <a:rPr lang="en-GB" sz="700" dirty="0">
+                <a:latin typeface="Futura (Light)" panose="020B7200000000000000" pitchFamily="34" charset="0"/>
+              </a:rPr>
+              <a:t>Docker</a:t>
+            </a:r>
+          </a:p>
+          <a:p>
+            <a:r>
+              <a:rPr lang="en-GB" sz="700" dirty="0">
+                <a:latin typeface="Futura (Light)" panose="020B7200000000000000" pitchFamily="34" charset="0"/>
+              </a:rPr>
+              <a:t>Git</a:t>
+            </a:r>
+          </a:p>
+          <a:p>
+            <a:r>
+              <a:rPr lang="en-GB" sz="700" dirty="0">
+                <a:latin typeface="Futura (Light)" panose="020B7200000000000000" pitchFamily="34" charset="0"/>
+              </a:rPr>
+              <a:t>GitLab</a:t>
+            </a:r>
+          </a:p>
+          <a:p>
+            <a:r>
+              <a:rPr lang="en-GB" sz="700" dirty="0">
+                <a:latin typeface="Futura (Light)" panose="020B7200000000000000" pitchFamily="34" charset="0"/>
+              </a:rPr>
+              <a:t>Linux</a:t>
+            </a:r>
+          </a:p>
+          <a:p>
+            <a:r>
+              <a:rPr lang="en-GB" sz="700" dirty="0">
+                <a:latin typeface="Futura (Light)" panose="020B7200000000000000" pitchFamily="34" charset="0"/>
+              </a:rPr>
+              <a:t>Windows 10</a:t>
+            </a:r>
+          </a:p>
+        </p:txBody>
+      </p:sp>
+      <p:sp>
+        <p:nvSpPr>
+          <p:cNvPr id="19" name="TextBox 18">
+            <a:extLst>
+              <a:ext uri="{FF2B5EF4-FFF2-40B4-BE49-F238E27FC236}">
+                <a16:creationId xmlns:a16="http://schemas.microsoft.com/office/drawing/2014/main" id="{4EA0DC6C-1932-4035-B3A9-7DE5361F75BC}"/>
+              </a:ext>
+            </a:extLst>
+          </p:cNvPr>
+          <p:cNvSpPr txBox="1"/>
+          <p:nvPr/>
+        </p:nvSpPr>
+        <p:spPr>
+          <a:xfrm>
+            <a:off x="5831131" y="6272901"/>
+            <a:ext cx="1026869" cy="276999"/>
+          </a:xfrm>
+          <a:prstGeom prst="rect">
+            <a:avLst/>
+          </a:prstGeom>
+          <a:solidFill>
+            <a:srgbClr val="E8EEF7"/>
           </a:solidFill>
           <a:effectLst>
             <a:outerShdw blurRad="50800" dist="38100" dir="5400000" algn="t" rotWithShape="0">
@@ -5202,7 +5032,251 @@
               <a:rPr lang="en-GB" sz="1200" b="1" dirty="0">
                 <a:latin typeface="Futura LtCn BT" panose="020B0408020204030204" pitchFamily="34" charset="0"/>
               </a:rPr>
-              <a:t>EDUCATION</a:t>
+              <a:t>TOOLS</a:t>
+            </a:r>
+          </a:p>
+        </p:txBody>
+      </p:sp>
+      <p:sp>
+        <p:nvSpPr>
+          <p:cNvPr id="18" name="TextBox 17">
+            <a:extLst>
+              <a:ext uri="{FF2B5EF4-FFF2-40B4-BE49-F238E27FC236}">
+                <a16:creationId xmlns:a16="http://schemas.microsoft.com/office/drawing/2014/main" id="{ACC8DB70-2E37-4CB9-A23D-982DB6F34156}"/>
+              </a:ext>
+            </a:extLst>
+          </p:cNvPr>
+          <p:cNvSpPr txBox="1"/>
+          <p:nvPr/>
+        </p:nvSpPr>
+        <p:spPr>
+          <a:xfrm>
+            <a:off x="5828131" y="2031194"/>
+            <a:ext cx="1029860" cy="4269600"/>
+          </a:xfrm>
+          <a:prstGeom prst="rect">
+            <a:avLst/>
+          </a:prstGeom>
+          <a:solidFill>
+            <a:srgbClr val="E8EEF7"/>
+          </a:solidFill>
+          <a:ln>
+            <a:noFill/>
+          </a:ln>
+          <a:effectLst/>
+        </p:spPr>
+        <p:txBody>
+          <a:bodyPr wrap="square" tIns="72000" rtlCol="0">
+            <a:spAutoFit/>
+          </a:bodyPr>
+          <a:lstStyle/>
+          <a:p>
+            <a:r>
+              <a:rPr lang="en-GB" sz="1600" b="1" dirty="0">
+                <a:latin typeface="Futura LtCn BT" panose="020B0408020204030204" pitchFamily="34" charset="0"/>
+              </a:rPr>
+              <a:t>23</a:t>
+            </a:r>
+          </a:p>
+          <a:p>
+            <a:r>
+              <a:rPr lang="en-GB" sz="700" dirty="0">
+                <a:latin typeface="Futura (Light)" panose="020B7200000000000000" pitchFamily="34" charset="0"/>
+              </a:rPr>
+              <a:t>LinkedIn Recommendations</a:t>
+            </a:r>
+          </a:p>
+          <a:p>
+            <a:endParaRPr lang="en-GB" sz="600" b="1" dirty="0">
+              <a:latin typeface="Futura LtCn BT" panose="020B0408020204030204" pitchFamily="34" charset="0"/>
+            </a:endParaRPr>
+          </a:p>
+          <a:p>
+            <a:r>
+              <a:rPr lang="en-GB" sz="1600" b="1" dirty="0">
+                <a:latin typeface="Futura LtCn BT" panose="020B0408020204030204" pitchFamily="34" charset="0"/>
+              </a:rPr>
+              <a:t>24</a:t>
+            </a:r>
+          </a:p>
+          <a:p>
+            <a:r>
+              <a:rPr lang="en-GB" sz="700" dirty="0">
+                <a:latin typeface="Futura (Light)" panose="020B7200000000000000" pitchFamily="34" charset="0"/>
+              </a:rPr>
+              <a:t>Years software dev</a:t>
+            </a:r>
+          </a:p>
+          <a:p>
+            <a:endParaRPr lang="en-GB" sz="600" dirty="0">
+              <a:latin typeface="Futura (Light)" panose="020B7200000000000000" pitchFamily="34" charset="0"/>
+            </a:endParaRPr>
+          </a:p>
+          <a:p>
+            <a:r>
+              <a:rPr lang="en-GB" sz="1600" b="1" dirty="0">
+                <a:latin typeface="Futura LtCn BT" panose="020B0408020204030204" pitchFamily="34" charset="0"/>
+              </a:rPr>
+              <a:t>5</a:t>
+            </a:r>
+          </a:p>
+          <a:p>
+            <a:r>
+              <a:rPr lang="en-GB" sz="700" dirty="0">
+                <a:latin typeface="Futura (Light)" panose="020B7200000000000000" pitchFamily="34" charset="0"/>
+              </a:rPr>
+              <a:t>Years  HANA dev</a:t>
+            </a:r>
+          </a:p>
+          <a:p>
+            <a:endParaRPr lang="en-GB" sz="600" b="1" dirty="0">
+              <a:latin typeface="Futura LtCn BT" panose="020B0408020204030204" pitchFamily="34" charset="0"/>
+            </a:endParaRPr>
+          </a:p>
+          <a:p>
+            <a:r>
+              <a:rPr lang="en-GB" sz="1600" b="1" dirty="0">
+                <a:latin typeface="Futura LtCn BT" panose="020B0408020204030204" pitchFamily="34" charset="0"/>
+              </a:rPr>
+              <a:t>36</a:t>
+            </a:r>
+          </a:p>
+          <a:p>
+            <a:r>
+              <a:rPr lang="en-GB" sz="700" dirty="0">
+                <a:latin typeface="Futura (Light)" panose="020B7200000000000000" pitchFamily="34" charset="0"/>
+              </a:rPr>
+              <a:t>Companies provided expertise</a:t>
+            </a:r>
+          </a:p>
+          <a:p>
+            <a:endParaRPr lang="en-GB" sz="600" b="1" dirty="0">
+              <a:latin typeface="Futura LtCn BT" panose="020B0408020204030204" pitchFamily="34" charset="0"/>
+            </a:endParaRPr>
+          </a:p>
+          <a:p>
+            <a:r>
+              <a:rPr lang="en-GB" sz="1600" b="1" dirty="0">
+                <a:latin typeface="Futura LtCn BT" panose="020B0408020204030204" pitchFamily="34" charset="0"/>
+              </a:rPr>
+              <a:t>35</a:t>
+            </a:r>
+          </a:p>
+          <a:p>
+            <a:r>
+              <a:rPr lang="en-GB" sz="700" dirty="0">
+                <a:latin typeface="Futura (Light)" panose="020B7200000000000000" pitchFamily="34" charset="0"/>
+              </a:rPr>
+              <a:t>GitHub Repos</a:t>
+            </a:r>
+          </a:p>
+          <a:p>
+            <a:endParaRPr lang="en-GB" sz="600" b="1" dirty="0">
+              <a:latin typeface="Futura LtCn BT" panose="020B0408020204030204" pitchFamily="34" charset="0"/>
+            </a:endParaRPr>
+          </a:p>
+          <a:p>
+            <a:r>
+              <a:rPr lang="en-GB" sz="1600" b="1" dirty="0">
+                <a:latin typeface="Futura LtCn BT" panose="020B0408020204030204" pitchFamily="34" charset="0"/>
+              </a:rPr>
+              <a:t>8</a:t>
+            </a:r>
+          </a:p>
+          <a:p>
+            <a:r>
+              <a:rPr lang="en-GB" sz="700" dirty="0">
+                <a:latin typeface="Futura (Light)" panose="020B7200000000000000" pitchFamily="34" charset="0"/>
+              </a:rPr>
+              <a:t>Masters modules graded distinction</a:t>
+            </a:r>
+          </a:p>
+          <a:p>
+            <a:endParaRPr lang="en-GB" sz="600" b="1" dirty="0">
+              <a:latin typeface="Futura LtCn BT" panose="020B0408020204030204" pitchFamily="34" charset="0"/>
+            </a:endParaRPr>
+          </a:p>
+          <a:p>
+            <a:r>
+              <a:rPr lang="en-GB" b="1" dirty="0">
+                <a:latin typeface="Futura LtCn BT" panose="020B0408020204030204" pitchFamily="34" charset="0"/>
+              </a:rPr>
+              <a:t>12</a:t>
+            </a:r>
+          </a:p>
+          <a:p>
+            <a:r>
+              <a:rPr lang="en-GB" sz="700" dirty="0">
+                <a:latin typeface="Futura (Light)" panose="020B7200000000000000" pitchFamily="34" charset="0"/>
+              </a:rPr>
+              <a:t>Times  consulting contract extended</a:t>
+            </a:r>
+          </a:p>
+          <a:p>
+            <a:endParaRPr lang="en-GB" sz="600" b="1" dirty="0">
+              <a:latin typeface="Futura LtCn BT" panose="020B0408020204030204" pitchFamily="34" charset="0"/>
+            </a:endParaRPr>
+          </a:p>
+          <a:p>
+            <a:r>
+              <a:rPr lang="en-GB" b="1" dirty="0">
+                <a:latin typeface="Futura LtCn BT" panose="020B0408020204030204" pitchFamily="34" charset="0"/>
+              </a:rPr>
+              <a:t>1</a:t>
+            </a:r>
+          </a:p>
+          <a:p>
+            <a:r>
+              <a:rPr lang="en-GB" sz="800" dirty="0">
+                <a:latin typeface="Futura (Light)" panose="020B7200000000000000" pitchFamily="34" charset="0"/>
+              </a:rPr>
+              <a:t>Individual delivering client centric excellence</a:t>
+            </a:r>
+          </a:p>
+        </p:txBody>
+      </p:sp>
+      <p:sp>
+        <p:nvSpPr>
+          <p:cNvPr id="17" name="TextBox 16">
+            <a:extLst>
+              <a:ext uri="{FF2B5EF4-FFF2-40B4-BE49-F238E27FC236}">
+                <a16:creationId xmlns:a16="http://schemas.microsoft.com/office/drawing/2014/main" id="{A548CB67-3D5D-42D7-A56B-CD53195CB380}"/>
+              </a:ext>
+            </a:extLst>
+          </p:cNvPr>
+          <p:cNvSpPr txBox="1"/>
+          <p:nvPr/>
+        </p:nvSpPr>
+        <p:spPr>
+          <a:xfrm>
+            <a:off x="5824080" y="1754195"/>
+            <a:ext cx="1029860" cy="276999"/>
+          </a:xfrm>
+          <a:prstGeom prst="rect">
+            <a:avLst/>
+          </a:prstGeom>
+          <a:solidFill>
+            <a:srgbClr val="E8EEF7"/>
+          </a:solidFill>
+          <a:effectLst>
+            <a:outerShdw blurRad="50800" dist="38100" dir="5400000" algn="t" rotWithShape="0">
+              <a:prstClr val="black">
+                <a:alpha val="40000"/>
+              </a:prstClr>
+            </a:outerShdw>
+          </a:effectLst>
+        </p:spPr>
+        <p:txBody>
+          <a:bodyPr wrap="square" lIns="72000" rtlCol="0">
+            <a:spAutoFit/>
+          </a:bodyPr>
+          <a:lstStyle/>
+          <a:p>
+            <a:r>
+              <a:rPr lang="en-GB" sz="1200" b="1" dirty="0">
+                <a:latin typeface="Futura LtCn BT" panose="020B0408020204030204" pitchFamily="34" charset="0"/>
+              </a:rPr>
+              <a:t>STATS</a:t>
             </a:r>
           </a:p>
         </p:txBody>
@@ -5215,7 +5289,7 @@
         </p:nvSpPr>
         <p:spPr>
           <a:xfrm>
-            <a:off x="0" y="1508907"/>
+            <a:off x="0" y="1512063"/>
             <a:ext cx="6858656" cy="246221"/>
           </a:xfrm>
           <a:prstGeom prst="rect">

--- a/docs/cv/Jon-Paul Boyd Resume.pptx
+++ b/docs/cv/Jon-Paul Boyd Resume.pptx
@@ -4760,52 +4760,6 @@
       </p:sp>
       <p:sp>
         <p:nvSpPr>
-          <p:cNvPr id="2" name="TextBox 1">
-            <a:extLst>
-              <a:ext uri="{FF2B5EF4-FFF2-40B4-BE49-F238E27FC236}">
-                <a16:creationId xmlns:a16="http://schemas.microsoft.com/office/drawing/2014/main" id="{8A82E7F1-7E38-4B39-8212-1F26279E961A}"/>
-              </a:ext>
-            </a:extLst>
-          </p:cNvPr>
-          <p:cNvSpPr txBox="1"/>
-          <p:nvPr/>
-        </p:nvSpPr>
-        <p:spPr>
-          <a:xfrm>
-            <a:off x="5830497" y="8738446"/>
-            <a:ext cx="1035649" cy="276999"/>
-          </a:xfrm>
-          <a:prstGeom prst="rect">
-            <a:avLst/>
-          </a:prstGeom>
-          <a:solidFill>
-            <a:srgbClr val="E8EEF7"/>
-          </a:solidFill>
-          <a:effectLst>
-            <a:outerShdw blurRad="50800" dist="38100" dir="5400000" algn="t" rotWithShape="0">
-              <a:prstClr val="black">
-                <a:alpha val="40000"/>
-              </a:prstClr>
-            </a:outerShdw>
-          </a:effectLst>
-        </p:spPr>
-        <p:txBody>
-          <a:bodyPr wrap="square" lIns="72000" rtlCol="0">
-            <a:spAutoFit/>
-          </a:bodyPr>
-          <a:lstStyle/>
-          <a:p>
-            <a:r>
-              <a:rPr lang="en-GB" sz="1200" b="1" dirty="0">
-                <a:latin typeface="Futura LtCn BT" panose="020B0408020204030204" pitchFamily="34" charset="0"/>
-              </a:rPr>
-              <a:t>AWARDS</a:t>
-            </a:r>
-          </a:p>
-        </p:txBody>
-      </p:sp>
-      <p:sp>
-        <p:nvSpPr>
           <p:cNvPr id="23" name="TextBox 22">
             <a:extLst>
               <a:ext uri="{FF2B5EF4-FFF2-40B4-BE49-F238E27FC236}">
@@ -4987,296 +4941,6 @@
                 <a:latin typeface="Futura (Light)" panose="020B7200000000000000" pitchFamily="34" charset="0"/>
               </a:rPr>
               <a:t>Windows 10</a:t>
-            </a:r>
-          </a:p>
-        </p:txBody>
-      </p:sp>
-      <p:sp>
-        <p:nvSpPr>
-          <p:cNvPr id="19" name="TextBox 18">
-            <a:extLst>
-              <a:ext uri="{FF2B5EF4-FFF2-40B4-BE49-F238E27FC236}">
-                <a16:creationId xmlns:a16="http://schemas.microsoft.com/office/drawing/2014/main" id="{4EA0DC6C-1932-4035-B3A9-7DE5361F75BC}"/>
-              </a:ext>
-            </a:extLst>
-          </p:cNvPr>
-          <p:cNvSpPr txBox="1"/>
-          <p:nvPr/>
-        </p:nvSpPr>
-        <p:spPr>
-          <a:xfrm>
-            <a:off x="5831131" y="6272901"/>
-            <a:ext cx="1026869" cy="276999"/>
-          </a:xfrm>
-          <a:prstGeom prst="rect">
-            <a:avLst/>
-          </a:prstGeom>
-          <a:solidFill>
-            <a:srgbClr val="E8EEF7"/>
-          </a:solidFill>
-          <a:effectLst>
-            <a:outerShdw blurRad="50800" dist="38100" dir="5400000" algn="t" rotWithShape="0">
-              <a:prstClr val="black">
-                <a:alpha val="40000"/>
-              </a:prstClr>
-            </a:outerShdw>
-          </a:effectLst>
-        </p:spPr>
-        <p:txBody>
-          <a:bodyPr wrap="square" lIns="72000" rtlCol="0">
-            <a:spAutoFit/>
-          </a:bodyPr>
-          <a:lstStyle/>
-          <a:p>
-            <a:r>
-              <a:rPr lang="en-GB" sz="1200" b="1" dirty="0">
-                <a:latin typeface="Futura LtCn BT" panose="020B0408020204030204" pitchFamily="34" charset="0"/>
-              </a:rPr>
-              <a:t>TOOLS</a:t>
-            </a:r>
-          </a:p>
-        </p:txBody>
-      </p:sp>
-      <p:sp>
-        <p:nvSpPr>
-          <p:cNvPr id="18" name="TextBox 17">
-            <a:extLst>
-              <a:ext uri="{FF2B5EF4-FFF2-40B4-BE49-F238E27FC236}">
-                <a16:creationId xmlns:a16="http://schemas.microsoft.com/office/drawing/2014/main" id="{ACC8DB70-2E37-4CB9-A23D-982DB6F34156}"/>
-              </a:ext>
-            </a:extLst>
-          </p:cNvPr>
-          <p:cNvSpPr txBox="1"/>
-          <p:nvPr/>
-        </p:nvSpPr>
-        <p:spPr>
-          <a:xfrm>
-            <a:off x="5828131" y="2031194"/>
-            <a:ext cx="1029860" cy="4269600"/>
-          </a:xfrm>
-          <a:prstGeom prst="rect">
-            <a:avLst/>
-          </a:prstGeom>
-          <a:solidFill>
-            <a:srgbClr val="E8EEF7"/>
-          </a:solidFill>
-          <a:ln>
-            <a:noFill/>
-          </a:ln>
-          <a:effectLst/>
-        </p:spPr>
-        <p:txBody>
-          <a:bodyPr wrap="square" tIns="72000" rtlCol="0">
-            <a:spAutoFit/>
-          </a:bodyPr>
-          <a:lstStyle/>
-          <a:p>
-            <a:r>
-              <a:rPr lang="en-GB" sz="1600" b="1" dirty="0">
-                <a:latin typeface="Futura LtCn BT" panose="020B0408020204030204" pitchFamily="34" charset="0"/>
-              </a:rPr>
-              <a:t>23</a:t>
-            </a:r>
-          </a:p>
-          <a:p>
-            <a:r>
-              <a:rPr lang="en-GB" sz="700" dirty="0">
-                <a:latin typeface="Futura (Light)" panose="020B7200000000000000" pitchFamily="34" charset="0"/>
-              </a:rPr>
-              <a:t>LinkedIn Recommendations</a:t>
-            </a:r>
-          </a:p>
-          <a:p>
-            <a:endParaRPr lang="en-GB" sz="600" b="1" dirty="0">
-              <a:latin typeface="Futura LtCn BT" panose="020B0408020204030204" pitchFamily="34" charset="0"/>
-            </a:endParaRPr>
-          </a:p>
-          <a:p>
-            <a:r>
-              <a:rPr lang="en-GB" sz="1600" b="1" dirty="0">
-                <a:latin typeface="Futura LtCn BT" panose="020B0408020204030204" pitchFamily="34" charset="0"/>
-              </a:rPr>
-              <a:t>24</a:t>
-            </a:r>
-          </a:p>
-          <a:p>
-            <a:r>
-              <a:rPr lang="en-GB" sz="700" dirty="0">
-                <a:latin typeface="Futura (Light)" panose="020B7200000000000000" pitchFamily="34" charset="0"/>
-              </a:rPr>
-              <a:t>Years software dev</a:t>
-            </a:r>
-          </a:p>
-          <a:p>
-            <a:endParaRPr lang="en-GB" sz="600" dirty="0">
-              <a:latin typeface="Futura (Light)" panose="020B7200000000000000" pitchFamily="34" charset="0"/>
-            </a:endParaRPr>
-          </a:p>
-          <a:p>
-            <a:r>
-              <a:rPr lang="en-GB" sz="1600" b="1" dirty="0">
-                <a:latin typeface="Futura LtCn BT" panose="020B0408020204030204" pitchFamily="34" charset="0"/>
-              </a:rPr>
-              <a:t>5</a:t>
-            </a:r>
-          </a:p>
-          <a:p>
-            <a:r>
-              <a:rPr lang="en-GB" sz="700" dirty="0">
-                <a:latin typeface="Futura (Light)" panose="020B7200000000000000" pitchFamily="34" charset="0"/>
-              </a:rPr>
-              <a:t>Years  HANA dev</a:t>
-            </a:r>
-          </a:p>
-          <a:p>
-            <a:endParaRPr lang="en-GB" sz="600" b="1" dirty="0">
-              <a:latin typeface="Futura LtCn BT" panose="020B0408020204030204" pitchFamily="34" charset="0"/>
-            </a:endParaRPr>
-          </a:p>
-          <a:p>
-            <a:r>
-              <a:rPr lang="en-GB" sz="1600" b="1" dirty="0">
-                <a:latin typeface="Futura LtCn BT" panose="020B0408020204030204" pitchFamily="34" charset="0"/>
-              </a:rPr>
-              <a:t>36</a:t>
-            </a:r>
-          </a:p>
-          <a:p>
-            <a:r>
-              <a:rPr lang="en-GB" sz="700" dirty="0">
-                <a:latin typeface="Futura (Light)" panose="020B7200000000000000" pitchFamily="34" charset="0"/>
-              </a:rPr>
-              <a:t>Companies provided expertise</a:t>
-            </a:r>
-          </a:p>
-          <a:p>
-            <a:endParaRPr lang="en-GB" sz="600" b="1" dirty="0">
-              <a:latin typeface="Futura LtCn BT" panose="020B0408020204030204" pitchFamily="34" charset="0"/>
-            </a:endParaRPr>
-          </a:p>
-          <a:p>
-            <a:r>
-              <a:rPr lang="en-GB" sz="1600" b="1" dirty="0">
-                <a:latin typeface="Futura LtCn BT" panose="020B0408020204030204" pitchFamily="34" charset="0"/>
-              </a:rPr>
-              <a:t>35</a:t>
-            </a:r>
-          </a:p>
-          <a:p>
-            <a:r>
-              <a:rPr lang="en-GB" sz="700" dirty="0">
-                <a:latin typeface="Futura (Light)" panose="020B7200000000000000" pitchFamily="34" charset="0"/>
-              </a:rPr>
-              <a:t>GitHub Repos</a:t>
-            </a:r>
-          </a:p>
-          <a:p>
-            <a:endParaRPr lang="en-GB" sz="600" b="1" dirty="0">
-              <a:latin typeface="Futura LtCn BT" panose="020B0408020204030204" pitchFamily="34" charset="0"/>
-            </a:endParaRPr>
-          </a:p>
-          <a:p>
-            <a:r>
-              <a:rPr lang="en-GB" sz="1600" b="1" dirty="0">
-                <a:latin typeface="Futura LtCn BT" panose="020B0408020204030204" pitchFamily="34" charset="0"/>
-              </a:rPr>
-              <a:t>8</a:t>
-            </a:r>
-          </a:p>
-          <a:p>
-            <a:r>
-              <a:rPr lang="en-GB" sz="700" dirty="0">
-                <a:latin typeface="Futura (Light)" panose="020B7200000000000000" pitchFamily="34" charset="0"/>
-              </a:rPr>
-              <a:t>Masters modules graded distinction</a:t>
-            </a:r>
-          </a:p>
-          <a:p>
-            <a:endParaRPr lang="en-GB" sz="600" b="1" dirty="0">
-              <a:latin typeface="Futura LtCn BT" panose="020B0408020204030204" pitchFamily="34" charset="0"/>
-            </a:endParaRPr>
-          </a:p>
-          <a:p>
-            <a:r>
-              <a:rPr lang="en-GB" b="1" dirty="0">
-                <a:latin typeface="Futura LtCn BT" panose="020B0408020204030204" pitchFamily="34" charset="0"/>
-              </a:rPr>
-              <a:t>12</a:t>
-            </a:r>
-          </a:p>
-          <a:p>
-            <a:r>
-              <a:rPr lang="en-GB" sz="700" dirty="0">
-                <a:latin typeface="Futura (Light)" panose="020B7200000000000000" pitchFamily="34" charset="0"/>
-              </a:rPr>
-              <a:t>Times  consulting contract extended</a:t>
-            </a:r>
-          </a:p>
-          <a:p>
-            <a:endParaRPr lang="en-GB" sz="600" b="1" dirty="0">
-              <a:latin typeface="Futura LtCn BT" panose="020B0408020204030204" pitchFamily="34" charset="0"/>
-            </a:endParaRPr>
-          </a:p>
-          <a:p>
-            <a:r>
-              <a:rPr lang="en-GB" b="1" dirty="0">
-                <a:latin typeface="Futura LtCn BT" panose="020B0408020204030204" pitchFamily="34" charset="0"/>
-              </a:rPr>
-              <a:t>1</a:t>
-            </a:r>
-          </a:p>
-          <a:p>
-            <a:r>
-              <a:rPr lang="en-GB" sz="800" dirty="0">
-                <a:latin typeface="Futura (Light)" panose="020B7200000000000000" pitchFamily="34" charset="0"/>
-              </a:rPr>
-              <a:t>Individual delivering client centric excellence</a:t>
-            </a:r>
-          </a:p>
-        </p:txBody>
-      </p:sp>
-      <p:sp>
-        <p:nvSpPr>
-          <p:cNvPr id="17" name="TextBox 16">
-            <a:extLst>
-              <a:ext uri="{FF2B5EF4-FFF2-40B4-BE49-F238E27FC236}">
-                <a16:creationId xmlns:a16="http://schemas.microsoft.com/office/drawing/2014/main" id="{A548CB67-3D5D-42D7-A56B-CD53195CB380}"/>
-              </a:ext>
-            </a:extLst>
-          </p:cNvPr>
-          <p:cNvSpPr txBox="1"/>
-          <p:nvPr/>
-        </p:nvSpPr>
-        <p:spPr>
-          <a:xfrm>
-            <a:off x="5824080" y="1754195"/>
-            <a:ext cx="1029860" cy="276999"/>
-          </a:xfrm>
-          <a:prstGeom prst="rect">
-            <a:avLst/>
-          </a:prstGeom>
-          <a:solidFill>
-            <a:srgbClr val="E8EEF7"/>
-          </a:solidFill>
-          <a:effectLst>
-            <a:outerShdw blurRad="50800" dist="38100" dir="5400000" algn="t" rotWithShape="0">
-              <a:prstClr val="black">
-                <a:alpha val="40000"/>
-              </a:prstClr>
-            </a:outerShdw>
-          </a:effectLst>
-        </p:spPr>
-        <p:txBody>
-          <a:bodyPr wrap="square" lIns="72000" rtlCol="0">
-            <a:spAutoFit/>
-          </a:bodyPr>
-          <a:lstStyle/>
-          <a:p>
-            <a:r>
-              <a:rPr lang="en-GB" sz="1200" b="1" dirty="0">
-                <a:latin typeface="Futura LtCn BT" panose="020B0408020204030204" pitchFamily="34" charset="0"/>
-              </a:rPr>
-              <a:t>STATS</a:t>
             </a:r>
           </a:p>
         </p:txBody>
@@ -5574,6 +5238,342 @@
           </a:prstGeom>
         </p:spPr>
       </p:pic>
+      <p:sp>
+        <p:nvSpPr>
+          <p:cNvPr id="18" name="TextBox 17">
+            <a:extLst>
+              <a:ext uri="{FF2B5EF4-FFF2-40B4-BE49-F238E27FC236}">
+                <a16:creationId xmlns:a16="http://schemas.microsoft.com/office/drawing/2014/main" id="{ACC8DB70-2E37-4CB9-A23D-982DB6F34156}"/>
+              </a:ext>
+            </a:extLst>
+          </p:cNvPr>
+          <p:cNvSpPr txBox="1"/>
+          <p:nvPr/>
+        </p:nvSpPr>
+        <p:spPr>
+          <a:xfrm>
+            <a:off x="5828131" y="2031194"/>
+            <a:ext cx="1029860" cy="4350797"/>
+          </a:xfrm>
+          <a:prstGeom prst="rect">
+            <a:avLst/>
+          </a:prstGeom>
+          <a:solidFill>
+            <a:srgbClr val="E8EEF7"/>
+          </a:solidFill>
+          <a:ln>
+            <a:noFill/>
+          </a:ln>
+          <a:effectLst/>
+        </p:spPr>
+        <p:txBody>
+          <a:bodyPr wrap="square" tIns="72000" rtlCol="0">
+            <a:spAutoFit/>
+          </a:bodyPr>
+          <a:lstStyle/>
+          <a:p>
+            <a:r>
+              <a:rPr lang="en-GB" sz="1600" b="1" dirty="0">
+                <a:latin typeface="Futura LtCn BT" panose="020B0408020204030204" pitchFamily="34" charset="0"/>
+              </a:rPr>
+              <a:t>23</a:t>
+            </a:r>
+          </a:p>
+          <a:p>
+            <a:r>
+              <a:rPr lang="en-GB" sz="700" dirty="0">
+                <a:latin typeface="Futura (Light)" panose="020B7200000000000000" pitchFamily="34" charset="0"/>
+              </a:rPr>
+              <a:t>LinkedIn Recommendations</a:t>
+            </a:r>
+          </a:p>
+          <a:p>
+            <a:endParaRPr lang="en-GB" sz="600" b="1" dirty="0">
+              <a:latin typeface="Futura LtCn BT" panose="020B0408020204030204" pitchFamily="34" charset="0"/>
+            </a:endParaRPr>
+          </a:p>
+          <a:p>
+            <a:r>
+              <a:rPr lang="en-GB" sz="1600" b="1" dirty="0">
+                <a:latin typeface="Futura LtCn BT" panose="020B0408020204030204" pitchFamily="34" charset="0"/>
+              </a:rPr>
+              <a:t>25</a:t>
+            </a:r>
+          </a:p>
+          <a:p>
+            <a:r>
+              <a:rPr lang="en-GB" sz="700" dirty="0">
+                <a:latin typeface="Futura (Light)" panose="020B7200000000000000" pitchFamily="34" charset="0"/>
+              </a:rPr>
+              <a:t>Years software dev</a:t>
+            </a:r>
+          </a:p>
+          <a:p>
+            <a:endParaRPr lang="en-GB" sz="600" dirty="0">
+              <a:latin typeface="Futura (Light)" panose="020B7200000000000000" pitchFamily="34" charset="0"/>
+            </a:endParaRPr>
+          </a:p>
+          <a:p>
+            <a:r>
+              <a:rPr lang="en-GB" sz="1600" b="1" dirty="0">
+                <a:latin typeface="Futura LtCn BT" panose="020B0408020204030204" pitchFamily="34" charset="0"/>
+              </a:rPr>
+              <a:t>5</a:t>
+            </a:r>
+          </a:p>
+          <a:p>
+            <a:r>
+              <a:rPr lang="en-GB" sz="700" dirty="0">
+                <a:latin typeface="Futura (Light)" panose="020B7200000000000000" pitchFamily="34" charset="0"/>
+              </a:rPr>
+              <a:t>Years HANA dev</a:t>
+            </a:r>
+          </a:p>
+          <a:p>
+            <a:endParaRPr lang="en-GB" sz="600" b="1" dirty="0">
+              <a:latin typeface="Futura LtCn BT" panose="020B0408020204030204" pitchFamily="34" charset="0"/>
+            </a:endParaRPr>
+          </a:p>
+          <a:p>
+            <a:r>
+              <a:rPr lang="en-GB" sz="1600" b="1" dirty="0">
+                <a:latin typeface="Futura LtCn BT" panose="020B0408020204030204" pitchFamily="34" charset="0"/>
+              </a:rPr>
+              <a:t>36</a:t>
+            </a:r>
+          </a:p>
+          <a:p>
+            <a:r>
+              <a:rPr lang="en-GB" sz="700" dirty="0">
+                <a:latin typeface="Futura (Light)" panose="020B7200000000000000" pitchFamily="34" charset="0"/>
+              </a:rPr>
+              <a:t>Companies provided expertise</a:t>
+            </a:r>
+          </a:p>
+          <a:p>
+            <a:endParaRPr lang="en-GB" sz="600" b="1" dirty="0">
+              <a:latin typeface="Futura LtCn BT" panose="020B0408020204030204" pitchFamily="34" charset="0"/>
+            </a:endParaRPr>
+          </a:p>
+          <a:p>
+            <a:r>
+              <a:rPr lang="en-GB" sz="1600" b="1" dirty="0">
+                <a:latin typeface="Futura LtCn BT" panose="020B0408020204030204" pitchFamily="34" charset="0"/>
+              </a:rPr>
+              <a:t>35</a:t>
+            </a:r>
+          </a:p>
+          <a:p>
+            <a:r>
+              <a:rPr lang="en-GB" sz="700" dirty="0">
+                <a:latin typeface="Futura (Light)" panose="020B7200000000000000" pitchFamily="34" charset="0"/>
+              </a:rPr>
+              <a:t>GitHub Repos</a:t>
+            </a:r>
+          </a:p>
+          <a:p>
+            <a:endParaRPr lang="en-GB" sz="600" b="1" dirty="0">
+              <a:latin typeface="Futura LtCn BT" panose="020B0408020204030204" pitchFamily="34" charset="0"/>
+            </a:endParaRPr>
+          </a:p>
+          <a:p>
+            <a:r>
+              <a:rPr lang="en-GB" sz="1600" b="1" dirty="0">
+                <a:latin typeface="Futura LtCn BT" panose="020B0408020204030204" pitchFamily="34" charset="0"/>
+              </a:rPr>
+              <a:t>8</a:t>
+            </a:r>
+          </a:p>
+          <a:p>
+            <a:r>
+              <a:rPr lang="en-GB" sz="700" dirty="0">
+                <a:latin typeface="Futura (Light)" panose="020B7200000000000000" pitchFamily="34" charset="0"/>
+              </a:rPr>
+              <a:t>Masters modules graded distinction</a:t>
+            </a:r>
+          </a:p>
+          <a:p>
+            <a:endParaRPr lang="en-GB" sz="600" b="1" dirty="0">
+              <a:latin typeface="Futura LtCn BT" panose="020B0408020204030204" pitchFamily="34" charset="0"/>
+            </a:endParaRPr>
+          </a:p>
+          <a:p>
+            <a:r>
+              <a:rPr lang="en-GB" b="1" dirty="0">
+                <a:latin typeface="Futura LtCn BT" panose="020B0408020204030204" pitchFamily="34" charset="0"/>
+              </a:rPr>
+              <a:t>12</a:t>
+            </a:r>
+          </a:p>
+          <a:p>
+            <a:r>
+              <a:rPr lang="en-GB" sz="700" dirty="0">
+                <a:latin typeface="Futura (Light)" panose="020B7200000000000000" pitchFamily="34" charset="0"/>
+              </a:rPr>
+              <a:t>Times  consulting contract extended</a:t>
+            </a:r>
+          </a:p>
+          <a:p>
+            <a:endParaRPr lang="en-GB" sz="600" b="1" dirty="0">
+              <a:latin typeface="Futura LtCn BT" panose="020B0408020204030204" pitchFamily="34" charset="0"/>
+            </a:endParaRPr>
+          </a:p>
+          <a:p>
+            <a:r>
+              <a:rPr lang="en-GB" b="1" dirty="0">
+                <a:latin typeface="Futura LtCn BT" panose="020B0408020204030204" pitchFamily="34" charset="0"/>
+              </a:rPr>
+              <a:t>1</a:t>
+            </a:r>
+          </a:p>
+          <a:p>
+            <a:r>
+              <a:rPr lang="en-GB" sz="800" dirty="0">
+                <a:latin typeface="Futura (Light)" panose="020B7200000000000000" pitchFamily="34" charset="0"/>
+              </a:rPr>
+              <a:t>Individual delivering client centric excellence</a:t>
+            </a:r>
+          </a:p>
+        </p:txBody>
+      </p:sp>
+      <p:sp>
+        <p:nvSpPr>
+          <p:cNvPr id="19" name="TextBox 18">
+            <a:extLst>
+              <a:ext uri="{FF2B5EF4-FFF2-40B4-BE49-F238E27FC236}">
+                <a16:creationId xmlns:a16="http://schemas.microsoft.com/office/drawing/2014/main" id="{4EA0DC6C-1932-4035-B3A9-7DE5361F75BC}"/>
+              </a:ext>
+            </a:extLst>
+          </p:cNvPr>
+          <p:cNvSpPr txBox="1"/>
+          <p:nvPr/>
+        </p:nvSpPr>
+        <p:spPr>
+          <a:xfrm>
+            <a:off x="5831131" y="6272901"/>
+            <a:ext cx="1026869" cy="276999"/>
+          </a:xfrm>
+          <a:prstGeom prst="rect">
+            <a:avLst/>
+          </a:prstGeom>
+          <a:solidFill>
+            <a:srgbClr val="E8EEF7"/>
+          </a:solidFill>
+          <a:effectLst>
+            <a:outerShdw blurRad="50800" dist="38100" dir="5400000" algn="t" rotWithShape="0">
+              <a:prstClr val="black">
+                <a:alpha val="40000"/>
+              </a:prstClr>
+            </a:outerShdw>
+          </a:effectLst>
+        </p:spPr>
+        <p:txBody>
+          <a:bodyPr wrap="square" lIns="72000" rtlCol="0">
+            <a:spAutoFit/>
+          </a:bodyPr>
+          <a:lstStyle/>
+          <a:p>
+            <a:r>
+              <a:rPr lang="en-GB" sz="1200" b="1" dirty="0">
+                <a:latin typeface="Futura LtCn BT" panose="020B0408020204030204" pitchFamily="34" charset="0"/>
+              </a:rPr>
+              <a:t>TOOLS</a:t>
+            </a:r>
+          </a:p>
+        </p:txBody>
+      </p:sp>
+      <p:sp>
+        <p:nvSpPr>
+          <p:cNvPr id="2" name="TextBox 1">
+            <a:extLst>
+              <a:ext uri="{FF2B5EF4-FFF2-40B4-BE49-F238E27FC236}">
+                <a16:creationId xmlns:a16="http://schemas.microsoft.com/office/drawing/2014/main" id="{8A82E7F1-7E38-4B39-8212-1F26279E961A}"/>
+              </a:ext>
+            </a:extLst>
+          </p:cNvPr>
+          <p:cNvSpPr txBox="1"/>
+          <p:nvPr/>
+        </p:nvSpPr>
+        <p:spPr>
+          <a:xfrm>
+            <a:off x="5830497" y="8738446"/>
+            <a:ext cx="1035649" cy="276999"/>
+          </a:xfrm>
+          <a:prstGeom prst="rect">
+            <a:avLst/>
+          </a:prstGeom>
+          <a:solidFill>
+            <a:srgbClr val="E8EEF7"/>
+          </a:solidFill>
+          <a:effectLst>
+            <a:outerShdw blurRad="50800" dist="38100" dir="5400000" algn="t" rotWithShape="0">
+              <a:prstClr val="black">
+                <a:alpha val="40000"/>
+              </a:prstClr>
+            </a:outerShdw>
+          </a:effectLst>
+        </p:spPr>
+        <p:txBody>
+          <a:bodyPr wrap="square" lIns="72000" rtlCol="0">
+            <a:spAutoFit/>
+          </a:bodyPr>
+          <a:lstStyle/>
+          <a:p>
+            <a:r>
+              <a:rPr lang="en-GB" sz="1200" b="1" dirty="0">
+                <a:latin typeface="Futura LtCn BT" panose="020B0408020204030204" pitchFamily="34" charset="0"/>
+              </a:rPr>
+              <a:t>AWARDS</a:t>
+            </a:r>
+          </a:p>
+        </p:txBody>
+      </p:sp>
+      <p:sp>
+        <p:nvSpPr>
+          <p:cNvPr id="17" name="TextBox 16">
+            <a:extLst>
+              <a:ext uri="{FF2B5EF4-FFF2-40B4-BE49-F238E27FC236}">
+                <a16:creationId xmlns:a16="http://schemas.microsoft.com/office/drawing/2014/main" id="{A548CB67-3D5D-42D7-A56B-CD53195CB380}"/>
+              </a:ext>
+            </a:extLst>
+          </p:cNvPr>
+          <p:cNvSpPr txBox="1"/>
+          <p:nvPr/>
+        </p:nvSpPr>
+        <p:spPr>
+          <a:xfrm>
+            <a:off x="5824080" y="1754195"/>
+            <a:ext cx="1029860" cy="276999"/>
+          </a:xfrm>
+          <a:prstGeom prst="rect">
+            <a:avLst/>
+          </a:prstGeom>
+          <a:solidFill>
+            <a:srgbClr val="E8EEF7"/>
+          </a:solidFill>
+          <a:effectLst>
+            <a:outerShdw blurRad="50800" dist="38100" dir="5400000" algn="t" rotWithShape="0">
+              <a:prstClr val="black">
+                <a:alpha val="40000"/>
+              </a:prstClr>
+            </a:outerShdw>
+          </a:effectLst>
+        </p:spPr>
+        <p:txBody>
+          <a:bodyPr wrap="square" lIns="72000" rtlCol="0">
+            <a:spAutoFit/>
+          </a:bodyPr>
+          <a:lstStyle/>
+          <a:p>
+            <a:r>
+              <a:rPr lang="en-GB" sz="1200" b="1" dirty="0">
+                <a:latin typeface="Futura LtCn BT" panose="020B0408020204030204" pitchFamily="34" charset="0"/>
+              </a:rPr>
+              <a:t>STATS</a:t>
+            </a:r>
+          </a:p>
+        </p:txBody>
+      </p:sp>
     </p:spTree>
     <p:extLst>
       <p:ext uri="{BB962C8B-B14F-4D97-AF65-F5344CB8AC3E}">

--- a/docs/cv/Jon-Paul Boyd Resume.pptx
+++ b/docs/cv/Jon-Paul Boyd Resume.pptx
@@ -4947,299 +4947,6 @@
       </p:sp>
       <p:sp>
         <p:nvSpPr>
-          <p:cNvPr id="29" name="TextBox 28"/>
-          <p:cNvSpPr txBox="1"/>
-          <p:nvPr/>
-        </p:nvSpPr>
-        <p:spPr>
-          <a:xfrm>
-            <a:off x="0" y="1512063"/>
-            <a:ext cx="6858656" cy="246221"/>
-          </a:xfrm>
-          <a:prstGeom prst="rect">
-            <a:avLst/>
-          </a:prstGeom>
-          <a:solidFill>
-            <a:schemeClr val="tx1"/>
-          </a:solidFill>
-        </p:spPr>
-        <p:txBody>
-          <a:bodyPr wrap="square" rtlCol="0">
-            <a:spAutoFit/>
-          </a:bodyPr>
-          <a:lstStyle/>
-          <a:p>
-            <a:r>
-              <a:rPr lang="en-GB" sz="1000" b="1" dirty="0">
-                <a:solidFill>
-                  <a:schemeClr val="bg1"/>
-                </a:solidFill>
-                <a:latin typeface="Futura (Light)" panose="020B7200000000000000" pitchFamily="34" charset="0"/>
-              </a:rPr>
-              <a:t>   +41 (0)79 952 18 81              </a:t>
-            </a:r>
-            <a:r>
-              <a:rPr lang="en-GB" sz="1000" b="1" dirty="0">
-                <a:solidFill>
-                  <a:schemeClr val="bg1"/>
-                </a:solidFill>
-                <a:latin typeface="Futura (Light)" panose="020B7200000000000000" pitchFamily="34" charset="0"/>
-                <a:hlinkClick r:id="rId4"/>
-              </a:rPr>
-              <a:t>jp@corticalstack.ai</a:t>
-            </a:r>
-            <a:r>
-              <a:rPr lang="en-GB" sz="1000" b="1" dirty="0">
-                <a:solidFill>
-                  <a:schemeClr val="bg1"/>
-                </a:solidFill>
-                <a:latin typeface="Futura (Light)" panose="020B7200000000000000" pitchFamily="34" charset="0"/>
-              </a:rPr>
-              <a:t>              </a:t>
-            </a:r>
-            <a:r>
-              <a:rPr lang="en-GB" sz="1000" b="1" dirty="0">
-                <a:solidFill>
-                  <a:schemeClr val="bg1"/>
-                </a:solidFill>
-                <a:latin typeface="Futura (Light)" panose="020B7200000000000000" pitchFamily="34" charset="0"/>
-                <a:hlinkClick r:id="rId5"/>
-              </a:rPr>
-              <a:t>corticalstack.ai</a:t>
-            </a:r>
-            <a:r>
-              <a:rPr lang="en-GB" sz="1000" b="1" dirty="0">
-                <a:solidFill>
-                  <a:schemeClr val="bg1"/>
-                </a:solidFill>
-                <a:latin typeface="Futura (Light)" panose="020B7200000000000000" pitchFamily="34" charset="0"/>
-              </a:rPr>
-              <a:t>              </a:t>
-            </a:r>
-            <a:r>
-              <a:rPr lang="en-GB" sz="1000" b="1" dirty="0" err="1">
-                <a:solidFill>
-                  <a:schemeClr val="bg1"/>
-                </a:solidFill>
-                <a:latin typeface="Futura (Light)" panose="020B7200000000000000" pitchFamily="34" charset="0"/>
-                <a:hlinkClick r:id="rId6"/>
-              </a:rPr>
-              <a:t>jonpaulboyd</a:t>
-            </a:r>
-            <a:r>
-              <a:rPr lang="en-GB" sz="1000" b="1" dirty="0">
-                <a:solidFill>
-                  <a:schemeClr val="bg1"/>
-                </a:solidFill>
-                <a:latin typeface="Futura (Light)" panose="020B7200000000000000" pitchFamily="34" charset="0"/>
-              </a:rPr>
-              <a:t>             </a:t>
-            </a:r>
-            <a:r>
-              <a:rPr lang="en-GB" sz="1000" b="1" dirty="0" err="1">
-                <a:solidFill>
-                  <a:schemeClr val="bg1"/>
-                </a:solidFill>
-                <a:latin typeface="Futura (Light)" panose="020B7200000000000000" pitchFamily="34" charset="0"/>
-                <a:hlinkClick r:id="rId7"/>
-              </a:rPr>
-              <a:t>Nyon</a:t>
-            </a:r>
-            <a:r>
-              <a:rPr lang="en-GB" sz="1000" b="1" dirty="0">
-                <a:solidFill>
-                  <a:schemeClr val="bg1"/>
-                </a:solidFill>
-                <a:latin typeface="Futura (Light)" panose="020B7200000000000000" pitchFamily="34" charset="0"/>
-                <a:hlinkClick r:id="rId7"/>
-              </a:rPr>
-              <a:t>, CH</a:t>
-            </a:r>
-            <a:endParaRPr lang="en-GB" sz="1000" b="1" dirty="0">
-              <a:solidFill>
-                <a:schemeClr val="bg1"/>
-              </a:solidFill>
-              <a:latin typeface="Futura (Light)" panose="020B7200000000000000" pitchFamily="34" charset="0"/>
-            </a:endParaRPr>
-          </a:p>
-        </p:txBody>
-      </p:sp>
-      <p:pic>
-        <p:nvPicPr>
-          <p:cNvPr id="7" name="Graphic 6">
-            <a:extLst>
-              <a:ext uri="{FF2B5EF4-FFF2-40B4-BE49-F238E27FC236}">
-                <a16:creationId xmlns:a16="http://schemas.microsoft.com/office/drawing/2014/main" id="{F681C506-9784-4353-93B2-454944183C7E}"/>
-              </a:ext>
-            </a:extLst>
-          </p:cNvPr>
-          <p:cNvPicPr>
-            <a:picLocks noChangeAspect="1"/>
-          </p:cNvPicPr>
-          <p:nvPr/>
-        </p:nvPicPr>
-        <p:blipFill>
-          <a:blip r:embed="rId8">
-            <a:extLst>
-              <a:ext uri="{96DAC541-7B7A-43D3-8B79-37D633B846F1}">
-                <asvg:svgBlip xmlns:asvg="http://schemas.microsoft.com/office/drawing/2016/SVG/main" r:embed="rId9"/>
-              </a:ext>
-            </a:extLst>
-          </a:blip>
-          <a:stretch>
-            <a:fillRect/>
-          </a:stretch>
-        </p:blipFill>
-        <p:spPr>
-          <a:xfrm>
-            <a:off x="59246" y="1549910"/>
-            <a:ext cx="162000" cy="162000"/>
-          </a:xfrm>
-          <a:prstGeom prst="rect">
-            <a:avLst/>
-          </a:prstGeom>
-        </p:spPr>
-      </p:pic>
-      <p:pic>
-        <p:nvPicPr>
-          <p:cNvPr id="8" name="Graphic 7">
-            <a:extLst>
-              <a:ext uri="{FF2B5EF4-FFF2-40B4-BE49-F238E27FC236}">
-                <a16:creationId xmlns:a16="http://schemas.microsoft.com/office/drawing/2014/main" id="{A9A6310D-2DCC-415C-B430-05CAA567A830}"/>
-              </a:ext>
-            </a:extLst>
-          </p:cNvPr>
-          <p:cNvPicPr>
-            <a:picLocks noChangeAspect="1"/>
-          </p:cNvPicPr>
-          <p:nvPr/>
-        </p:nvPicPr>
-        <p:blipFill>
-          <a:blip r:embed="rId10">
-            <a:extLst>
-              <a:ext uri="{96DAC541-7B7A-43D3-8B79-37D633B846F1}">
-                <asvg:svgBlip xmlns:asvg="http://schemas.microsoft.com/office/drawing/2016/SVG/main" r:embed="rId11"/>
-              </a:ext>
-            </a:extLst>
-          </a:blip>
-          <a:stretch>
-            <a:fillRect/>
-          </a:stretch>
-        </p:blipFill>
-        <p:spPr>
-          <a:xfrm>
-            <a:off x="1652396" y="1553053"/>
-            <a:ext cx="180000" cy="180000"/>
-          </a:xfrm>
-          <a:prstGeom prst="rect">
-            <a:avLst/>
-          </a:prstGeom>
-        </p:spPr>
-      </p:pic>
-      <p:pic>
-        <p:nvPicPr>
-          <p:cNvPr id="9" name="Graphic 8">
-            <a:extLst>
-              <a:ext uri="{FF2B5EF4-FFF2-40B4-BE49-F238E27FC236}">
-                <a16:creationId xmlns:a16="http://schemas.microsoft.com/office/drawing/2014/main" id="{68F9F7E6-5895-44CA-B572-CB24E7CE27CA}"/>
-              </a:ext>
-            </a:extLst>
-          </p:cNvPr>
-          <p:cNvPicPr>
-            <a:picLocks noChangeAspect="1"/>
-          </p:cNvPicPr>
-          <p:nvPr/>
-        </p:nvPicPr>
-        <p:blipFill>
-          <a:blip r:embed="rId12">
-            <a:extLst>
-              <a:ext uri="{96DAC541-7B7A-43D3-8B79-37D633B846F1}">
-                <asvg:svgBlip xmlns:asvg="http://schemas.microsoft.com/office/drawing/2016/SVG/main" r:embed="rId13"/>
-              </a:ext>
-            </a:extLst>
-          </a:blip>
-          <a:stretch>
-            <a:fillRect/>
-          </a:stretch>
-        </p:blipFill>
-        <p:spPr>
-          <a:xfrm>
-            <a:off x="3322792" y="1562375"/>
-            <a:ext cx="162000" cy="162000"/>
-          </a:xfrm>
-          <a:prstGeom prst="rect">
-            <a:avLst/>
-          </a:prstGeom>
-        </p:spPr>
-      </p:pic>
-      <p:pic>
-        <p:nvPicPr>
-          <p:cNvPr id="32" name="Picture 31" descr="A picture containing drawing&#10;&#10;Description automatically generated">
-            <a:extLst>
-              <a:ext uri="{FF2B5EF4-FFF2-40B4-BE49-F238E27FC236}">
-                <a16:creationId xmlns:a16="http://schemas.microsoft.com/office/drawing/2014/main" id="{5ADAAD93-322B-4C8C-A944-913752A47848}"/>
-              </a:ext>
-            </a:extLst>
-          </p:cNvPr>
-          <p:cNvPicPr>
-            <a:picLocks noChangeAspect="1"/>
-          </p:cNvPicPr>
-          <p:nvPr/>
-        </p:nvPicPr>
-        <p:blipFill>
-          <a:blip r:embed="rId14"/>
-          <a:stretch>
-            <a:fillRect/>
-          </a:stretch>
-        </p:blipFill>
-        <p:spPr>
-          <a:xfrm>
-            <a:off x="4753586" y="1562053"/>
-            <a:ext cx="162302" cy="162000"/>
-          </a:xfrm>
-          <a:prstGeom prst="rect">
-            <a:avLst/>
-          </a:prstGeom>
-        </p:spPr>
-      </p:pic>
-      <p:pic>
-        <p:nvPicPr>
-          <p:cNvPr id="11" name="Graphic 10">
-            <a:extLst>
-              <a:ext uri="{FF2B5EF4-FFF2-40B4-BE49-F238E27FC236}">
-                <a16:creationId xmlns:a16="http://schemas.microsoft.com/office/drawing/2014/main" id="{0878D13F-62D9-427F-A529-5D0D53752E9D}"/>
-              </a:ext>
-            </a:extLst>
-          </p:cNvPr>
-          <p:cNvPicPr>
-            <a:picLocks noChangeAspect="1"/>
-          </p:cNvPicPr>
-          <p:nvPr/>
-        </p:nvPicPr>
-        <p:blipFill>
-          <a:blip r:embed="rId15">
-            <a:extLst>
-              <a:ext uri="{96DAC541-7B7A-43D3-8B79-37D633B846F1}">
-                <asvg:svgBlip xmlns:asvg="http://schemas.microsoft.com/office/drawing/2016/SVG/main" r:embed="rId16"/>
-              </a:ext>
-            </a:extLst>
-          </a:blip>
-          <a:stretch>
-            <a:fillRect/>
-          </a:stretch>
-        </p:blipFill>
-        <p:spPr>
-          <a:xfrm>
-            <a:off x="6029032" y="1557529"/>
-            <a:ext cx="162000" cy="162000"/>
-          </a:xfrm>
-          <a:prstGeom prst="rect">
-            <a:avLst/>
-          </a:prstGeom>
-        </p:spPr>
-      </p:pic>
-      <p:sp>
-        <p:nvSpPr>
           <p:cNvPr id="18" name="TextBox 17">
             <a:extLst>
               <a:ext uri="{FF2B5EF4-FFF2-40B4-BE49-F238E27FC236}">
@@ -5484,6 +5191,52 @@
       </p:sp>
       <p:sp>
         <p:nvSpPr>
+          <p:cNvPr id="17" name="TextBox 16">
+            <a:extLst>
+              <a:ext uri="{FF2B5EF4-FFF2-40B4-BE49-F238E27FC236}">
+                <a16:creationId xmlns:a16="http://schemas.microsoft.com/office/drawing/2014/main" id="{A548CB67-3D5D-42D7-A56B-CD53195CB380}"/>
+              </a:ext>
+            </a:extLst>
+          </p:cNvPr>
+          <p:cNvSpPr txBox="1"/>
+          <p:nvPr/>
+        </p:nvSpPr>
+        <p:spPr>
+          <a:xfrm>
+            <a:off x="5824080" y="1754195"/>
+            <a:ext cx="1029860" cy="276999"/>
+          </a:xfrm>
+          <a:prstGeom prst="rect">
+            <a:avLst/>
+          </a:prstGeom>
+          <a:solidFill>
+            <a:srgbClr val="E8EEF7"/>
+          </a:solidFill>
+          <a:effectLst>
+            <a:outerShdw blurRad="50800" dist="38100" dir="5400000" algn="t" rotWithShape="0">
+              <a:prstClr val="black">
+                <a:alpha val="40000"/>
+              </a:prstClr>
+            </a:outerShdw>
+          </a:effectLst>
+        </p:spPr>
+        <p:txBody>
+          <a:bodyPr wrap="square" lIns="72000" rtlCol="0">
+            <a:spAutoFit/>
+          </a:bodyPr>
+          <a:lstStyle/>
+          <a:p>
+            <a:r>
+              <a:rPr lang="en-GB" sz="1200" b="1" dirty="0">
+                <a:latin typeface="Futura LtCn BT" panose="020B0408020204030204" pitchFamily="34" charset="0"/>
+              </a:rPr>
+              <a:t>STATS</a:t>
+            </a:r>
+          </a:p>
+        </p:txBody>
+      </p:sp>
+      <p:sp>
+        <p:nvSpPr>
           <p:cNvPr id="2" name="TextBox 1">
             <a:extLst>
               <a:ext uri="{FF2B5EF4-FFF2-40B4-BE49-F238E27FC236}">
@@ -5528,52 +5281,320 @@
           </a:p>
         </p:txBody>
       </p:sp>
-      <p:sp>
-        <p:nvSpPr>
-          <p:cNvPr id="17" name="TextBox 16">
+      <p:grpSp>
+        <p:nvGrpSpPr>
+          <p:cNvPr id="4" name="Group 3">
             <a:extLst>
               <a:ext uri="{FF2B5EF4-FFF2-40B4-BE49-F238E27FC236}">
-                <a16:creationId xmlns:a16="http://schemas.microsoft.com/office/drawing/2014/main" id="{A548CB67-3D5D-42D7-A56B-CD53195CB380}"/>
+                <a16:creationId xmlns:a16="http://schemas.microsoft.com/office/drawing/2014/main" id="{21821D73-CDCA-4021-9D46-3D2A9289ED90}"/>
               </a:ext>
             </a:extLst>
           </p:cNvPr>
-          <p:cNvSpPr txBox="1"/>
+          <p:cNvGrpSpPr/>
           <p:nvPr/>
-        </p:nvSpPr>
-        <p:spPr>
+        </p:nvGrpSpPr>
+        <p:grpSpPr>
           <a:xfrm>
-            <a:off x="5824080" y="1754195"/>
-            <a:ext cx="1029860" cy="276999"/>
+            <a:off x="-219" y="1509042"/>
+            <a:ext cx="6858656" cy="246221"/>
+            <a:chOff x="-219" y="1509042"/>
+            <a:chExt cx="6858656" cy="246221"/>
           </a:xfrm>
-          <a:prstGeom prst="rect">
-            <a:avLst/>
-          </a:prstGeom>
-          <a:solidFill>
-            <a:srgbClr val="E8EEF7"/>
-          </a:solidFill>
-          <a:effectLst>
-            <a:outerShdw blurRad="50800" dist="38100" dir="5400000" algn="t" rotWithShape="0">
-              <a:prstClr val="black">
-                <a:alpha val="40000"/>
-              </a:prstClr>
-            </a:outerShdw>
-          </a:effectLst>
-        </p:spPr>
-        <p:txBody>
-          <a:bodyPr wrap="square" lIns="72000" rtlCol="0">
-            <a:spAutoFit/>
-          </a:bodyPr>
-          <a:lstStyle/>
-          <a:p>
-            <a:r>
-              <a:rPr lang="en-GB" sz="1200" b="1" dirty="0">
-                <a:latin typeface="Futura LtCn BT" panose="020B0408020204030204" pitchFamily="34" charset="0"/>
-              </a:rPr>
-              <a:t>STATS</a:t>
-            </a:r>
-          </a:p>
-        </p:txBody>
-      </p:sp>
+        </p:grpSpPr>
+        <p:sp>
+          <p:nvSpPr>
+            <p:cNvPr id="29" name="TextBox 28"/>
+            <p:cNvSpPr txBox="1"/>
+            <p:nvPr/>
+          </p:nvSpPr>
+          <p:spPr>
+            <a:xfrm>
+              <a:off x="-219" y="1509042"/>
+              <a:ext cx="6858656" cy="246221"/>
+            </a:xfrm>
+            <a:prstGeom prst="rect">
+              <a:avLst/>
+            </a:prstGeom>
+            <a:solidFill>
+              <a:schemeClr val="tx1"/>
+            </a:solidFill>
+          </p:spPr>
+          <p:txBody>
+            <a:bodyPr wrap="square" rtlCol="0">
+              <a:spAutoFit/>
+            </a:bodyPr>
+            <a:lstStyle/>
+            <a:p>
+              <a:r>
+                <a:rPr lang="en-GB" sz="1000" b="1" dirty="0">
+                  <a:solidFill>
+                    <a:schemeClr val="bg1"/>
+                  </a:solidFill>
+                  <a:latin typeface="Futura (Light)" panose="020B7200000000000000" pitchFamily="34" charset="0"/>
+                </a:rPr>
+                <a:t>   +41 (0)79 952 18 81              </a:t>
+              </a:r>
+              <a:r>
+                <a:rPr lang="en-GB" sz="1000" b="1" dirty="0">
+                  <a:solidFill>
+                    <a:schemeClr val="bg1"/>
+                  </a:solidFill>
+                  <a:latin typeface="Futura (Light)" panose="020B7200000000000000" pitchFamily="34" charset="0"/>
+                  <a:hlinkClick r:id="rId4"/>
+                </a:rPr>
+                <a:t>jp@corticalstack.ai</a:t>
+              </a:r>
+              <a:r>
+                <a:rPr lang="en-GB" sz="1000" b="1" dirty="0">
+                  <a:solidFill>
+                    <a:schemeClr val="bg1"/>
+                  </a:solidFill>
+                  <a:latin typeface="Futura (Light)" panose="020B7200000000000000" pitchFamily="34" charset="0"/>
+                </a:rPr>
+                <a:t>              </a:t>
+              </a:r>
+              <a:r>
+                <a:rPr lang="en-GB" sz="1000" b="1" dirty="0">
+                  <a:solidFill>
+                    <a:schemeClr val="bg1"/>
+                  </a:solidFill>
+                  <a:latin typeface="Futura (Light)" panose="020B7200000000000000" pitchFamily="34" charset="0"/>
+                  <a:hlinkClick r:id="rId5"/>
+                </a:rPr>
+                <a:t>corticalstack.ai</a:t>
+              </a:r>
+              <a:r>
+                <a:rPr lang="en-GB" sz="1000" b="1" dirty="0">
+                  <a:solidFill>
+                    <a:schemeClr val="bg1"/>
+                  </a:solidFill>
+                  <a:latin typeface="Futura (Light)" panose="020B7200000000000000" pitchFamily="34" charset="0"/>
+                </a:rPr>
+                <a:t>              </a:t>
+              </a:r>
+              <a:r>
+                <a:rPr lang="en-GB" sz="1000" b="1" dirty="0" err="1">
+                  <a:solidFill>
+                    <a:schemeClr val="bg1"/>
+                  </a:solidFill>
+                  <a:latin typeface="Futura (Light)" panose="020B7200000000000000" pitchFamily="34" charset="0"/>
+                  <a:hlinkClick r:id="rId6"/>
+                </a:rPr>
+                <a:t>jonpaulboyd</a:t>
+              </a:r>
+              <a:r>
+                <a:rPr lang="en-GB" sz="1000" b="1" dirty="0">
+                  <a:solidFill>
+                    <a:schemeClr val="bg1"/>
+                  </a:solidFill>
+                  <a:latin typeface="Futura (Light)" panose="020B7200000000000000" pitchFamily="34" charset="0"/>
+                </a:rPr>
+                <a:t>             </a:t>
+              </a:r>
+              <a:r>
+                <a:rPr lang="en-GB" sz="1000" b="1" dirty="0" err="1">
+                  <a:solidFill>
+                    <a:schemeClr val="bg1"/>
+                  </a:solidFill>
+                  <a:latin typeface="Futura (Light)" panose="020B7200000000000000" pitchFamily="34" charset="0"/>
+                  <a:hlinkClick r:id="rId7"/>
+                </a:rPr>
+                <a:t>Nyon</a:t>
+              </a:r>
+              <a:r>
+                <a:rPr lang="en-GB" sz="1000" b="1" dirty="0">
+                  <a:solidFill>
+                    <a:schemeClr val="bg1"/>
+                  </a:solidFill>
+                  <a:latin typeface="Futura (Light)" panose="020B7200000000000000" pitchFamily="34" charset="0"/>
+                  <a:hlinkClick r:id="rId7"/>
+                </a:rPr>
+                <a:t>, CH</a:t>
+              </a:r>
+              <a:endParaRPr lang="en-GB" sz="1000" b="1" dirty="0">
+                <a:solidFill>
+                  <a:schemeClr val="bg1"/>
+                </a:solidFill>
+                <a:latin typeface="Futura (Light)" panose="020B7200000000000000" pitchFamily="34" charset="0"/>
+              </a:endParaRPr>
+            </a:p>
+          </p:txBody>
+        </p:sp>
+        <p:pic>
+          <p:nvPicPr>
+            <p:cNvPr id="7" name="Graphic 6">
+              <a:extLst>
+                <a:ext uri="{FF2B5EF4-FFF2-40B4-BE49-F238E27FC236}">
+                  <a16:creationId xmlns:a16="http://schemas.microsoft.com/office/drawing/2014/main" id="{F681C506-9784-4353-93B2-454944183C7E}"/>
+                </a:ext>
+              </a:extLst>
+            </p:cNvPr>
+            <p:cNvPicPr>
+              <a:picLocks noChangeAspect="1"/>
+            </p:cNvPicPr>
+            <p:nvPr/>
+          </p:nvPicPr>
+          <p:blipFill>
+            <a:blip r:embed="rId8">
+              <a:extLst>
+                <a:ext uri="{96DAC541-7B7A-43D3-8B79-37D633B846F1}">
+                  <asvg:svgBlip xmlns:asvg="http://schemas.microsoft.com/office/drawing/2016/SVG/main" r:embed="rId9"/>
+                </a:ext>
+              </a:extLst>
+            </a:blip>
+            <a:stretch>
+              <a:fillRect/>
+            </a:stretch>
+          </p:blipFill>
+          <p:spPr>
+            <a:xfrm>
+              <a:off x="59246" y="1549910"/>
+              <a:ext cx="162000" cy="162000"/>
+            </a:xfrm>
+            <a:prstGeom prst="rect">
+              <a:avLst/>
+            </a:prstGeom>
+          </p:spPr>
+        </p:pic>
+        <p:pic>
+          <p:nvPicPr>
+            <p:cNvPr id="8" name="Graphic 7">
+              <a:extLst>
+                <a:ext uri="{FF2B5EF4-FFF2-40B4-BE49-F238E27FC236}">
+                  <a16:creationId xmlns:a16="http://schemas.microsoft.com/office/drawing/2014/main" id="{A9A6310D-2DCC-415C-B430-05CAA567A830}"/>
+                </a:ext>
+              </a:extLst>
+            </p:cNvPr>
+            <p:cNvPicPr>
+              <a:picLocks noChangeAspect="1"/>
+            </p:cNvPicPr>
+            <p:nvPr/>
+          </p:nvPicPr>
+          <p:blipFill>
+            <a:blip r:embed="rId10">
+              <a:extLst>
+                <a:ext uri="{96DAC541-7B7A-43D3-8B79-37D633B846F1}">
+                  <asvg:svgBlip xmlns:asvg="http://schemas.microsoft.com/office/drawing/2016/SVG/main" r:embed="rId11"/>
+                </a:ext>
+              </a:extLst>
+            </a:blip>
+            <a:stretch>
+              <a:fillRect/>
+            </a:stretch>
+          </p:blipFill>
+          <p:spPr>
+            <a:xfrm>
+              <a:off x="1652396" y="1553053"/>
+              <a:ext cx="180000" cy="180000"/>
+            </a:xfrm>
+            <a:prstGeom prst="rect">
+              <a:avLst/>
+            </a:prstGeom>
+          </p:spPr>
+        </p:pic>
+        <p:pic>
+          <p:nvPicPr>
+            <p:cNvPr id="9" name="Graphic 8">
+              <a:extLst>
+                <a:ext uri="{FF2B5EF4-FFF2-40B4-BE49-F238E27FC236}">
+                  <a16:creationId xmlns:a16="http://schemas.microsoft.com/office/drawing/2014/main" id="{68F9F7E6-5895-44CA-B572-CB24E7CE27CA}"/>
+                </a:ext>
+              </a:extLst>
+            </p:cNvPr>
+            <p:cNvPicPr>
+              <a:picLocks noChangeAspect="1"/>
+            </p:cNvPicPr>
+            <p:nvPr/>
+          </p:nvPicPr>
+          <p:blipFill>
+            <a:blip r:embed="rId12">
+              <a:extLst>
+                <a:ext uri="{96DAC541-7B7A-43D3-8B79-37D633B846F1}">
+                  <asvg:svgBlip xmlns:asvg="http://schemas.microsoft.com/office/drawing/2016/SVG/main" r:embed="rId13"/>
+                </a:ext>
+              </a:extLst>
+            </a:blip>
+            <a:stretch>
+              <a:fillRect/>
+            </a:stretch>
+          </p:blipFill>
+          <p:spPr>
+            <a:xfrm>
+              <a:off x="3322792" y="1562375"/>
+              <a:ext cx="162000" cy="162000"/>
+            </a:xfrm>
+            <a:prstGeom prst="rect">
+              <a:avLst/>
+            </a:prstGeom>
+          </p:spPr>
+        </p:pic>
+        <p:pic>
+          <p:nvPicPr>
+            <p:cNvPr id="32" name="Picture 31" descr="A picture containing drawing&#10;&#10;Description automatically generated">
+              <a:extLst>
+                <a:ext uri="{FF2B5EF4-FFF2-40B4-BE49-F238E27FC236}">
+                  <a16:creationId xmlns:a16="http://schemas.microsoft.com/office/drawing/2014/main" id="{5ADAAD93-322B-4C8C-A944-913752A47848}"/>
+                </a:ext>
+              </a:extLst>
+            </p:cNvPr>
+            <p:cNvPicPr>
+              <a:picLocks noChangeAspect="1"/>
+            </p:cNvPicPr>
+            <p:nvPr/>
+          </p:nvPicPr>
+          <p:blipFill>
+            <a:blip r:embed="rId14"/>
+            <a:stretch>
+              <a:fillRect/>
+            </a:stretch>
+          </p:blipFill>
+          <p:spPr>
+            <a:xfrm>
+              <a:off x="4753586" y="1562053"/>
+              <a:ext cx="162302" cy="162000"/>
+            </a:xfrm>
+            <a:prstGeom prst="rect">
+              <a:avLst/>
+            </a:prstGeom>
+          </p:spPr>
+        </p:pic>
+        <p:pic>
+          <p:nvPicPr>
+            <p:cNvPr id="11" name="Graphic 10">
+              <a:extLst>
+                <a:ext uri="{FF2B5EF4-FFF2-40B4-BE49-F238E27FC236}">
+                  <a16:creationId xmlns:a16="http://schemas.microsoft.com/office/drawing/2014/main" id="{0878D13F-62D9-427F-A529-5D0D53752E9D}"/>
+                </a:ext>
+              </a:extLst>
+            </p:cNvPr>
+            <p:cNvPicPr>
+              <a:picLocks noChangeAspect="1"/>
+            </p:cNvPicPr>
+            <p:nvPr/>
+          </p:nvPicPr>
+          <p:blipFill>
+            <a:blip r:embed="rId15">
+              <a:extLst>
+                <a:ext uri="{96DAC541-7B7A-43D3-8B79-37D633B846F1}">
+                  <asvg:svgBlip xmlns:asvg="http://schemas.microsoft.com/office/drawing/2016/SVG/main" r:embed="rId16"/>
+                </a:ext>
+              </a:extLst>
+            </a:blip>
+            <a:stretch>
+              <a:fillRect/>
+            </a:stretch>
+          </p:blipFill>
+          <p:spPr>
+            <a:xfrm>
+              <a:off x="6029032" y="1557529"/>
+              <a:ext cx="162000" cy="162000"/>
+            </a:xfrm>
+            <a:prstGeom prst="rect">
+              <a:avLst/>
+            </a:prstGeom>
+          </p:spPr>
+        </p:pic>
+      </p:grpSp>
     </p:spTree>
     <p:extLst>
       <p:ext uri="{BB962C8B-B14F-4D97-AF65-F5344CB8AC3E}">

--- a/docs/cv/Jon-Paul Boyd Resume.pptx
+++ b/docs/cv/Jon-Paul Boyd Resume.pptx
@@ -3750,6 +3750,612 @@
       </p:sp>
       <p:sp>
         <p:nvSpPr>
+          <p:cNvPr id="30" name="TextBox 29">
+            <a:extLst>
+              <a:ext uri="{FF2B5EF4-FFF2-40B4-BE49-F238E27FC236}">
+                <a16:creationId xmlns:a16="http://schemas.microsoft.com/office/drawing/2014/main" id="{E5B54B1E-2808-4FA2-9F30-855676B85B25}"/>
+              </a:ext>
+            </a:extLst>
+          </p:cNvPr>
+          <p:cNvSpPr txBox="1"/>
+          <p:nvPr/>
+        </p:nvSpPr>
+        <p:spPr>
+          <a:xfrm>
+            <a:off x="3305810" y="2031194"/>
+            <a:ext cx="2522320" cy="6080400"/>
+          </a:xfrm>
+          <a:prstGeom prst="rect">
+            <a:avLst/>
+          </a:prstGeom>
+          <a:solidFill>
+            <a:srgbClr val="DAE3F1"/>
+          </a:solidFill>
+          <a:ln>
+            <a:noFill/>
+          </a:ln>
+          <a:effectLst/>
+        </p:spPr>
+        <p:txBody>
+          <a:bodyPr wrap="square" tIns="72000" rtlCol="0">
+            <a:spAutoFit/>
+          </a:bodyPr>
+          <a:lstStyle/>
+          <a:p>
+            <a:r>
+              <a:rPr lang="en-GB" sz="900" dirty="0">
+                <a:latin typeface="Futura LtCn BT" panose="020B0408020204030204" pitchFamily="34" charset="0"/>
+              </a:rPr>
+              <a:t>Masters Intelligent Systems</a:t>
+            </a:r>
+          </a:p>
+          <a:p>
+            <a:r>
+              <a:rPr lang="en-GB" sz="900" b="1" dirty="0">
+                <a:latin typeface="Futura LtCn BT" panose="020B0408020204030204" pitchFamily="34" charset="0"/>
+              </a:rPr>
+              <a:t>De Montfort University | UK | 2017 – 2020</a:t>
+            </a:r>
+          </a:p>
+          <a:p>
+            <a:pPr marL="85725" indent="-85725">
+              <a:buFont typeface="Wingdings" panose="05000000000000000000" pitchFamily="2" charset="2"/>
+              <a:buChar char="§"/>
+            </a:pPr>
+            <a:r>
+              <a:rPr lang="en-GB" sz="800" dirty="0">
+                <a:latin typeface="Futura (Light)" panose="020B7200000000000000" pitchFamily="34" charset="0"/>
+              </a:rPr>
+              <a:t>Discovered why stronger partnerships should exist between enterprise and academia.</a:t>
+            </a:r>
+          </a:p>
+          <a:p>
+            <a:pPr marL="88900" indent="-88900" algn="just">
+              <a:buFont typeface="Wingdings" panose="05000000000000000000" pitchFamily="2" charset="2"/>
+              <a:buChar char="§"/>
+            </a:pPr>
+            <a:r>
+              <a:rPr lang="en-GB" sz="800" b="1" dirty="0">
+                <a:latin typeface="Futura (Light)" panose="020B7200000000000000" pitchFamily="34" charset="0"/>
+              </a:rPr>
+              <a:t>Applied Computational Intelligence (88%) </a:t>
+            </a:r>
+            <a:r>
+              <a:rPr lang="en-GB" sz="800" dirty="0">
+                <a:latin typeface="Futura (Light)" panose="020B7200000000000000" pitchFamily="34" charset="0"/>
+              </a:rPr>
+              <a:t>Predicting customer behaviour with tree-based classifiers. Extensive Python with data profiling &amp; preparation, unsupervised &amp; supervised machine learning, overfitting protection, hyperparameter tuning, model scoring, evaluation &amp; selection.</a:t>
+            </a:r>
+          </a:p>
+          <a:p>
+            <a:pPr marL="88900" indent="-88900" algn="just">
+              <a:buFont typeface="Wingdings" panose="05000000000000000000" pitchFamily="2" charset="2"/>
+              <a:buChar char="§"/>
+            </a:pPr>
+            <a:r>
+              <a:rPr lang="en-GB" sz="800" b="1" dirty="0">
+                <a:latin typeface="Futura (Light)" panose="020B7200000000000000" pitchFamily="34" charset="0"/>
+              </a:rPr>
+              <a:t>A.I. Programming (80%)</a:t>
+            </a:r>
+          </a:p>
+          <a:p>
+            <a:pPr marL="88900" algn="just"/>
+            <a:r>
+              <a:rPr lang="en-GB" sz="800" dirty="0">
+                <a:latin typeface="Futura (Light)" panose="020B7200000000000000" pitchFamily="34" charset="0"/>
+              </a:rPr>
+              <a:t>NLP Python NLTK context-free grammars for natural language to SQL database query.</a:t>
+            </a:r>
+          </a:p>
+          <a:p>
+            <a:pPr marL="88900" indent="-88900" algn="just">
+              <a:buFont typeface="Wingdings" panose="05000000000000000000" pitchFamily="2" charset="2"/>
+              <a:buChar char="§"/>
+            </a:pPr>
+            <a:r>
+              <a:rPr lang="en-GB" sz="800" b="1" dirty="0">
+                <a:latin typeface="Futura (Light)" panose="020B7200000000000000" pitchFamily="34" charset="0"/>
+              </a:rPr>
+              <a:t>Data Mining (80%)</a:t>
+            </a:r>
+          </a:p>
+          <a:p>
+            <a:pPr marL="88900" algn="just"/>
+            <a:r>
+              <a:rPr lang="en-GB" sz="800" dirty="0">
+                <a:latin typeface="Futura (Light)" panose="020B7200000000000000" pitchFamily="34" charset="0"/>
+              </a:rPr>
+              <a:t>Data analysis &amp; machine learning to predict risk indicators for cardiovascular disease.</a:t>
+            </a:r>
+          </a:p>
+          <a:p>
+            <a:pPr marL="88900" indent="-88900" algn="just">
+              <a:buFont typeface="Wingdings" panose="05000000000000000000" pitchFamily="2" charset="2"/>
+              <a:buChar char="§"/>
+            </a:pPr>
+            <a:r>
+              <a:rPr lang="en-GB" sz="800" b="1" dirty="0">
+                <a:latin typeface="Futura (Light)" panose="020B7200000000000000" pitchFamily="34" charset="0"/>
+              </a:rPr>
+              <a:t>Neural Networks (80%)</a:t>
+            </a:r>
+          </a:p>
+          <a:p>
+            <a:pPr marL="88900" algn="just"/>
+            <a:r>
+              <a:rPr lang="en-GB" sz="800" dirty="0">
+                <a:latin typeface="Futura (Light)" panose="020B7200000000000000" pitchFamily="34" charset="0"/>
+              </a:rPr>
+              <a:t>Evaluation of biomass &amp; classification of network activity (intrusion, attack, normal).</a:t>
+            </a:r>
+          </a:p>
+          <a:p>
+            <a:pPr marL="88900" indent="-88900" algn="just">
+              <a:buFont typeface="Wingdings" panose="05000000000000000000" pitchFamily="2" charset="2"/>
+              <a:buChar char="§"/>
+            </a:pPr>
+            <a:r>
+              <a:rPr lang="en-GB" sz="800" b="1" dirty="0">
+                <a:latin typeface="Futura (Light)" panose="020B7200000000000000" pitchFamily="34" charset="0"/>
+              </a:rPr>
+              <a:t>Fuzzy Logic (94%)</a:t>
+            </a:r>
+          </a:p>
+          <a:p>
+            <a:pPr marL="88900" algn="just"/>
+            <a:r>
+              <a:rPr lang="en-GB" sz="800" dirty="0">
+                <a:latin typeface="Futura (Light)" panose="020B7200000000000000" pitchFamily="34" charset="0"/>
+              </a:rPr>
+              <a:t>Classifying breast cancer tumours with fuzzy inference system, outperforming neural networks. Paper being submitted to journal of </a:t>
+            </a:r>
+            <a:r>
+              <a:rPr lang="en-GB" sz="800" i="1" dirty="0">
+                <a:latin typeface="Futura (Light)" panose="020B7200000000000000" pitchFamily="34" charset="0"/>
+              </a:rPr>
+              <a:t>Applied Soft Computing </a:t>
+            </a:r>
+            <a:r>
+              <a:rPr lang="en-GB" sz="800" dirty="0">
+                <a:latin typeface="Futura (Light)" panose="020B7200000000000000" pitchFamily="34" charset="0"/>
+              </a:rPr>
+              <a:t>for publication.</a:t>
+            </a:r>
+          </a:p>
+          <a:p>
+            <a:pPr marL="88900" indent="-88900" algn="just">
+              <a:buFont typeface="Wingdings" panose="05000000000000000000" pitchFamily="2" charset="2"/>
+              <a:buChar char="§"/>
+            </a:pPr>
+            <a:r>
+              <a:rPr lang="en-GB" sz="800" b="1" dirty="0">
+                <a:latin typeface="Futura (Light)" panose="020B7200000000000000" pitchFamily="34" charset="0"/>
+              </a:rPr>
+              <a:t>Research Methods (96%)</a:t>
+            </a:r>
+          </a:p>
+          <a:p>
+            <a:pPr marL="88900" algn="just"/>
+            <a:r>
+              <a:rPr lang="en-GB" sz="800" dirty="0">
+                <a:latin typeface="Futura (Light)" panose="020B7200000000000000" pitchFamily="34" charset="0"/>
+              </a:rPr>
+              <a:t>PhD proposal for augmented analytics.</a:t>
+            </a:r>
+          </a:p>
+          <a:p>
+            <a:pPr marL="88900" indent="-88900" algn="just">
+              <a:buFont typeface="Wingdings" panose="05000000000000000000" pitchFamily="2" charset="2"/>
+              <a:buChar char="§"/>
+            </a:pPr>
+            <a:r>
+              <a:rPr lang="en-GB" sz="800" b="1" dirty="0">
+                <a:latin typeface="Futura (Light)" panose="020B7200000000000000" pitchFamily="34" charset="0"/>
+              </a:rPr>
+              <a:t>Mobile Robots (97%)</a:t>
+            </a:r>
+          </a:p>
+          <a:p>
+            <a:pPr marL="88900" algn="just"/>
+            <a:r>
+              <a:rPr lang="en-GB" sz="800" dirty="0">
+                <a:latin typeface="Futura (Light)" panose="020B7200000000000000" pitchFamily="34" charset="0"/>
+              </a:rPr>
+              <a:t>Virtual search &amp; rescue robot controlled via Python, implementing obstacle avoidance, sensor data fusion, environment mapping, precision navigation, victim location.</a:t>
+            </a:r>
+          </a:p>
+          <a:p>
+            <a:pPr marL="88900" indent="-88900" algn="just">
+              <a:buFont typeface="Wingdings" panose="05000000000000000000" pitchFamily="2" charset="2"/>
+              <a:buChar char="§"/>
+            </a:pPr>
+            <a:r>
+              <a:rPr lang="en-GB" sz="800" b="1" dirty="0">
+                <a:latin typeface="Futura (Light)" panose="020B7200000000000000" pitchFamily="34" charset="0"/>
+              </a:rPr>
+              <a:t>Computational Intelligence Optimization (100%) </a:t>
+            </a:r>
+            <a:r>
+              <a:rPr lang="en-GB" sz="800" dirty="0">
+                <a:latin typeface="Futura (Light)" panose="020B7200000000000000" pitchFamily="34" charset="0"/>
+              </a:rPr>
+              <a:t>Design &amp; build of Python-based hyper-heuristic optimization platform to address the real-world problem of scheduling optimisation. 5 example nature-inspired metaheuristic algorithms are implemented. A hyper-heuristic feature dynamically switches between low-level metaheuristics to deterministically use the most appropriate algorithm according to current problem state, or select one stochastically.</a:t>
+            </a:r>
+          </a:p>
+          <a:p>
+            <a:pPr marL="88900" indent="-88900" algn="just">
+              <a:buFont typeface="Wingdings" panose="05000000000000000000" pitchFamily="2" charset="2"/>
+              <a:buChar char="§"/>
+            </a:pPr>
+            <a:r>
+              <a:rPr lang="en-GB" sz="800" b="1" dirty="0">
+                <a:latin typeface="Futura (Light)" panose="020B7200000000000000" pitchFamily="34" charset="0"/>
+              </a:rPr>
+              <a:t>Masters Project In Progress</a:t>
+            </a:r>
+          </a:p>
+          <a:p>
+            <a:pPr marL="88900" algn="just"/>
+            <a:r>
+              <a:rPr lang="en-GB" sz="800" dirty="0">
+                <a:latin typeface="Futura (Light)" panose="020B7200000000000000" pitchFamily="34" charset="0"/>
+              </a:rPr>
+              <a:t>Building cloud-hosted medical research cockpit for knowledge discovery, summarization, topic classification &amp; clustering for best-informed next stage research actions, using COVID-19 literature.</a:t>
+            </a:r>
+          </a:p>
+        </p:txBody>
+      </p:sp>
+      <p:sp>
+        <p:nvSpPr>
+          <p:cNvPr id="10" name="TextBox 9"/>
+          <p:cNvSpPr txBox="1"/>
+          <p:nvPr/>
+        </p:nvSpPr>
+        <p:spPr>
+          <a:xfrm>
+            <a:off x="1605742" y="-3217"/>
+            <a:ext cx="5187310" cy="1398711"/>
+          </a:xfrm>
+          <a:prstGeom prst="rect">
+            <a:avLst/>
+          </a:prstGeom>
+          <a:noFill/>
+        </p:spPr>
+        <p:txBody>
+          <a:bodyPr wrap="square" lIns="28824" tIns="14412" rIns="28824" bIns="14412" rtlCol="0" anchor="ctr">
+            <a:spAutoFit/>
+          </a:bodyPr>
+          <a:lstStyle/>
+          <a:p>
+            <a:pPr algn="ctr"/>
+            <a:r>
+              <a:rPr lang="en-GB" sz="3600" b="1" dirty="0">
+                <a:latin typeface="Futura LtCn BT" panose="020B0408020204030204" pitchFamily="34" charset="0"/>
+              </a:rPr>
+              <a:t>JON-PAUL BOYD</a:t>
+            </a:r>
+          </a:p>
+          <a:p>
+            <a:pPr algn="ctr"/>
+            <a:r>
+              <a:rPr lang="en-GB" sz="1600" b="1" dirty="0">
+                <a:latin typeface="Futura LtCn BT" panose="020B0408020204030204" pitchFamily="34" charset="0"/>
+              </a:rPr>
+              <a:t>Intelligent Systems Engineer</a:t>
+            </a:r>
+          </a:p>
+          <a:p>
+            <a:pPr algn="ctr"/>
+            <a:endParaRPr lang="en-GB" sz="700" b="1" dirty="0">
+              <a:latin typeface="Futura LtCn BT" panose="020B0408020204030204" pitchFamily="34" charset="0"/>
+            </a:endParaRPr>
+          </a:p>
+          <a:p>
+            <a:pPr algn="ctr"/>
+            <a:r>
+              <a:rPr lang="en-GB" sz="900" dirty="0">
+                <a:latin typeface="Futura LtCn BT" panose="020B0408020204030204" pitchFamily="34" charset="0"/>
+              </a:rPr>
+              <a:t>I thrive on delivering tangible, cutting-edge, AI-enabled and analytic solutions that inform, empower &amp; perform. I help solve business challenges and deliver value to all stakeholders through strong theory, practical hands-on, clarity of thought and communication.</a:t>
+            </a:r>
+            <a:endParaRPr lang="en-GB" sz="1800" dirty="0">
+              <a:latin typeface="Futura LtCn BT" panose="020B0408020204030204" pitchFamily="34" charset="0"/>
+            </a:endParaRPr>
+          </a:p>
+        </p:txBody>
+      </p:sp>
+      <p:sp>
+        <p:nvSpPr>
+          <p:cNvPr id="3" name="TextBox 2">
+            <a:extLst>
+              <a:ext uri="{FF2B5EF4-FFF2-40B4-BE49-F238E27FC236}">
+                <a16:creationId xmlns:a16="http://schemas.microsoft.com/office/drawing/2014/main" id="{D6CAF53E-DA0E-4000-9DC7-C0A188FA8142}"/>
+              </a:ext>
+            </a:extLst>
+          </p:cNvPr>
+          <p:cNvSpPr txBox="1"/>
+          <p:nvPr/>
+        </p:nvSpPr>
+        <p:spPr>
+          <a:xfrm>
+            <a:off x="5822354" y="9018004"/>
+            <a:ext cx="1042700" cy="910800"/>
+          </a:xfrm>
+          <a:prstGeom prst="rect">
+            <a:avLst/>
+          </a:prstGeom>
+          <a:solidFill>
+            <a:srgbClr val="E8EEF7"/>
+          </a:solidFill>
+          <a:ln>
+            <a:noFill/>
+          </a:ln>
+          <a:effectLst/>
+        </p:spPr>
+        <p:txBody>
+          <a:bodyPr wrap="square" tIns="72000" rtlCol="0">
+            <a:spAutoFit/>
+          </a:bodyPr>
+          <a:lstStyle/>
+          <a:p>
+            <a:r>
+              <a:rPr lang="en-GB" sz="700" dirty="0">
+                <a:latin typeface="Futura (Light)" panose="020B7200000000000000" pitchFamily="34" charset="0"/>
+              </a:rPr>
+              <a:t>Microsoft Certified Azure Fundamentals</a:t>
+            </a:r>
+          </a:p>
+          <a:p>
+            <a:endParaRPr lang="en-GB" sz="700" dirty="0">
+              <a:latin typeface="Futura (Light)" panose="020B7200000000000000" pitchFamily="34" charset="0"/>
+            </a:endParaRPr>
+          </a:p>
+          <a:p>
+            <a:r>
+              <a:rPr lang="en-GB" sz="700" dirty="0">
+                <a:latin typeface="Futura (Light)" panose="020B7200000000000000" pitchFamily="34" charset="0"/>
+              </a:rPr>
+              <a:t>AWS Certified Cloud Practitioner</a:t>
+            </a:r>
+          </a:p>
+        </p:txBody>
+      </p:sp>
+      <p:sp>
+        <p:nvSpPr>
+          <p:cNvPr id="23" name="TextBox 22">
+            <a:extLst>
+              <a:ext uri="{FF2B5EF4-FFF2-40B4-BE49-F238E27FC236}">
+                <a16:creationId xmlns:a16="http://schemas.microsoft.com/office/drawing/2014/main" id="{2E0F1AF6-D4E6-46A5-8AD4-98484A4A8BAB}"/>
+              </a:ext>
+            </a:extLst>
+          </p:cNvPr>
+          <p:cNvSpPr txBox="1"/>
+          <p:nvPr/>
+        </p:nvSpPr>
+        <p:spPr>
+          <a:xfrm>
+            <a:off x="5824080" y="6548967"/>
+            <a:ext cx="1040179" cy="2273306"/>
+          </a:xfrm>
+          <a:prstGeom prst="rect">
+            <a:avLst/>
+          </a:prstGeom>
+          <a:solidFill>
+            <a:srgbClr val="E8EEF7"/>
+          </a:solidFill>
+          <a:ln>
+            <a:noFill/>
+          </a:ln>
+          <a:effectLst/>
+        </p:spPr>
+        <p:txBody>
+          <a:bodyPr wrap="square" tIns="72000" rtlCol="0">
+            <a:spAutoFit/>
+          </a:bodyPr>
+          <a:lstStyle/>
+          <a:p>
+            <a:r>
+              <a:rPr lang="en-GB" sz="700" dirty="0">
+                <a:latin typeface="Futura (Light)" panose="020B7200000000000000" pitchFamily="34" charset="0"/>
+              </a:rPr>
+              <a:t>Python</a:t>
+            </a:r>
+          </a:p>
+          <a:p>
+            <a:r>
+              <a:rPr lang="en-GB" sz="700" dirty="0">
+                <a:latin typeface="Futura (Light)" panose="020B7200000000000000" pitchFamily="34" charset="0"/>
+              </a:rPr>
+              <a:t>Pandas</a:t>
+            </a:r>
+          </a:p>
+          <a:p>
+            <a:r>
+              <a:rPr lang="en-GB" sz="700" dirty="0">
+                <a:latin typeface="Futura (Light)" panose="020B7200000000000000" pitchFamily="34" charset="0"/>
+              </a:rPr>
+              <a:t>Numpy</a:t>
+            </a:r>
+          </a:p>
+          <a:p>
+            <a:r>
+              <a:rPr lang="en-GB" sz="700" dirty="0">
+                <a:latin typeface="Futura (Light)" panose="020B7200000000000000" pitchFamily="34" charset="0"/>
+              </a:rPr>
+              <a:t>Scikit-Learn</a:t>
+            </a:r>
+          </a:p>
+          <a:p>
+            <a:r>
+              <a:rPr lang="en-GB" sz="700" dirty="0">
+                <a:latin typeface="Futura (Light)" panose="020B7200000000000000" pitchFamily="34" charset="0"/>
+              </a:rPr>
+              <a:t>Keras</a:t>
+            </a:r>
+          </a:p>
+          <a:p>
+            <a:r>
+              <a:rPr lang="en-GB" sz="700" dirty="0">
+                <a:latin typeface="Futura (Light)" panose="020B7200000000000000" pitchFamily="34" charset="0"/>
+              </a:rPr>
+              <a:t>NLTK</a:t>
+            </a:r>
+          </a:p>
+          <a:p>
+            <a:r>
+              <a:rPr lang="en-GB" sz="700" dirty="0">
+                <a:latin typeface="Futura (Light)" panose="020B7200000000000000" pitchFamily="34" charset="0"/>
+              </a:rPr>
+              <a:t>Elasticsearch MongoDB </a:t>
+            </a:r>
+          </a:p>
+          <a:p>
+            <a:r>
+              <a:rPr lang="en-GB" sz="700" dirty="0">
+                <a:latin typeface="Futura (Light)" panose="020B7200000000000000" pitchFamily="34" charset="0"/>
+              </a:rPr>
+              <a:t>SAP HANA</a:t>
+            </a:r>
+          </a:p>
+          <a:p>
+            <a:r>
+              <a:rPr lang="en-GB" sz="700" dirty="0">
+                <a:latin typeface="Futura (Light)" panose="020B7200000000000000" pitchFamily="34" charset="0"/>
+              </a:rPr>
+              <a:t>SAP ABAP</a:t>
+            </a:r>
+          </a:p>
+          <a:p>
+            <a:r>
+              <a:rPr lang="en-GB" sz="700" dirty="0">
+                <a:latin typeface="Futura (Light)" panose="020B7200000000000000" pitchFamily="34" charset="0"/>
+              </a:rPr>
+              <a:t>SAP Security</a:t>
+            </a:r>
+          </a:p>
+          <a:p>
+            <a:r>
+              <a:rPr lang="en-GB" sz="700" dirty="0">
+                <a:latin typeface="Futura (Light)" panose="020B7200000000000000" pitchFamily="34" charset="0"/>
+              </a:rPr>
+              <a:t>ReactJS</a:t>
+            </a:r>
+          </a:p>
+          <a:p>
+            <a:r>
+              <a:rPr lang="en-GB" sz="700" dirty="0">
+                <a:latin typeface="Futura (Light)" panose="020B7200000000000000" pitchFamily="34" charset="0"/>
+              </a:rPr>
+              <a:t>JavaScript</a:t>
+            </a:r>
+          </a:p>
+          <a:p>
+            <a:r>
+              <a:rPr lang="en-GB" sz="700" dirty="0">
+                <a:latin typeface="Futura (Light)" panose="020B7200000000000000" pitchFamily="34" charset="0"/>
+              </a:rPr>
+              <a:t>Amazon AWS</a:t>
+            </a:r>
+          </a:p>
+          <a:p>
+            <a:r>
+              <a:rPr lang="en-GB" sz="700" dirty="0">
+                <a:latin typeface="Futura (Light)" panose="020B7200000000000000" pitchFamily="34" charset="0"/>
+              </a:rPr>
+              <a:t>MS Azure</a:t>
+            </a:r>
+          </a:p>
+          <a:p>
+            <a:r>
+              <a:rPr lang="en-GB" sz="700" dirty="0">
+                <a:latin typeface="Futura (Light)" panose="020B7200000000000000" pitchFamily="34" charset="0"/>
+              </a:rPr>
+              <a:t>Docker</a:t>
+            </a:r>
+          </a:p>
+          <a:p>
+            <a:r>
+              <a:rPr lang="en-GB" sz="700" dirty="0">
+                <a:latin typeface="Futura (Light)" panose="020B7200000000000000" pitchFamily="34" charset="0"/>
+              </a:rPr>
+              <a:t>Git</a:t>
+            </a:r>
+          </a:p>
+          <a:p>
+            <a:r>
+              <a:rPr lang="en-GB" sz="700" dirty="0">
+                <a:latin typeface="Futura (Light)" panose="020B7200000000000000" pitchFamily="34" charset="0"/>
+              </a:rPr>
+              <a:t>GitLab</a:t>
+            </a:r>
+          </a:p>
+          <a:p>
+            <a:r>
+              <a:rPr lang="en-GB" sz="700" dirty="0">
+                <a:latin typeface="Futura (Light)" panose="020B7200000000000000" pitchFamily="34" charset="0"/>
+              </a:rPr>
+              <a:t>Linux</a:t>
+            </a:r>
+          </a:p>
+          <a:p>
+            <a:r>
+              <a:rPr lang="en-GB" sz="700" dirty="0">
+                <a:latin typeface="Futura (Light)" panose="020B7200000000000000" pitchFamily="34" charset="0"/>
+              </a:rPr>
+              <a:t>Windows 10</a:t>
+            </a:r>
+          </a:p>
+        </p:txBody>
+      </p:sp>
+      <p:sp>
+        <p:nvSpPr>
+          <p:cNvPr id="2" name="TextBox 1">
+            <a:extLst>
+              <a:ext uri="{FF2B5EF4-FFF2-40B4-BE49-F238E27FC236}">
+                <a16:creationId xmlns:a16="http://schemas.microsoft.com/office/drawing/2014/main" id="{8A82E7F1-7E38-4B39-8212-1F26279E961A}"/>
+              </a:ext>
+            </a:extLst>
+          </p:cNvPr>
+          <p:cNvSpPr txBox="1"/>
+          <p:nvPr/>
+        </p:nvSpPr>
+        <p:spPr>
+          <a:xfrm>
+            <a:off x="5823447" y="8738446"/>
+            <a:ext cx="1042700" cy="276999"/>
+          </a:xfrm>
+          <a:prstGeom prst="rect">
+            <a:avLst/>
+          </a:prstGeom>
+          <a:solidFill>
+            <a:srgbClr val="E8EEF7"/>
+          </a:solidFill>
+          <a:effectLst>
+            <a:outerShdw blurRad="50800" dist="38100" dir="5400000" algn="t" rotWithShape="0">
+              <a:prstClr val="black">
+                <a:alpha val="40000"/>
+              </a:prstClr>
+            </a:outerShdw>
+          </a:effectLst>
+        </p:spPr>
+        <p:txBody>
+          <a:bodyPr wrap="square" lIns="72000" rtlCol="0">
+            <a:spAutoFit/>
+          </a:bodyPr>
+          <a:lstStyle/>
+          <a:p>
+            <a:r>
+              <a:rPr lang="en-GB" sz="1200" b="1" dirty="0">
+                <a:latin typeface="Futura LtCn BT" panose="020B0408020204030204" pitchFamily="34" charset="0"/>
+              </a:rPr>
+              <a:t>AWARDS</a:t>
+            </a:r>
+          </a:p>
+        </p:txBody>
+      </p:sp>
+      <p:sp>
+        <p:nvSpPr>
           <p:cNvPr id="12" name="TextBox 11">
             <a:extLst>
               <a:ext uri="{FF2B5EF4-FFF2-40B4-BE49-F238E27FC236}">
@@ -4347,323 +4953,6 @@
       </p:sp>
       <p:sp>
         <p:nvSpPr>
-          <p:cNvPr id="30" name="TextBox 29">
-            <a:extLst>
-              <a:ext uri="{FF2B5EF4-FFF2-40B4-BE49-F238E27FC236}">
-                <a16:creationId xmlns:a16="http://schemas.microsoft.com/office/drawing/2014/main" id="{E5B54B1E-2808-4FA2-9F30-855676B85B25}"/>
-              </a:ext>
-            </a:extLst>
-          </p:cNvPr>
-          <p:cNvSpPr txBox="1"/>
-          <p:nvPr/>
-        </p:nvSpPr>
-        <p:spPr>
-          <a:xfrm>
-            <a:off x="3305810" y="2031194"/>
-            <a:ext cx="2522320" cy="6080400"/>
-          </a:xfrm>
-          <a:prstGeom prst="rect">
-            <a:avLst/>
-          </a:prstGeom>
-          <a:solidFill>
-            <a:srgbClr val="DAE3F1"/>
-          </a:solidFill>
-          <a:ln>
-            <a:noFill/>
-          </a:ln>
-          <a:effectLst/>
-        </p:spPr>
-        <p:txBody>
-          <a:bodyPr wrap="square" tIns="72000" rtlCol="0">
-            <a:spAutoFit/>
-          </a:bodyPr>
-          <a:lstStyle/>
-          <a:p>
-            <a:r>
-              <a:rPr lang="en-GB" sz="900" dirty="0">
-                <a:latin typeface="Futura LtCn BT" panose="020B0408020204030204" pitchFamily="34" charset="0"/>
-              </a:rPr>
-              <a:t>Masters Intelligent Systems</a:t>
-            </a:r>
-          </a:p>
-          <a:p>
-            <a:r>
-              <a:rPr lang="en-GB" sz="900" b="1" dirty="0">
-                <a:latin typeface="Futura LtCn BT" panose="020B0408020204030204" pitchFamily="34" charset="0"/>
-              </a:rPr>
-              <a:t>De Montfort University | UK | 2017 – 2020</a:t>
-            </a:r>
-          </a:p>
-          <a:p>
-            <a:pPr marL="85725" indent="-85725">
-              <a:buFont typeface="Wingdings" panose="05000000000000000000" pitchFamily="2" charset="2"/>
-              <a:buChar char="§"/>
-            </a:pPr>
-            <a:r>
-              <a:rPr lang="en-GB" sz="800" dirty="0">
-                <a:latin typeface="Futura (Light)" panose="020B7200000000000000" pitchFamily="34" charset="0"/>
-              </a:rPr>
-              <a:t>Discovered why stronger partnerships should exist between enterprise and academia.</a:t>
-            </a:r>
-          </a:p>
-          <a:p>
-            <a:pPr marL="88900" indent="-88900" algn="just">
-              <a:buFont typeface="Wingdings" panose="05000000000000000000" pitchFamily="2" charset="2"/>
-              <a:buChar char="§"/>
-            </a:pPr>
-            <a:r>
-              <a:rPr lang="en-GB" sz="800" b="1" dirty="0">
-                <a:latin typeface="Futura (Light)" panose="020B7200000000000000" pitchFamily="34" charset="0"/>
-              </a:rPr>
-              <a:t>Applied Computational Intelligence (88%) </a:t>
-            </a:r>
-            <a:r>
-              <a:rPr lang="en-GB" sz="800" dirty="0">
-                <a:latin typeface="Futura (Light)" panose="020B7200000000000000" pitchFamily="34" charset="0"/>
-              </a:rPr>
-              <a:t>Predicting customer behaviour with tree-based classifiers. Extensive Python with data profiling &amp; preparation, unsupervised &amp; supervised machine learning, overfitting protection, hyperparameter tuning, model scoring, evaluation &amp; selection.</a:t>
-            </a:r>
-          </a:p>
-          <a:p>
-            <a:pPr marL="88900" indent="-88900" algn="just">
-              <a:buFont typeface="Wingdings" panose="05000000000000000000" pitchFamily="2" charset="2"/>
-              <a:buChar char="§"/>
-            </a:pPr>
-            <a:r>
-              <a:rPr lang="en-GB" sz="800" b="1" dirty="0">
-                <a:latin typeface="Futura (Light)" panose="020B7200000000000000" pitchFamily="34" charset="0"/>
-              </a:rPr>
-              <a:t>A.I. Programming (80%)</a:t>
-            </a:r>
-          </a:p>
-          <a:p>
-            <a:pPr marL="88900" algn="just"/>
-            <a:r>
-              <a:rPr lang="en-GB" sz="800" dirty="0">
-                <a:latin typeface="Futura (Light)" panose="020B7200000000000000" pitchFamily="34" charset="0"/>
-              </a:rPr>
-              <a:t>NLP Python NLTK context-free grammars for natural language to SQL database query.</a:t>
-            </a:r>
-          </a:p>
-          <a:p>
-            <a:pPr marL="88900" indent="-88900" algn="just">
-              <a:buFont typeface="Wingdings" panose="05000000000000000000" pitchFamily="2" charset="2"/>
-              <a:buChar char="§"/>
-            </a:pPr>
-            <a:r>
-              <a:rPr lang="en-GB" sz="800" b="1" dirty="0">
-                <a:latin typeface="Futura (Light)" panose="020B7200000000000000" pitchFamily="34" charset="0"/>
-              </a:rPr>
-              <a:t>Data Mining (80%)</a:t>
-            </a:r>
-          </a:p>
-          <a:p>
-            <a:pPr marL="88900" algn="just"/>
-            <a:r>
-              <a:rPr lang="en-GB" sz="800" dirty="0">
-                <a:latin typeface="Futura (Light)" panose="020B7200000000000000" pitchFamily="34" charset="0"/>
-              </a:rPr>
-              <a:t>Data analysis &amp; machine learning to predict risk indicators for cardiovascular disease.</a:t>
-            </a:r>
-          </a:p>
-          <a:p>
-            <a:pPr marL="88900" indent="-88900" algn="just">
-              <a:buFont typeface="Wingdings" panose="05000000000000000000" pitchFamily="2" charset="2"/>
-              <a:buChar char="§"/>
-            </a:pPr>
-            <a:r>
-              <a:rPr lang="en-GB" sz="800" b="1" dirty="0">
-                <a:latin typeface="Futura (Light)" panose="020B7200000000000000" pitchFamily="34" charset="0"/>
-              </a:rPr>
-              <a:t>Neural Networks (80%)</a:t>
-            </a:r>
-          </a:p>
-          <a:p>
-            <a:pPr marL="88900" algn="just"/>
-            <a:r>
-              <a:rPr lang="en-GB" sz="800" dirty="0">
-                <a:latin typeface="Futura (Light)" panose="020B7200000000000000" pitchFamily="34" charset="0"/>
-              </a:rPr>
-              <a:t>Evaluation of biomass &amp; classification of network activity (intrusion, attack, normal).</a:t>
-            </a:r>
-          </a:p>
-          <a:p>
-            <a:pPr marL="88900" indent="-88900" algn="just">
-              <a:buFont typeface="Wingdings" panose="05000000000000000000" pitchFamily="2" charset="2"/>
-              <a:buChar char="§"/>
-            </a:pPr>
-            <a:r>
-              <a:rPr lang="en-GB" sz="800" b="1" dirty="0">
-                <a:latin typeface="Futura (Light)" panose="020B7200000000000000" pitchFamily="34" charset="0"/>
-              </a:rPr>
-              <a:t>Fuzzy Logic (94%)</a:t>
-            </a:r>
-          </a:p>
-          <a:p>
-            <a:pPr marL="88900" algn="just"/>
-            <a:r>
-              <a:rPr lang="en-GB" sz="800" dirty="0">
-                <a:latin typeface="Futura (Light)" panose="020B7200000000000000" pitchFamily="34" charset="0"/>
-              </a:rPr>
-              <a:t>Classifying breast cancer tumours with fuzzy inference system, outperforming neural networks. Paper being submitted to journal of </a:t>
-            </a:r>
-            <a:r>
-              <a:rPr lang="en-GB" sz="800" i="1" dirty="0">
-                <a:latin typeface="Futura (Light)" panose="020B7200000000000000" pitchFamily="34" charset="0"/>
-              </a:rPr>
-              <a:t>Applied Soft Computing </a:t>
-            </a:r>
-            <a:r>
-              <a:rPr lang="en-GB" sz="800" dirty="0">
-                <a:latin typeface="Futura (Light)" panose="020B7200000000000000" pitchFamily="34" charset="0"/>
-              </a:rPr>
-              <a:t>for publication.</a:t>
-            </a:r>
-          </a:p>
-          <a:p>
-            <a:pPr marL="88900" indent="-88900" algn="just">
-              <a:buFont typeface="Wingdings" panose="05000000000000000000" pitchFamily="2" charset="2"/>
-              <a:buChar char="§"/>
-            </a:pPr>
-            <a:r>
-              <a:rPr lang="en-GB" sz="800" b="1" dirty="0">
-                <a:latin typeface="Futura (Light)" panose="020B7200000000000000" pitchFamily="34" charset="0"/>
-              </a:rPr>
-              <a:t>Research Methods (96%)</a:t>
-            </a:r>
-          </a:p>
-          <a:p>
-            <a:pPr marL="88900" algn="just"/>
-            <a:r>
-              <a:rPr lang="en-GB" sz="800" dirty="0">
-                <a:latin typeface="Futura (Light)" panose="020B7200000000000000" pitchFamily="34" charset="0"/>
-              </a:rPr>
-              <a:t>PhD proposal for augmented analytics.</a:t>
-            </a:r>
-          </a:p>
-          <a:p>
-            <a:pPr marL="88900" indent="-88900" algn="just">
-              <a:buFont typeface="Wingdings" panose="05000000000000000000" pitchFamily="2" charset="2"/>
-              <a:buChar char="§"/>
-            </a:pPr>
-            <a:r>
-              <a:rPr lang="en-GB" sz="800" b="1" dirty="0">
-                <a:latin typeface="Futura (Light)" panose="020B7200000000000000" pitchFamily="34" charset="0"/>
-              </a:rPr>
-              <a:t>Mobile Robots (97%)</a:t>
-            </a:r>
-          </a:p>
-          <a:p>
-            <a:pPr marL="88900" algn="just"/>
-            <a:r>
-              <a:rPr lang="en-GB" sz="800" dirty="0">
-                <a:latin typeface="Futura (Light)" panose="020B7200000000000000" pitchFamily="34" charset="0"/>
-              </a:rPr>
-              <a:t>Virtual search &amp; rescue robot controlled via Python, implementing obstacle avoidance, sensor data fusion, environment mapping, precision navigation, victim location.</a:t>
-            </a:r>
-          </a:p>
-          <a:p>
-            <a:pPr marL="88900" indent="-88900" algn="just">
-              <a:buFont typeface="Wingdings" panose="05000000000000000000" pitchFamily="2" charset="2"/>
-              <a:buChar char="§"/>
-            </a:pPr>
-            <a:r>
-              <a:rPr lang="en-GB" sz="800" b="1" dirty="0">
-                <a:latin typeface="Futura (Light)" panose="020B7200000000000000" pitchFamily="34" charset="0"/>
-              </a:rPr>
-              <a:t>Computational Intelligence Optimization (100%) </a:t>
-            </a:r>
-            <a:r>
-              <a:rPr lang="en-GB" sz="800" dirty="0">
-                <a:latin typeface="Futura (Light)" panose="020B7200000000000000" pitchFamily="34" charset="0"/>
-              </a:rPr>
-              <a:t>Design &amp; build of Python-based hyper-heuristic optimization platform to address the real-world problem of scheduling optimisation. 5 example nature-inspired metaheuristic algorithms are implemented. A hyper-heuristic feature dynamically switches between low-level metaheuristics to deterministically use the most appropriate algorithm according to current problem state, or select one stochastically.</a:t>
-            </a:r>
-          </a:p>
-          <a:p>
-            <a:pPr marL="88900" indent="-88900" algn="just">
-              <a:buFont typeface="Wingdings" panose="05000000000000000000" pitchFamily="2" charset="2"/>
-              <a:buChar char="§"/>
-            </a:pPr>
-            <a:r>
-              <a:rPr lang="en-GB" sz="800" b="1" dirty="0">
-                <a:latin typeface="Futura (Light)" panose="020B7200000000000000" pitchFamily="34" charset="0"/>
-              </a:rPr>
-              <a:t>Masters Project In Progress</a:t>
-            </a:r>
-          </a:p>
-          <a:p>
-            <a:pPr marL="88900" algn="just"/>
-            <a:r>
-              <a:rPr lang="en-GB" sz="800" dirty="0">
-                <a:latin typeface="Futura (Light)" panose="020B7200000000000000" pitchFamily="34" charset="0"/>
-              </a:rPr>
-              <a:t>Building cloud-hosted medical research cockpit for knowledge discovery, summarization, topic classification &amp; clustering for best-informed next stage research actions, using COVID-19 literature.</a:t>
-            </a:r>
-          </a:p>
-        </p:txBody>
-      </p:sp>
-      <p:sp>
-        <p:nvSpPr>
-          <p:cNvPr id="10" name="TextBox 9"/>
-          <p:cNvSpPr txBox="1"/>
-          <p:nvPr/>
-        </p:nvSpPr>
-        <p:spPr>
-          <a:xfrm>
-            <a:off x="1605742" y="-3217"/>
-            <a:ext cx="5187310" cy="1398711"/>
-          </a:xfrm>
-          <a:prstGeom prst="rect">
-            <a:avLst/>
-          </a:prstGeom>
-          <a:noFill/>
-        </p:spPr>
-        <p:txBody>
-          <a:bodyPr wrap="square" lIns="28824" tIns="14412" rIns="28824" bIns="14412" rtlCol="0" anchor="ctr">
-            <a:spAutoFit/>
-          </a:bodyPr>
-          <a:lstStyle/>
-          <a:p>
-            <a:pPr algn="ctr"/>
-            <a:r>
-              <a:rPr lang="en-GB" sz="3600" b="1" dirty="0">
-                <a:latin typeface="Futura LtCn BT" panose="020B0408020204030204" pitchFamily="34" charset="0"/>
-              </a:rPr>
-              <a:t>JON-PAUL BOYD</a:t>
-            </a:r>
-          </a:p>
-          <a:p>
-            <a:pPr algn="ctr"/>
-            <a:r>
-              <a:rPr lang="en-GB" sz="1600" b="1" dirty="0">
-                <a:latin typeface="Futura LtCn BT" panose="020B0408020204030204" pitchFamily="34" charset="0"/>
-              </a:rPr>
-              <a:t>Intelligent Systems Engineer</a:t>
-            </a:r>
-          </a:p>
-          <a:p>
-            <a:pPr algn="ctr"/>
-            <a:endParaRPr lang="en-GB" sz="700" b="1" dirty="0">
-              <a:latin typeface="Futura LtCn BT" panose="020B0408020204030204" pitchFamily="34" charset="0"/>
-            </a:endParaRPr>
-          </a:p>
-          <a:p>
-            <a:pPr algn="ctr"/>
-            <a:r>
-              <a:rPr lang="en-GB" sz="900" dirty="0">
-                <a:latin typeface="Futura LtCn BT" panose="020B0408020204030204" pitchFamily="34" charset="0"/>
-              </a:rPr>
-              <a:t>I thrive on delivering tangible, cutting-edge, AI-enabled and analytic solutions that inform, empower &amp; perform. I help solve business challenges and deliver value to all stakeholders through strong theory, practical hands-on, clarity of thought and communication.</a:t>
-            </a:r>
-            <a:endParaRPr lang="en-GB" sz="1800" dirty="0">
-              <a:latin typeface="Futura LtCn BT" panose="020B0408020204030204" pitchFamily="34" charset="0"/>
-            </a:endParaRPr>
-          </a:p>
-        </p:txBody>
-      </p:sp>
-      <p:sp>
-        <p:nvSpPr>
           <p:cNvPr id="86" name="TextBox 85"/>
           <p:cNvSpPr txBox="1"/>
           <p:nvPr/>
@@ -4704,10 +4993,10 @@
       </p:sp>
       <p:sp>
         <p:nvSpPr>
-          <p:cNvPr id="3" name="TextBox 2">
+          <p:cNvPr id="18" name="TextBox 17">
             <a:extLst>
               <a:ext uri="{FF2B5EF4-FFF2-40B4-BE49-F238E27FC236}">
-                <a16:creationId xmlns:a16="http://schemas.microsoft.com/office/drawing/2014/main" id="{D6CAF53E-DA0E-4000-9DC7-C0A188FA8142}"/>
+                <a16:creationId xmlns:a16="http://schemas.microsoft.com/office/drawing/2014/main" id="{ACC8DB70-2E37-4CB9-A23D-982DB6F34156}"/>
               </a:ext>
             </a:extLst>
           </p:cNvPr>
@@ -4716,8 +5005,8 @@
         </p:nvSpPr>
         <p:spPr>
           <a:xfrm>
-            <a:off x="5830497" y="9018004"/>
-            <a:ext cx="1034556" cy="1018800"/>
+            <a:off x="5824335" y="2031194"/>
+            <a:ext cx="1033656" cy="4350797"/>
           </a:xfrm>
           <a:prstGeom prst="rect">
             <a:avLst/>
@@ -4737,249 +5026,6 @@
           <a:lstStyle/>
           <a:p>
             <a:r>
-              <a:rPr lang="en-GB" sz="700" dirty="0">
-                <a:latin typeface="Futura (Light)" panose="020B7200000000000000" pitchFamily="34" charset="0"/>
-              </a:rPr>
-              <a:t>Microsoft Certified Azure Fundamentals</a:t>
-            </a:r>
-          </a:p>
-          <a:p>
-            <a:endParaRPr lang="en-GB" sz="700" dirty="0">
-              <a:latin typeface="Futura (Light)" panose="020B7200000000000000" pitchFamily="34" charset="0"/>
-            </a:endParaRPr>
-          </a:p>
-          <a:p>
-            <a:r>
-              <a:rPr lang="en-GB" sz="700" dirty="0">
-                <a:latin typeface="Futura (Light)" panose="020B7200000000000000" pitchFamily="34" charset="0"/>
-              </a:rPr>
-              <a:t>AWS Certified Cloud Practitioner</a:t>
-            </a:r>
-          </a:p>
-        </p:txBody>
-      </p:sp>
-      <p:sp>
-        <p:nvSpPr>
-          <p:cNvPr id="23" name="TextBox 22">
-            <a:extLst>
-              <a:ext uri="{FF2B5EF4-FFF2-40B4-BE49-F238E27FC236}">
-                <a16:creationId xmlns:a16="http://schemas.microsoft.com/office/drawing/2014/main" id="{2E0F1AF6-D4E6-46A5-8AD4-98484A4A8BAB}"/>
-              </a:ext>
-            </a:extLst>
-          </p:cNvPr>
-          <p:cNvSpPr txBox="1"/>
-          <p:nvPr/>
-        </p:nvSpPr>
-        <p:spPr>
-          <a:xfrm>
-            <a:off x="5830497" y="6548967"/>
-            <a:ext cx="1034556" cy="2273306"/>
-          </a:xfrm>
-          <a:prstGeom prst="rect">
-            <a:avLst/>
-          </a:prstGeom>
-          <a:solidFill>
-            <a:srgbClr val="E8EEF7"/>
-          </a:solidFill>
-          <a:ln>
-            <a:noFill/>
-          </a:ln>
-          <a:effectLst/>
-        </p:spPr>
-        <p:txBody>
-          <a:bodyPr wrap="square" tIns="72000" rtlCol="0">
-            <a:spAutoFit/>
-          </a:bodyPr>
-          <a:lstStyle/>
-          <a:p>
-            <a:r>
-              <a:rPr lang="en-GB" sz="700" dirty="0">
-                <a:latin typeface="Futura (Light)" panose="020B7200000000000000" pitchFamily="34" charset="0"/>
-              </a:rPr>
-              <a:t>Python</a:t>
-            </a:r>
-          </a:p>
-          <a:p>
-            <a:r>
-              <a:rPr lang="en-GB" sz="700" dirty="0">
-                <a:latin typeface="Futura (Light)" panose="020B7200000000000000" pitchFamily="34" charset="0"/>
-              </a:rPr>
-              <a:t>Pandas</a:t>
-            </a:r>
-          </a:p>
-          <a:p>
-            <a:r>
-              <a:rPr lang="en-GB" sz="700" dirty="0">
-                <a:latin typeface="Futura (Light)" panose="020B7200000000000000" pitchFamily="34" charset="0"/>
-              </a:rPr>
-              <a:t>Numpy</a:t>
-            </a:r>
-          </a:p>
-          <a:p>
-            <a:r>
-              <a:rPr lang="en-GB" sz="700" dirty="0">
-                <a:latin typeface="Futura (Light)" panose="020B7200000000000000" pitchFamily="34" charset="0"/>
-              </a:rPr>
-              <a:t>Scikit-Learn</a:t>
-            </a:r>
-          </a:p>
-          <a:p>
-            <a:r>
-              <a:rPr lang="en-GB" sz="700" dirty="0">
-                <a:latin typeface="Futura (Light)" panose="020B7200000000000000" pitchFamily="34" charset="0"/>
-              </a:rPr>
-              <a:t>Keras</a:t>
-            </a:r>
-          </a:p>
-          <a:p>
-            <a:r>
-              <a:rPr lang="en-GB" sz="700" dirty="0">
-                <a:latin typeface="Futura (Light)" panose="020B7200000000000000" pitchFamily="34" charset="0"/>
-              </a:rPr>
-              <a:t>NLTK</a:t>
-            </a:r>
-          </a:p>
-          <a:p>
-            <a:r>
-              <a:rPr lang="en-GB" sz="700" dirty="0">
-                <a:latin typeface="Futura (Light)" panose="020B7200000000000000" pitchFamily="34" charset="0"/>
-              </a:rPr>
-              <a:t>Elasticsearch MongoDB </a:t>
-            </a:r>
-          </a:p>
-          <a:p>
-            <a:r>
-              <a:rPr lang="en-GB" sz="700" dirty="0">
-                <a:latin typeface="Futura (Light)" panose="020B7200000000000000" pitchFamily="34" charset="0"/>
-              </a:rPr>
-              <a:t>SAP HANA</a:t>
-            </a:r>
-          </a:p>
-          <a:p>
-            <a:r>
-              <a:rPr lang="en-GB" sz="700" dirty="0">
-                <a:latin typeface="Futura (Light)" panose="020B7200000000000000" pitchFamily="34" charset="0"/>
-              </a:rPr>
-              <a:t>SAP ABAP</a:t>
-            </a:r>
-          </a:p>
-          <a:p>
-            <a:r>
-              <a:rPr lang="en-GB" sz="700" dirty="0">
-                <a:latin typeface="Futura (Light)" panose="020B7200000000000000" pitchFamily="34" charset="0"/>
-              </a:rPr>
-              <a:t>SAP Security</a:t>
-            </a:r>
-          </a:p>
-          <a:p>
-            <a:r>
-              <a:rPr lang="en-GB" sz="700" dirty="0">
-                <a:latin typeface="Futura (Light)" panose="020B7200000000000000" pitchFamily="34" charset="0"/>
-              </a:rPr>
-              <a:t>ReactJS</a:t>
-            </a:r>
-          </a:p>
-          <a:p>
-            <a:r>
-              <a:rPr lang="en-GB" sz="700" dirty="0">
-                <a:latin typeface="Futura (Light)" panose="020B7200000000000000" pitchFamily="34" charset="0"/>
-              </a:rPr>
-              <a:t>JavaScript</a:t>
-            </a:r>
-          </a:p>
-          <a:p>
-            <a:r>
-              <a:rPr lang="en-GB" sz="700" dirty="0">
-                <a:latin typeface="Futura (Light)" panose="020B7200000000000000" pitchFamily="34" charset="0"/>
-              </a:rPr>
-              <a:t>Amazon AWS</a:t>
-            </a:r>
-          </a:p>
-          <a:p>
-            <a:r>
-              <a:rPr lang="en-GB" sz="700" dirty="0">
-                <a:latin typeface="Futura (Light)" panose="020B7200000000000000" pitchFamily="34" charset="0"/>
-              </a:rPr>
-              <a:t>MS Azure</a:t>
-            </a:r>
-          </a:p>
-          <a:p>
-            <a:r>
-              <a:rPr lang="en-GB" sz="700" dirty="0">
-                <a:latin typeface="Futura (Light)" panose="020B7200000000000000" pitchFamily="34" charset="0"/>
-              </a:rPr>
-              <a:t>Docker</a:t>
-            </a:r>
-          </a:p>
-          <a:p>
-            <a:r>
-              <a:rPr lang="en-GB" sz="700" dirty="0">
-                <a:latin typeface="Futura (Light)" panose="020B7200000000000000" pitchFamily="34" charset="0"/>
-              </a:rPr>
-              <a:t>Git</a:t>
-            </a:r>
-          </a:p>
-          <a:p>
-            <a:r>
-              <a:rPr lang="en-GB" sz="700" dirty="0">
-                <a:latin typeface="Futura (Light)" panose="020B7200000000000000" pitchFamily="34" charset="0"/>
-              </a:rPr>
-              <a:t>GitLab</a:t>
-            </a:r>
-          </a:p>
-          <a:p>
-            <a:r>
-              <a:rPr lang="en-GB" sz="700" dirty="0">
-                <a:latin typeface="Futura (Light)" panose="020B7200000000000000" pitchFamily="34" charset="0"/>
-              </a:rPr>
-              <a:t>Linux</a:t>
-            </a:r>
-          </a:p>
-          <a:p>
-            <a:r>
-              <a:rPr lang="en-GB" sz="700" dirty="0">
-                <a:latin typeface="Futura (Light)" panose="020B7200000000000000" pitchFamily="34" charset="0"/>
-              </a:rPr>
-              <a:t>Windows 10</a:t>
-            </a:r>
-          </a:p>
-        </p:txBody>
-      </p:sp>
-      <p:sp>
-        <p:nvSpPr>
-          <p:cNvPr id="18" name="TextBox 17">
-            <a:extLst>
-              <a:ext uri="{FF2B5EF4-FFF2-40B4-BE49-F238E27FC236}">
-                <a16:creationId xmlns:a16="http://schemas.microsoft.com/office/drawing/2014/main" id="{ACC8DB70-2E37-4CB9-A23D-982DB6F34156}"/>
-              </a:ext>
-            </a:extLst>
-          </p:cNvPr>
-          <p:cNvSpPr txBox="1"/>
-          <p:nvPr/>
-        </p:nvSpPr>
-        <p:spPr>
-          <a:xfrm>
-            <a:off x="5828131" y="2031194"/>
-            <a:ext cx="1029860" cy="4350797"/>
-          </a:xfrm>
-          <a:prstGeom prst="rect">
-            <a:avLst/>
-          </a:prstGeom>
-          <a:solidFill>
-            <a:srgbClr val="E8EEF7"/>
-          </a:solidFill>
-          <a:ln>
-            <a:noFill/>
-          </a:ln>
-          <a:effectLst/>
-        </p:spPr>
-        <p:txBody>
-          <a:bodyPr wrap="square" tIns="72000" rtlCol="0">
-            <a:spAutoFit/>
-          </a:bodyPr>
-          <a:lstStyle/>
-          <a:p>
-            <a:r>
               <a:rPr lang="en-GB" sz="1600" b="1" dirty="0">
                 <a:latin typeface="Futura LtCn BT" panose="020B0408020204030204" pitchFamily="34" charset="0"/>
               </a:rPr>
@@ -5157,8 +5203,8 @@
         </p:nvSpPr>
         <p:spPr>
           <a:xfrm>
-            <a:off x="5831131" y="6272901"/>
-            <a:ext cx="1026869" cy="276999"/>
+            <a:off x="5824335" y="6272901"/>
+            <a:ext cx="1033665" cy="276999"/>
           </a:xfrm>
           <a:prstGeom prst="rect">
             <a:avLst/>
@@ -5203,8 +5249,8 @@
         </p:nvSpPr>
         <p:spPr>
           <a:xfrm>
-            <a:off x="5824080" y="1754195"/>
-            <a:ext cx="1029860" cy="276999"/>
+            <a:off x="5827321" y="1754195"/>
+            <a:ext cx="1036938" cy="276999"/>
           </a:xfrm>
           <a:prstGeom prst="rect">
             <a:avLst/>
@@ -5231,52 +5277,6 @@
                 <a:latin typeface="Futura LtCn BT" panose="020B0408020204030204" pitchFamily="34" charset="0"/>
               </a:rPr>
               <a:t>STATS</a:t>
-            </a:r>
-          </a:p>
-        </p:txBody>
-      </p:sp>
-      <p:sp>
-        <p:nvSpPr>
-          <p:cNvPr id="2" name="TextBox 1">
-            <a:extLst>
-              <a:ext uri="{FF2B5EF4-FFF2-40B4-BE49-F238E27FC236}">
-                <a16:creationId xmlns:a16="http://schemas.microsoft.com/office/drawing/2014/main" id="{8A82E7F1-7E38-4B39-8212-1F26279E961A}"/>
-              </a:ext>
-            </a:extLst>
-          </p:cNvPr>
-          <p:cNvSpPr txBox="1"/>
-          <p:nvPr/>
-        </p:nvSpPr>
-        <p:spPr>
-          <a:xfrm>
-            <a:off x="5830497" y="8738446"/>
-            <a:ext cx="1035649" cy="276999"/>
-          </a:xfrm>
-          <a:prstGeom prst="rect">
-            <a:avLst/>
-          </a:prstGeom>
-          <a:solidFill>
-            <a:srgbClr val="E8EEF7"/>
-          </a:solidFill>
-          <a:effectLst>
-            <a:outerShdw blurRad="50800" dist="38100" dir="5400000" algn="t" rotWithShape="0">
-              <a:prstClr val="black">
-                <a:alpha val="40000"/>
-              </a:prstClr>
-            </a:outerShdw>
-          </a:effectLst>
-        </p:spPr>
-        <p:txBody>
-          <a:bodyPr wrap="square" lIns="72000" rtlCol="0">
-            <a:spAutoFit/>
-          </a:bodyPr>
-          <a:lstStyle/>
-          <a:p>
-            <a:r>
-              <a:rPr lang="en-GB" sz="1200" b="1" dirty="0">
-                <a:latin typeface="Futura LtCn BT" panose="020B0408020204030204" pitchFamily="34" charset="0"/>
-              </a:rPr>
-              <a:t>AWARDS</a:t>
             </a:r>
           </a:p>
         </p:txBody>

--- a/docs/cv/Jon-Paul Boyd Resume.pptx
+++ b/docs/cv/Jon-Paul Boyd Resume.pptx
@@ -208,7 +208,7 @@
           <a:p>
             <a:fld id="{0D642CF5-0F59-452D-A22D-9CF205FE8940}" type="datetimeFigureOut">
               <a:rPr lang="en-GB" smtClean="0"/>
-              <a:t>26/08/2020</a:t>
+              <a:t>27/08/2020</a:t>
             </a:fld>
             <a:endParaRPr lang="en-GB"/>
           </a:p>
@@ -741,7 +741,7 @@
           <a:p>
             <a:fld id="{7A88F2A5-D086-4936-BC29-0F70CC39936A}" type="datetimeFigureOut">
               <a:rPr lang="en-GB" smtClean="0"/>
-              <a:t>26/08/2020</a:t>
+              <a:t>27/08/2020</a:t>
             </a:fld>
             <a:endParaRPr lang="en-GB"/>
           </a:p>
@@ -911,7 +911,7 @@
           <a:p>
             <a:fld id="{7A88F2A5-D086-4936-BC29-0F70CC39936A}" type="datetimeFigureOut">
               <a:rPr lang="en-GB" smtClean="0"/>
-              <a:t>26/08/2020</a:t>
+              <a:t>27/08/2020</a:t>
             </a:fld>
             <a:endParaRPr lang="en-GB"/>
           </a:p>
@@ -1091,7 +1091,7 @@
           <a:p>
             <a:fld id="{7A88F2A5-D086-4936-BC29-0F70CC39936A}" type="datetimeFigureOut">
               <a:rPr lang="en-GB" smtClean="0"/>
-              <a:t>26/08/2020</a:t>
+              <a:t>27/08/2020</a:t>
             </a:fld>
             <a:endParaRPr lang="en-GB"/>
           </a:p>
@@ -1261,7 +1261,7 @@
           <a:p>
             <a:fld id="{7A88F2A5-D086-4936-BC29-0F70CC39936A}" type="datetimeFigureOut">
               <a:rPr lang="en-GB" smtClean="0"/>
-              <a:t>26/08/2020</a:t>
+              <a:t>27/08/2020</a:t>
             </a:fld>
             <a:endParaRPr lang="en-GB"/>
           </a:p>
@@ -1507,7 +1507,7 @@
           <a:p>
             <a:fld id="{7A88F2A5-D086-4936-BC29-0F70CC39936A}" type="datetimeFigureOut">
               <a:rPr lang="en-GB" smtClean="0"/>
-              <a:t>26/08/2020</a:t>
+              <a:t>27/08/2020</a:t>
             </a:fld>
             <a:endParaRPr lang="en-GB"/>
           </a:p>
@@ -1795,7 +1795,7 @@
           <a:p>
             <a:fld id="{7A88F2A5-D086-4936-BC29-0F70CC39936A}" type="datetimeFigureOut">
               <a:rPr lang="en-GB" smtClean="0"/>
-              <a:t>26/08/2020</a:t>
+              <a:t>27/08/2020</a:t>
             </a:fld>
             <a:endParaRPr lang="en-GB"/>
           </a:p>
@@ -2222,7 +2222,7 @@
           <a:p>
             <a:fld id="{7A88F2A5-D086-4936-BC29-0F70CC39936A}" type="datetimeFigureOut">
               <a:rPr lang="en-GB" smtClean="0"/>
-              <a:t>26/08/2020</a:t>
+              <a:t>27/08/2020</a:t>
             </a:fld>
             <a:endParaRPr lang="en-GB"/>
           </a:p>
@@ -2340,7 +2340,7 @@
           <a:p>
             <a:fld id="{7A88F2A5-D086-4936-BC29-0F70CC39936A}" type="datetimeFigureOut">
               <a:rPr lang="en-GB" smtClean="0"/>
-              <a:t>26/08/2020</a:t>
+              <a:t>27/08/2020</a:t>
             </a:fld>
             <a:endParaRPr lang="en-GB"/>
           </a:p>
@@ -2435,7 +2435,7 @@
           <a:p>
             <a:fld id="{7A88F2A5-D086-4936-BC29-0F70CC39936A}" type="datetimeFigureOut">
               <a:rPr lang="en-GB" smtClean="0"/>
-              <a:t>26/08/2020</a:t>
+              <a:t>27/08/2020</a:t>
             </a:fld>
             <a:endParaRPr lang="en-GB"/>
           </a:p>
@@ -2712,7 +2712,7 @@
           <a:p>
             <a:fld id="{7A88F2A5-D086-4936-BC29-0F70CC39936A}" type="datetimeFigureOut">
               <a:rPr lang="en-GB" smtClean="0"/>
-              <a:t>26/08/2020</a:t>
+              <a:t>27/08/2020</a:t>
             </a:fld>
             <a:endParaRPr lang="en-GB"/>
           </a:p>
@@ -2965,7 +2965,7 @@
           <a:p>
             <a:fld id="{7A88F2A5-D086-4936-BC29-0F70CC39936A}" type="datetimeFigureOut">
               <a:rPr lang="en-GB" smtClean="0"/>
-              <a:t>26/08/2020</a:t>
+              <a:t>27/08/2020</a:t>
             </a:fld>
             <a:endParaRPr lang="en-GB"/>
           </a:p>
@@ -3178,7 +3178,7 @@
           <a:p>
             <a:fld id="{7A88F2A5-D086-4936-BC29-0F70CC39936A}" type="datetimeFigureOut">
               <a:rPr lang="en-GB" smtClean="0"/>
-              <a:t>26/08/2020</a:t>
+              <a:t>27/08/2020</a:t>
             </a:fld>
             <a:endParaRPr lang="en-GB"/>
           </a:p>
@@ -3575,8 +3575,8 @@
         </p:blipFill>
         <p:spPr>
           <a:xfrm>
-            <a:off x="838" y="2010"/>
-            <a:ext cx="1885127" cy="1508101"/>
+            <a:off x="839" y="2010"/>
+            <a:ext cx="1783512" cy="1426809"/>
           </a:xfrm>
           <a:prstGeom prst="rect">
             <a:avLst/>
@@ -3591,8 +3591,8 @@
         </p:nvSpPr>
         <p:spPr>
           <a:xfrm>
-            <a:off x="3305112" y="8367634"/>
-            <a:ext cx="2523018" cy="1548000"/>
+            <a:off x="3305112" y="8217611"/>
+            <a:ext cx="2523018" cy="1947600"/>
           </a:xfrm>
           <a:prstGeom prst="rect">
             <a:avLst/>
@@ -3608,7 +3608,7 @@
           <a:lstStyle/>
           <a:p>
             <a:r>
-              <a:rPr lang="en-GB" sz="750" b="1" dirty="0">
+              <a:rPr lang="en-GB" sz="800" b="1" dirty="0">
                 <a:latin typeface="Futura LtCn BT" panose="020B0408020204030204" pitchFamily="34" charset="0"/>
               </a:rPr>
               <a:t>“Tech savvy, experienced, meticulous, dependable, ingenious &amp; eager to learn more” </a:t>
@@ -3641,7 +3641,7 @@
           </a:p>
           <a:p>
             <a:r>
-              <a:rPr lang="en-GB" sz="750" b="1" dirty="0">
+              <a:rPr lang="en-GB" sz="800" b="1" dirty="0">
                 <a:latin typeface="Futura LtCn BT" panose="020B0408020204030204" pitchFamily="34" charset="0"/>
               </a:rPr>
               <a:t>“Builds comprehensive understanding of architectures involved, educating &amp; inspiring teams &amp; co-workers in the process. A real flair for challenging, on-the-edge development”</a:t>
@@ -3674,7 +3674,7 @@
           </a:p>
           <a:p>
             <a:r>
-              <a:rPr lang="en-GB" sz="750" b="1" dirty="0">
+              <a:rPr lang="en-GB" sz="800" b="1" dirty="0">
                 <a:latin typeface="Futura LtCn BT" panose="020B0408020204030204" pitchFamily="34" charset="0"/>
               </a:rPr>
               <a:t>“An expert in his domain, a great team player. His focus on results with optimal quality is outstanding”</a:t>
@@ -3716,8 +3716,8 @@
         </p:nvSpPr>
         <p:spPr>
           <a:xfrm>
-            <a:off x="3304795" y="8090319"/>
-            <a:ext cx="2522320" cy="276999"/>
+            <a:off x="3304795" y="7971259"/>
+            <a:ext cx="2522320" cy="246221"/>
           </a:xfrm>
           <a:prstGeom prst="rect">
             <a:avLst/>
@@ -3740,7 +3740,7 @@
           <a:lstStyle/>
           <a:p>
             <a:r>
-              <a:rPr lang="en-GB" sz="1200" b="1" dirty="0">
+              <a:rPr lang="en-GB" sz="1000" b="1" dirty="0">
                 <a:latin typeface="Futura LtCn BT" panose="020B0408020204030204" pitchFamily="34" charset="0"/>
               </a:rPr>
               <a:t>PRAISE</a:t>
@@ -3762,7 +3762,7 @@
         </p:nvSpPr>
         <p:spPr>
           <a:xfrm>
-            <a:off x="3305810" y="2031194"/>
+            <a:off x="3305810" y="1916897"/>
             <a:ext cx="2522320" cy="6080400"/>
           </a:xfrm>
           <a:prstGeom prst="rect">
@@ -3798,10 +3798,7 @@
             </a:r>
           </a:p>
           <a:p>
-            <a:pPr marL="85725" indent="-85725">
-              <a:buFont typeface="Wingdings" panose="05000000000000000000" pitchFamily="2" charset="2"/>
-              <a:buChar char="§"/>
-            </a:pPr>
+            <a:pPr algn="just"/>
             <a:r>
               <a:rPr lang="en-GB" sz="800" dirty="0">
                 <a:latin typeface="Futura (Light)" panose="020B7200000000000000" pitchFamily="34" charset="0"/>
@@ -4057,7 +4054,7 @@
               <a:rPr lang="en-GB" sz="900" dirty="0">
                 <a:latin typeface="Futura LtCn BT" panose="020B0408020204030204" pitchFamily="34" charset="0"/>
               </a:rPr>
-              <a:t>I thrive on delivering tangible, cutting-edge, AI-enabled and analytic solutions that inform, empower &amp; perform. I help solve business challenges and deliver value to all stakeholders through strong theory, practical hands-on, clarity of thought and communication.</a:t>
+              <a:t>I thrive on delivering tangible, cutting-edge, AI-enabled and analytic solutions that inform, empower &amp; perform. I help solve business challenges and deliver value to all stakeholders through strong theory, experienced hands-on, clarity of thought and communication.</a:t>
             </a:r>
             <a:endParaRPr lang="en-GB" sz="1800" dirty="0">
               <a:latin typeface="Futura LtCn BT" panose="020B0408020204030204" pitchFamily="34" charset="0"/>
@@ -4079,7 +4076,7 @@
         </p:nvSpPr>
         <p:spPr>
           <a:xfrm>
-            <a:off x="5822354" y="9018004"/>
+            <a:off x="5822354" y="9039439"/>
             <a:ext cx="1042700" cy="910800"/>
           </a:xfrm>
           <a:prstGeom prst="rect">
@@ -4135,7 +4132,7 @@
         </p:nvSpPr>
         <p:spPr>
           <a:xfrm>
-            <a:off x="5824080" y="6548967"/>
+            <a:off x="5824080" y="6606112"/>
             <a:ext cx="1040179" cy="2273306"/>
           </a:xfrm>
           <a:prstGeom prst="rect">
@@ -4322,8 +4319,8 @@
         </p:nvSpPr>
         <p:spPr>
           <a:xfrm>
-            <a:off x="5823447" y="8738446"/>
-            <a:ext cx="1042700" cy="276999"/>
+            <a:off x="5823447" y="8793217"/>
+            <a:ext cx="1042700" cy="246221"/>
           </a:xfrm>
           <a:prstGeom prst="rect">
             <a:avLst/>
@@ -4346,7 +4343,7 @@
           <a:lstStyle/>
           <a:p>
             <a:r>
-              <a:rPr lang="en-GB" sz="1200" b="1" dirty="0">
+              <a:rPr lang="en-GB" sz="1000" b="1" dirty="0">
                 <a:latin typeface="Futura LtCn BT" panose="020B0408020204030204" pitchFamily="34" charset="0"/>
               </a:rPr>
               <a:t>AWARDS</a:t>
@@ -4368,8 +4365,8 @@
         </p:nvSpPr>
         <p:spPr>
           <a:xfrm>
-            <a:off x="0" y="2031194"/>
-            <a:ext cx="3305176" cy="7951783"/>
+            <a:off x="838" y="1919179"/>
+            <a:ext cx="3305176" cy="8198004"/>
           </a:xfrm>
           <a:prstGeom prst="rect">
             <a:avLst/>
@@ -4404,6 +4401,18 @@
             </a:r>
           </a:p>
           <a:p>
+            <a:pPr algn="just"/>
+            <a:r>
+              <a:rPr lang="en-US" sz="800" dirty="0">
+                <a:latin typeface="Futura (Light)" panose="020B7200000000000000" pitchFamily="34" charset="0"/>
+              </a:rPr>
+              <a:t>Technical lead, inspiring team implementing groundbreaking HANA-based analytics reporting solution. Empowered 3000 users with multi-level recipe search to answer questions of regulatory compliance, quantity &amp; procurement previously impossible. Learned I’m still hungry for technical challenges.</a:t>
+            </a:r>
+            <a:endParaRPr lang="en-GB" sz="800" dirty="0">
+              <a:latin typeface="Futura (Light)" panose="020B7200000000000000" pitchFamily="34" charset="0"/>
+            </a:endParaRPr>
+          </a:p>
+          <a:p>
             <a:pPr marL="88900" indent="-88900" algn="just">
               <a:buFont typeface="Wingdings" panose="05000000000000000000" pitchFamily="2" charset="2"/>
               <a:buChar char="§"/>
@@ -4412,7 +4421,7 @@
               <a:rPr lang="en-US" sz="800" dirty="0">
                 <a:latin typeface="Futura (Light)" panose="020B7200000000000000" pitchFamily="34" charset="0"/>
               </a:rPr>
-              <a:t>Technical lead, inspiring team implementing groundbreaking first HANA-based analytic reporting solution for 3000 users. </a:t>
+              <a:t>Resolved SAP product shortcomings, developing tool for analytic privileges build &amp; assign, enabling project go-live.</a:t>
             </a:r>
           </a:p>
           <a:p>
@@ -4424,11 +4433,8 @@
               <a:rPr lang="en-US" sz="800" dirty="0">
                 <a:latin typeface="Futura (Light)" panose="020B7200000000000000" pitchFamily="34" charset="0"/>
               </a:rPr>
-              <a:t>Led 5 HANA major upgrades &amp; migration of analytics sidecar to embedded NetWeaver/HANA dual stack.</a:t>
-            </a:r>
-            <a:endParaRPr lang="en-US" sz="300" dirty="0">
-              <a:latin typeface="Futura (Light)" panose="020B7200000000000000" pitchFamily="34" charset="0"/>
-            </a:endParaRPr>
+              <a:t>Quantified performance, developing tool measuring query runtimes vs KPIs. Supported user experience &amp; expectations.</a:t>
+            </a:r>
           </a:p>
           <a:p>
             <a:pPr marL="88900" indent="-88900" algn="just">
@@ -4439,35 +4445,8 @@
               <a:rPr lang="en-US" sz="800" dirty="0">
                 <a:latin typeface="Futura (Light)" panose="020B7200000000000000" pitchFamily="34" charset="0"/>
               </a:rPr>
-              <a:t>Extensive XSC/XSA development with database modelling, Fiori, </a:t>
-            </a:r>
-            <a:r>
-              <a:rPr lang="en-US" sz="800" dirty="0" err="1">
-                <a:latin typeface="Futura (Light)" panose="020B7200000000000000" pitchFamily="34" charset="0"/>
-              </a:rPr>
-              <a:t>SQLScript</a:t>
-            </a:r>
-            <a:r>
-              <a:rPr lang="en-US" sz="800" dirty="0">
-                <a:latin typeface="Futura (Light)" panose="020B7200000000000000" pitchFamily="34" charset="0"/>
-              </a:rPr>
-              <a:t>, XSJS, Node.js, security, </a:t>
-            </a:r>
-            <a:r>
-              <a:rPr lang="en-US" sz="800" dirty="0" err="1">
-                <a:latin typeface="Futura (Light)" panose="020B7200000000000000" pitchFamily="34" charset="0"/>
-              </a:rPr>
-              <a:t>optimisation</a:t>
-            </a:r>
-            <a:r>
-              <a:rPr lang="en-US" sz="800" dirty="0">
-                <a:latin typeface="Futura (Light)" panose="020B7200000000000000" pitchFamily="34" charset="0"/>
-              </a:rPr>
-              <a:t>.</a:t>
-            </a:r>
-            <a:endParaRPr lang="en-US" sz="300" dirty="0">
-              <a:latin typeface="Futura (Light)" panose="020B7200000000000000" pitchFamily="34" charset="0"/>
-            </a:endParaRPr>
+              <a:t>Led configuration of HANA workload management, HALM and HRF, acquiring required skillsets &amp; sharing with team.</a:t>
+            </a:r>
           </a:p>
           <a:p>
             <a:pPr marL="88900" indent="-88900" algn="just">
@@ -4478,11 +4457,8 @@
               <a:rPr lang="en-US" sz="800" dirty="0">
                 <a:latin typeface="Futura (Light)" panose="020B7200000000000000" pitchFamily="34" charset="0"/>
               </a:rPr>
-              <a:t>Developed automated tool for analytic privileges build &amp; assign, performance tool measuring query runtimes vs KPIs. </a:t>
-            </a:r>
-            <a:endParaRPr lang="en-US" sz="300" dirty="0">
-              <a:latin typeface="Futura (Light)" panose="020B7200000000000000" pitchFamily="34" charset="0"/>
-            </a:endParaRPr>
+              <a:t>Major contributor to Nestle HANA dev best practices.</a:t>
+            </a:r>
           </a:p>
           <a:p>
             <a:pPr marL="88900" indent="-88900" algn="just">
@@ -4493,7 +4469,7 @@
               <a:rPr lang="en-US" sz="800" dirty="0">
                 <a:latin typeface="Futura (Light)" panose="020B7200000000000000" pitchFamily="34" charset="0"/>
               </a:rPr>
-              <a:t>Configured HANA workload management, HALM, HRF. Major contributor to Nestle HANA Development best practices.</a:t>
+              <a:t>Led 5 HANA major upgrades &amp; migration of analytics sidecar to embedded NetWeaver/HANA dual stack.</a:t>
             </a:r>
             <a:endParaRPr lang="en-US" sz="300" dirty="0">
               <a:latin typeface="Futura (Light)" panose="020B7200000000000000" pitchFamily="34" charset="0"/>
@@ -4508,7 +4484,52 @@
               <a:rPr lang="en-US" sz="800" dirty="0">
                 <a:latin typeface="Futura (Light)" panose="020B7200000000000000" pitchFamily="34" charset="0"/>
               </a:rPr>
-              <a:t>Daily liaison with Nestle &amp; SAP partners, presentation to management, key users, technical and product teams.</a:t>
+              <a:t>Daily liaison with stakeholders, technical &amp; product teams.</a:t>
+            </a:r>
+          </a:p>
+          <a:p>
+            <a:endParaRPr lang="en-US" sz="500" b="1" dirty="0">
+              <a:latin typeface="Futura LtCn BT" panose="020B0408020204030204" pitchFamily="34" charset="0"/>
+            </a:endParaRPr>
+          </a:p>
+          <a:p>
+            <a:r>
+              <a:rPr lang="en-GB" sz="900" dirty="0">
+                <a:latin typeface="Futura LtCn BT" panose="020B0408020204030204" pitchFamily="34" charset="0"/>
+              </a:rPr>
+              <a:t>SAP HANA Technical Architect</a:t>
+            </a:r>
+            <a:endParaRPr lang="en-GB" sz="900" b="1" dirty="0">
+              <a:latin typeface="Futura LtCn BT" panose="020B0408020204030204" pitchFamily="34" charset="0"/>
+            </a:endParaRPr>
+          </a:p>
+          <a:p>
+            <a:r>
+              <a:rPr lang="en-GB" sz="900" b="1" dirty="0">
+                <a:latin typeface="Futura LtCn BT" panose="020B0408020204030204" pitchFamily="34" charset="0"/>
+              </a:rPr>
+              <a:t>Bluefin Solutions | London, UK | 2014</a:t>
+            </a:r>
+          </a:p>
+          <a:p>
+            <a:pPr algn="just"/>
+            <a:r>
+              <a:rPr lang="en-US" sz="800" dirty="0">
+                <a:latin typeface="Futura (Light)" panose="020B7200000000000000" pitchFamily="34" charset="0"/>
+              </a:rPr>
+              <a:t>Helped BAT </a:t>
+            </a:r>
+            <a:r>
+              <a:rPr lang="en-US" sz="800" dirty="0" err="1">
+                <a:latin typeface="Futura (Light)" panose="020B7200000000000000" pitchFamily="34" charset="0"/>
+              </a:rPr>
+              <a:t>realise</a:t>
+            </a:r>
+            <a:r>
+              <a:rPr lang="en-US" sz="800" dirty="0">
+                <a:latin typeface="Futura (Light)" panose="020B7200000000000000" pitchFamily="34" charset="0"/>
+              </a:rPr>
+              <a:t> Gartner’s Logical Data Warehouse concept by implementing HANA SDA for data federation of London &amp; Sydney databases. Learned trust won on transparency &amp; keeping delivery promises goes a long way.</a:t>
             </a:r>
           </a:p>
           <a:p>
@@ -4520,66 +4541,6 @@
               <a:rPr lang="en-US" sz="800" dirty="0">
                 <a:latin typeface="Futura (Light)" panose="020B7200000000000000" pitchFamily="34" charset="0"/>
               </a:rPr>
-              <a:t>Learned I’m still hungry for technical challenges.</a:t>
-            </a:r>
-          </a:p>
-          <a:p>
-            <a:endParaRPr lang="en-US" sz="500" b="1" dirty="0">
-              <a:latin typeface="Futura LtCn BT" panose="020B0408020204030204" pitchFamily="34" charset="0"/>
-            </a:endParaRPr>
-          </a:p>
-          <a:p>
-            <a:r>
-              <a:rPr lang="en-GB" sz="900" dirty="0">
-                <a:latin typeface="Futura LtCn BT" panose="020B0408020204030204" pitchFamily="34" charset="0"/>
-              </a:rPr>
-              <a:t>SAP HANA Technical Architect</a:t>
-            </a:r>
-            <a:endParaRPr lang="en-GB" sz="900" b="1" dirty="0">
-              <a:latin typeface="Futura LtCn BT" panose="020B0408020204030204" pitchFamily="34" charset="0"/>
-            </a:endParaRPr>
-          </a:p>
-          <a:p>
-            <a:r>
-              <a:rPr lang="en-GB" sz="900" b="1" dirty="0">
-                <a:latin typeface="Futura LtCn BT" panose="020B0408020204030204" pitchFamily="34" charset="0"/>
-              </a:rPr>
-              <a:t>Bluefin Solutions | London, UK | 2014</a:t>
-            </a:r>
-          </a:p>
-          <a:p>
-            <a:pPr marL="88900" indent="-88900" algn="just">
-              <a:buFont typeface="Wingdings" panose="05000000000000000000" pitchFamily="2" charset="2"/>
-              <a:buChar char="§"/>
-            </a:pPr>
-            <a:r>
-              <a:rPr lang="en-US" sz="800" dirty="0">
-                <a:latin typeface="Futura (Light)" panose="020B7200000000000000" pitchFamily="34" charset="0"/>
-              </a:rPr>
-              <a:t>Helped BAT </a:t>
-            </a:r>
-            <a:r>
-              <a:rPr lang="en-US" sz="800" dirty="0" err="1">
-                <a:latin typeface="Futura (Light)" panose="020B7200000000000000" pitchFamily="34" charset="0"/>
-              </a:rPr>
-              <a:t>realise</a:t>
-            </a:r>
-            <a:r>
-              <a:rPr lang="en-US" sz="800" dirty="0">
-                <a:latin typeface="Futura (Light)" panose="020B7200000000000000" pitchFamily="34" charset="0"/>
-              </a:rPr>
-              <a:t> Gartner’s Logical Data Warehouse concept by implementing HANA SDA for data federation of London &amp; Sydney databases.</a:t>
-            </a:r>
-          </a:p>
-          <a:p>
-            <a:pPr marL="88900" indent="-88900" algn="just">
-              <a:buFont typeface="Wingdings" panose="05000000000000000000" pitchFamily="2" charset="2"/>
-              <a:buChar char="§"/>
-            </a:pPr>
-            <a:r>
-              <a:rPr lang="en-US" sz="800" dirty="0">
-                <a:latin typeface="Futura (Light)" panose="020B7200000000000000" pitchFamily="34" charset="0"/>
-              </a:rPr>
               <a:t>Developed P&amp;L with sub-second performance (legacy 2m10s), </a:t>
             </a:r>
             <a:r>
@@ -4587,18 +4548,6 @@
                 <a:latin typeface="Futura (Light)" panose="020B7200000000000000" pitchFamily="34" charset="0"/>
               </a:rPr>
               <a:t>SAP Fiori KPI dashboard with line item drill-down.</a:t>
-            </a:r>
-          </a:p>
-          <a:p>
-            <a:pPr marL="88900" indent="-88900" algn="just">
-              <a:buFont typeface="Wingdings" panose="05000000000000000000" pitchFamily="2" charset="2"/>
-              <a:buChar char="§"/>
-            </a:pPr>
-            <a:r>
-              <a:rPr lang="en-US" sz="800" dirty="0">
-                <a:latin typeface="Futura (Light)" panose="020B7200000000000000" pitchFamily="34" charset="0"/>
-              </a:rPr>
-              <a:t>Learned trust won on transparency &amp; keeping delivery promises goes a long way.</a:t>
             </a:r>
           </a:p>
           <a:p>
@@ -4632,6 +4581,15 @@
                 <a:latin typeface="Futura LtCn BT" panose="020B0408020204030204" pitchFamily="34" charset="0"/>
               </a:rPr>
               <a:t>, CH | 2013</a:t>
+            </a:r>
+          </a:p>
+          <a:p>
+            <a:pPr algn="just"/>
+            <a:r>
+              <a:rPr lang="en-GB" sz="800" dirty="0">
+                <a:latin typeface="Futura (Light)" panose="020B7200000000000000" pitchFamily="34" charset="0"/>
+              </a:rPr>
+              <a:t>Learned HANA by engineering piloted vehicle, with real time telemetry to cloud-hosted dB for analytics &amp; vehicle control via openUI5 cockpit. Realised benefits of deep &amp; wide research.</a:t>
             </a:r>
           </a:p>
           <a:p>
@@ -4643,7 +4601,38 @@
               <a:rPr lang="en-GB" sz="800" dirty="0">
                 <a:latin typeface="Futura (Light)" panose="020B7200000000000000" pitchFamily="34" charset="0"/>
               </a:rPr>
-              <a:t>Engineered remote piloted vehicle with real time telemetry to Cloud-hosted HANA database for analytics &amp; real time vehicle control via openUI5 browser cockpit. </a:t>
+              <a:t>Data mining for game analytics &amp; achievement/reward system tied to mission objectives &amp; pilot behaviour.</a:t>
+            </a:r>
+          </a:p>
+          <a:p>
+            <a:endParaRPr lang="en-GB" sz="500" dirty="0">
+              <a:latin typeface="Futura LtCn BT" panose="020B0408020204030204" pitchFamily="34" charset="0"/>
+              <a:cs typeface="Arial" panose="020B0604020202020204" pitchFamily="34" charset="0"/>
+            </a:endParaRPr>
+          </a:p>
+          <a:p>
+            <a:r>
+              <a:rPr lang="en-GB" sz="900" dirty="0">
+                <a:latin typeface="Futura LtCn BT" panose="020B0408020204030204" pitchFamily="34" charset="0"/>
+              </a:rPr>
+              <a:t>SAP Web Dynpro ABAP Consultant</a:t>
+            </a:r>
+          </a:p>
+          <a:p>
+            <a:r>
+              <a:rPr lang="en-GB" sz="900" b="1" dirty="0">
+                <a:latin typeface="Futura LtCn BT" panose="020B0408020204030204" pitchFamily="34" charset="0"/>
+              </a:rPr>
+              <a:t>Nestle| Vevey, CH | 2010 – 2013</a:t>
+            </a:r>
+          </a:p>
+          <a:p>
+            <a:pPr algn="just"/>
+            <a:r>
+              <a:rPr lang="en-GB" sz="800" dirty="0">
+                <a:latin typeface="Futura (Light)" panose="020B7200000000000000" pitchFamily="34" charset="0"/>
+              </a:rPr>
+              <a:t>Hired to solve skillset deficit, lead for complex development, problem-solving &amp; upgrades. Learned greater self-belief &amp; improved interpersonal skills through learning from others.</a:t>
             </a:r>
           </a:p>
           <a:p>
@@ -4655,7 +4644,7 @@
               <a:rPr lang="en-GB" sz="800" dirty="0">
                 <a:latin typeface="Futura (Light)" panose="020B7200000000000000" pitchFamily="34" charset="0"/>
               </a:rPr>
-              <a:t>Data mining for game analytics &amp;achievement/reward system tied to mission objectives &amp; pilot behaviour.</a:t>
+              <a:t>Brought sophisticated recipe change doc concept to life with UI design driven by simplicity, familiarity &amp; customisation.</a:t>
             </a:r>
           </a:p>
           <a:p>
@@ -4667,16 +4656,12 @@
               <a:rPr lang="en-GB" sz="800" dirty="0">
                 <a:latin typeface="Futura (Light)" panose="020B7200000000000000" pitchFamily="34" charset="0"/>
               </a:rPr>
-              <a:t>Learned benefits of deep and wide research.</a:t>
-            </a:r>
-            <a:endParaRPr lang="en-GB" sz="300" dirty="0">
-              <a:latin typeface="Futura (Light)" panose="020B7200000000000000" pitchFamily="34" charset="0"/>
-            </a:endParaRPr>
+              <a:t>Delivered technical training for offshore teams.</a:t>
+            </a:r>
           </a:p>
           <a:p>
             <a:endParaRPr lang="en-GB" sz="500" dirty="0">
               <a:latin typeface="Futura LtCn BT" panose="020B0408020204030204" pitchFamily="34" charset="0"/>
-              <a:cs typeface="Arial" panose="020B0604020202020204" pitchFamily="34" charset="0"/>
             </a:endParaRPr>
           </a:p>
           <a:p>
@@ -4684,7 +4669,7 @@
               <a:rPr lang="en-GB" sz="900" dirty="0">
                 <a:latin typeface="Futura LtCn BT" panose="020B0408020204030204" pitchFamily="34" charset="0"/>
               </a:rPr>
-              <a:t>SAP Web Dynpro ABAP Consultant</a:t>
+              <a:t>SAP ABAP Consultant</a:t>
             </a:r>
           </a:p>
           <a:p>
@@ -4692,11 +4677,23 @@
               <a:rPr lang="en-GB" sz="900" b="1" dirty="0">
                 <a:latin typeface="Futura LtCn BT" panose="020B0408020204030204" pitchFamily="34" charset="0"/>
               </a:rPr>
-              <a:t>Nestle| Vevey, CH | 2010 – 2013</a:t>
-            </a:r>
-          </a:p>
-          <a:p>
-            <a:pPr marL="90488" indent="-90488">
+              <a:t>Belgian Railways| Brussels, BB | 2008 – 2010</a:t>
+            </a:r>
+            <a:endParaRPr lang="en-GB" sz="900" dirty="0">
+              <a:latin typeface="Century Gothic" panose="020B0502020202020204" pitchFamily="34" charset="0"/>
+            </a:endParaRPr>
+          </a:p>
+          <a:p>
+            <a:pPr algn="just"/>
+            <a:r>
+              <a:rPr lang="en-GB" sz="800" dirty="0">
+                <a:latin typeface="Futura (Light)" panose="020B7200000000000000" pitchFamily="34" charset="0"/>
+              </a:rPr>
+              <a:t>With a natural team-lead expertise, successfully rescued a failing technical project to deliver integration of RF scanning into warehouse management shipment handling. Learned love of OO dev &amp; software in physical systems.</a:t>
+            </a:r>
+          </a:p>
+          <a:p>
+            <a:pPr marL="90488" indent="-90488" algn="just">
               <a:buFont typeface="Wingdings" panose="05000000000000000000" pitchFamily="2" charset="2"/>
               <a:buChar char="§"/>
             </a:pPr>
@@ -4704,91 +4701,7 @@
               <a:rPr lang="en-GB" sz="800" dirty="0">
                 <a:latin typeface="Futura (Light)" panose="020B7200000000000000" pitchFamily="34" charset="0"/>
               </a:rPr>
-              <a:t>Lead developer for complex development &amp; problem-solving, delivered technical training for offshore teams. </a:t>
-            </a:r>
-          </a:p>
-          <a:p>
-            <a:pPr marL="90488" indent="-90488">
-              <a:buFont typeface="Wingdings" panose="05000000000000000000" pitchFamily="2" charset="2"/>
-              <a:buChar char="§"/>
-            </a:pPr>
-            <a:r>
-              <a:rPr lang="en-GB" sz="800" dirty="0">
-                <a:latin typeface="Futura (Light)" panose="020B7200000000000000" pitchFamily="34" charset="0"/>
-              </a:rPr>
-              <a:t>Brought sophisticated recipe change doc concept to life with UI design driven by simplicity, familiarity &amp; customisation.</a:t>
-            </a:r>
-          </a:p>
-          <a:p>
-            <a:pPr marL="90488" indent="-90488">
-              <a:buFont typeface="Wingdings" panose="05000000000000000000" pitchFamily="2" charset="2"/>
-              <a:buChar char="§"/>
-            </a:pPr>
-            <a:r>
-              <a:rPr lang="en-GB" sz="800" dirty="0">
-                <a:latin typeface="Futura (Light)" panose="020B7200000000000000" pitchFamily="34" charset="0"/>
-              </a:rPr>
-              <a:t>Learned greater self-belief &amp; improved interpersonal skills through learning from others.</a:t>
-            </a:r>
-          </a:p>
-          <a:p>
-            <a:endParaRPr lang="en-GB" sz="500" dirty="0">
-              <a:latin typeface="Futura LtCn BT" panose="020B0408020204030204" pitchFamily="34" charset="0"/>
-            </a:endParaRPr>
-          </a:p>
-          <a:p>
-            <a:r>
-              <a:rPr lang="en-GB" sz="900" dirty="0">
-                <a:latin typeface="Futura LtCn BT" panose="020B0408020204030204" pitchFamily="34" charset="0"/>
-              </a:rPr>
-              <a:t>SAP ABAP Consultant</a:t>
-            </a:r>
-          </a:p>
-          <a:p>
-            <a:r>
-              <a:rPr lang="en-GB" sz="900" b="1" dirty="0">
-                <a:latin typeface="Futura LtCn BT" panose="020B0408020204030204" pitchFamily="34" charset="0"/>
-              </a:rPr>
-              <a:t>Belgian Railways| Brussels, BB | 2008 – 2010</a:t>
-            </a:r>
-            <a:endParaRPr lang="en-GB" sz="900" dirty="0">
-              <a:latin typeface="Century Gothic" panose="020B0502020202020204" pitchFamily="34" charset="0"/>
-            </a:endParaRPr>
-          </a:p>
-          <a:p>
-            <a:pPr marL="90488" indent="-90488">
-              <a:buFont typeface="Wingdings" panose="05000000000000000000" pitchFamily="2" charset="2"/>
-              <a:buChar char="§"/>
-            </a:pPr>
-            <a:r>
-              <a:rPr lang="en-GB" sz="800" dirty="0">
-                <a:latin typeface="Futura (Light)" panose="020B7200000000000000" pitchFamily="34" charset="0"/>
-              </a:rPr>
-              <a:t>With a natural team-lead expertise successfully delivered a warehouse management shipment handling project.</a:t>
-            </a:r>
-          </a:p>
-          <a:p>
-            <a:pPr marL="90488" indent="-90488">
-              <a:buFont typeface="Wingdings" panose="05000000000000000000" pitchFamily="2" charset="2"/>
-              <a:buChar char="§"/>
-            </a:pPr>
-            <a:r>
-              <a:rPr lang="en-GB" sz="800" dirty="0">
-                <a:latin typeface="Futura (Light)" panose="020B7200000000000000" pitchFamily="34" charset="0"/>
-              </a:rPr>
               <a:t>Individually responsible for complex bespoke development functionality within logistics execution. </a:t>
-            </a:r>
-          </a:p>
-          <a:p>
-            <a:pPr marL="90488" indent="-90488">
-              <a:buFont typeface="Wingdings" panose="05000000000000000000" pitchFamily="2" charset="2"/>
-              <a:buChar char="§"/>
-            </a:pPr>
-            <a:r>
-              <a:rPr lang="en-GB" sz="800" dirty="0">
-                <a:latin typeface="Futura (Light)" panose="020B7200000000000000" pitchFamily="34" charset="0"/>
-              </a:rPr>
-              <a:t>Learned love of OO dev &amp; software in physical systems.</a:t>
             </a:r>
           </a:p>
           <a:p>
@@ -4817,7 +4730,28 @@
             </a:endParaRPr>
           </a:p>
           <a:p>
-            <a:pPr marL="90488" indent="-90488">
+            <a:pPr algn="just"/>
+            <a:r>
+              <a:rPr lang="en-GB" sz="800" dirty="0">
+                <a:latin typeface="Futura (Light)" panose="020B7200000000000000" pitchFamily="34" charset="0"/>
+              </a:rPr>
+              <a:t>Senior ABAP dev in SAP competency centre, supporting team’s flagship nearshoring service by analysing customer systems from ABAP perspective to enable the smooth transitioning to </a:t>
+            </a:r>
+            <a:r>
+              <a:rPr lang="en-GB" sz="800" i="1" dirty="0" err="1">
+                <a:latin typeface="Futura (Light)" panose="020B7200000000000000" pitchFamily="34" charset="0"/>
+              </a:rPr>
+              <a:t>SAPrun</a:t>
+            </a:r>
+            <a:r>
+              <a:rPr lang="en-GB" sz="800" dirty="0">
+                <a:latin typeface="Futura (Light)" panose="020B7200000000000000" pitchFamily="34" charset="0"/>
+              </a:rPr>
+              <a:t> support. Further demonstrated technical &amp; client-facing capability by delivering additional revenue earning on-site consultancy &amp; training. Learned rewards of coaching juniors.</a:t>
+            </a:r>
+          </a:p>
+          <a:p>
+            <a:pPr marL="90488" indent="-90488" algn="just">
               <a:buFont typeface="Wingdings" panose="05000000000000000000" pitchFamily="2" charset="2"/>
               <a:buChar char="§"/>
             </a:pPr>
@@ -4825,11 +4759,11 @@
               <a:rPr lang="en-GB" sz="800" dirty="0">
                 <a:latin typeface="Futura (Light)" panose="020B7200000000000000" pitchFamily="34" charset="0"/>
               </a:rPr>
-              <a:t>Senior ABAP dev in SAP competency centre, responsible for on-going support, dev &amp; upgrades for several clients. </a:t>
-            </a:r>
-          </a:p>
-          <a:p>
-            <a:pPr marL="90488" indent="-90488">
+              <a:t>Work pipeline management and assignment, training and support of 3 ABAP developer colleagues. </a:t>
+            </a:r>
+          </a:p>
+          <a:p>
+            <a:pPr marL="90488" indent="-90488" algn="just">
               <a:buFont typeface="Wingdings" panose="05000000000000000000" pitchFamily="2" charset="2"/>
               <a:buChar char="§"/>
             </a:pPr>
@@ -4837,67 +4771,7 @@
               <a:rPr lang="en-GB" sz="800" dirty="0">
                 <a:latin typeface="Futura (Light)" panose="020B7200000000000000" pitchFamily="34" charset="0"/>
               </a:rPr>
-              <a:t>Analysed customer SAP systems from ABAP perspective to enable the smooth transitioning to </a:t>
-            </a:r>
-            <a:r>
-              <a:rPr lang="en-GB" sz="800" i="1" dirty="0" err="1">
-                <a:latin typeface="Futura (Light)" panose="020B7200000000000000" pitchFamily="34" charset="0"/>
-              </a:rPr>
-              <a:t>SAPrun</a:t>
-            </a:r>
-            <a:r>
-              <a:rPr lang="en-GB" sz="800" dirty="0">
-                <a:latin typeface="Futura (Light)" panose="020B7200000000000000" pitchFamily="34" charset="0"/>
-              </a:rPr>
-              <a:t> support.</a:t>
-            </a:r>
-          </a:p>
-          <a:p>
-            <a:pPr marL="90488" indent="-90488">
-              <a:buFont typeface="Wingdings" panose="05000000000000000000" pitchFamily="2" charset="2"/>
-              <a:buChar char="§"/>
-            </a:pPr>
-            <a:r>
-              <a:rPr lang="en-GB" sz="800" dirty="0">
-                <a:latin typeface="Futura (Light)" panose="020B7200000000000000" pitchFamily="34" charset="0"/>
-              </a:rPr>
-              <a:t>Delivered revenue earning on-site consultancy/training.</a:t>
-            </a:r>
-          </a:p>
-          <a:p>
-            <a:pPr marL="90488" indent="-90488">
-              <a:buFont typeface="Wingdings" panose="05000000000000000000" pitchFamily="2" charset="2"/>
-              <a:buChar char="§"/>
-            </a:pPr>
-            <a:r>
-              <a:rPr lang="en-GB" sz="800" dirty="0">
-                <a:latin typeface="Futura (Light)" panose="020B7200000000000000" pitchFamily="34" charset="0"/>
-              </a:rPr>
-              <a:t>Work pipeline management and assignment, training and support of 3 ABAP developer colleagues. </a:t>
-            </a:r>
-          </a:p>
-          <a:p>
-            <a:pPr marL="90488" indent="-90488">
-              <a:buFont typeface="Wingdings" panose="05000000000000000000" pitchFamily="2" charset="2"/>
-              <a:buChar char="§"/>
-            </a:pPr>
-            <a:r>
-              <a:rPr lang="en-GB" sz="800" dirty="0">
-                <a:latin typeface="Futura (Light)" panose="020B7200000000000000" pitchFamily="34" charset="0"/>
-              </a:rPr>
               <a:t>Innovated systems integration monitoring dashboard.</a:t>
-            </a:r>
-          </a:p>
-          <a:p>
-            <a:pPr marL="90488" indent="-90488">
-              <a:buFont typeface="Wingdings" panose="05000000000000000000" pitchFamily="2" charset="2"/>
-              <a:buChar char="§"/>
-            </a:pPr>
-            <a:r>
-              <a:rPr lang="en-GB" sz="800" dirty="0">
-                <a:latin typeface="Futura (Light)" panose="020B7200000000000000" pitchFamily="34" charset="0"/>
-              </a:rPr>
-              <a:t>Learned rewards of coaching juniors.</a:t>
             </a:r>
           </a:p>
         </p:txBody>
@@ -4910,8 +4784,8 @@
         </p:nvSpPr>
         <p:spPr>
           <a:xfrm>
-            <a:off x="-1" y="1754196"/>
-            <a:ext cx="3304795" cy="276999"/>
+            <a:off x="-1" y="1671646"/>
+            <a:ext cx="3304795" cy="246221"/>
           </a:xfrm>
           <a:prstGeom prst="rect">
             <a:avLst/>
@@ -4934,13 +4808,13 @@
           <a:lstStyle/>
           <a:p>
             <a:r>
-              <a:rPr lang="en-GB" sz="1200" b="1" dirty="0">
+              <a:rPr lang="en-GB" sz="1000" b="1" dirty="0">
                 <a:latin typeface="Futura LtCn BT" panose="020B0408020204030204" pitchFamily="34" charset="0"/>
               </a:rPr>
               <a:t>CAREER HIGHLIGHTS</a:t>
             </a:r>
             <a:r>
-              <a:rPr lang="en-GB" sz="1200" b="1" dirty="0">
+              <a:rPr lang="en-GB" sz="1000" b="1" dirty="0">
                 <a:solidFill>
                   <a:schemeClr val="bg1"/>
                 </a:solidFill>
@@ -4959,8 +4833,8 @@
         </p:nvSpPr>
         <p:spPr>
           <a:xfrm>
-            <a:off x="3305431" y="1754989"/>
-            <a:ext cx="2518649" cy="276999"/>
+            <a:off x="3305431" y="1671646"/>
+            <a:ext cx="2518649" cy="246221"/>
           </a:xfrm>
           <a:prstGeom prst="rect">
             <a:avLst/>
@@ -4983,7 +4857,7 @@
           <a:lstStyle/>
           <a:p>
             <a:r>
-              <a:rPr lang="en-GB" sz="1200" b="1" dirty="0">
+              <a:rPr lang="en-GB" sz="1000" b="1" dirty="0">
                 <a:latin typeface="Futura LtCn BT" panose="020B0408020204030204" pitchFamily="34" charset="0"/>
               </a:rPr>
               <a:t>EDUCATION</a:t>
@@ -5005,8 +4879,8 @@
         </p:nvSpPr>
         <p:spPr>
           <a:xfrm>
-            <a:off x="5824335" y="2031194"/>
-            <a:ext cx="1033656" cy="4350797"/>
+            <a:off x="5826716" y="1919274"/>
+            <a:ext cx="1033656" cy="4658574"/>
           </a:xfrm>
           <a:prstGeom prst="rect">
             <a:avLst/>
@@ -5026,7 +4900,7 @@
           <a:lstStyle/>
           <a:p>
             <a:r>
-              <a:rPr lang="en-GB" sz="1600" b="1" dirty="0">
+              <a:rPr lang="en-GB" sz="1800" b="1" dirty="0">
                 <a:latin typeface="Futura LtCn BT" panose="020B0408020204030204" pitchFamily="34" charset="0"/>
               </a:rPr>
               <a:t>23</a:t>
@@ -5041,13 +4915,13 @@
             </a:r>
           </a:p>
           <a:p>
-            <a:endParaRPr lang="en-GB" sz="600" b="1" dirty="0">
+            <a:endParaRPr lang="en-GB" sz="500" b="1" dirty="0">
               <a:latin typeface="Futura LtCn BT" panose="020B0408020204030204" pitchFamily="34" charset="0"/>
             </a:endParaRPr>
           </a:p>
           <a:p>
             <a:r>
-              <a:rPr lang="en-GB" sz="1600" b="1" dirty="0">
+              <a:rPr lang="en-GB" sz="1800" b="1" dirty="0">
                 <a:latin typeface="Futura LtCn BT" panose="020B0408020204030204" pitchFamily="34" charset="0"/>
               </a:rPr>
               <a:t>25</a:t>
@@ -5062,13 +4936,13 @@
             </a:r>
           </a:p>
           <a:p>
-            <a:endParaRPr lang="en-GB" sz="600" dirty="0">
+            <a:endParaRPr lang="en-GB" sz="500" dirty="0">
               <a:latin typeface="Futura (Light)" panose="020B7200000000000000" pitchFamily="34" charset="0"/>
             </a:endParaRPr>
           </a:p>
           <a:p>
             <a:r>
-              <a:rPr lang="en-GB" sz="1600" b="1" dirty="0">
+              <a:rPr lang="en-GB" sz="1800" b="1" dirty="0">
                 <a:latin typeface="Futura LtCn BT" panose="020B0408020204030204" pitchFamily="34" charset="0"/>
               </a:rPr>
               <a:t>5</a:t>
@@ -5083,13 +4957,13 @@
             </a:r>
           </a:p>
           <a:p>
-            <a:endParaRPr lang="en-GB" sz="600" b="1" dirty="0">
+            <a:endParaRPr lang="en-GB" sz="500" b="1" dirty="0">
               <a:latin typeface="Futura LtCn BT" panose="020B0408020204030204" pitchFamily="34" charset="0"/>
             </a:endParaRPr>
           </a:p>
           <a:p>
             <a:r>
-              <a:rPr lang="en-GB" sz="1600" b="1" dirty="0">
+              <a:rPr lang="en-GB" sz="1800" b="1" dirty="0">
                 <a:latin typeface="Futura LtCn BT" panose="020B0408020204030204" pitchFamily="34" charset="0"/>
               </a:rPr>
               <a:t>36</a:t>
@@ -5104,13 +4978,13 @@
             </a:r>
           </a:p>
           <a:p>
-            <a:endParaRPr lang="en-GB" sz="600" b="1" dirty="0">
+            <a:endParaRPr lang="en-GB" sz="500" b="1" dirty="0">
               <a:latin typeface="Futura LtCn BT" panose="020B0408020204030204" pitchFamily="34" charset="0"/>
             </a:endParaRPr>
           </a:p>
           <a:p>
             <a:r>
-              <a:rPr lang="en-GB" sz="1600" b="1" dirty="0">
+              <a:rPr lang="en-GB" sz="1800" b="1" dirty="0">
                 <a:latin typeface="Futura LtCn BT" panose="020B0408020204030204" pitchFamily="34" charset="0"/>
               </a:rPr>
               <a:t>35</a:t>
@@ -5125,13 +4999,13 @@
             </a:r>
           </a:p>
           <a:p>
-            <a:endParaRPr lang="en-GB" sz="600" b="1" dirty="0">
+            <a:endParaRPr lang="en-GB" sz="500" b="1" dirty="0">
               <a:latin typeface="Futura LtCn BT" panose="020B0408020204030204" pitchFamily="34" charset="0"/>
             </a:endParaRPr>
           </a:p>
           <a:p>
             <a:r>
-              <a:rPr lang="en-GB" sz="1600" b="1" dirty="0">
+              <a:rPr lang="en-GB" sz="1800" b="1" dirty="0">
                 <a:latin typeface="Futura LtCn BT" panose="020B0408020204030204" pitchFamily="34" charset="0"/>
               </a:rPr>
               <a:t>8</a:t>
@@ -5146,13 +5020,13 @@
             </a:r>
           </a:p>
           <a:p>
-            <a:endParaRPr lang="en-GB" sz="600" b="1" dirty="0">
+            <a:endParaRPr lang="en-GB" sz="500" b="1" dirty="0">
               <a:latin typeface="Futura LtCn BT" panose="020B0408020204030204" pitchFamily="34" charset="0"/>
             </a:endParaRPr>
           </a:p>
           <a:p>
             <a:r>
-              <a:rPr lang="en-GB" b="1" dirty="0">
+              <a:rPr lang="en-GB" sz="1800" b="1" dirty="0">
                 <a:latin typeface="Futura LtCn BT" panose="020B0408020204030204" pitchFamily="34" charset="0"/>
               </a:rPr>
               <a:t>12</a:t>
@@ -5167,13 +5041,13 @@
             </a:r>
           </a:p>
           <a:p>
-            <a:endParaRPr lang="en-GB" sz="600" b="1" dirty="0">
+            <a:endParaRPr lang="en-GB" sz="500" b="1" dirty="0">
               <a:latin typeface="Futura LtCn BT" panose="020B0408020204030204" pitchFamily="34" charset="0"/>
             </a:endParaRPr>
           </a:p>
           <a:p>
             <a:r>
-              <a:rPr lang="en-GB" b="1" dirty="0">
+              <a:rPr lang="en-GB" sz="1800" b="1" dirty="0">
                 <a:latin typeface="Futura LtCn BT" panose="020B0408020204030204" pitchFamily="34" charset="0"/>
               </a:rPr>
               <a:t>1</a:t>
@@ -5203,8 +5077,8 @@
         </p:nvSpPr>
         <p:spPr>
           <a:xfrm>
-            <a:off x="5824335" y="6272901"/>
-            <a:ext cx="1033665" cy="276999"/>
+            <a:off x="5824335" y="6359897"/>
+            <a:ext cx="1033665" cy="246221"/>
           </a:xfrm>
           <a:prstGeom prst="rect">
             <a:avLst/>
@@ -5227,7 +5101,7 @@
           <a:lstStyle/>
           <a:p>
             <a:r>
-              <a:rPr lang="en-GB" sz="1200" b="1" dirty="0">
+              <a:rPr lang="en-GB" sz="1000" b="1" dirty="0">
                 <a:latin typeface="Futura LtCn BT" panose="020B0408020204030204" pitchFamily="34" charset="0"/>
               </a:rPr>
               <a:t>TOOLS</a:t>
@@ -5249,8 +5123,8 @@
         </p:nvSpPr>
         <p:spPr>
           <a:xfrm>
-            <a:off x="5827321" y="1754195"/>
-            <a:ext cx="1036938" cy="276999"/>
+            <a:off x="5827321" y="1670849"/>
+            <a:ext cx="1036938" cy="246221"/>
           </a:xfrm>
           <a:prstGeom prst="rect">
             <a:avLst/>
@@ -5273,7 +5147,7 @@
           <a:lstStyle/>
           <a:p>
             <a:r>
-              <a:rPr lang="en-GB" sz="1200" b="1" dirty="0">
+              <a:rPr lang="en-GB" sz="1000" b="1" dirty="0">
                 <a:latin typeface="Futura LtCn BT" panose="020B0408020204030204" pitchFamily="34" charset="0"/>
               </a:rPr>
               <a:t>STATS</a:t>
@@ -5295,7 +5169,7 @@
         </p:nvGrpSpPr>
         <p:grpSpPr>
           <a:xfrm>
-            <a:off x="-219" y="1509042"/>
+            <a:off x="-219" y="1426492"/>
             <a:ext cx="6858656" cy="246221"/>
             <a:chOff x="-219" y="1509042"/>
             <a:chExt cx="6858656" cy="246221"/>

--- a/docs/cv/Jon-Paul Boyd Resume.pptx
+++ b/docs/cv/Jon-Paul Boyd Resume.pptx
@@ -4433,7 +4433,7 @@
               <a:rPr lang="en-US" sz="800" dirty="0">
                 <a:latin typeface="Futura (Light)" panose="020B7200000000000000" pitchFamily="34" charset="0"/>
               </a:rPr>
-              <a:t>Quantified performance, developing tool measuring query runtimes vs KPIs. Supported user experience &amp; expectations.</a:t>
+              <a:t>Quantified performance, developing tool measuring query runtimes vs KPIs, supporting user experience &amp; expectations.</a:t>
             </a:r>
           </a:p>
           <a:p>
@@ -4445,7 +4445,19 @@
               <a:rPr lang="en-US" sz="800" dirty="0">
                 <a:latin typeface="Futura (Light)" panose="020B7200000000000000" pitchFamily="34" charset="0"/>
               </a:rPr>
-              <a:t>Led configuration of HANA workload management, HALM and HRF, acquiring required skillsets &amp; sharing with team.</a:t>
+              <a:t>Led configuration of HANA workload management, </a:t>
+            </a:r>
+            <a:r>
+              <a:rPr lang="en-US" sz="800">
+                <a:latin typeface="Futura (Light)" panose="020B7200000000000000" pitchFamily="34" charset="0"/>
+              </a:rPr>
+              <a:t>HALM &amp; </a:t>
+            </a:r>
+            <a:r>
+              <a:rPr lang="en-US" sz="800" dirty="0">
+                <a:latin typeface="Futura (Light)" panose="020B7200000000000000" pitchFamily="34" charset="0"/>
+              </a:rPr>
+              <a:t>HRF, acquiring required skillsets &amp; sharing with team.</a:t>
             </a:r>
           </a:p>
           <a:p>

--- a/docs/cv/Jon-Paul Boyd Resume.pptx
+++ b/docs/cv/Jon-Paul Boyd Resume.pptx
@@ -4433,7 +4433,7 @@
               <a:rPr lang="en-US" sz="800" dirty="0">
                 <a:latin typeface="Futura (Light)" panose="020B7200000000000000" pitchFamily="34" charset="0"/>
               </a:rPr>
-              <a:t>Quantified performance, developing tool measuring query runtimes vs KPIs, supporting user experience &amp; expectations.</a:t>
+              <a:t>Quantified performance, developing tool measuring query times vs KPIs, supporting user experience/expectation mgmt.</a:t>
             </a:r>
           </a:p>
           <a:p>
@@ -4445,19 +4445,7 @@
               <a:rPr lang="en-US" sz="800" dirty="0">
                 <a:latin typeface="Futura (Light)" panose="020B7200000000000000" pitchFamily="34" charset="0"/>
               </a:rPr>
-              <a:t>Led configuration of HANA workload management, </a:t>
-            </a:r>
-            <a:r>
-              <a:rPr lang="en-US" sz="800">
-                <a:latin typeface="Futura (Light)" panose="020B7200000000000000" pitchFamily="34" charset="0"/>
-              </a:rPr>
-              <a:t>HALM &amp; </a:t>
-            </a:r>
-            <a:r>
-              <a:rPr lang="en-US" sz="800" dirty="0">
-                <a:latin typeface="Futura (Light)" panose="020B7200000000000000" pitchFamily="34" charset="0"/>
-              </a:rPr>
-              <a:t>HRF, acquiring required skillsets &amp; sharing with team.</a:t>
+              <a:t>Led configuration of HANA workload management, HALM &amp; HRF, acquiring required skillsets &amp; sharing with team.</a:t>
             </a:r>
           </a:p>
           <a:p>

--- a/docs/cv/Jon-Paul Boyd Resume.pptx
+++ b/docs/cv/Jon-Paul Boyd Resume.pptx
@@ -208,7 +208,7 @@
           <a:p>
             <a:fld id="{0D642CF5-0F59-452D-A22D-9CF205FE8940}" type="datetimeFigureOut">
               <a:rPr lang="en-GB" smtClean="0"/>
-              <a:t>27/08/2020</a:t>
+              <a:t>28/08/2020</a:t>
             </a:fld>
             <a:endParaRPr lang="en-GB"/>
           </a:p>
@@ -741,7 +741,7 @@
           <a:p>
             <a:fld id="{7A88F2A5-D086-4936-BC29-0F70CC39936A}" type="datetimeFigureOut">
               <a:rPr lang="en-GB" smtClean="0"/>
-              <a:t>27/08/2020</a:t>
+              <a:t>28/08/2020</a:t>
             </a:fld>
             <a:endParaRPr lang="en-GB"/>
           </a:p>
@@ -911,7 +911,7 @@
           <a:p>
             <a:fld id="{7A88F2A5-D086-4936-BC29-0F70CC39936A}" type="datetimeFigureOut">
               <a:rPr lang="en-GB" smtClean="0"/>
-              <a:t>27/08/2020</a:t>
+              <a:t>28/08/2020</a:t>
             </a:fld>
             <a:endParaRPr lang="en-GB"/>
           </a:p>
@@ -1091,7 +1091,7 @@
           <a:p>
             <a:fld id="{7A88F2A5-D086-4936-BC29-0F70CC39936A}" type="datetimeFigureOut">
               <a:rPr lang="en-GB" smtClean="0"/>
-              <a:t>27/08/2020</a:t>
+              <a:t>28/08/2020</a:t>
             </a:fld>
             <a:endParaRPr lang="en-GB"/>
           </a:p>
@@ -1261,7 +1261,7 @@
           <a:p>
             <a:fld id="{7A88F2A5-D086-4936-BC29-0F70CC39936A}" type="datetimeFigureOut">
               <a:rPr lang="en-GB" smtClean="0"/>
-              <a:t>27/08/2020</a:t>
+              <a:t>28/08/2020</a:t>
             </a:fld>
             <a:endParaRPr lang="en-GB"/>
           </a:p>
@@ -1507,7 +1507,7 @@
           <a:p>
             <a:fld id="{7A88F2A5-D086-4936-BC29-0F70CC39936A}" type="datetimeFigureOut">
               <a:rPr lang="en-GB" smtClean="0"/>
-              <a:t>27/08/2020</a:t>
+              <a:t>28/08/2020</a:t>
             </a:fld>
             <a:endParaRPr lang="en-GB"/>
           </a:p>
@@ -1795,7 +1795,7 @@
           <a:p>
             <a:fld id="{7A88F2A5-D086-4936-BC29-0F70CC39936A}" type="datetimeFigureOut">
               <a:rPr lang="en-GB" smtClean="0"/>
-              <a:t>27/08/2020</a:t>
+              <a:t>28/08/2020</a:t>
             </a:fld>
             <a:endParaRPr lang="en-GB"/>
           </a:p>
@@ -2222,7 +2222,7 @@
           <a:p>
             <a:fld id="{7A88F2A5-D086-4936-BC29-0F70CC39936A}" type="datetimeFigureOut">
               <a:rPr lang="en-GB" smtClean="0"/>
-              <a:t>27/08/2020</a:t>
+              <a:t>28/08/2020</a:t>
             </a:fld>
             <a:endParaRPr lang="en-GB"/>
           </a:p>
@@ -2340,7 +2340,7 @@
           <a:p>
             <a:fld id="{7A88F2A5-D086-4936-BC29-0F70CC39936A}" type="datetimeFigureOut">
               <a:rPr lang="en-GB" smtClean="0"/>
-              <a:t>27/08/2020</a:t>
+              <a:t>28/08/2020</a:t>
             </a:fld>
             <a:endParaRPr lang="en-GB"/>
           </a:p>
@@ -2435,7 +2435,7 @@
           <a:p>
             <a:fld id="{7A88F2A5-D086-4936-BC29-0F70CC39936A}" type="datetimeFigureOut">
               <a:rPr lang="en-GB" smtClean="0"/>
-              <a:t>27/08/2020</a:t>
+              <a:t>28/08/2020</a:t>
             </a:fld>
             <a:endParaRPr lang="en-GB"/>
           </a:p>
@@ -2712,7 +2712,7 @@
           <a:p>
             <a:fld id="{7A88F2A5-D086-4936-BC29-0F70CC39936A}" type="datetimeFigureOut">
               <a:rPr lang="en-GB" smtClean="0"/>
-              <a:t>27/08/2020</a:t>
+              <a:t>28/08/2020</a:t>
             </a:fld>
             <a:endParaRPr lang="en-GB"/>
           </a:p>
@@ -2965,7 +2965,7 @@
           <a:p>
             <a:fld id="{7A88F2A5-D086-4936-BC29-0F70CC39936A}" type="datetimeFigureOut">
               <a:rPr lang="en-GB" smtClean="0"/>
-              <a:t>27/08/2020</a:t>
+              <a:t>28/08/2020</a:t>
             </a:fld>
             <a:endParaRPr lang="en-GB"/>
           </a:p>
@@ -3178,7 +3178,7 @@
           <a:p>
             <a:fld id="{7A88F2A5-D086-4936-BC29-0F70CC39936A}" type="datetimeFigureOut">
               <a:rPr lang="en-GB" smtClean="0"/>
-              <a:t>27/08/2020</a:t>
+              <a:t>28/08/2020</a:t>
             </a:fld>
             <a:endParaRPr lang="en-GB"/>
           </a:p>
@@ -3763,7 +3763,7 @@
         <p:spPr>
           <a:xfrm>
             <a:off x="3305810" y="1916897"/>
-            <a:ext cx="2522320" cy="6080400"/>
+            <a:ext cx="2522320" cy="6123600"/>
           </a:xfrm>
           <a:prstGeom prst="rect">
             <a:avLst/>
@@ -3905,7 +3905,7 @@
               <a:rPr lang="en-GB" sz="800" dirty="0">
                 <a:latin typeface="Futura (Light)" panose="020B7200000000000000" pitchFamily="34" charset="0"/>
               </a:rPr>
-              <a:t>Classifying breast cancer tumours with fuzzy inference system, outperforming neural networks. Paper being submitted to journal of </a:t>
+              <a:t>Classifying breast cancer tumours with fuzzy inference, outperforming neural networks. Authored paper submitted to journal </a:t>
             </a:r>
             <a:r>
               <a:rPr lang="en-GB" sz="800" i="1" dirty="0">
@@ -4365,8 +4365,8 @@
         </p:nvSpPr>
         <p:spPr>
           <a:xfrm>
-            <a:off x="838" y="1919179"/>
-            <a:ext cx="3305176" cy="8198004"/>
+            <a:off x="838" y="1919176"/>
+            <a:ext cx="3305176" cy="7988400"/>
           </a:xfrm>
           <a:prstGeom prst="rect">
             <a:avLst/>
@@ -4445,7 +4445,7 @@
               <a:rPr lang="en-US" sz="800" dirty="0">
                 <a:latin typeface="Futura (Light)" panose="020B7200000000000000" pitchFamily="34" charset="0"/>
               </a:rPr>
-              <a:t>Led configuration of HANA workload management, HALM &amp; HRF, acquiring required skillsets &amp; sharing with team.</a:t>
+              <a:t>Acquired new skillsets to configure HANA workload management, HALM &amp; HRF, then shared with team.</a:t>
             </a:r>
           </a:p>
           <a:p>
@@ -4457,7 +4457,7 @@
               <a:rPr lang="en-US" sz="800" dirty="0">
                 <a:latin typeface="Futura (Light)" panose="020B7200000000000000" pitchFamily="34" charset="0"/>
               </a:rPr>
-              <a:t>Major contributor to Nestle HANA dev best practices.</a:t>
+              <a:t>Formalized Nestle HANA dev best practices.</a:t>
             </a:r>
           </a:p>
           <a:p>
@@ -4469,7 +4469,7 @@
               <a:rPr lang="en-US" sz="800" dirty="0">
                 <a:latin typeface="Futura (Light)" panose="020B7200000000000000" pitchFamily="34" charset="0"/>
               </a:rPr>
-              <a:t>Led 5 HANA major upgrades &amp; migration of analytics sidecar to embedded NetWeaver/HANA dual stack.</a:t>
+              <a:t>Executed 5 HANA major upgrades &amp; migration of analytics sidecar to embedded NetWeaver/HANA dual stack.</a:t>
             </a:r>
             <a:endParaRPr lang="en-US" sz="300" dirty="0">
               <a:latin typeface="Futura (Light)" panose="020B7200000000000000" pitchFamily="34" charset="0"/>
@@ -4484,7 +4484,7 @@
               <a:rPr lang="en-US" sz="800" dirty="0">
                 <a:latin typeface="Futura (Light)" panose="020B7200000000000000" pitchFamily="34" charset="0"/>
               </a:rPr>
-              <a:t>Daily liaison with stakeholders, technical &amp; product teams.</a:t>
+              <a:t>Liaised daily with stakeholders, technical &amp; product teams.</a:t>
             </a:r>
           </a:p>
           <a:p>
@@ -4541,13 +4541,13 @@
               <a:rPr lang="en-US" sz="800" dirty="0">
                 <a:latin typeface="Futura (Light)" panose="020B7200000000000000" pitchFamily="34" charset="0"/>
               </a:rPr>
-              <a:t>Developed P&amp;L with sub-second performance (legacy 2m10s), </a:t>
+              <a:t>Developed new P&amp;L, achieving sub-second performance (legacy 2m10s), </a:t>
             </a:r>
             <a:r>
               <a:rPr lang="en-GB" sz="800" dirty="0">
                 <a:latin typeface="Futura (Light)" panose="020B7200000000000000" pitchFamily="34" charset="0"/>
               </a:rPr>
-              <a:t>SAP Fiori KPI dashboard with line item drill-down.</a:t>
+              <a:t>SAP Fiori KPI dashboard with item drill-down.</a:t>
             </a:r>
           </a:p>
           <a:p>
@@ -4601,7 +4601,7 @@
               <a:rPr lang="en-GB" sz="800" dirty="0">
                 <a:latin typeface="Futura (Light)" panose="020B7200000000000000" pitchFamily="34" charset="0"/>
               </a:rPr>
-              <a:t>Data mining for game analytics &amp; achievement/reward system tied to mission objectives &amp; pilot behaviour.</a:t>
+              <a:t>Developed data mining for game analytics &amp; reward system tied to mission objectives &amp; pilot behaviour.</a:t>
             </a:r>
           </a:p>
           <a:p>
@@ -4632,7 +4632,7 @@
               <a:rPr lang="en-GB" sz="800" dirty="0">
                 <a:latin typeface="Futura (Light)" panose="020B7200000000000000" pitchFamily="34" charset="0"/>
               </a:rPr>
-              <a:t>Hired to solve skillset deficit, lead for complex development, problem-solving &amp; upgrades. Learned greater self-belief &amp; improved interpersonal skills through learning from others.</a:t>
+              <a:t>Revitalized team, solving skillset deficit, &amp; guided complex dev, problem-solving &amp; upgrades. Learned greater self-belief &amp; improved interpersonal skills through learning from others.</a:t>
             </a:r>
           </a:p>
           <a:p>
@@ -4644,7 +4644,7 @@
               <a:rPr lang="en-GB" sz="800" dirty="0">
                 <a:latin typeface="Futura (Light)" panose="020B7200000000000000" pitchFamily="34" charset="0"/>
               </a:rPr>
-              <a:t>Brought sophisticated recipe change doc concept to life with UI design driven by simplicity, familiarity &amp; customisation.</a:t>
+              <a:t>Redesigned recipe change documents with new concept driven by simplicity, familiarity &amp; customisation.</a:t>
             </a:r>
           </a:p>
           <a:p>
@@ -4656,7 +4656,7 @@
               <a:rPr lang="en-GB" sz="800" dirty="0">
                 <a:latin typeface="Futura (Light)" panose="020B7200000000000000" pitchFamily="34" charset="0"/>
               </a:rPr>
-              <a:t>Delivered technical training for offshore teams.</a:t>
+              <a:t>Cultivated offshore dev capability with technical training.</a:t>
             </a:r>
           </a:p>
           <a:p>
@@ -4689,7 +4689,7 @@
               <a:rPr lang="en-GB" sz="800" dirty="0">
                 <a:latin typeface="Futura (Light)" panose="020B7200000000000000" pitchFamily="34" charset="0"/>
               </a:rPr>
-              <a:t>With a natural team-lead expertise, successfully rescued a failing technical project to deliver integration of RF scanning into warehouse management shipment handling. Learned love of OO dev &amp; software in physical systems.</a:t>
+              <a:t>Mobilized to successfully guide &amp; rescue a failing technical project integrating RF scanning into warehouse management shipment handling. Learned love of OO dev &amp; software in physical systems.</a:t>
             </a:r>
           </a:p>
           <a:p>
@@ -4715,7 +4715,7 @@
               <a:rPr lang="en-GB" sz="900" dirty="0">
                 <a:latin typeface="Futura LtCn BT" panose="020B0408020204030204" pitchFamily="34" charset="0"/>
               </a:rPr>
-              <a:t>SAP ABAP Consultant</a:t>
+              <a:t>Senior SAP ABAP Consultant</a:t>
             </a:r>
           </a:p>
           <a:p>
@@ -4735,19 +4735,7 @@
               <a:rPr lang="en-GB" sz="800" dirty="0">
                 <a:latin typeface="Futura (Light)" panose="020B7200000000000000" pitchFamily="34" charset="0"/>
               </a:rPr>
-              <a:t>Senior ABAP dev in SAP competency centre, supporting team’s flagship nearshoring service by analysing customer systems from ABAP perspective to enable the smooth transitioning to </a:t>
-            </a:r>
-            <a:r>
-              <a:rPr lang="en-GB" sz="800" i="1" dirty="0" err="1">
-                <a:latin typeface="Futura (Light)" panose="020B7200000000000000" pitchFamily="34" charset="0"/>
-              </a:rPr>
-              <a:t>SAPrun</a:t>
-            </a:r>
-            <a:r>
-              <a:rPr lang="en-GB" sz="800" dirty="0">
-                <a:latin typeface="Futura (Light)" panose="020B7200000000000000" pitchFamily="34" charset="0"/>
-              </a:rPr>
-              <a:t> support. Further demonstrated technical &amp; client-facing capability by delivering additional revenue earning on-site consultancy &amp; training. Learned rewards of coaching juniors.</a:t>
+              <a:t>Analysed customer systems from ABAP perspective to enable the smooth transitioning into SAP competency centre flagship nearshoring service. Demonstrated technical &amp; client-facing capability by delivering additional revenue earning on-site consultancy &amp; training. Learned rewards of coaching juniors.</a:t>
             </a:r>
           </a:p>
           <a:p>
@@ -4759,7 +4747,7 @@
               <a:rPr lang="en-GB" sz="800" dirty="0">
                 <a:latin typeface="Futura (Light)" panose="020B7200000000000000" pitchFamily="34" charset="0"/>
               </a:rPr>
-              <a:t>Work pipeline management and assignment, training and support of 3 ABAP developer colleagues. </a:t>
+              <a:t>Supervised 3 ABAP developer colleagues, managing work pipeline and continuous coaching. </a:t>
             </a:r>
           </a:p>
           <a:p>

--- a/docs/cv/Jon-Paul Boyd Resume.pptx
+++ b/docs/cv/Jon-Paul Boyd Resume.pptx
@@ -5,10 +5,11 @@
     <p:sldMasterId id="2147483648" r:id="rId1"/>
   </p:sldMasterIdLst>
   <p:notesMasterIdLst>
-    <p:notesMasterId r:id="rId3"/>
+    <p:notesMasterId r:id="rId4"/>
   </p:notesMasterIdLst>
   <p:sldIdLst>
-    <p:sldId id="256" r:id="rId2"/>
+    <p:sldId id="257" r:id="rId2"/>
+    <p:sldId id="262" r:id="rId3"/>
   </p:sldIdLst>
   <p:sldSz cx="6858000" cy="9906000" type="A4"/>
   <p:notesSz cx="7099300" cy="10234613"/>
@@ -208,7 +209,7 @@
           <a:p>
             <a:fld id="{0D642CF5-0F59-452D-A22D-9CF205FE8940}" type="datetimeFigureOut">
               <a:rPr lang="en-GB" smtClean="0"/>
-              <a:t>28/08/2020</a:t>
+              <a:t>31/07/2021</a:t>
             </a:fld>
             <a:endParaRPr lang="en-GB"/>
           </a:p>
@@ -550,7 +551,91 @@
     </p:spTree>
     <p:extLst>
       <p:ext uri="{BB962C8B-B14F-4D97-AF65-F5344CB8AC3E}">
-        <p14:creationId xmlns:p14="http://schemas.microsoft.com/office/powerpoint/2010/main" val="2030789007"/>
+        <p14:creationId xmlns:p14="http://schemas.microsoft.com/office/powerpoint/2010/main" val="513485415"/>
+      </p:ext>
+    </p:extLst>
+  </p:cSld>
+  <p:clrMapOvr>
+    <a:masterClrMapping/>
+  </p:clrMapOvr>
+</p:notes>
+</file>
+
+<file path=ppt/notesSlides/notesSlide2.xml><?xml version="1.0" encoding="utf-8"?>
+<p:notes xmlns:a="http://schemas.openxmlformats.org/drawingml/2006/main" xmlns:r="http://schemas.openxmlformats.org/officeDocument/2006/relationships" xmlns:p="http://schemas.openxmlformats.org/presentationml/2006/main">
+  <p:cSld>
+    <p:spTree>
+      <p:nvGrpSpPr>
+        <p:cNvPr id="1" name=""/>
+        <p:cNvGrpSpPr/>
+        <p:nvPr/>
+      </p:nvGrpSpPr>
+      <p:grpSpPr>
+        <a:xfrm>
+          <a:off x="0" y="0"/>
+          <a:ext cx="0" cy="0"/>
+          <a:chOff x="0" y="0"/>
+          <a:chExt cx="0" cy="0"/>
+        </a:xfrm>
+      </p:grpSpPr>
+      <p:sp>
+        <p:nvSpPr>
+          <p:cNvPr id="2" name="Slide Image Placeholder 1"/>
+          <p:cNvSpPr>
+            <a:spLocks noGrp="1" noRot="1" noChangeAspect="1"/>
+          </p:cNvSpPr>
+          <p:nvPr>
+            <p:ph type="sldImg"/>
+          </p:nvPr>
+        </p:nvSpPr>
+        <p:spPr/>
+      </p:sp>
+      <p:sp>
+        <p:nvSpPr>
+          <p:cNvPr id="3" name="Notes Placeholder 2"/>
+          <p:cNvSpPr>
+            <a:spLocks noGrp="1"/>
+          </p:cNvSpPr>
+          <p:nvPr>
+            <p:ph type="body" idx="1"/>
+          </p:nvPr>
+        </p:nvSpPr>
+        <p:spPr/>
+        <p:txBody>
+          <a:bodyPr/>
+          <a:lstStyle/>
+          <a:p>
+            <a:endParaRPr lang="en-GB" dirty="0"/>
+          </a:p>
+        </p:txBody>
+      </p:sp>
+      <p:sp>
+        <p:nvSpPr>
+          <p:cNvPr id="4" name="Slide Number Placeholder 3"/>
+          <p:cNvSpPr>
+            <a:spLocks noGrp="1"/>
+          </p:cNvSpPr>
+          <p:nvPr>
+            <p:ph type="sldNum" sz="quarter" idx="10"/>
+          </p:nvPr>
+        </p:nvSpPr>
+        <p:spPr/>
+        <p:txBody>
+          <a:bodyPr/>
+          <a:lstStyle/>
+          <a:p>
+            <a:fld id="{74F539F3-8335-4DFD-9697-BBF5469CBC73}" type="slidenum">
+              <a:rPr lang="en-GB" smtClean="0"/>
+              <a:t>2</a:t>
+            </a:fld>
+            <a:endParaRPr lang="en-GB"/>
+          </a:p>
+        </p:txBody>
+      </p:sp>
+    </p:spTree>
+    <p:extLst>
+      <p:ext uri="{BB962C8B-B14F-4D97-AF65-F5344CB8AC3E}">
+        <p14:creationId xmlns:p14="http://schemas.microsoft.com/office/powerpoint/2010/main" val="747821896"/>
       </p:ext>
     </p:extLst>
   </p:cSld>
@@ -741,7 +826,7 @@
           <a:p>
             <a:fld id="{7A88F2A5-D086-4936-BC29-0F70CC39936A}" type="datetimeFigureOut">
               <a:rPr lang="en-GB" smtClean="0"/>
-              <a:t>28/08/2020</a:t>
+              <a:t>31/07/2021</a:t>
             </a:fld>
             <a:endParaRPr lang="en-GB"/>
           </a:p>
@@ -911,7 +996,7 @@
           <a:p>
             <a:fld id="{7A88F2A5-D086-4936-BC29-0F70CC39936A}" type="datetimeFigureOut">
               <a:rPr lang="en-GB" smtClean="0"/>
-              <a:t>28/08/2020</a:t>
+              <a:t>31/07/2021</a:t>
             </a:fld>
             <a:endParaRPr lang="en-GB"/>
           </a:p>
@@ -1091,7 +1176,7 @@
           <a:p>
             <a:fld id="{7A88F2A5-D086-4936-BC29-0F70CC39936A}" type="datetimeFigureOut">
               <a:rPr lang="en-GB" smtClean="0"/>
-              <a:t>28/08/2020</a:t>
+              <a:t>31/07/2021</a:t>
             </a:fld>
             <a:endParaRPr lang="en-GB"/>
           </a:p>
@@ -1261,7 +1346,7 @@
           <a:p>
             <a:fld id="{7A88F2A5-D086-4936-BC29-0F70CC39936A}" type="datetimeFigureOut">
               <a:rPr lang="en-GB" smtClean="0"/>
-              <a:t>28/08/2020</a:t>
+              <a:t>31/07/2021</a:t>
             </a:fld>
             <a:endParaRPr lang="en-GB"/>
           </a:p>
@@ -1507,7 +1592,7 @@
           <a:p>
             <a:fld id="{7A88F2A5-D086-4936-BC29-0F70CC39936A}" type="datetimeFigureOut">
               <a:rPr lang="en-GB" smtClean="0"/>
-              <a:t>28/08/2020</a:t>
+              <a:t>31/07/2021</a:t>
             </a:fld>
             <a:endParaRPr lang="en-GB"/>
           </a:p>
@@ -1795,7 +1880,7 @@
           <a:p>
             <a:fld id="{7A88F2A5-D086-4936-BC29-0F70CC39936A}" type="datetimeFigureOut">
               <a:rPr lang="en-GB" smtClean="0"/>
-              <a:t>28/08/2020</a:t>
+              <a:t>31/07/2021</a:t>
             </a:fld>
             <a:endParaRPr lang="en-GB"/>
           </a:p>
@@ -2222,7 +2307,7 @@
           <a:p>
             <a:fld id="{7A88F2A5-D086-4936-BC29-0F70CC39936A}" type="datetimeFigureOut">
               <a:rPr lang="en-GB" smtClean="0"/>
-              <a:t>28/08/2020</a:t>
+              <a:t>31/07/2021</a:t>
             </a:fld>
             <a:endParaRPr lang="en-GB"/>
           </a:p>
@@ -2340,7 +2425,7 @@
           <a:p>
             <a:fld id="{7A88F2A5-D086-4936-BC29-0F70CC39936A}" type="datetimeFigureOut">
               <a:rPr lang="en-GB" smtClean="0"/>
-              <a:t>28/08/2020</a:t>
+              <a:t>31/07/2021</a:t>
             </a:fld>
             <a:endParaRPr lang="en-GB"/>
           </a:p>
@@ -2435,7 +2520,7 @@
           <a:p>
             <a:fld id="{7A88F2A5-D086-4936-BC29-0F70CC39936A}" type="datetimeFigureOut">
               <a:rPr lang="en-GB" smtClean="0"/>
-              <a:t>28/08/2020</a:t>
+              <a:t>31/07/2021</a:t>
             </a:fld>
             <a:endParaRPr lang="en-GB"/>
           </a:p>
@@ -2712,7 +2797,7 @@
           <a:p>
             <a:fld id="{7A88F2A5-D086-4936-BC29-0F70CC39936A}" type="datetimeFigureOut">
               <a:rPr lang="en-GB" smtClean="0"/>
-              <a:t>28/08/2020</a:t>
+              <a:t>31/07/2021</a:t>
             </a:fld>
             <a:endParaRPr lang="en-GB"/>
           </a:p>
@@ -2965,7 +3050,7 @@
           <a:p>
             <a:fld id="{7A88F2A5-D086-4936-BC29-0F70CC39936A}" type="datetimeFigureOut">
               <a:rPr lang="en-GB" smtClean="0"/>
-              <a:t>28/08/2020</a:t>
+              <a:t>31/07/2021</a:t>
             </a:fld>
             <a:endParaRPr lang="en-GB"/>
           </a:p>
@@ -3178,7 +3263,7 @@
           <a:p>
             <a:fld id="{7A88F2A5-D086-4936-BC29-0F70CC39936A}" type="datetimeFigureOut">
               <a:rPr lang="en-GB" smtClean="0"/>
-              <a:t>28/08/2020</a:t>
+              <a:t>31/07/2021</a:t>
             </a:fld>
             <a:endParaRPr lang="en-GB"/>
           </a:p>
@@ -3575,8 +3660,8 @@
         </p:blipFill>
         <p:spPr>
           <a:xfrm>
-            <a:off x="839" y="2010"/>
-            <a:ext cx="1783512" cy="1426809"/>
+            <a:off x="839" y="-370"/>
+            <a:ext cx="1561261" cy="1249008"/>
           </a:xfrm>
           <a:prstGeom prst="rect">
             <a:avLst/>
@@ -3585,129 +3670,125 @@
       </p:pic>
       <p:sp>
         <p:nvSpPr>
-          <p:cNvPr id="5" name="TextBox 4"/>
+          <p:cNvPr id="10" name="TextBox 9"/>
           <p:cNvSpPr txBox="1"/>
           <p:nvPr/>
         </p:nvSpPr>
         <p:spPr>
           <a:xfrm>
-            <a:off x="3305112" y="8217611"/>
-            <a:ext cx="2523018" cy="1947600"/>
+            <a:off x="1605742" y="-38750"/>
+            <a:ext cx="5187310" cy="1260212"/>
+          </a:xfrm>
+          <a:prstGeom prst="rect">
+            <a:avLst/>
+          </a:prstGeom>
+          <a:noFill/>
+        </p:spPr>
+        <p:txBody>
+          <a:bodyPr wrap="square" lIns="28824" tIns="14412" rIns="28824" bIns="14412" rtlCol="0" anchor="ctr">
+            <a:spAutoFit/>
+          </a:bodyPr>
+          <a:lstStyle/>
+          <a:p>
+            <a:pPr algn="ctr"/>
+            <a:r>
+              <a:rPr lang="en-GB" sz="3600" b="1" dirty="0">
+                <a:latin typeface="Futura LtCn BT" panose="020B0408020204030204" pitchFamily="34" charset="0"/>
+              </a:rPr>
+              <a:t>JON-PAUL BOYD</a:t>
+            </a:r>
+          </a:p>
+          <a:p>
+            <a:pPr algn="ctr"/>
+            <a:r>
+              <a:rPr lang="en-GB" b="1" dirty="0">
+                <a:latin typeface="Futura LtCn BT" panose="020B0408020204030204" pitchFamily="34" charset="0"/>
+              </a:rPr>
+              <a:t>Intelligent Systems Engineer</a:t>
+            </a:r>
+          </a:p>
+          <a:p>
+            <a:pPr algn="ctr"/>
+            <a:endParaRPr lang="en-GB" sz="300" b="1" dirty="0">
+              <a:latin typeface="Futura LtCn BT" panose="020B0408020204030204" pitchFamily="34" charset="0"/>
+            </a:endParaRPr>
+          </a:p>
+          <a:p>
+            <a:pPr algn="ctr"/>
+            <a:r>
+              <a:rPr lang="en-GB" sz="900" dirty="0">
+                <a:latin typeface="Futura LtCn BT" panose="020B0408020204030204" pitchFamily="34" charset="0"/>
+              </a:rPr>
+              <a:t>I thrive on delivering tangible, cutting-edge, AI-enabled and analytic solutions that inform, empower &amp; perform. I help solve business challenges and deliver value to all stakeholders through strong theory, experienced hands-on, clarity of thought and communication.</a:t>
+            </a:r>
+            <a:endParaRPr lang="en-GB" sz="1800" dirty="0">
+              <a:latin typeface="Futura LtCn BT" panose="020B0408020204030204" pitchFamily="34" charset="0"/>
+            </a:endParaRPr>
+          </a:p>
+        </p:txBody>
+      </p:sp>
+      <p:sp>
+        <p:nvSpPr>
+          <p:cNvPr id="3" name="TextBox 2">
+            <a:extLst>
+              <a:ext uri="{FF2B5EF4-FFF2-40B4-BE49-F238E27FC236}">
+                <a16:creationId xmlns:a16="http://schemas.microsoft.com/office/drawing/2014/main" id="{D6CAF53E-DA0E-4000-9DC7-C0A188FA8142}"/>
+              </a:ext>
+            </a:extLst>
+          </p:cNvPr>
+          <p:cNvSpPr txBox="1"/>
+          <p:nvPr/>
+        </p:nvSpPr>
+        <p:spPr>
+          <a:xfrm>
+            <a:off x="8822729" y="7567826"/>
+            <a:ext cx="1042700" cy="910800"/>
           </a:xfrm>
           <a:prstGeom prst="rect">
             <a:avLst/>
           </a:prstGeom>
           <a:solidFill>
-            <a:srgbClr val="DAE3F1"/>
+            <a:srgbClr val="E8EEF7"/>
           </a:solidFill>
+          <a:ln>
+            <a:noFill/>
+          </a:ln>
+          <a:effectLst/>
         </p:spPr>
         <p:txBody>
-          <a:bodyPr wrap="square" lIns="70949" tIns="72000" rIns="70949" bIns="35474" rtlCol="0">
+          <a:bodyPr wrap="square" tIns="72000" rtlCol="0">
             <a:spAutoFit/>
           </a:bodyPr>
           <a:lstStyle/>
           <a:p>
             <a:r>
-              <a:rPr lang="en-GB" sz="800" b="1" dirty="0">
-                <a:latin typeface="Futura LtCn BT" panose="020B0408020204030204" pitchFamily="34" charset="0"/>
-              </a:rPr>
-              <a:t>“Tech savvy, experienced, meticulous, dependable, ingenious &amp; eager to learn more” </a:t>
-            </a:r>
-          </a:p>
-          <a:p>
-            <a:r>
-              <a:rPr lang="en-GB" sz="600" dirty="0">
-                <a:latin typeface="Futura (Light)" panose="020B7200000000000000" pitchFamily="34" charset="0"/>
-              </a:rPr>
-              <a:t>Rudi </a:t>
-            </a:r>
-            <a:r>
-              <a:rPr lang="en-GB" sz="600" dirty="0" err="1">
-                <a:latin typeface="Futura (Light)" panose="020B7200000000000000" pitchFamily="34" charset="0"/>
-              </a:rPr>
-              <a:t>Dutli</a:t>
-            </a:r>
-            <a:r>
-              <a:rPr lang="en-GB" sz="600" dirty="0">
-                <a:latin typeface="Futura (Light)" panose="020B7200000000000000" pitchFamily="34" charset="0"/>
-              </a:rPr>
-              <a:t>, Principal, Infosys Lodestone</a:t>
-            </a:r>
-          </a:p>
-          <a:p>
-            <a:endParaRPr lang="en-GB" sz="300" b="1" dirty="0">
-              <a:latin typeface="Futura LtCn BT" panose="020B0408020204030204" pitchFamily="34" charset="0"/>
+              <a:rPr lang="en-GB" sz="700" dirty="0">
+                <a:latin typeface="Futura (Light)" panose="020B7200000000000000" pitchFamily="34" charset="0"/>
+              </a:rPr>
+              <a:t>Microsoft Certified Azure Fundamentals</a:t>
+            </a:r>
+          </a:p>
+          <a:p>
+            <a:endParaRPr lang="en-GB" sz="700" dirty="0">
+              <a:latin typeface="Futura (Light)" panose="020B7200000000000000" pitchFamily="34" charset="0"/>
             </a:endParaRPr>
           </a:p>
           <a:p>
             <a:r>
-              <a:rPr lang="en-GB" sz="800" b="1" dirty="0">
-                <a:latin typeface="Futura LtCn BT" panose="020B0408020204030204" pitchFamily="34" charset="0"/>
-              </a:rPr>
-              <a:t>“Builds comprehensive understanding of architectures involved, educating &amp; inspiring teams &amp; co-workers in the process. A real flair for challenging, on-the-edge development”</a:t>
-            </a:r>
-          </a:p>
-          <a:p>
-            <a:r>
-              <a:rPr lang="en-GB" sz="600" dirty="0">
-                <a:latin typeface="Futura (Light)" panose="020B7200000000000000" pitchFamily="34" charset="0"/>
-              </a:rPr>
-              <a:t>Trond </a:t>
-            </a:r>
-            <a:r>
-              <a:rPr lang="en-GB" sz="600" dirty="0" err="1">
-                <a:latin typeface="Futura (Light)" panose="020B7200000000000000" pitchFamily="34" charset="0"/>
-              </a:rPr>
-              <a:t>Stroemme</a:t>
-            </a:r>
-            <a:r>
-              <a:rPr lang="en-GB" sz="600" dirty="0">
-                <a:latin typeface="Futura (Light)" panose="020B7200000000000000" pitchFamily="34" charset="0"/>
-              </a:rPr>
-              <a:t>, Team Lead, SAP App Expertise Centre, Nestle</a:t>
-            </a:r>
-          </a:p>
-          <a:p>
-            <a:endParaRPr lang="en-GB" sz="300" b="1" dirty="0">
-              <a:latin typeface="Futura LtCn BT" panose="020B0408020204030204" pitchFamily="34" charset="0"/>
-            </a:endParaRPr>
-          </a:p>
-          <a:p>
-            <a:r>
-              <a:rPr lang="en-GB" sz="800" b="1" dirty="0">
-                <a:latin typeface="Futura LtCn BT" panose="020B0408020204030204" pitchFamily="34" charset="0"/>
-              </a:rPr>
-              <a:t>“An expert in his domain, a great team player. His focus on results with optimal quality is outstanding”</a:t>
-            </a:r>
-          </a:p>
-          <a:p>
-            <a:r>
-              <a:rPr lang="en-GB" sz="600" dirty="0">
-                <a:latin typeface="Futura (Light)" panose="020B7200000000000000" pitchFamily="34" charset="0"/>
-              </a:rPr>
-              <a:t>Norbert </a:t>
-            </a:r>
-            <a:r>
-              <a:rPr lang="en-GB" sz="600" dirty="0" err="1">
-                <a:latin typeface="Futura (Light)" panose="020B7200000000000000" pitchFamily="34" charset="0"/>
-              </a:rPr>
-              <a:t>Rignall</a:t>
-            </a:r>
-            <a:r>
-              <a:rPr lang="en-GB" sz="600" dirty="0">
-                <a:latin typeface="Futura (Light)" panose="020B7200000000000000" pitchFamily="34" charset="0"/>
-              </a:rPr>
-              <a:t>, Master Data Solution Architect, Nestle</a:t>
-            </a:r>
-          </a:p>
-        </p:txBody>
-      </p:sp>
-      <p:sp>
-        <p:nvSpPr>
-          <p:cNvPr id="27" name="TextBox 26">
+              <a:rPr lang="en-GB" sz="700" dirty="0">
+                <a:latin typeface="Futura (Light)" panose="020B7200000000000000" pitchFamily="34" charset="0"/>
+              </a:rPr>
+              <a:t>AWS Certified Cloud Practitioner</a:t>
+            </a:r>
+          </a:p>
+        </p:txBody>
+      </p:sp>
+      <p:sp>
+        <p:nvSpPr>
+          <p:cNvPr id="12" name="TextBox 11">
             <a:extLst>
               <a:ext uri="{FF2B5EF4-FFF2-40B4-BE49-F238E27FC236}">
-                <a16:creationId xmlns:a16="http://schemas.microsoft.com/office/drawing/2014/main" id="{67C16433-C06A-465E-AAF4-591940857AE7}"/>
+                <a16:creationId xmlns:a16="http://schemas.microsoft.com/office/drawing/2014/main" id="{98037CFA-1790-4119-BAD6-64A238E0F08D}"/>
               </a:ext>
             </a:extLst>
           </p:cNvPr>
@@ -3716,8 +3797,205 @@
         </p:nvSpPr>
         <p:spPr>
           <a:xfrm>
-            <a:off x="3304795" y="7971259"/>
-            <a:ext cx="2522320" cy="246221"/>
+            <a:off x="838" y="1734557"/>
+            <a:ext cx="6857162" cy="1626975"/>
+          </a:xfrm>
+          <a:prstGeom prst="rect">
+            <a:avLst/>
+          </a:prstGeom>
+          <a:solidFill>
+            <a:srgbClr val="E8EEF7"/>
+          </a:solidFill>
+          <a:ln>
+            <a:noFill/>
+          </a:ln>
+          <a:effectLst/>
+        </p:spPr>
+        <p:txBody>
+          <a:bodyPr wrap="square" tIns="72000" rtlCol="0">
+            <a:spAutoFit/>
+          </a:bodyPr>
+          <a:lstStyle/>
+          <a:p>
+            <a:pPr marL="88900" indent="-88900" algn="just">
+              <a:buFont typeface="Wingdings" panose="05000000000000000000" pitchFamily="2" charset="2"/>
+              <a:buChar char="§"/>
+            </a:pPr>
+            <a:r>
+              <a:rPr lang="en-US" sz="800" b="1" dirty="0">
+                <a:latin typeface="Futura (Light)" panose="020B7200000000000000"/>
+              </a:rPr>
+              <a:t>25 years I.T. experience </a:t>
+            </a:r>
+            <a:r>
+              <a:rPr lang="en-US" sz="800" dirty="0">
+                <a:latin typeface="Futura (Light)" panose="020B7200000000000000"/>
+              </a:rPr>
+              <a:t>as a software engineer, technical solutions architect &amp; development team lead, designing solutions &amp; executing to delivery into production for data-driven decision making.</a:t>
+            </a:r>
+          </a:p>
+          <a:p>
+            <a:pPr algn="just"/>
+            <a:endParaRPr lang="en-US" sz="400" dirty="0">
+              <a:latin typeface="Futura (Light)" panose="020B7200000000000000"/>
+            </a:endParaRPr>
+          </a:p>
+          <a:p>
+            <a:pPr marL="88900" indent="-88900" algn="just">
+              <a:buFont typeface="Wingdings" panose="05000000000000000000" pitchFamily="2" charset="2"/>
+              <a:buChar char="§"/>
+            </a:pPr>
+            <a:r>
+              <a:rPr lang="en-US" sz="800" b="1" dirty="0">
+                <a:latin typeface="Futura (Light)" panose="020B7200000000000000"/>
+              </a:rPr>
+              <a:t>23 LinkedIn recommendations </a:t>
+            </a:r>
+            <a:r>
+              <a:rPr lang="en-US" sz="800" dirty="0">
+                <a:latin typeface="Futura (Light)" panose="020B7200000000000000"/>
+              </a:rPr>
+              <a:t>from providing client-centric expertise to 37 global companies.</a:t>
+            </a:r>
+          </a:p>
+          <a:p>
+            <a:pPr algn="just"/>
+            <a:endParaRPr lang="en-US" sz="400" dirty="0">
+              <a:latin typeface="Futura (Light)" panose="020B7200000000000000"/>
+            </a:endParaRPr>
+          </a:p>
+          <a:p>
+            <a:pPr marL="88900" indent="-88900" algn="just">
+              <a:buFont typeface="Wingdings" panose="05000000000000000000" pitchFamily="2" charset="2"/>
+              <a:buChar char="§"/>
+            </a:pPr>
+            <a:r>
+              <a:rPr lang="en-US" sz="800" dirty="0">
+                <a:latin typeface="Futura (Light)" panose="020B7200000000000000"/>
+              </a:rPr>
+              <a:t>Graduated as </a:t>
+            </a:r>
+            <a:r>
+              <a:rPr lang="en-US" sz="800" b="1" dirty="0">
+                <a:latin typeface="Futura (Light)" panose="020B7200000000000000"/>
+              </a:rPr>
+              <a:t>Master of Intelligent Systems, with distinction</a:t>
+            </a:r>
+            <a:r>
+              <a:rPr lang="en-US" sz="800" dirty="0">
+                <a:latin typeface="Futura (Light)" panose="020B7200000000000000"/>
+              </a:rPr>
+              <a:t>, from De Montfort University, Leicester, U.K. (2017-2021).</a:t>
+            </a:r>
+          </a:p>
+          <a:p>
+            <a:pPr algn="just"/>
+            <a:endParaRPr lang="en-US" sz="400" dirty="0">
+              <a:latin typeface="Futura (Light)" panose="020B7200000000000000"/>
+            </a:endParaRPr>
+          </a:p>
+          <a:p>
+            <a:pPr marL="88900" indent="-88900" algn="just">
+              <a:buFont typeface="Wingdings" panose="05000000000000000000" pitchFamily="2" charset="2"/>
+              <a:buChar char="§"/>
+            </a:pPr>
+            <a:r>
+              <a:rPr lang="en-US" sz="800" b="1" dirty="0">
+                <a:latin typeface="Futura (Light)" panose="020B7200000000000000"/>
+              </a:rPr>
+              <a:t>Extensive experience </a:t>
+            </a:r>
+            <a:r>
+              <a:rPr lang="en-US" sz="800" dirty="0">
+                <a:latin typeface="Futura (Light)" panose="020B7200000000000000"/>
+              </a:rPr>
+              <a:t>modelling, cleansing, mining, &amp; visualizing large data collections, including on cloud platforms.</a:t>
+            </a:r>
+          </a:p>
+          <a:p>
+            <a:pPr algn="just"/>
+            <a:endParaRPr lang="en-US" sz="400" dirty="0">
+              <a:latin typeface="Futura (Light)" panose="020B7200000000000000"/>
+            </a:endParaRPr>
+          </a:p>
+          <a:p>
+            <a:pPr marL="88900" indent="-88900" algn="just">
+              <a:buFont typeface="Wingdings" panose="05000000000000000000" pitchFamily="2" charset="2"/>
+              <a:buChar char="§"/>
+            </a:pPr>
+            <a:r>
+              <a:rPr lang="en-US" sz="800" b="1" dirty="0">
+                <a:latin typeface="Futura (Light)" panose="020B7200000000000000"/>
+              </a:rPr>
+              <a:t>4 years experience applying machine learning, deep learning, &amp; heuristics </a:t>
+            </a:r>
+            <a:r>
+              <a:rPr lang="en-US" sz="800" dirty="0">
+                <a:latin typeface="Futura (Light)" panose="020B7200000000000000"/>
+              </a:rPr>
+              <a:t>to real-world problems including customer churn, breast cancer </a:t>
+            </a:r>
+            <a:r>
+              <a:rPr lang="en-US" sz="800" dirty="0" err="1">
+                <a:latin typeface="Futura (Light)" panose="020B7200000000000000"/>
+              </a:rPr>
+              <a:t>tumour</a:t>
+            </a:r>
+            <a:r>
+              <a:rPr lang="en-US" sz="800" dirty="0">
+                <a:latin typeface="Futura (Light)" panose="020B7200000000000000"/>
+              </a:rPr>
+              <a:t> classification, &amp; manufacturing optimization.</a:t>
+            </a:r>
+          </a:p>
+          <a:p>
+            <a:pPr algn="just"/>
+            <a:endParaRPr lang="en-US" sz="400" dirty="0">
+              <a:latin typeface="Futura (Light)" panose="020B7200000000000000"/>
+            </a:endParaRPr>
+          </a:p>
+          <a:p>
+            <a:pPr marL="88900" indent="-88900" algn="just">
+              <a:buFont typeface="Wingdings" panose="05000000000000000000" pitchFamily="2" charset="2"/>
+              <a:buChar char="§"/>
+            </a:pPr>
+            <a:r>
+              <a:rPr lang="en-US" sz="800" b="1" dirty="0">
+                <a:latin typeface="Futura (Light)" panose="020B7200000000000000"/>
+              </a:rPr>
+              <a:t>Extensive natural language processing experience</a:t>
+            </a:r>
+            <a:r>
+              <a:rPr lang="en-US" sz="800" dirty="0">
+                <a:latin typeface="Futura (Light)" panose="020B7200000000000000"/>
+              </a:rPr>
+              <a:t>, building &amp; evaluating state-of-the-art language models for highly relevant retrieval of biomedical information, topic modelling, named entity recognition, &amp; pattern matching.</a:t>
+            </a:r>
+          </a:p>
+          <a:p>
+            <a:pPr algn="just"/>
+            <a:endParaRPr lang="en-US" sz="300" dirty="0">
+              <a:latin typeface="Futura (Light)" panose="020B7200000000000000"/>
+            </a:endParaRPr>
+          </a:p>
+          <a:p>
+            <a:pPr algn="just"/>
+            <a:endParaRPr lang="en-US" sz="300" dirty="0">
+              <a:latin typeface="Futura (Light)" panose="020B7200000000000000"/>
+            </a:endParaRPr>
+          </a:p>
+        </p:txBody>
+      </p:sp>
+      <p:sp>
+        <p:nvSpPr>
+          <p:cNvPr id="81" name="TextBox 80"/>
+          <p:cNvSpPr txBox="1"/>
+          <p:nvPr/>
+        </p:nvSpPr>
+        <p:spPr>
+          <a:xfrm>
+            <a:off x="-1" y="1484312"/>
+            <a:ext cx="6858001" cy="246221"/>
           </a:xfrm>
           <a:prstGeom prst="rect">
             <a:avLst/>
@@ -3743,1063 +4021,7 @@
               <a:rPr lang="en-GB" sz="1000" b="1" dirty="0">
                 <a:latin typeface="Futura LtCn BT" panose="020B0408020204030204" pitchFamily="34" charset="0"/>
               </a:rPr>
-              <a:t>PRAISE</a:t>
-            </a:r>
-          </a:p>
-        </p:txBody>
-      </p:sp>
-      <p:sp>
-        <p:nvSpPr>
-          <p:cNvPr id="30" name="TextBox 29">
-            <a:extLst>
-              <a:ext uri="{FF2B5EF4-FFF2-40B4-BE49-F238E27FC236}">
-                <a16:creationId xmlns:a16="http://schemas.microsoft.com/office/drawing/2014/main" id="{E5B54B1E-2808-4FA2-9F30-855676B85B25}"/>
-              </a:ext>
-            </a:extLst>
-          </p:cNvPr>
-          <p:cNvSpPr txBox="1"/>
-          <p:nvPr/>
-        </p:nvSpPr>
-        <p:spPr>
-          <a:xfrm>
-            <a:off x="3305810" y="1916897"/>
-            <a:ext cx="2522320" cy="6123600"/>
-          </a:xfrm>
-          <a:prstGeom prst="rect">
-            <a:avLst/>
-          </a:prstGeom>
-          <a:solidFill>
-            <a:srgbClr val="DAE3F1"/>
-          </a:solidFill>
-          <a:ln>
-            <a:noFill/>
-          </a:ln>
-          <a:effectLst/>
-        </p:spPr>
-        <p:txBody>
-          <a:bodyPr wrap="square" tIns="72000" rtlCol="0">
-            <a:spAutoFit/>
-          </a:bodyPr>
-          <a:lstStyle/>
-          <a:p>
-            <a:r>
-              <a:rPr lang="en-GB" sz="900" dirty="0">
-                <a:latin typeface="Futura LtCn BT" panose="020B0408020204030204" pitchFamily="34" charset="0"/>
-              </a:rPr>
-              <a:t>Masters Intelligent Systems</a:t>
-            </a:r>
-          </a:p>
-          <a:p>
-            <a:r>
-              <a:rPr lang="en-GB" sz="900" b="1" dirty="0">
-                <a:latin typeface="Futura LtCn BT" panose="020B0408020204030204" pitchFamily="34" charset="0"/>
-              </a:rPr>
-              <a:t>De Montfort University | UK | 2017 – 2020</a:t>
-            </a:r>
-          </a:p>
-          <a:p>
-            <a:pPr algn="just"/>
-            <a:r>
-              <a:rPr lang="en-GB" sz="800" dirty="0">
-                <a:latin typeface="Futura (Light)" panose="020B7200000000000000" pitchFamily="34" charset="0"/>
-              </a:rPr>
-              <a:t>Discovered why stronger partnerships should exist between enterprise and academia.</a:t>
-            </a:r>
-          </a:p>
-          <a:p>
-            <a:pPr marL="88900" indent="-88900" algn="just">
-              <a:buFont typeface="Wingdings" panose="05000000000000000000" pitchFamily="2" charset="2"/>
-              <a:buChar char="§"/>
-            </a:pPr>
-            <a:r>
-              <a:rPr lang="en-GB" sz="800" b="1" dirty="0">
-                <a:latin typeface="Futura (Light)" panose="020B7200000000000000" pitchFamily="34" charset="0"/>
-              </a:rPr>
-              <a:t>Applied Computational Intelligence (88%) </a:t>
-            </a:r>
-            <a:r>
-              <a:rPr lang="en-GB" sz="800" dirty="0">
-                <a:latin typeface="Futura (Light)" panose="020B7200000000000000" pitchFamily="34" charset="0"/>
-              </a:rPr>
-              <a:t>Predicting customer behaviour with tree-based classifiers. Extensive Python with data profiling &amp; preparation, unsupervised &amp; supervised machine learning, overfitting protection, hyperparameter tuning, model scoring, evaluation &amp; selection.</a:t>
-            </a:r>
-          </a:p>
-          <a:p>
-            <a:pPr marL="88900" indent="-88900" algn="just">
-              <a:buFont typeface="Wingdings" panose="05000000000000000000" pitchFamily="2" charset="2"/>
-              <a:buChar char="§"/>
-            </a:pPr>
-            <a:r>
-              <a:rPr lang="en-GB" sz="800" b="1" dirty="0">
-                <a:latin typeface="Futura (Light)" panose="020B7200000000000000" pitchFamily="34" charset="0"/>
-              </a:rPr>
-              <a:t>A.I. Programming (80%)</a:t>
-            </a:r>
-          </a:p>
-          <a:p>
-            <a:pPr marL="88900" algn="just"/>
-            <a:r>
-              <a:rPr lang="en-GB" sz="800" dirty="0">
-                <a:latin typeface="Futura (Light)" panose="020B7200000000000000" pitchFamily="34" charset="0"/>
-              </a:rPr>
-              <a:t>NLP Python NLTK context-free grammars for natural language to SQL database query.</a:t>
-            </a:r>
-          </a:p>
-          <a:p>
-            <a:pPr marL="88900" indent="-88900" algn="just">
-              <a:buFont typeface="Wingdings" panose="05000000000000000000" pitchFamily="2" charset="2"/>
-              <a:buChar char="§"/>
-            </a:pPr>
-            <a:r>
-              <a:rPr lang="en-GB" sz="800" b="1" dirty="0">
-                <a:latin typeface="Futura (Light)" panose="020B7200000000000000" pitchFamily="34" charset="0"/>
-              </a:rPr>
-              <a:t>Data Mining (80%)</a:t>
-            </a:r>
-          </a:p>
-          <a:p>
-            <a:pPr marL="88900" algn="just"/>
-            <a:r>
-              <a:rPr lang="en-GB" sz="800" dirty="0">
-                <a:latin typeface="Futura (Light)" panose="020B7200000000000000" pitchFamily="34" charset="0"/>
-              </a:rPr>
-              <a:t>Data analysis &amp; machine learning to predict risk indicators for cardiovascular disease.</a:t>
-            </a:r>
-          </a:p>
-          <a:p>
-            <a:pPr marL="88900" indent="-88900" algn="just">
-              <a:buFont typeface="Wingdings" panose="05000000000000000000" pitchFamily="2" charset="2"/>
-              <a:buChar char="§"/>
-            </a:pPr>
-            <a:r>
-              <a:rPr lang="en-GB" sz="800" b="1" dirty="0">
-                <a:latin typeface="Futura (Light)" panose="020B7200000000000000" pitchFamily="34" charset="0"/>
-              </a:rPr>
-              <a:t>Neural Networks (80%)</a:t>
-            </a:r>
-          </a:p>
-          <a:p>
-            <a:pPr marL="88900" algn="just"/>
-            <a:r>
-              <a:rPr lang="en-GB" sz="800" dirty="0">
-                <a:latin typeface="Futura (Light)" panose="020B7200000000000000" pitchFamily="34" charset="0"/>
-              </a:rPr>
-              <a:t>Evaluation of biomass &amp; classification of network activity (intrusion, attack, normal).</a:t>
-            </a:r>
-          </a:p>
-          <a:p>
-            <a:pPr marL="88900" indent="-88900" algn="just">
-              <a:buFont typeface="Wingdings" panose="05000000000000000000" pitchFamily="2" charset="2"/>
-              <a:buChar char="§"/>
-            </a:pPr>
-            <a:r>
-              <a:rPr lang="en-GB" sz="800" b="1" dirty="0">
-                <a:latin typeface="Futura (Light)" panose="020B7200000000000000" pitchFamily="34" charset="0"/>
-              </a:rPr>
-              <a:t>Fuzzy Logic (94%)</a:t>
-            </a:r>
-          </a:p>
-          <a:p>
-            <a:pPr marL="88900" algn="just"/>
-            <a:r>
-              <a:rPr lang="en-GB" sz="800" dirty="0">
-                <a:latin typeface="Futura (Light)" panose="020B7200000000000000" pitchFamily="34" charset="0"/>
-              </a:rPr>
-              <a:t>Classifying breast cancer tumours with fuzzy inference, outperforming neural networks. Authored paper submitted to journal </a:t>
-            </a:r>
-            <a:r>
-              <a:rPr lang="en-GB" sz="800" i="1" dirty="0">
-                <a:latin typeface="Futura (Light)" panose="020B7200000000000000" pitchFamily="34" charset="0"/>
-              </a:rPr>
-              <a:t>Applied Soft Computing </a:t>
-            </a:r>
-            <a:r>
-              <a:rPr lang="en-GB" sz="800" dirty="0">
-                <a:latin typeface="Futura (Light)" panose="020B7200000000000000" pitchFamily="34" charset="0"/>
-              </a:rPr>
-              <a:t>for publication.</a:t>
-            </a:r>
-          </a:p>
-          <a:p>
-            <a:pPr marL="88900" indent="-88900" algn="just">
-              <a:buFont typeface="Wingdings" panose="05000000000000000000" pitchFamily="2" charset="2"/>
-              <a:buChar char="§"/>
-            </a:pPr>
-            <a:r>
-              <a:rPr lang="en-GB" sz="800" b="1" dirty="0">
-                <a:latin typeface="Futura (Light)" panose="020B7200000000000000" pitchFamily="34" charset="0"/>
-              </a:rPr>
-              <a:t>Research Methods (96%)</a:t>
-            </a:r>
-          </a:p>
-          <a:p>
-            <a:pPr marL="88900" algn="just"/>
-            <a:r>
-              <a:rPr lang="en-GB" sz="800" dirty="0">
-                <a:latin typeface="Futura (Light)" panose="020B7200000000000000" pitchFamily="34" charset="0"/>
-              </a:rPr>
-              <a:t>PhD proposal for augmented analytics.</a:t>
-            </a:r>
-          </a:p>
-          <a:p>
-            <a:pPr marL="88900" indent="-88900" algn="just">
-              <a:buFont typeface="Wingdings" panose="05000000000000000000" pitchFamily="2" charset="2"/>
-              <a:buChar char="§"/>
-            </a:pPr>
-            <a:r>
-              <a:rPr lang="en-GB" sz="800" b="1" dirty="0">
-                <a:latin typeface="Futura (Light)" panose="020B7200000000000000" pitchFamily="34" charset="0"/>
-              </a:rPr>
-              <a:t>Mobile Robots (97%)</a:t>
-            </a:r>
-          </a:p>
-          <a:p>
-            <a:pPr marL="88900" algn="just"/>
-            <a:r>
-              <a:rPr lang="en-GB" sz="800" dirty="0">
-                <a:latin typeface="Futura (Light)" panose="020B7200000000000000" pitchFamily="34" charset="0"/>
-              </a:rPr>
-              <a:t>Virtual search &amp; rescue robot controlled via Python, implementing obstacle avoidance, sensor data fusion, environment mapping, precision navigation, victim location.</a:t>
-            </a:r>
-          </a:p>
-          <a:p>
-            <a:pPr marL="88900" indent="-88900" algn="just">
-              <a:buFont typeface="Wingdings" panose="05000000000000000000" pitchFamily="2" charset="2"/>
-              <a:buChar char="§"/>
-            </a:pPr>
-            <a:r>
-              <a:rPr lang="en-GB" sz="800" b="1" dirty="0">
-                <a:latin typeface="Futura (Light)" panose="020B7200000000000000" pitchFamily="34" charset="0"/>
-              </a:rPr>
-              <a:t>Computational Intelligence Optimization (100%) </a:t>
-            </a:r>
-            <a:r>
-              <a:rPr lang="en-GB" sz="800" dirty="0">
-                <a:latin typeface="Futura (Light)" panose="020B7200000000000000" pitchFamily="34" charset="0"/>
-              </a:rPr>
-              <a:t>Design &amp; build of Python-based hyper-heuristic optimization platform to address the real-world problem of scheduling optimisation. 5 example nature-inspired metaheuristic algorithms are implemented. A hyper-heuristic feature dynamically switches between low-level metaheuristics to deterministically use the most appropriate algorithm according to current problem state, or select one stochastically.</a:t>
-            </a:r>
-          </a:p>
-          <a:p>
-            <a:pPr marL="88900" indent="-88900" algn="just">
-              <a:buFont typeface="Wingdings" panose="05000000000000000000" pitchFamily="2" charset="2"/>
-              <a:buChar char="§"/>
-            </a:pPr>
-            <a:r>
-              <a:rPr lang="en-GB" sz="800" b="1" dirty="0">
-                <a:latin typeface="Futura (Light)" panose="020B7200000000000000" pitchFamily="34" charset="0"/>
-              </a:rPr>
-              <a:t>Masters Project In Progress</a:t>
-            </a:r>
-          </a:p>
-          <a:p>
-            <a:pPr marL="88900" algn="just"/>
-            <a:r>
-              <a:rPr lang="en-GB" sz="800" dirty="0">
-                <a:latin typeface="Futura (Light)" panose="020B7200000000000000" pitchFamily="34" charset="0"/>
-              </a:rPr>
-              <a:t>Building cloud-hosted medical research cockpit for knowledge discovery, summarization, topic classification &amp; clustering for best-informed next stage research actions, using COVID-19 literature.</a:t>
-            </a:r>
-          </a:p>
-        </p:txBody>
-      </p:sp>
-      <p:sp>
-        <p:nvSpPr>
-          <p:cNvPr id="10" name="TextBox 9"/>
-          <p:cNvSpPr txBox="1"/>
-          <p:nvPr/>
-        </p:nvSpPr>
-        <p:spPr>
-          <a:xfrm>
-            <a:off x="1605742" y="-3217"/>
-            <a:ext cx="5187310" cy="1398711"/>
-          </a:xfrm>
-          <a:prstGeom prst="rect">
-            <a:avLst/>
-          </a:prstGeom>
-          <a:noFill/>
-        </p:spPr>
-        <p:txBody>
-          <a:bodyPr wrap="square" lIns="28824" tIns="14412" rIns="28824" bIns="14412" rtlCol="0" anchor="ctr">
-            <a:spAutoFit/>
-          </a:bodyPr>
-          <a:lstStyle/>
-          <a:p>
-            <a:pPr algn="ctr"/>
-            <a:r>
-              <a:rPr lang="en-GB" sz="3600" b="1" dirty="0">
-                <a:latin typeface="Futura LtCn BT" panose="020B0408020204030204" pitchFamily="34" charset="0"/>
-              </a:rPr>
-              <a:t>JON-PAUL BOYD</a:t>
-            </a:r>
-          </a:p>
-          <a:p>
-            <a:pPr algn="ctr"/>
-            <a:r>
-              <a:rPr lang="en-GB" sz="1600" b="1" dirty="0">
-                <a:latin typeface="Futura LtCn BT" panose="020B0408020204030204" pitchFamily="34" charset="0"/>
-              </a:rPr>
-              <a:t>Intelligent Systems Engineer</a:t>
-            </a:r>
-          </a:p>
-          <a:p>
-            <a:pPr algn="ctr"/>
-            <a:endParaRPr lang="en-GB" sz="700" b="1" dirty="0">
-              <a:latin typeface="Futura LtCn BT" panose="020B0408020204030204" pitchFamily="34" charset="0"/>
-            </a:endParaRPr>
-          </a:p>
-          <a:p>
-            <a:pPr algn="ctr"/>
-            <a:r>
-              <a:rPr lang="en-GB" sz="900" dirty="0">
-                <a:latin typeface="Futura LtCn BT" panose="020B0408020204030204" pitchFamily="34" charset="0"/>
-              </a:rPr>
-              <a:t>I thrive on delivering tangible, cutting-edge, AI-enabled and analytic solutions that inform, empower &amp; perform. I help solve business challenges and deliver value to all stakeholders through strong theory, experienced hands-on, clarity of thought and communication.</a:t>
-            </a:r>
-            <a:endParaRPr lang="en-GB" sz="1800" dirty="0">
-              <a:latin typeface="Futura LtCn BT" panose="020B0408020204030204" pitchFamily="34" charset="0"/>
-            </a:endParaRPr>
-          </a:p>
-        </p:txBody>
-      </p:sp>
-      <p:sp>
-        <p:nvSpPr>
-          <p:cNvPr id="3" name="TextBox 2">
-            <a:extLst>
-              <a:ext uri="{FF2B5EF4-FFF2-40B4-BE49-F238E27FC236}">
-                <a16:creationId xmlns:a16="http://schemas.microsoft.com/office/drawing/2014/main" id="{D6CAF53E-DA0E-4000-9DC7-C0A188FA8142}"/>
-              </a:ext>
-            </a:extLst>
-          </p:cNvPr>
-          <p:cNvSpPr txBox="1"/>
-          <p:nvPr/>
-        </p:nvSpPr>
-        <p:spPr>
-          <a:xfrm>
-            <a:off x="5822354" y="9039439"/>
-            <a:ext cx="1042700" cy="910800"/>
-          </a:xfrm>
-          <a:prstGeom prst="rect">
-            <a:avLst/>
-          </a:prstGeom>
-          <a:solidFill>
-            <a:srgbClr val="E8EEF7"/>
-          </a:solidFill>
-          <a:ln>
-            <a:noFill/>
-          </a:ln>
-          <a:effectLst/>
-        </p:spPr>
-        <p:txBody>
-          <a:bodyPr wrap="square" tIns="72000" rtlCol="0">
-            <a:spAutoFit/>
-          </a:bodyPr>
-          <a:lstStyle/>
-          <a:p>
-            <a:r>
-              <a:rPr lang="en-GB" sz="700" dirty="0">
-                <a:latin typeface="Futura (Light)" panose="020B7200000000000000" pitchFamily="34" charset="0"/>
-              </a:rPr>
-              <a:t>Microsoft Certified Azure Fundamentals</a:t>
-            </a:r>
-          </a:p>
-          <a:p>
-            <a:endParaRPr lang="en-GB" sz="700" dirty="0">
-              <a:latin typeface="Futura (Light)" panose="020B7200000000000000" pitchFamily="34" charset="0"/>
-            </a:endParaRPr>
-          </a:p>
-          <a:p>
-            <a:r>
-              <a:rPr lang="en-GB" sz="700" dirty="0">
-                <a:latin typeface="Futura (Light)" panose="020B7200000000000000" pitchFamily="34" charset="0"/>
-              </a:rPr>
-              <a:t>AWS Certified Cloud Practitioner</a:t>
-            </a:r>
-          </a:p>
-        </p:txBody>
-      </p:sp>
-      <p:sp>
-        <p:nvSpPr>
-          <p:cNvPr id="23" name="TextBox 22">
-            <a:extLst>
-              <a:ext uri="{FF2B5EF4-FFF2-40B4-BE49-F238E27FC236}">
-                <a16:creationId xmlns:a16="http://schemas.microsoft.com/office/drawing/2014/main" id="{2E0F1AF6-D4E6-46A5-8AD4-98484A4A8BAB}"/>
-              </a:ext>
-            </a:extLst>
-          </p:cNvPr>
-          <p:cNvSpPr txBox="1"/>
-          <p:nvPr/>
-        </p:nvSpPr>
-        <p:spPr>
-          <a:xfrm>
-            <a:off x="5824080" y="6606112"/>
-            <a:ext cx="1040179" cy="2273306"/>
-          </a:xfrm>
-          <a:prstGeom prst="rect">
-            <a:avLst/>
-          </a:prstGeom>
-          <a:solidFill>
-            <a:srgbClr val="E8EEF7"/>
-          </a:solidFill>
-          <a:ln>
-            <a:noFill/>
-          </a:ln>
-          <a:effectLst/>
-        </p:spPr>
-        <p:txBody>
-          <a:bodyPr wrap="square" tIns="72000" rtlCol="0">
-            <a:spAutoFit/>
-          </a:bodyPr>
-          <a:lstStyle/>
-          <a:p>
-            <a:r>
-              <a:rPr lang="en-GB" sz="700" dirty="0">
-                <a:latin typeface="Futura (Light)" panose="020B7200000000000000" pitchFamily="34" charset="0"/>
-              </a:rPr>
-              <a:t>Python</a:t>
-            </a:r>
-          </a:p>
-          <a:p>
-            <a:r>
-              <a:rPr lang="en-GB" sz="700" dirty="0">
-                <a:latin typeface="Futura (Light)" panose="020B7200000000000000" pitchFamily="34" charset="0"/>
-              </a:rPr>
-              <a:t>Pandas</a:t>
-            </a:r>
-          </a:p>
-          <a:p>
-            <a:r>
-              <a:rPr lang="en-GB" sz="700" dirty="0">
-                <a:latin typeface="Futura (Light)" panose="020B7200000000000000" pitchFamily="34" charset="0"/>
-              </a:rPr>
-              <a:t>Numpy</a:t>
-            </a:r>
-          </a:p>
-          <a:p>
-            <a:r>
-              <a:rPr lang="en-GB" sz="700" dirty="0">
-                <a:latin typeface="Futura (Light)" panose="020B7200000000000000" pitchFamily="34" charset="0"/>
-              </a:rPr>
-              <a:t>Scikit-Learn</a:t>
-            </a:r>
-          </a:p>
-          <a:p>
-            <a:r>
-              <a:rPr lang="en-GB" sz="700" dirty="0">
-                <a:latin typeface="Futura (Light)" panose="020B7200000000000000" pitchFamily="34" charset="0"/>
-              </a:rPr>
-              <a:t>Keras</a:t>
-            </a:r>
-          </a:p>
-          <a:p>
-            <a:r>
-              <a:rPr lang="en-GB" sz="700" dirty="0">
-                <a:latin typeface="Futura (Light)" panose="020B7200000000000000" pitchFamily="34" charset="0"/>
-              </a:rPr>
-              <a:t>NLTK</a:t>
-            </a:r>
-          </a:p>
-          <a:p>
-            <a:r>
-              <a:rPr lang="en-GB" sz="700" dirty="0">
-                <a:latin typeface="Futura (Light)" panose="020B7200000000000000" pitchFamily="34" charset="0"/>
-              </a:rPr>
-              <a:t>Elasticsearch MongoDB </a:t>
-            </a:r>
-          </a:p>
-          <a:p>
-            <a:r>
-              <a:rPr lang="en-GB" sz="700" dirty="0">
-                <a:latin typeface="Futura (Light)" panose="020B7200000000000000" pitchFamily="34" charset="0"/>
-              </a:rPr>
-              <a:t>SAP HANA</a:t>
-            </a:r>
-          </a:p>
-          <a:p>
-            <a:r>
-              <a:rPr lang="en-GB" sz="700" dirty="0">
-                <a:latin typeface="Futura (Light)" panose="020B7200000000000000" pitchFamily="34" charset="0"/>
-              </a:rPr>
-              <a:t>SAP ABAP</a:t>
-            </a:r>
-          </a:p>
-          <a:p>
-            <a:r>
-              <a:rPr lang="en-GB" sz="700" dirty="0">
-                <a:latin typeface="Futura (Light)" panose="020B7200000000000000" pitchFamily="34" charset="0"/>
-              </a:rPr>
-              <a:t>SAP Security</a:t>
-            </a:r>
-          </a:p>
-          <a:p>
-            <a:r>
-              <a:rPr lang="en-GB" sz="700" dirty="0">
-                <a:latin typeface="Futura (Light)" panose="020B7200000000000000" pitchFamily="34" charset="0"/>
-              </a:rPr>
-              <a:t>ReactJS</a:t>
-            </a:r>
-          </a:p>
-          <a:p>
-            <a:r>
-              <a:rPr lang="en-GB" sz="700" dirty="0">
-                <a:latin typeface="Futura (Light)" panose="020B7200000000000000" pitchFamily="34" charset="0"/>
-              </a:rPr>
-              <a:t>JavaScript</a:t>
-            </a:r>
-          </a:p>
-          <a:p>
-            <a:r>
-              <a:rPr lang="en-GB" sz="700" dirty="0">
-                <a:latin typeface="Futura (Light)" panose="020B7200000000000000" pitchFamily="34" charset="0"/>
-              </a:rPr>
-              <a:t>Amazon AWS</a:t>
-            </a:r>
-          </a:p>
-          <a:p>
-            <a:r>
-              <a:rPr lang="en-GB" sz="700" dirty="0">
-                <a:latin typeface="Futura (Light)" panose="020B7200000000000000" pitchFamily="34" charset="0"/>
-              </a:rPr>
-              <a:t>MS Azure</a:t>
-            </a:r>
-          </a:p>
-          <a:p>
-            <a:r>
-              <a:rPr lang="en-GB" sz="700" dirty="0">
-                <a:latin typeface="Futura (Light)" panose="020B7200000000000000" pitchFamily="34" charset="0"/>
-              </a:rPr>
-              <a:t>Docker</a:t>
-            </a:r>
-          </a:p>
-          <a:p>
-            <a:r>
-              <a:rPr lang="en-GB" sz="700" dirty="0">
-                <a:latin typeface="Futura (Light)" panose="020B7200000000000000" pitchFamily="34" charset="0"/>
-              </a:rPr>
-              <a:t>Git</a:t>
-            </a:r>
-          </a:p>
-          <a:p>
-            <a:r>
-              <a:rPr lang="en-GB" sz="700" dirty="0">
-                <a:latin typeface="Futura (Light)" panose="020B7200000000000000" pitchFamily="34" charset="0"/>
-              </a:rPr>
-              <a:t>GitLab</a:t>
-            </a:r>
-          </a:p>
-          <a:p>
-            <a:r>
-              <a:rPr lang="en-GB" sz="700" dirty="0">
-                <a:latin typeface="Futura (Light)" panose="020B7200000000000000" pitchFamily="34" charset="0"/>
-              </a:rPr>
-              <a:t>Linux</a:t>
-            </a:r>
-          </a:p>
-          <a:p>
-            <a:r>
-              <a:rPr lang="en-GB" sz="700" dirty="0">
-                <a:latin typeface="Futura (Light)" panose="020B7200000000000000" pitchFamily="34" charset="0"/>
-              </a:rPr>
-              <a:t>Windows 10</a:t>
-            </a:r>
-          </a:p>
-        </p:txBody>
-      </p:sp>
-      <p:sp>
-        <p:nvSpPr>
-          <p:cNvPr id="2" name="TextBox 1">
-            <a:extLst>
-              <a:ext uri="{FF2B5EF4-FFF2-40B4-BE49-F238E27FC236}">
-                <a16:creationId xmlns:a16="http://schemas.microsoft.com/office/drawing/2014/main" id="{8A82E7F1-7E38-4B39-8212-1F26279E961A}"/>
-              </a:ext>
-            </a:extLst>
-          </p:cNvPr>
-          <p:cNvSpPr txBox="1"/>
-          <p:nvPr/>
-        </p:nvSpPr>
-        <p:spPr>
-          <a:xfrm>
-            <a:off x="5823447" y="8793217"/>
-            <a:ext cx="1042700" cy="246221"/>
-          </a:xfrm>
-          <a:prstGeom prst="rect">
-            <a:avLst/>
-          </a:prstGeom>
-          <a:solidFill>
-            <a:srgbClr val="E8EEF7"/>
-          </a:solidFill>
-          <a:effectLst>
-            <a:outerShdw blurRad="50800" dist="38100" dir="5400000" algn="t" rotWithShape="0">
-              <a:prstClr val="black">
-                <a:alpha val="40000"/>
-              </a:prstClr>
-            </a:outerShdw>
-          </a:effectLst>
-        </p:spPr>
-        <p:txBody>
-          <a:bodyPr wrap="square" lIns="72000" rtlCol="0">
-            <a:spAutoFit/>
-          </a:bodyPr>
-          <a:lstStyle/>
-          <a:p>
-            <a:r>
-              <a:rPr lang="en-GB" sz="1000" b="1" dirty="0">
-                <a:latin typeface="Futura LtCn BT" panose="020B0408020204030204" pitchFamily="34" charset="0"/>
-              </a:rPr>
-              <a:t>AWARDS</a:t>
-            </a:r>
-          </a:p>
-        </p:txBody>
-      </p:sp>
-      <p:sp>
-        <p:nvSpPr>
-          <p:cNvPr id="12" name="TextBox 11">
-            <a:extLst>
-              <a:ext uri="{FF2B5EF4-FFF2-40B4-BE49-F238E27FC236}">
-                <a16:creationId xmlns:a16="http://schemas.microsoft.com/office/drawing/2014/main" id="{98037CFA-1790-4119-BAD6-64A238E0F08D}"/>
-              </a:ext>
-            </a:extLst>
-          </p:cNvPr>
-          <p:cNvSpPr txBox="1"/>
-          <p:nvPr/>
-        </p:nvSpPr>
-        <p:spPr>
-          <a:xfrm>
-            <a:off x="838" y="1919176"/>
-            <a:ext cx="3305176" cy="7988400"/>
-          </a:xfrm>
-          <a:prstGeom prst="rect">
-            <a:avLst/>
-          </a:prstGeom>
-          <a:solidFill>
-            <a:srgbClr val="BAC9E0"/>
-          </a:solidFill>
-          <a:ln>
-            <a:noFill/>
-          </a:ln>
-          <a:effectLst/>
-        </p:spPr>
-        <p:txBody>
-          <a:bodyPr wrap="square" tIns="72000" rtlCol="0">
-            <a:spAutoFit/>
-          </a:bodyPr>
-          <a:lstStyle/>
-          <a:p>
-            <a:r>
-              <a:rPr lang="en-GB" sz="900" dirty="0">
-                <a:latin typeface="Futura LtCn BT" panose="020B0408020204030204" pitchFamily="34" charset="0"/>
-              </a:rPr>
-              <a:t>SAP HANA Technical Architect </a:t>
-            </a:r>
-          </a:p>
-          <a:p>
-            <a:r>
-              <a:rPr lang="en-GB" sz="900" b="1" dirty="0">
-                <a:latin typeface="Futura LtCn BT" panose="020B0408020204030204" pitchFamily="34" charset="0"/>
-              </a:rPr>
-              <a:t>Nestle | Vevey, CH | 2014 – 2017</a:t>
-            </a:r>
-          </a:p>
-          <a:p>
-            <a:pPr algn="just"/>
-            <a:r>
-              <a:rPr lang="en-US" sz="800" dirty="0">
-                <a:latin typeface="Futura (Light)" panose="020B7200000000000000" pitchFamily="34" charset="0"/>
-              </a:rPr>
-              <a:t>Technical lead, inspiring team implementing groundbreaking HANA-based analytics reporting solution. Empowered 3000 users with multi-level recipe search to answer questions of regulatory compliance, quantity &amp; procurement previously impossible. Learned I’m still hungry for technical challenges.</a:t>
-            </a:r>
-            <a:endParaRPr lang="en-GB" sz="800" dirty="0">
-              <a:latin typeface="Futura (Light)" panose="020B7200000000000000" pitchFamily="34" charset="0"/>
-            </a:endParaRPr>
-          </a:p>
-          <a:p>
-            <a:pPr marL="88900" indent="-88900" algn="just">
-              <a:buFont typeface="Wingdings" panose="05000000000000000000" pitchFamily="2" charset="2"/>
-              <a:buChar char="§"/>
-            </a:pPr>
-            <a:r>
-              <a:rPr lang="en-US" sz="800" dirty="0">
-                <a:latin typeface="Futura (Light)" panose="020B7200000000000000" pitchFamily="34" charset="0"/>
-              </a:rPr>
-              <a:t>Resolved SAP product shortcomings, developing tool for analytic privileges build &amp; assign, enabling project go-live.</a:t>
-            </a:r>
-          </a:p>
-          <a:p>
-            <a:pPr marL="88900" indent="-88900" algn="just">
-              <a:buFont typeface="Wingdings" panose="05000000000000000000" pitchFamily="2" charset="2"/>
-              <a:buChar char="§"/>
-            </a:pPr>
-            <a:r>
-              <a:rPr lang="en-US" sz="800" dirty="0">
-                <a:latin typeface="Futura (Light)" panose="020B7200000000000000" pitchFamily="34" charset="0"/>
-              </a:rPr>
-              <a:t>Quantified performance, developing tool measuring query times vs KPIs, supporting user experience/expectation mgmt.</a:t>
-            </a:r>
-          </a:p>
-          <a:p>
-            <a:pPr marL="88900" indent="-88900" algn="just">
-              <a:buFont typeface="Wingdings" panose="05000000000000000000" pitchFamily="2" charset="2"/>
-              <a:buChar char="§"/>
-            </a:pPr>
-            <a:r>
-              <a:rPr lang="en-US" sz="800" dirty="0">
-                <a:latin typeface="Futura (Light)" panose="020B7200000000000000" pitchFamily="34" charset="0"/>
-              </a:rPr>
-              <a:t>Acquired new skillsets to configure HANA workload management, HALM &amp; HRF, then shared with team.</a:t>
-            </a:r>
-          </a:p>
-          <a:p>
-            <a:pPr marL="88900" indent="-88900" algn="just">
-              <a:buFont typeface="Wingdings" panose="05000000000000000000" pitchFamily="2" charset="2"/>
-              <a:buChar char="§"/>
-            </a:pPr>
-            <a:r>
-              <a:rPr lang="en-US" sz="800" dirty="0">
-                <a:latin typeface="Futura (Light)" panose="020B7200000000000000" pitchFamily="34" charset="0"/>
-              </a:rPr>
-              <a:t>Formalized Nestle HANA dev best practices.</a:t>
-            </a:r>
-          </a:p>
-          <a:p>
-            <a:pPr marL="88900" indent="-88900" algn="just">
-              <a:buFont typeface="Wingdings" panose="05000000000000000000" pitchFamily="2" charset="2"/>
-              <a:buChar char="§"/>
-            </a:pPr>
-            <a:r>
-              <a:rPr lang="en-US" sz="800" dirty="0">
-                <a:latin typeface="Futura (Light)" panose="020B7200000000000000" pitchFamily="34" charset="0"/>
-              </a:rPr>
-              <a:t>Executed 5 HANA major upgrades &amp; migration of analytics sidecar to embedded NetWeaver/HANA dual stack.</a:t>
-            </a:r>
-            <a:endParaRPr lang="en-US" sz="300" dirty="0">
-              <a:latin typeface="Futura (Light)" panose="020B7200000000000000" pitchFamily="34" charset="0"/>
-            </a:endParaRPr>
-          </a:p>
-          <a:p>
-            <a:pPr marL="88900" indent="-88900" algn="just">
-              <a:buFont typeface="Wingdings" panose="05000000000000000000" pitchFamily="2" charset="2"/>
-              <a:buChar char="§"/>
-            </a:pPr>
-            <a:r>
-              <a:rPr lang="en-US" sz="800" dirty="0">
-                <a:latin typeface="Futura (Light)" panose="020B7200000000000000" pitchFamily="34" charset="0"/>
-              </a:rPr>
-              <a:t>Liaised daily with stakeholders, technical &amp; product teams.</a:t>
-            </a:r>
-          </a:p>
-          <a:p>
-            <a:endParaRPr lang="en-US" sz="500" b="1" dirty="0">
-              <a:latin typeface="Futura LtCn BT" panose="020B0408020204030204" pitchFamily="34" charset="0"/>
-            </a:endParaRPr>
-          </a:p>
-          <a:p>
-            <a:r>
-              <a:rPr lang="en-GB" sz="900" dirty="0">
-                <a:latin typeface="Futura LtCn BT" panose="020B0408020204030204" pitchFamily="34" charset="0"/>
-              </a:rPr>
-              <a:t>SAP HANA Technical Architect</a:t>
-            </a:r>
-            <a:endParaRPr lang="en-GB" sz="900" b="1" dirty="0">
-              <a:latin typeface="Futura LtCn BT" panose="020B0408020204030204" pitchFamily="34" charset="0"/>
-            </a:endParaRPr>
-          </a:p>
-          <a:p>
-            <a:r>
-              <a:rPr lang="en-GB" sz="900" b="1" dirty="0">
-                <a:latin typeface="Futura LtCn BT" panose="020B0408020204030204" pitchFamily="34" charset="0"/>
-              </a:rPr>
-              <a:t>Bluefin Solutions | London, UK | 2014</a:t>
-            </a:r>
-          </a:p>
-          <a:p>
-            <a:pPr algn="just"/>
-            <a:r>
-              <a:rPr lang="en-US" sz="800" dirty="0">
-                <a:latin typeface="Futura (Light)" panose="020B7200000000000000" pitchFamily="34" charset="0"/>
-              </a:rPr>
-              <a:t>Helped BAT </a:t>
-            </a:r>
-            <a:r>
-              <a:rPr lang="en-US" sz="800" dirty="0" err="1">
-                <a:latin typeface="Futura (Light)" panose="020B7200000000000000" pitchFamily="34" charset="0"/>
-              </a:rPr>
-              <a:t>realise</a:t>
-            </a:r>
-            <a:r>
-              <a:rPr lang="en-US" sz="800" dirty="0">
-                <a:latin typeface="Futura (Light)" panose="020B7200000000000000" pitchFamily="34" charset="0"/>
-              </a:rPr>
-              <a:t> Gartner’s Logical Data Warehouse concept by implementing HANA SDA for data federation of London &amp; Sydney databases. Learned trust won on transparency &amp; keeping delivery promises goes a long way.</a:t>
-            </a:r>
-          </a:p>
-          <a:p>
-            <a:pPr marL="88900" indent="-88900" algn="just">
-              <a:buFont typeface="Wingdings" panose="05000000000000000000" pitchFamily="2" charset="2"/>
-              <a:buChar char="§"/>
-            </a:pPr>
-            <a:r>
-              <a:rPr lang="en-US" sz="800" dirty="0">
-                <a:latin typeface="Futura (Light)" panose="020B7200000000000000" pitchFamily="34" charset="0"/>
-              </a:rPr>
-              <a:t>Developed new P&amp;L, achieving sub-second performance (legacy 2m10s), </a:t>
-            </a:r>
-            <a:r>
-              <a:rPr lang="en-GB" sz="800" dirty="0">
-                <a:latin typeface="Futura (Light)" panose="020B7200000000000000" pitchFamily="34" charset="0"/>
-              </a:rPr>
-              <a:t>SAP Fiori KPI dashboard with item drill-down.</a:t>
-            </a:r>
-          </a:p>
-          <a:p>
-            <a:endParaRPr lang="en-GB" sz="500" b="1" dirty="0">
-              <a:latin typeface="Futura LtCn BT" panose="020B0408020204030204" pitchFamily="34" charset="0"/>
-            </a:endParaRPr>
-          </a:p>
-          <a:p>
-            <a:r>
-              <a:rPr lang="en-GB" sz="900" dirty="0">
-                <a:latin typeface="Futura LtCn BT" panose="020B0408020204030204" pitchFamily="34" charset="0"/>
-              </a:rPr>
-              <a:t>SAP HANA Technical Architect</a:t>
-            </a:r>
-          </a:p>
-          <a:p>
-            <a:r>
-              <a:rPr lang="en-GB" sz="900" b="1" dirty="0">
-                <a:latin typeface="Futura LtCn BT" panose="020B0408020204030204" pitchFamily="34" charset="0"/>
-              </a:rPr>
-              <a:t>HANA Propulsion Laboratory| </a:t>
-            </a:r>
-            <a:r>
-              <a:rPr lang="en-GB" sz="900" b="1" dirty="0" err="1">
-                <a:latin typeface="Futura LtCn BT" panose="020B0408020204030204" pitchFamily="34" charset="0"/>
-              </a:rPr>
-              <a:t>Blonay</a:t>
-            </a:r>
-            <a:r>
-              <a:rPr lang="en-GB" sz="900" b="1" dirty="0">
-                <a:latin typeface="Futura LtCn BT" panose="020B0408020204030204" pitchFamily="34" charset="0"/>
-              </a:rPr>
-              <a:t>, CH | 2013</a:t>
-            </a:r>
-          </a:p>
-          <a:p>
-            <a:pPr algn="just"/>
-            <a:r>
-              <a:rPr lang="en-GB" sz="800" dirty="0">
-                <a:latin typeface="Futura (Light)" panose="020B7200000000000000" pitchFamily="34" charset="0"/>
-              </a:rPr>
-              <a:t>Learned HANA by engineering piloted vehicle, with real time telemetry to cloud-hosted dB for analytics &amp; vehicle control via openUI5 cockpit. Realised benefits of deep &amp; wide research.</a:t>
-            </a:r>
-          </a:p>
-          <a:p>
-            <a:pPr marL="90488" indent="-90488" algn="just">
-              <a:buFont typeface="Wingdings" panose="05000000000000000000" pitchFamily="2" charset="2"/>
-              <a:buChar char="§"/>
-            </a:pPr>
-            <a:r>
-              <a:rPr lang="en-GB" sz="800" dirty="0">
-                <a:latin typeface="Futura (Light)" panose="020B7200000000000000" pitchFamily="34" charset="0"/>
-              </a:rPr>
-              <a:t>Developed data mining for game analytics &amp; reward system tied to mission objectives &amp; pilot behaviour.</a:t>
-            </a:r>
-          </a:p>
-          <a:p>
-            <a:endParaRPr lang="en-GB" sz="500" dirty="0">
-              <a:latin typeface="Futura LtCn BT" panose="020B0408020204030204" pitchFamily="34" charset="0"/>
-              <a:cs typeface="Arial" panose="020B0604020202020204" pitchFamily="34" charset="0"/>
-            </a:endParaRPr>
-          </a:p>
-          <a:p>
-            <a:r>
-              <a:rPr lang="en-GB" sz="900" dirty="0">
-                <a:latin typeface="Futura LtCn BT" panose="020B0408020204030204" pitchFamily="34" charset="0"/>
-              </a:rPr>
-              <a:t>SAP Web Dynpro ABAP Consultant</a:t>
-            </a:r>
-          </a:p>
-          <a:p>
-            <a:r>
-              <a:rPr lang="en-GB" sz="900" b="1" dirty="0">
-                <a:latin typeface="Futura LtCn BT" panose="020B0408020204030204" pitchFamily="34" charset="0"/>
-              </a:rPr>
-              <a:t>Nestle| Vevey, CH | 2010 – 2013</a:t>
-            </a:r>
-          </a:p>
-          <a:p>
-            <a:pPr algn="just"/>
-            <a:r>
-              <a:rPr lang="en-GB" sz="800" dirty="0">
-                <a:latin typeface="Futura (Light)" panose="020B7200000000000000" pitchFamily="34" charset="0"/>
-              </a:rPr>
-              <a:t>Revitalized team, solving skillset deficit, &amp; guided complex dev, problem-solving &amp; upgrades. Learned greater self-belief &amp; improved interpersonal skills through learning from others.</a:t>
-            </a:r>
-          </a:p>
-          <a:p>
-            <a:pPr marL="90488" indent="-90488" algn="just">
-              <a:buFont typeface="Wingdings" panose="05000000000000000000" pitchFamily="2" charset="2"/>
-              <a:buChar char="§"/>
-            </a:pPr>
-            <a:r>
-              <a:rPr lang="en-GB" sz="800" dirty="0">
-                <a:latin typeface="Futura (Light)" panose="020B7200000000000000" pitchFamily="34" charset="0"/>
-              </a:rPr>
-              <a:t>Redesigned recipe change documents with new concept driven by simplicity, familiarity &amp; customisation.</a:t>
-            </a:r>
-          </a:p>
-          <a:p>
-            <a:pPr marL="90488" indent="-90488" algn="just">
-              <a:buFont typeface="Wingdings" panose="05000000000000000000" pitchFamily="2" charset="2"/>
-              <a:buChar char="§"/>
-            </a:pPr>
-            <a:r>
-              <a:rPr lang="en-GB" sz="800" dirty="0">
-                <a:latin typeface="Futura (Light)" panose="020B7200000000000000" pitchFamily="34" charset="0"/>
-              </a:rPr>
-              <a:t>Cultivated offshore dev capability with technical training.</a:t>
-            </a:r>
-          </a:p>
-          <a:p>
-            <a:endParaRPr lang="en-GB" sz="500" dirty="0">
-              <a:latin typeface="Futura LtCn BT" panose="020B0408020204030204" pitchFamily="34" charset="0"/>
-            </a:endParaRPr>
-          </a:p>
-          <a:p>
-            <a:r>
-              <a:rPr lang="en-GB" sz="900" dirty="0">
-                <a:latin typeface="Futura LtCn BT" panose="020B0408020204030204" pitchFamily="34" charset="0"/>
-              </a:rPr>
-              <a:t>SAP ABAP Consultant</a:t>
-            </a:r>
-          </a:p>
-          <a:p>
-            <a:r>
-              <a:rPr lang="en-GB" sz="900" b="1" dirty="0">
-                <a:latin typeface="Futura LtCn BT" panose="020B0408020204030204" pitchFamily="34" charset="0"/>
-              </a:rPr>
-              <a:t>Belgian Railways| Brussels, BB | 2008 – 2010</a:t>
-            </a:r>
-            <a:endParaRPr lang="en-GB" sz="900" dirty="0">
-              <a:latin typeface="Century Gothic" panose="020B0502020202020204" pitchFamily="34" charset="0"/>
-            </a:endParaRPr>
-          </a:p>
-          <a:p>
-            <a:pPr algn="just"/>
-            <a:r>
-              <a:rPr lang="en-GB" sz="800" dirty="0">
-                <a:latin typeface="Futura (Light)" panose="020B7200000000000000" pitchFamily="34" charset="0"/>
-              </a:rPr>
-              <a:t>Mobilized to successfully guide &amp; rescue a failing technical project integrating RF scanning into warehouse management shipment handling. Learned love of OO dev &amp; software in physical systems.</a:t>
-            </a:r>
-          </a:p>
-          <a:p>
-            <a:pPr marL="90488" indent="-90488" algn="just">
-              <a:buFont typeface="Wingdings" panose="05000000000000000000" pitchFamily="2" charset="2"/>
-              <a:buChar char="§"/>
-            </a:pPr>
-            <a:r>
-              <a:rPr lang="en-GB" sz="800" dirty="0">
-                <a:latin typeface="Futura (Light)" panose="020B7200000000000000" pitchFamily="34" charset="0"/>
-              </a:rPr>
-              <a:t>Individually responsible for complex bespoke development functionality within logistics execution. </a:t>
-            </a:r>
-          </a:p>
-          <a:p>
-            <a:pPr algn="just"/>
-            <a:endParaRPr lang="en-GB" sz="500" dirty="0">
-              <a:latin typeface="Futura LtCn BT" panose="020B0408020204030204" pitchFamily="34" charset="0"/>
-            </a:endParaRPr>
-          </a:p>
-          <a:p>
-            <a:r>
-              <a:rPr lang="en-GB" sz="900" dirty="0">
-                <a:latin typeface="Futura LtCn BT" panose="020B0408020204030204" pitchFamily="34" charset="0"/>
-              </a:rPr>
-              <a:t>Senior SAP ABAP Consultant</a:t>
-            </a:r>
-          </a:p>
-          <a:p>
-            <a:r>
-              <a:rPr lang="en-GB" sz="900" b="1" dirty="0">
-                <a:latin typeface="Futura LtCn BT" panose="020B0408020204030204" pitchFamily="34" charset="0"/>
-              </a:rPr>
-              <a:t>Cap Gemini| Middlesbrough, UK | 2000 – 2008</a:t>
-            </a:r>
-            <a:endParaRPr lang="en-GB" sz="900" dirty="0">
-              <a:latin typeface="Century Gothic" panose="020B0502020202020204" pitchFamily="34" charset="0"/>
-            </a:endParaRPr>
-          </a:p>
-          <a:p>
-            <a:pPr algn="just"/>
-            <a:r>
-              <a:rPr lang="en-GB" sz="800" dirty="0">
-                <a:latin typeface="Futura (Light)" panose="020B7200000000000000" pitchFamily="34" charset="0"/>
-              </a:rPr>
-              <a:t>Analysed customer systems from ABAP perspective to enable the smooth transitioning into SAP competency centre flagship nearshoring service. Demonstrated technical &amp; client-facing capability by delivering additional revenue earning on-site consultancy &amp; training. Learned rewards of coaching juniors.</a:t>
-            </a:r>
-          </a:p>
-          <a:p>
-            <a:pPr marL="90488" indent="-90488" algn="just">
-              <a:buFont typeface="Wingdings" panose="05000000000000000000" pitchFamily="2" charset="2"/>
-              <a:buChar char="§"/>
-            </a:pPr>
-            <a:r>
-              <a:rPr lang="en-GB" sz="800" dirty="0">
-                <a:latin typeface="Futura (Light)" panose="020B7200000000000000" pitchFamily="34" charset="0"/>
-              </a:rPr>
-              <a:t>Supervised 3 ABAP developer colleagues, managing work pipeline and continuous coaching. </a:t>
-            </a:r>
-          </a:p>
-          <a:p>
-            <a:pPr marL="90488" indent="-90488" algn="just">
-              <a:buFont typeface="Wingdings" panose="05000000000000000000" pitchFamily="2" charset="2"/>
-              <a:buChar char="§"/>
-            </a:pPr>
-            <a:r>
-              <a:rPr lang="en-GB" sz="800" dirty="0">
-                <a:latin typeface="Futura (Light)" panose="020B7200000000000000" pitchFamily="34" charset="0"/>
-              </a:rPr>
-              <a:t>Innovated systems integration monitoring dashboard.</a:t>
-            </a:r>
-          </a:p>
-        </p:txBody>
-      </p:sp>
-      <p:sp>
-        <p:nvSpPr>
-          <p:cNvPr id="81" name="TextBox 80"/>
-          <p:cNvSpPr txBox="1"/>
-          <p:nvPr/>
-        </p:nvSpPr>
-        <p:spPr>
-          <a:xfrm>
-            <a:off x="-1" y="1671646"/>
-            <a:ext cx="3304795" cy="246221"/>
-          </a:xfrm>
-          <a:prstGeom prst="rect">
-            <a:avLst/>
-          </a:prstGeom>
-          <a:solidFill>
-            <a:srgbClr val="BAC9E0"/>
-          </a:solidFill>
-          <a:effectLst>
-            <a:outerShdw blurRad="50800" dist="38100" dir="5400000" algn="t" rotWithShape="0">
-              <a:prstClr val="black">
-                <a:alpha val="40000"/>
-              </a:prstClr>
-            </a:outerShdw>
-          </a:effectLst>
-        </p:spPr>
-        <p:txBody>
-          <a:bodyPr wrap="square" lIns="72000" rtlCol="0">
-            <a:spAutoFit/>
-          </a:bodyPr>
-          <a:lstStyle/>
-          <a:p>
-            <a:r>
-              <a:rPr lang="en-GB" sz="1000" b="1" dirty="0">
-                <a:latin typeface="Futura LtCn BT" panose="020B0408020204030204" pitchFamily="34" charset="0"/>
-              </a:rPr>
-              <a:t>CAREER HIGHLIGHTS</a:t>
+              <a:t>SUMMARY</a:t>
             </a:r>
             <a:r>
               <a:rPr lang="en-GB" sz="1000" b="1" dirty="0">
@@ -4808,337 +4030,7 @@
                 </a:solidFill>
                 <a:latin typeface="Futura LtCn BT" panose="020B0408020204030204" pitchFamily="34" charset="0"/>
               </a:rPr>
-              <a:t> </a:t>
-            </a:r>
-          </a:p>
-        </p:txBody>
-      </p:sp>
-      <p:sp>
-        <p:nvSpPr>
-          <p:cNvPr id="86" name="TextBox 85"/>
-          <p:cNvSpPr txBox="1"/>
-          <p:nvPr/>
-        </p:nvSpPr>
-        <p:spPr>
-          <a:xfrm>
-            <a:off x="3305431" y="1671646"/>
-            <a:ext cx="2518649" cy="246221"/>
-          </a:xfrm>
-          <a:prstGeom prst="rect">
-            <a:avLst/>
-          </a:prstGeom>
-          <a:solidFill>
-            <a:srgbClr val="DAE3F1"/>
-          </a:solidFill>
-          <a:effectLst>
-            <a:outerShdw blurRad="50800" dist="38100" dir="5400000" algn="t" rotWithShape="0">
-              <a:prstClr val="black">
-                <a:alpha val="40000"/>
-              </a:prstClr>
-            </a:outerShdw>
-          </a:effectLst>
-        </p:spPr>
-        <p:txBody>
-          <a:bodyPr wrap="square" lIns="72000" rtlCol="0">
-            <a:spAutoFit/>
-          </a:bodyPr>
-          <a:lstStyle/>
-          <a:p>
-            <a:r>
-              <a:rPr lang="en-GB" sz="1000" b="1" dirty="0">
-                <a:latin typeface="Futura LtCn BT" panose="020B0408020204030204" pitchFamily="34" charset="0"/>
-              </a:rPr>
-              <a:t>EDUCATION</a:t>
-            </a:r>
-          </a:p>
-        </p:txBody>
-      </p:sp>
-      <p:sp>
-        <p:nvSpPr>
-          <p:cNvPr id="18" name="TextBox 17">
-            <a:extLst>
-              <a:ext uri="{FF2B5EF4-FFF2-40B4-BE49-F238E27FC236}">
-                <a16:creationId xmlns:a16="http://schemas.microsoft.com/office/drawing/2014/main" id="{ACC8DB70-2E37-4CB9-A23D-982DB6F34156}"/>
-              </a:ext>
-            </a:extLst>
-          </p:cNvPr>
-          <p:cNvSpPr txBox="1"/>
-          <p:nvPr/>
-        </p:nvSpPr>
-        <p:spPr>
-          <a:xfrm>
-            <a:off x="5826716" y="1919274"/>
-            <a:ext cx="1033656" cy="4658574"/>
-          </a:xfrm>
-          <a:prstGeom prst="rect">
-            <a:avLst/>
-          </a:prstGeom>
-          <a:solidFill>
-            <a:srgbClr val="E8EEF7"/>
-          </a:solidFill>
-          <a:ln>
-            <a:noFill/>
-          </a:ln>
-          <a:effectLst/>
-        </p:spPr>
-        <p:txBody>
-          <a:bodyPr wrap="square" tIns="72000" rtlCol="0">
-            <a:spAutoFit/>
-          </a:bodyPr>
-          <a:lstStyle/>
-          <a:p>
-            <a:r>
-              <a:rPr lang="en-GB" sz="1800" b="1" dirty="0">
-                <a:latin typeface="Futura LtCn BT" panose="020B0408020204030204" pitchFamily="34" charset="0"/>
-              </a:rPr>
-              <a:t>23</a:t>
-            </a:r>
-          </a:p>
-          <a:p>
-            <a:r>
-              <a:rPr lang="en-GB" sz="700" dirty="0">
-                <a:latin typeface="Futura (Light)" panose="020B7200000000000000" pitchFamily="34" charset="0"/>
-              </a:rPr>
-              <a:t>LinkedIn Recommendations</a:t>
-            </a:r>
-          </a:p>
-          <a:p>
-            <a:endParaRPr lang="en-GB" sz="500" b="1" dirty="0">
-              <a:latin typeface="Futura LtCn BT" panose="020B0408020204030204" pitchFamily="34" charset="0"/>
-            </a:endParaRPr>
-          </a:p>
-          <a:p>
-            <a:r>
-              <a:rPr lang="en-GB" sz="1800" b="1" dirty="0">
-                <a:latin typeface="Futura LtCn BT" panose="020B0408020204030204" pitchFamily="34" charset="0"/>
-              </a:rPr>
-              <a:t>25</a:t>
-            </a:r>
-          </a:p>
-          <a:p>
-            <a:r>
-              <a:rPr lang="en-GB" sz="700" dirty="0">
-                <a:latin typeface="Futura (Light)" panose="020B7200000000000000" pitchFamily="34" charset="0"/>
-              </a:rPr>
-              <a:t>Years software dev</a:t>
-            </a:r>
-          </a:p>
-          <a:p>
-            <a:endParaRPr lang="en-GB" sz="500" dirty="0">
-              <a:latin typeface="Futura (Light)" panose="020B7200000000000000" pitchFamily="34" charset="0"/>
-            </a:endParaRPr>
-          </a:p>
-          <a:p>
-            <a:r>
-              <a:rPr lang="en-GB" sz="1800" b="1" dirty="0">
-                <a:latin typeface="Futura LtCn BT" panose="020B0408020204030204" pitchFamily="34" charset="0"/>
-              </a:rPr>
-              <a:t>5</a:t>
-            </a:r>
-          </a:p>
-          <a:p>
-            <a:r>
-              <a:rPr lang="en-GB" sz="700" dirty="0">
-                <a:latin typeface="Futura (Light)" panose="020B7200000000000000" pitchFamily="34" charset="0"/>
-              </a:rPr>
-              <a:t>Years HANA dev</a:t>
-            </a:r>
-          </a:p>
-          <a:p>
-            <a:endParaRPr lang="en-GB" sz="500" b="1" dirty="0">
-              <a:latin typeface="Futura LtCn BT" panose="020B0408020204030204" pitchFamily="34" charset="0"/>
-            </a:endParaRPr>
-          </a:p>
-          <a:p>
-            <a:r>
-              <a:rPr lang="en-GB" sz="1800" b="1" dirty="0">
-                <a:latin typeface="Futura LtCn BT" panose="020B0408020204030204" pitchFamily="34" charset="0"/>
-              </a:rPr>
-              <a:t>36</a:t>
-            </a:r>
-          </a:p>
-          <a:p>
-            <a:r>
-              <a:rPr lang="en-GB" sz="700" dirty="0">
-                <a:latin typeface="Futura (Light)" panose="020B7200000000000000" pitchFamily="34" charset="0"/>
-              </a:rPr>
-              <a:t>Companies provided expertise</a:t>
-            </a:r>
-          </a:p>
-          <a:p>
-            <a:endParaRPr lang="en-GB" sz="500" b="1" dirty="0">
-              <a:latin typeface="Futura LtCn BT" panose="020B0408020204030204" pitchFamily="34" charset="0"/>
-            </a:endParaRPr>
-          </a:p>
-          <a:p>
-            <a:r>
-              <a:rPr lang="en-GB" sz="1800" b="1" dirty="0">
-                <a:latin typeface="Futura LtCn BT" panose="020B0408020204030204" pitchFamily="34" charset="0"/>
-              </a:rPr>
-              <a:t>35</a:t>
-            </a:r>
-          </a:p>
-          <a:p>
-            <a:r>
-              <a:rPr lang="en-GB" sz="700" dirty="0">
-                <a:latin typeface="Futura (Light)" panose="020B7200000000000000" pitchFamily="34" charset="0"/>
-              </a:rPr>
-              <a:t>GitHub Repos</a:t>
-            </a:r>
-          </a:p>
-          <a:p>
-            <a:endParaRPr lang="en-GB" sz="500" b="1" dirty="0">
-              <a:latin typeface="Futura LtCn BT" panose="020B0408020204030204" pitchFamily="34" charset="0"/>
-            </a:endParaRPr>
-          </a:p>
-          <a:p>
-            <a:r>
-              <a:rPr lang="en-GB" sz="1800" b="1" dirty="0">
-                <a:latin typeface="Futura LtCn BT" panose="020B0408020204030204" pitchFamily="34" charset="0"/>
-              </a:rPr>
-              <a:t>8</a:t>
-            </a:r>
-          </a:p>
-          <a:p>
-            <a:r>
-              <a:rPr lang="en-GB" sz="700" dirty="0">
-                <a:latin typeface="Futura (Light)" panose="020B7200000000000000" pitchFamily="34" charset="0"/>
-              </a:rPr>
-              <a:t>Masters modules graded distinction</a:t>
-            </a:r>
-          </a:p>
-          <a:p>
-            <a:endParaRPr lang="en-GB" sz="500" b="1" dirty="0">
-              <a:latin typeface="Futura LtCn BT" panose="020B0408020204030204" pitchFamily="34" charset="0"/>
-            </a:endParaRPr>
-          </a:p>
-          <a:p>
-            <a:r>
-              <a:rPr lang="en-GB" sz="1800" b="1" dirty="0">
-                <a:latin typeface="Futura LtCn BT" panose="020B0408020204030204" pitchFamily="34" charset="0"/>
-              </a:rPr>
-              <a:t>12</a:t>
-            </a:r>
-          </a:p>
-          <a:p>
-            <a:r>
-              <a:rPr lang="en-GB" sz="700" dirty="0">
-                <a:latin typeface="Futura (Light)" panose="020B7200000000000000" pitchFamily="34" charset="0"/>
-              </a:rPr>
-              <a:t>Times  consulting contract extended</a:t>
-            </a:r>
-          </a:p>
-          <a:p>
-            <a:endParaRPr lang="en-GB" sz="500" b="1" dirty="0">
-              <a:latin typeface="Futura LtCn BT" panose="020B0408020204030204" pitchFamily="34" charset="0"/>
-            </a:endParaRPr>
-          </a:p>
-          <a:p>
-            <a:r>
-              <a:rPr lang="en-GB" sz="1800" b="1" dirty="0">
-                <a:latin typeface="Futura LtCn BT" panose="020B0408020204030204" pitchFamily="34" charset="0"/>
-              </a:rPr>
-              <a:t>1</a:t>
-            </a:r>
-          </a:p>
-          <a:p>
-            <a:r>
-              <a:rPr lang="en-GB" sz="800" dirty="0">
-                <a:latin typeface="Futura (Light)" panose="020B7200000000000000" pitchFamily="34" charset="0"/>
-              </a:rPr>
-              <a:t>Individual delivering client centric excellence</a:t>
-            </a:r>
-          </a:p>
-        </p:txBody>
-      </p:sp>
-      <p:sp>
-        <p:nvSpPr>
-          <p:cNvPr id="19" name="TextBox 18">
-            <a:extLst>
-              <a:ext uri="{FF2B5EF4-FFF2-40B4-BE49-F238E27FC236}">
-                <a16:creationId xmlns:a16="http://schemas.microsoft.com/office/drawing/2014/main" id="{4EA0DC6C-1932-4035-B3A9-7DE5361F75BC}"/>
-              </a:ext>
-            </a:extLst>
-          </p:cNvPr>
-          <p:cNvSpPr txBox="1"/>
-          <p:nvPr/>
-        </p:nvSpPr>
-        <p:spPr>
-          <a:xfrm>
-            <a:off x="5824335" y="6359897"/>
-            <a:ext cx="1033665" cy="246221"/>
-          </a:xfrm>
-          <a:prstGeom prst="rect">
-            <a:avLst/>
-          </a:prstGeom>
-          <a:solidFill>
-            <a:srgbClr val="E8EEF7"/>
-          </a:solidFill>
-          <a:effectLst>
-            <a:outerShdw blurRad="50800" dist="38100" dir="5400000" algn="t" rotWithShape="0">
-              <a:prstClr val="black">
-                <a:alpha val="40000"/>
-              </a:prstClr>
-            </a:outerShdw>
-          </a:effectLst>
-        </p:spPr>
-        <p:txBody>
-          <a:bodyPr wrap="square" lIns="72000" rtlCol="0">
-            <a:spAutoFit/>
-          </a:bodyPr>
-          <a:lstStyle/>
-          <a:p>
-            <a:r>
-              <a:rPr lang="en-GB" sz="1000" b="1" dirty="0">
-                <a:latin typeface="Futura LtCn BT" panose="020B0408020204030204" pitchFamily="34" charset="0"/>
-              </a:rPr>
-              <a:t>TOOLS</a:t>
-            </a:r>
-          </a:p>
-        </p:txBody>
-      </p:sp>
-      <p:sp>
-        <p:nvSpPr>
-          <p:cNvPr id="17" name="TextBox 16">
-            <a:extLst>
-              <a:ext uri="{FF2B5EF4-FFF2-40B4-BE49-F238E27FC236}">
-                <a16:creationId xmlns:a16="http://schemas.microsoft.com/office/drawing/2014/main" id="{A548CB67-3D5D-42D7-A56B-CD53195CB380}"/>
-              </a:ext>
-            </a:extLst>
-          </p:cNvPr>
-          <p:cNvSpPr txBox="1"/>
-          <p:nvPr/>
-        </p:nvSpPr>
-        <p:spPr>
-          <a:xfrm>
-            <a:off x="5827321" y="1670849"/>
-            <a:ext cx="1036938" cy="246221"/>
-          </a:xfrm>
-          <a:prstGeom prst="rect">
-            <a:avLst/>
-          </a:prstGeom>
-          <a:solidFill>
-            <a:srgbClr val="E8EEF7"/>
-          </a:solidFill>
-          <a:effectLst>
-            <a:outerShdw blurRad="50800" dist="38100" dir="5400000" algn="t" rotWithShape="0">
-              <a:prstClr val="black">
-                <a:alpha val="40000"/>
-              </a:prstClr>
-            </a:outerShdw>
-          </a:effectLst>
-        </p:spPr>
-        <p:txBody>
-          <a:bodyPr wrap="square" lIns="72000" rtlCol="0">
-            <a:spAutoFit/>
-          </a:bodyPr>
-          <a:lstStyle/>
-          <a:p>
-            <a:r>
-              <a:rPr lang="en-GB" sz="1000" b="1" dirty="0">
-                <a:latin typeface="Futura LtCn BT" panose="020B0408020204030204" pitchFamily="34" charset="0"/>
-              </a:rPr>
-              <a:t>STATS</a:t>
+              <a:t>  </a:t>
             </a:r>
           </a:p>
         </p:txBody>
@@ -5157,7 +4049,7 @@
         </p:nvGrpSpPr>
         <p:grpSpPr>
           <a:xfrm>
-            <a:off x="-219" y="1426492"/>
+            <a:off x="-219" y="1247885"/>
             <a:ext cx="6858656" cy="246221"/>
             <a:chOff x="-219" y="1509042"/>
             <a:chExt cx="6858656" cy="246221"/>
@@ -5457,10 +4349,2183 @@
           </p:spPr>
         </p:pic>
       </p:grpSp>
+      <p:sp>
+        <p:nvSpPr>
+          <p:cNvPr id="5" name="TextBox 4">
+            <a:extLst>
+              <a:ext uri="{FF2B5EF4-FFF2-40B4-BE49-F238E27FC236}">
+                <a16:creationId xmlns:a16="http://schemas.microsoft.com/office/drawing/2014/main" id="{3B99EBE2-EA6F-473A-B241-60360BFB2973}"/>
+              </a:ext>
+            </a:extLst>
+          </p:cNvPr>
+          <p:cNvSpPr txBox="1"/>
+          <p:nvPr/>
+        </p:nvSpPr>
+        <p:spPr>
+          <a:xfrm>
+            <a:off x="-838" y="3496427"/>
+            <a:ext cx="6857162" cy="6740307"/>
+          </a:xfrm>
+          <a:prstGeom prst="rect">
+            <a:avLst/>
+          </a:prstGeom>
+          <a:solidFill>
+            <a:srgbClr val="E8EEF7"/>
+          </a:solidFill>
+        </p:spPr>
+        <p:txBody>
+          <a:bodyPr wrap="square" rtlCol="0">
+            <a:spAutoFit/>
+          </a:bodyPr>
+          <a:lstStyle/>
+          <a:p>
+            <a:r>
+              <a:rPr lang="en-GB" sz="1000" b="1" dirty="0">
+                <a:latin typeface="Futura LtCn BT" panose="020B0408020204030204" pitchFamily="34" charset="0"/>
+              </a:rPr>
+              <a:t>Advanced Analytics Specialist</a:t>
+            </a:r>
+          </a:p>
+          <a:p>
+            <a:r>
+              <a:rPr lang="en-GB" sz="1000" dirty="0">
+                <a:latin typeface="Futura LtCn BT" panose="020B0408020204030204" pitchFamily="34" charset="0"/>
+              </a:rPr>
+              <a:t>AC Immune | Lausanne, CH | 2020 – 2021</a:t>
+            </a:r>
+          </a:p>
+          <a:p>
+            <a:pPr algn="just"/>
+            <a:r>
+              <a:rPr lang="en-US" sz="800" dirty="0">
+                <a:latin typeface="Futura (Light)" panose="020B7200000000000000" pitchFamily="34" charset="0"/>
+              </a:rPr>
+              <a:t>Driving scientific &amp; business impact on a </a:t>
+            </a:r>
+            <a:r>
+              <a:rPr lang="en-GB" sz="800" dirty="0">
+                <a:latin typeface="Futura (Light)" panose="020B7200000000000000" pitchFamily="34" charset="0"/>
+              </a:rPr>
+              <a:t>6-month contract, leading ACI’s first exploration of cloud-hosted data management, machine &amp; deep learning technologies to advance their data-driven agenda. Learned value of human-in-the-loop evaluation of A.I. solutions.</a:t>
+            </a:r>
+          </a:p>
+          <a:p>
+            <a:pPr algn="just"/>
+            <a:endParaRPr lang="en-GB" sz="400" dirty="0">
+              <a:latin typeface="Futura (Light)" panose="020B7200000000000000" pitchFamily="34" charset="0"/>
+            </a:endParaRPr>
+          </a:p>
+          <a:p>
+            <a:pPr marL="171450" indent="-171450" algn="just">
+              <a:buFont typeface="Wingdings" panose="05000000000000000000" pitchFamily="2" charset="2"/>
+              <a:buChar char="§"/>
+            </a:pPr>
+            <a:r>
+              <a:rPr lang="en-US" sz="800" b="1" dirty="0">
+                <a:latin typeface="Futura (Light)" panose="020B7200000000000000" pitchFamily="34" charset="0"/>
+              </a:rPr>
+              <a:t>Automated tracking &amp; visualization of the highly dynamic COVID-19 vaccine landscape </a:t>
+            </a:r>
+            <a:r>
+              <a:rPr lang="en-US" sz="800" dirty="0">
+                <a:latin typeface="Futura (Light)" panose="020B7200000000000000" pitchFamily="34" charset="0"/>
+              </a:rPr>
+              <a:t>for informed decision making. Clinical trial knowledge aggregation from multiple sources using Airflow &amp; Azure ML platform pipelines, with persistence into an Azure </a:t>
+            </a:r>
+            <a:r>
+              <a:rPr lang="en-US" sz="800" dirty="0" err="1">
+                <a:latin typeface="Futura (Light)" panose="020B7200000000000000" pitchFamily="34" charset="0"/>
+              </a:rPr>
+              <a:t>PostegreSQL</a:t>
+            </a:r>
+            <a:r>
+              <a:rPr lang="en-US" sz="800" dirty="0">
+                <a:latin typeface="Futura (Light)" panose="020B7200000000000000" pitchFamily="34" charset="0"/>
+              </a:rPr>
+              <a:t> database for dashboarding &amp; reporting with Power BI &amp; </a:t>
+            </a:r>
+            <a:r>
+              <a:rPr lang="en-US" sz="800" dirty="0" err="1">
+                <a:latin typeface="Futura (Light)" panose="020B7200000000000000" pitchFamily="34" charset="0"/>
+              </a:rPr>
+              <a:t>Streamlit</a:t>
+            </a:r>
+            <a:r>
+              <a:rPr lang="en-US" sz="800" dirty="0">
+                <a:latin typeface="Futura (Light)" panose="020B7200000000000000" pitchFamily="34" charset="0"/>
+              </a:rPr>
+              <a:t>.</a:t>
+            </a:r>
+          </a:p>
+          <a:p>
+            <a:pPr algn="just"/>
+            <a:endParaRPr lang="en-US" sz="400" dirty="0">
+              <a:latin typeface="Futura (Light)" panose="020B7200000000000000" pitchFamily="34" charset="0"/>
+            </a:endParaRPr>
+          </a:p>
+          <a:p>
+            <a:pPr marL="171450" indent="-171450" algn="just">
+              <a:buFont typeface="Wingdings" panose="05000000000000000000" pitchFamily="2" charset="2"/>
+              <a:buChar char="§"/>
+            </a:pPr>
+            <a:r>
+              <a:rPr lang="en-GB" sz="800" b="1" dirty="0">
+                <a:latin typeface="Futura (Light)" panose="020B7200000000000000" pitchFamily="34" charset="0"/>
+              </a:rPr>
+              <a:t>Prototyped knowledge base supporting time-pressured researchers with more effective information retrieval </a:t>
+            </a:r>
+            <a:r>
+              <a:rPr lang="en-GB" sz="800" dirty="0">
+                <a:latin typeface="Futura (Light)" panose="020B7200000000000000" pitchFamily="34" charset="0"/>
+              </a:rPr>
+              <a:t>using large academic literature collection (400K coronavirus papers). Airflow &amp; Azure ML pipelines automate corpus ingestion &amp; cleansing. Heuristics &amp; topic modelling for metadata extraction &amp; document clustering. </a:t>
+            </a:r>
+            <a:r>
+              <a:rPr lang="en-GB" sz="800" dirty="0" err="1">
+                <a:latin typeface="Futura (Light)" panose="020B7200000000000000" pitchFamily="34" charset="0"/>
+              </a:rPr>
+              <a:t>ElasticSearch</a:t>
+            </a:r>
+            <a:r>
+              <a:rPr lang="en-GB" sz="800" dirty="0">
+                <a:latin typeface="Futura (Light)" panose="020B7200000000000000" pitchFamily="34" charset="0"/>
+              </a:rPr>
+              <a:t> for 4.7M paragraph repository. Fine-tuned BERT-based neural network search strategies calibrated to COVID-19 for more relevant results. </a:t>
+            </a:r>
+            <a:r>
+              <a:rPr lang="en-GB" sz="800" dirty="0" err="1">
+                <a:latin typeface="Futura (Light)" panose="020B7200000000000000" pitchFamily="34" charset="0"/>
+              </a:rPr>
+              <a:t>Streamlit</a:t>
+            </a:r>
+            <a:r>
+              <a:rPr lang="en-GB" sz="800" dirty="0">
+                <a:latin typeface="Futura (Light)" panose="020B7200000000000000" pitchFamily="34" charset="0"/>
+              </a:rPr>
+              <a:t> with Python for web front-end.</a:t>
+            </a:r>
+            <a:endParaRPr lang="en-US" sz="800" dirty="0">
+              <a:latin typeface="Futura (Light)" panose="020B7200000000000000" pitchFamily="34" charset="0"/>
+            </a:endParaRPr>
+          </a:p>
+          <a:p>
+            <a:pPr algn="just"/>
+            <a:endParaRPr lang="en-US" sz="400" dirty="0">
+              <a:latin typeface="Futura (Light)" panose="020B7200000000000000" pitchFamily="34" charset="0"/>
+            </a:endParaRPr>
+          </a:p>
+          <a:p>
+            <a:pPr marL="171450" indent="-171450" algn="just">
+              <a:buFont typeface="Wingdings" panose="05000000000000000000" pitchFamily="2" charset="2"/>
+              <a:buChar char="§"/>
+            </a:pPr>
+            <a:r>
+              <a:rPr lang="en-US" sz="800" b="1" dirty="0">
+                <a:latin typeface="Futura (Light)" panose="020B7200000000000000" pitchFamily="34" charset="0"/>
+              </a:rPr>
+              <a:t>Proven ability to engage with different stakeholders, </a:t>
+            </a:r>
+            <a:r>
+              <a:rPr lang="en-US" sz="800" dirty="0">
+                <a:latin typeface="Futura (Light)" panose="020B7200000000000000" pitchFamily="34" charset="0"/>
+              </a:rPr>
+              <a:t>working with biomedical researchers to understand their workflow, &amp;  presentations “</a:t>
+            </a:r>
+            <a:r>
+              <a:rPr lang="en-US" sz="800" i="1" dirty="0">
+                <a:latin typeface="Futura (Light)" panose="020B7200000000000000" pitchFamily="34" charset="0"/>
+              </a:rPr>
+              <a:t>An introduction to NLP for biomedical research</a:t>
+            </a:r>
+            <a:r>
+              <a:rPr lang="en-US" sz="800" dirty="0">
+                <a:latin typeface="Futura (Light)" panose="020B7200000000000000" pitchFamily="34" charset="0"/>
+              </a:rPr>
+              <a:t>” to the scientific community &amp; solutions to the CSO &amp; CEO.</a:t>
+            </a:r>
+          </a:p>
+          <a:p>
+            <a:endParaRPr lang="en-GB" sz="800" dirty="0">
+              <a:latin typeface="Futura LtCn BT" panose="020B0408020204030204" pitchFamily="34" charset="0"/>
+            </a:endParaRPr>
+          </a:p>
+          <a:p>
+            <a:r>
+              <a:rPr lang="en-GB" sz="1000" b="1" dirty="0">
+                <a:latin typeface="Futura LtCn BT" panose="020B0408020204030204" pitchFamily="34" charset="0"/>
+              </a:rPr>
+              <a:t>SAP HANA Technical Architect </a:t>
+            </a:r>
+          </a:p>
+          <a:p>
+            <a:r>
+              <a:rPr lang="en-GB" sz="1000" dirty="0">
+                <a:latin typeface="Futura LtCn BT" panose="020B0408020204030204" pitchFamily="34" charset="0"/>
+              </a:rPr>
+              <a:t>Nestle | Vevey, CH | 2014 – 2017</a:t>
+            </a:r>
+          </a:p>
+          <a:p>
+            <a:pPr algn="just"/>
+            <a:r>
+              <a:rPr lang="en-US" sz="800" dirty="0">
+                <a:latin typeface="Futura (Light)" panose="020B7200000000000000" pitchFamily="34" charset="0"/>
+              </a:rPr>
+              <a:t>Technical lead, inspiring team implementing groundbreaking analytics solution. Empowered 3000 users with recipe search to answer regulatory compliance, quantity &amp; procurement questions previously impossible. Learned I’m still hungry for technical challenges.</a:t>
+            </a:r>
+          </a:p>
+          <a:p>
+            <a:pPr algn="just"/>
+            <a:endParaRPr lang="en-GB" sz="400" dirty="0">
+              <a:latin typeface="Futura (Light)" panose="020B7200000000000000" pitchFamily="34" charset="0"/>
+            </a:endParaRPr>
+          </a:p>
+          <a:p>
+            <a:pPr marL="171450" indent="-171450" algn="just">
+              <a:buFont typeface="Wingdings" panose="05000000000000000000" pitchFamily="2" charset="2"/>
+              <a:buChar char="§"/>
+            </a:pPr>
+            <a:r>
+              <a:rPr lang="en-US" sz="800" b="1" dirty="0">
+                <a:latin typeface="Futura (Light)" panose="020B7200000000000000" pitchFamily="34" charset="0"/>
+              </a:rPr>
+              <a:t>Resolved SAP product shortcomings</a:t>
+            </a:r>
+            <a:r>
+              <a:rPr lang="en-US" sz="800" dirty="0">
+                <a:latin typeface="Futura (Light)" panose="020B7200000000000000" pitchFamily="34" charset="0"/>
+              </a:rPr>
+              <a:t>, developing tool for analytic privileges build &amp; assign, enabling project go-live.</a:t>
+            </a:r>
+          </a:p>
+          <a:p>
+            <a:pPr algn="just"/>
+            <a:endParaRPr lang="en-US" sz="400" dirty="0">
+              <a:latin typeface="Futura (Light)" panose="020B7200000000000000" pitchFamily="34" charset="0"/>
+            </a:endParaRPr>
+          </a:p>
+          <a:p>
+            <a:pPr marL="171450" indent="-171450" algn="just">
+              <a:buFont typeface="Wingdings" panose="05000000000000000000" pitchFamily="2" charset="2"/>
+              <a:buChar char="§"/>
+            </a:pPr>
+            <a:r>
+              <a:rPr lang="en-US" sz="800" b="1" dirty="0">
+                <a:latin typeface="Futura (Light)" panose="020B7200000000000000" pitchFamily="34" charset="0"/>
+              </a:rPr>
+              <a:t>Quantified performance</a:t>
+            </a:r>
+            <a:r>
+              <a:rPr lang="en-US" sz="800" dirty="0">
+                <a:latin typeface="Futura (Light)" panose="020B7200000000000000" pitchFamily="34" charset="0"/>
+              </a:rPr>
+              <a:t>, developing tool measuring query times vs KPIs for user experience/expectation mgmt.</a:t>
+            </a:r>
+          </a:p>
+          <a:p>
+            <a:pPr algn="just"/>
+            <a:endParaRPr lang="en-US" sz="400" dirty="0">
+              <a:latin typeface="Futura (Light)" panose="020B7200000000000000" pitchFamily="34" charset="0"/>
+            </a:endParaRPr>
+          </a:p>
+          <a:p>
+            <a:pPr marL="171450" indent="-171450" algn="just">
+              <a:buFont typeface="Wingdings" panose="05000000000000000000" pitchFamily="2" charset="2"/>
+              <a:buChar char="§"/>
+            </a:pPr>
+            <a:r>
+              <a:rPr lang="en-US" sz="800" b="1" dirty="0">
+                <a:latin typeface="Futura (Light)" panose="020B7200000000000000" pitchFamily="34" charset="0"/>
+              </a:rPr>
+              <a:t>Acquired new skillsets </a:t>
+            </a:r>
+            <a:r>
+              <a:rPr lang="en-US" sz="800" dirty="0">
+                <a:latin typeface="Futura (Light)" panose="020B7200000000000000" pitchFamily="34" charset="0"/>
+              </a:rPr>
+              <a:t>to configure HANA workload management, HALM &amp; HRF, then shared with team.</a:t>
+            </a:r>
+          </a:p>
+          <a:p>
+            <a:pPr marL="88900" indent="-88900" algn="just">
+              <a:buFont typeface="Wingdings" panose="05000000000000000000" pitchFamily="2" charset="2"/>
+              <a:buChar char="§"/>
+            </a:pPr>
+            <a:endParaRPr lang="en-US" sz="400" dirty="0">
+              <a:latin typeface="Futura (Light)" panose="020B7200000000000000" pitchFamily="34" charset="0"/>
+            </a:endParaRPr>
+          </a:p>
+          <a:p>
+            <a:pPr marL="171450" indent="-171450" algn="just">
+              <a:buFont typeface="Wingdings" panose="05000000000000000000" pitchFamily="2" charset="2"/>
+              <a:buChar char="§"/>
+            </a:pPr>
+            <a:r>
+              <a:rPr lang="en-US" sz="800" b="1" dirty="0">
+                <a:latin typeface="Futura (Light)" panose="020B7200000000000000" pitchFamily="34" charset="0"/>
+              </a:rPr>
+              <a:t>Formalized SAP HANA development best practices </a:t>
+            </a:r>
+            <a:r>
+              <a:rPr lang="en-US" sz="800" dirty="0">
+                <a:latin typeface="Futura (Light)" panose="020B7200000000000000" pitchFamily="34" charset="0"/>
+              </a:rPr>
+              <a:t>for Nestle application development group.</a:t>
+            </a:r>
+          </a:p>
+          <a:p>
+            <a:pPr marL="88900" indent="-88900" algn="just">
+              <a:buFont typeface="Wingdings" panose="05000000000000000000" pitchFamily="2" charset="2"/>
+              <a:buChar char="§"/>
+            </a:pPr>
+            <a:endParaRPr lang="en-US" sz="400" dirty="0">
+              <a:latin typeface="Futura (Light)" panose="020B7200000000000000" pitchFamily="34" charset="0"/>
+            </a:endParaRPr>
+          </a:p>
+          <a:p>
+            <a:pPr marL="171450" indent="-171450" algn="just">
+              <a:buFont typeface="Wingdings" panose="05000000000000000000" pitchFamily="2" charset="2"/>
+              <a:buChar char="§"/>
+            </a:pPr>
+            <a:r>
+              <a:rPr lang="en-US" sz="800" b="1" dirty="0">
+                <a:latin typeface="Futura (Light)" panose="020B7200000000000000" pitchFamily="34" charset="0"/>
+              </a:rPr>
+              <a:t>Executed 5 HANA major upgrades </a:t>
+            </a:r>
+            <a:r>
+              <a:rPr lang="en-US" sz="800" dirty="0">
+                <a:latin typeface="Futura (Light)" panose="020B7200000000000000" pitchFamily="34" charset="0"/>
+              </a:rPr>
+              <a:t>&amp; migration of analytics sidecar to embedded NetWeaver/HANA dual stack.</a:t>
+            </a:r>
+            <a:endParaRPr lang="en-US" sz="400" dirty="0">
+              <a:latin typeface="Futura (Light)" panose="020B7200000000000000" pitchFamily="34" charset="0"/>
+            </a:endParaRPr>
+          </a:p>
+          <a:p>
+            <a:endParaRPr lang="en-GB" sz="800" dirty="0">
+              <a:latin typeface="Futura LtCn BT" panose="020B0408020204030204"/>
+            </a:endParaRPr>
+          </a:p>
+          <a:p>
+            <a:r>
+              <a:rPr lang="en-GB" sz="1000" b="1" dirty="0">
+                <a:latin typeface="Futura LtCn BT" panose="020B0408020204030204" pitchFamily="34" charset="0"/>
+              </a:rPr>
+              <a:t>SAP HANA Technical Architect</a:t>
+            </a:r>
+          </a:p>
+          <a:p>
+            <a:r>
+              <a:rPr lang="en-GB" sz="1000" dirty="0">
+                <a:latin typeface="Futura LtCn BT" panose="020B0408020204030204" pitchFamily="34" charset="0"/>
+              </a:rPr>
+              <a:t>Bluefin Solutions | London, UK | 2014</a:t>
+            </a:r>
+          </a:p>
+          <a:p>
+            <a:pPr algn="just"/>
+            <a:r>
+              <a:rPr lang="en-US" sz="800" dirty="0">
+                <a:latin typeface="Futura (Light)" panose="020B7200000000000000" pitchFamily="34" charset="0"/>
+              </a:rPr>
+              <a:t>Helped BAT </a:t>
+            </a:r>
+            <a:r>
+              <a:rPr lang="en-US" sz="800" dirty="0" err="1">
+                <a:latin typeface="Futura (Light)" panose="020B7200000000000000" pitchFamily="34" charset="0"/>
+              </a:rPr>
+              <a:t>realise</a:t>
+            </a:r>
+            <a:r>
+              <a:rPr lang="en-US" sz="800" dirty="0">
+                <a:latin typeface="Futura (Light)" panose="020B7200000000000000" pitchFamily="34" charset="0"/>
+              </a:rPr>
+              <a:t> Gartner’s Logical Data Warehouse concept by implementing HANA SDA for data federation of London &amp; Sydney databases. Learned trust won on transparency &amp; keeping delivery promises goes a long way.</a:t>
+            </a:r>
+          </a:p>
+          <a:p>
+            <a:pPr algn="just"/>
+            <a:endParaRPr lang="en-US" sz="400" dirty="0">
+              <a:latin typeface="Futura (Light)" panose="020B7200000000000000" pitchFamily="34" charset="0"/>
+            </a:endParaRPr>
+          </a:p>
+          <a:p>
+            <a:pPr marL="88900" indent="-88900" algn="just">
+              <a:buFont typeface="Wingdings" panose="05000000000000000000" pitchFamily="2" charset="2"/>
+              <a:buChar char="§"/>
+            </a:pPr>
+            <a:r>
+              <a:rPr lang="en-US" sz="800" b="1" dirty="0">
+                <a:latin typeface="Futura (Light)" panose="020B7200000000000000" pitchFamily="34" charset="0"/>
+              </a:rPr>
+              <a:t>Developed new P&amp;L</a:t>
+            </a:r>
+            <a:r>
+              <a:rPr lang="en-US" sz="800" dirty="0">
+                <a:latin typeface="Futura (Light)" panose="020B7200000000000000" pitchFamily="34" charset="0"/>
+              </a:rPr>
+              <a:t>, achieving sub-second performance (legacy 2m10s), </a:t>
+            </a:r>
+            <a:r>
+              <a:rPr lang="en-GB" sz="800" dirty="0">
+                <a:latin typeface="Futura (Light)" panose="020B7200000000000000" pitchFamily="34" charset="0"/>
+              </a:rPr>
+              <a:t>SAP Fiori KPI dashboard with item drill-down.</a:t>
+            </a:r>
+          </a:p>
+          <a:p>
+            <a:endParaRPr lang="en-GB" sz="800" dirty="0"/>
+          </a:p>
+          <a:p>
+            <a:r>
+              <a:rPr lang="en-GB" sz="1000" b="1" dirty="0">
+                <a:latin typeface="Futura LtCn BT" panose="020B0408020204030204" pitchFamily="34" charset="0"/>
+              </a:rPr>
+              <a:t>SAP HANA Technical Architect</a:t>
+            </a:r>
+          </a:p>
+          <a:p>
+            <a:r>
+              <a:rPr lang="en-GB" sz="1000" dirty="0">
+                <a:latin typeface="Futura LtCn BT" panose="020B0408020204030204" pitchFamily="34" charset="0"/>
+              </a:rPr>
+              <a:t>HANA Propulsion Laboratory| </a:t>
+            </a:r>
+            <a:r>
+              <a:rPr lang="en-GB" sz="1000" dirty="0" err="1">
+                <a:latin typeface="Futura LtCn BT" panose="020B0408020204030204" pitchFamily="34" charset="0"/>
+              </a:rPr>
+              <a:t>Blonay</a:t>
+            </a:r>
+            <a:r>
+              <a:rPr lang="en-GB" sz="1000" dirty="0">
+                <a:latin typeface="Futura LtCn BT" panose="020B0408020204030204" pitchFamily="34" charset="0"/>
+              </a:rPr>
+              <a:t>, CH | 2013</a:t>
+            </a:r>
+          </a:p>
+          <a:p>
+            <a:pPr algn="just"/>
+            <a:r>
+              <a:rPr lang="en-GB" sz="800" dirty="0">
+                <a:latin typeface="Futura (Light)" panose="020B7200000000000000" pitchFamily="34" charset="0"/>
+              </a:rPr>
+              <a:t>Learned HANA by engineering piloted vehicle, with real time telemetry to cloud-hosted dB for analytics &amp; vehicle control via openUI5 cockpit. Realised benefits of deep &amp; wide research.</a:t>
+            </a:r>
+          </a:p>
+          <a:p>
+            <a:pPr algn="just"/>
+            <a:endParaRPr lang="en-GB" sz="400" dirty="0">
+              <a:latin typeface="Futura (Light)" panose="020B7200000000000000" pitchFamily="34" charset="0"/>
+            </a:endParaRPr>
+          </a:p>
+          <a:p>
+            <a:pPr marL="90488" indent="-90488" algn="just">
+              <a:buFont typeface="Wingdings" panose="05000000000000000000" pitchFamily="2" charset="2"/>
+              <a:buChar char="§"/>
+            </a:pPr>
+            <a:r>
+              <a:rPr lang="en-GB" sz="800" b="1" dirty="0">
+                <a:latin typeface="Futura (Light)" panose="020B7200000000000000" pitchFamily="34" charset="0"/>
+              </a:rPr>
+              <a:t>Developed data mining for game analytics &amp; reward system </a:t>
+            </a:r>
+            <a:r>
+              <a:rPr lang="en-GB" sz="800" dirty="0">
+                <a:latin typeface="Futura (Light)" panose="020B7200000000000000" pitchFamily="34" charset="0"/>
+              </a:rPr>
+              <a:t>tied to mission objectives &amp; pilot behaviour.</a:t>
+            </a:r>
+          </a:p>
+          <a:p>
+            <a:pPr algn="just"/>
+            <a:endParaRPr lang="en-GB" sz="800" dirty="0">
+              <a:latin typeface="Futura (Light)" panose="020B7200000000000000" pitchFamily="34" charset="0"/>
+            </a:endParaRPr>
+          </a:p>
+          <a:p>
+            <a:pPr algn="just"/>
+            <a:r>
+              <a:rPr lang="en-GB" sz="1000" b="1" dirty="0">
+                <a:latin typeface="Futura LtCn BT" panose="020B0408020204030204" pitchFamily="34" charset="0"/>
+              </a:rPr>
+              <a:t>SAP Web Dynpro ABAP Consultant</a:t>
+            </a:r>
+          </a:p>
+          <a:p>
+            <a:r>
+              <a:rPr lang="en-GB" sz="1000" b="1" dirty="0">
+                <a:latin typeface="Futura LtCn BT" panose="020B0408020204030204" pitchFamily="34" charset="0"/>
+              </a:rPr>
+              <a:t>Nestle| Vevey, CH | 2010 – 2013</a:t>
+            </a:r>
+          </a:p>
+          <a:p>
+            <a:pPr algn="just"/>
+            <a:r>
+              <a:rPr lang="en-GB" sz="800" dirty="0">
+                <a:latin typeface="Futura (Light)" panose="020B7200000000000000" pitchFamily="34" charset="0"/>
+              </a:rPr>
+              <a:t>Revitalized team, solving skillset deficit, &amp; guided complex dev, problem-solving &amp; upgrades. Learned greater self-belief &amp; improved interpersonal skills through learning from others.</a:t>
+            </a:r>
+          </a:p>
+          <a:p>
+            <a:pPr algn="just"/>
+            <a:endParaRPr lang="en-GB" sz="400" dirty="0">
+              <a:latin typeface="Futura (Light)" panose="020B7200000000000000" pitchFamily="34" charset="0"/>
+            </a:endParaRPr>
+          </a:p>
+          <a:p>
+            <a:pPr marL="90488" indent="-90488" algn="just">
+              <a:buFont typeface="Wingdings" panose="05000000000000000000" pitchFamily="2" charset="2"/>
+              <a:buChar char="§"/>
+            </a:pPr>
+            <a:r>
+              <a:rPr lang="en-GB" sz="800" b="1" dirty="0">
+                <a:latin typeface="Futura (Light)" panose="020B7200000000000000" pitchFamily="34" charset="0"/>
+              </a:rPr>
+              <a:t>Redesigned recipe change documents </a:t>
+            </a:r>
+            <a:r>
+              <a:rPr lang="en-GB" sz="800" dirty="0">
+                <a:latin typeface="Futura (Light)" panose="020B7200000000000000" pitchFamily="34" charset="0"/>
+              </a:rPr>
+              <a:t>with new concept driven by simplicity, familiarity &amp; customisation.</a:t>
+            </a:r>
+          </a:p>
+          <a:p>
+            <a:pPr algn="just"/>
+            <a:endParaRPr lang="en-GB" sz="800" b="1" dirty="0">
+              <a:latin typeface="Futura (Light)" panose="020B7200000000000000" pitchFamily="34" charset="0"/>
+            </a:endParaRPr>
+          </a:p>
+          <a:p>
+            <a:pPr marL="90488" indent="-90488" algn="just">
+              <a:buFont typeface="Wingdings" panose="05000000000000000000" pitchFamily="2" charset="2"/>
+              <a:buChar char="§"/>
+            </a:pPr>
+            <a:r>
+              <a:rPr lang="en-GB" sz="800" b="1" dirty="0">
+                <a:latin typeface="Futura (Light)" panose="020B7200000000000000" pitchFamily="34" charset="0"/>
+              </a:rPr>
+              <a:t>Cultivated offshore dev capability </a:t>
+            </a:r>
+            <a:r>
+              <a:rPr lang="en-GB" sz="800" dirty="0">
+                <a:latin typeface="Futura (Light)" panose="020B7200000000000000" pitchFamily="34" charset="0"/>
+              </a:rPr>
+              <a:t>with technical training.</a:t>
+            </a:r>
+          </a:p>
+          <a:p>
+            <a:pPr marL="90488" indent="-90488" algn="just">
+              <a:buFont typeface="Wingdings" panose="05000000000000000000" pitchFamily="2" charset="2"/>
+              <a:buChar char="§"/>
+            </a:pPr>
+            <a:endParaRPr lang="en-GB" sz="800" dirty="0">
+              <a:latin typeface="Futura (Light)" panose="020B7200000000000000" pitchFamily="34" charset="0"/>
+            </a:endParaRPr>
+          </a:p>
+          <a:p>
+            <a:pPr algn="just"/>
+            <a:endParaRPr lang="en-GB" sz="800" dirty="0">
+              <a:latin typeface="Futura (Light)" panose="020B7200000000000000" pitchFamily="34" charset="0"/>
+            </a:endParaRPr>
+          </a:p>
+        </p:txBody>
+      </p:sp>
+      <p:sp>
+        <p:nvSpPr>
+          <p:cNvPr id="17" name="TextBox 16">
+            <a:extLst>
+              <a:ext uri="{FF2B5EF4-FFF2-40B4-BE49-F238E27FC236}">
+                <a16:creationId xmlns:a16="http://schemas.microsoft.com/office/drawing/2014/main" id="{D2FD0E6B-41AA-4C5B-B8F1-5531B409AE81}"/>
+              </a:ext>
+            </a:extLst>
+          </p:cNvPr>
+          <p:cNvSpPr txBox="1"/>
+          <p:nvPr/>
+        </p:nvSpPr>
+        <p:spPr>
+          <a:xfrm>
+            <a:off x="0" y="3248682"/>
+            <a:ext cx="6858001" cy="246221"/>
+          </a:xfrm>
+          <a:prstGeom prst="rect">
+            <a:avLst/>
+          </a:prstGeom>
+          <a:solidFill>
+            <a:srgbClr val="DAE3F1"/>
+          </a:solidFill>
+          <a:effectLst>
+            <a:outerShdw blurRad="50800" dist="38100" dir="5400000" algn="t" rotWithShape="0">
+              <a:prstClr val="black">
+                <a:alpha val="40000"/>
+              </a:prstClr>
+            </a:outerShdw>
+          </a:effectLst>
+        </p:spPr>
+        <p:txBody>
+          <a:bodyPr wrap="square" lIns="72000" rtlCol="0">
+            <a:spAutoFit/>
+          </a:bodyPr>
+          <a:lstStyle/>
+          <a:p>
+            <a:r>
+              <a:rPr lang="en-GB" sz="1000" b="1" dirty="0">
+                <a:latin typeface="Futura LtCn BT" panose="020B0408020204030204" pitchFamily="34" charset="0"/>
+              </a:rPr>
+              <a:t>CAREER HIGHLIGHTS</a:t>
+            </a:r>
+            <a:r>
+              <a:rPr lang="en-GB" sz="1000" b="1" dirty="0">
+                <a:solidFill>
+                  <a:schemeClr val="bg1"/>
+                </a:solidFill>
+                <a:latin typeface="Futura LtCn BT" panose="020B0408020204030204" pitchFamily="34" charset="0"/>
+              </a:rPr>
+              <a:t>  </a:t>
+            </a:r>
+          </a:p>
+        </p:txBody>
+      </p:sp>
     </p:spTree>
     <p:extLst>
       <p:ext uri="{BB962C8B-B14F-4D97-AF65-F5344CB8AC3E}">
-        <p14:creationId xmlns:p14="http://schemas.microsoft.com/office/powerpoint/2010/main" val="4069595246"/>
+        <p14:creationId xmlns:p14="http://schemas.microsoft.com/office/powerpoint/2010/main" val="4073158525"/>
+      </p:ext>
+    </p:extLst>
+  </p:cSld>
+  <p:clrMapOvr>
+    <a:masterClrMapping/>
+  </p:clrMapOvr>
+</p:sld>
+</file>
+
+<file path=ppt/slides/slide2.xml><?xml version="1.0" encoding="utf-8"?>
+<p:sld xmlns:a="http://schemas.openxmlformats.org/drawingml/2006/main" xmlns:r="http://schemas.openxmlformats.org/officeDocument/2006/relationships" xmlns:p="http://schemas.openxmlformats.org/presentationml/2006/main">
+  <p:cSld>
+    <p:spTree>
+      <p:nvGrpSpPr>
+        <p:cNvPr id="1" name=""/>
+        <p:cNvGrpSpPr/>
+        <p:nvPr/>
+      </p:nvGrpSpPr>
+      <p:grpSpPr>
+        <a:xfrm>
+          <a:off x="0" y="0"/>
+          <a:ext cx="0" cy="0"/>
+          <a:chOff x="0" y="0"/>
+          <a:chExt cx="0" cy="0"/>
+        </a:xfrm>
+      </p:grpSpPr>
+      <p:sp>
+        <p:nvSpPr>
+          <p:cNvPr id="3" name="TextBox 2">
+            <a:extLst>
+              <a:ext uri="{FF2B5EF4-FFF2-40B4-BE49-F238E27FC236}">
+                <a16:creationId xmlns:a16="http://schemas.microsoft.com/office/drawing/2014/main" id="{D6CAF53E-DA0E-4000-9DC7-C0A188FA8142}"/>
+              </a:ext>
+            </a:extLst>
+          </p:cNvPr>
+          <p:cNvSpPr txBox="1"/>
+          <p:nvPr/>
+        </p:nvSpPr>
+        <p:spPr>
+          <a:xfrm>
+            <a:off x="0" y="9442892"/>
+            <a:ext cx="6858000" cy="549757"/>
+          </a:xfrm>
+          <a:prstGeom prst="rect">
+            <a:avLst/>
+          </a:prstGeom>
+          <a:solidFill>
+            <a:srgbClr val="E8EEF7"/>
+          </a:solidFill>
+          <a:ln>
+            <a:noFill/>
+          </a:ln>
+          <a:effectLst/>
+        </p:spPr>
+        <p:txBody>
+          <a:bodyPr wrap="square" tIns="72000" rtlCol="0">
+            <a:spAutoFit/>
+          </a:bodyPr>
+          <a:lstStyle/>
+          <a:p>
+            <a:pPr marL="171450" indent="-171450">
+              <a:buFont typeface="Wingdings" panose="05000000000000000000" pitchFamily="2" charset="2"/>
+              <a:buChar char="§"/>
+            </a:pPr>
+            <a:r>
+              <a:rPr lang="en-GB" sz="700" dirty="0">
+                <a:latin typeface="Futura (Light)" panose="020B7200000000000000" pitchFamily="34" charset="0"/>
+              </a:rPr>
+              <a:t>Microsoft Certified Azure Fundamentals</a:t>
+            </a:r>
+          </a:p>
+          <a:p>
+            <a:endParaRPr lang="en-GB" sz="700" dirty="0">
+              <a:latin typeface="Futura (Light)" panose="020B7200000000000000" pitchFamily="34" charset="0"/>
+            </a:endParaRPr>
+          </a:p>
+          <a:p>
+            <a:pPr marL="171450" indent="-171450">
+              <a:buFont typeface="Wingdings" panose="05000000000000000000" pitchFamily="2" charset="2"/>
+              <a:buChar char="§"/>
+            </a:pPr>
+            <a:r>
+              <a:rPr lang="en-GB" sz="700" dirty="0">
+                <a:latin typeface="Futura (Light)" panose="020B7200000000000000" pitchFamily="34" charset="0"/>
+              </a:rPr>
+              <a:t>AWS Certified Cloud Practitioner</a:t>
+            </a:r>
+          </a:p>
+          <a:p>
+            <a:endParaRPr lang="en-GB" sz="700" dirty="0">
+              <a:latin typeface="Futura (Light)" panose="020B7200000000000000" pitchFamily="34" charset="0"/>
+            </a:endParaRPr>
+          </a:p>
+        </p:txBody>
+      </p:sp>
+      <p:grpSp>
+        <p:nvGrpSpPr>
+          <p:cNvPr id="4" name="Group 3">
+            <a:extLst>
+              <a:ext uri="{FF2B5EF4-FFF2-40B4-BE49-F238E27FC236}">
+                <a16:creationId xmlns:a16="http://schemas.microsoft.com/office/drawing/2014/main" id="{21821D73-CDCA-4021-9D46-3D2A9289ED90}"/>
+              </a:ext>
+            </a:extLst>
+          </p:cNvPr>
+          <p:cNvGrpSpPr/>
+          <p:nvPr/>
+        </p:nvGrpSpPr>
+        <p:grpSpPr>
+          <a:xfrm>
+            <a:off x="59246" y="1467360"/>
+            <a:ext cx="6131786" cy="183143"/>
+            <a:chOff x="59246" y="1549910"/>
+            <a:chExt cx="6131786" cy="183143"/>
+          </a:xfrm>
+        </p:grpSpPr>
+        <p:pic>
+          <p:nvPicPr>
+            <p:cNvPr id="7" name="Graphic 6">
+              <a:extLst>
+                <a:ext uri="{FF2B5EF4-FFF2-40B4-BE49-F238E27FC236}">
+                  <a16:creationId xmlns:a16="http://schemas.microsoft.com/office/drawing/2014/main" id="{F681C506-9784-4353-93B2-454944183C7E}"/>
+                </a:ext>
+              </a:extLst>
+            </p:cNvPr>
+            <p:cNvPicPr>
+              <a:picLocks noChangeAspect="1"/>
+            </p:cNvPicPr>
+            <p:nvPr/>
+          </p:nvPicPr>
+          <p:blipFill>
+            <a:blip r:embed="rId3">
+              <a:extLst>
+                <a:ext uri="{96DAC541-7B7A-43D3-8B79-37D633B846F1}">
+                  <asvg:svgBlip xmlns:asvg="http://schemas.microsoft.com/office/drawing/2016/SVG/main" r:embed="rId4"/>
+                </a:ext>
+              </a:extLst>
+            </a:blip>
+            <a:stretch>
+              <a:fillRect/>
+            </a:stretch>
+          </p:blipFill>
+          <p:spPr>
+            <a:xfrm>
+              <a:off x="59246" y="1549910"/>
+              <a:ext cx="162000" cy="162000"/>
+            </a:xfrm>
+            <a:prstGeom prst="rect">
+              <a:avLst/>
+            </a:prstGeom>
+          </p:spPr>
+        </p:pic>
+        <p:pic>
+          <p:nvPicPr>
+            <p:cNvPr id="8" name="Graphic 7">
+              <a:extLst>
+                <a:ext uri="{FF2B5EF4-FFF2-40B4-BE49-F238E27FC236}">
+                  <a16:creationId xmlns:a16="http://schemas.microsoft.com/office/drawing/2014/main" id="{A9A6310D-2DCC-415C-B430-05CAA567A830}"/>
+                </a:ext>
+              </a:extLst>
+            </p:cNvPr>
+            <p:cNvPicPr>
+              <a:picLocks noChangeAspect="1"/>
+            </p:cNvPicPr>
+            <p:nvPr/>
+          </p:nvPicPr>
+          <p:blipFill>
+            <a:blip r:embed="rId5">
+              <a:extLst>
+                <a:ext uri="{96DAC541-7B7A-43D3-8B79-37D633B846F1}">
+                  <asvg:svgBlip xmlns:asvg="http://schemas.microsoft.com/office/drawing/2016/SVG/main" r:embed="rId6"/>
+                </a:ext>
+              </a:extLst>
+            </a:blip>
+            <a:stretch>
+              <a:fillRect/>
+            </a:stretch>
+          </p:blipFill>
+          <p:spPr>
+            <a:xfrm>
+              <a:off x="1652396" y="1553053"/>
+              <a:ext cx="180000" cy="180000"/>
+            </a:xfrm>
+            <a:prstGeom prst="rect">
+              <a:avLst/>
+            </a:prstGeom>
+          </p:spPr>
+        </p:pic>
+        <p:pic>
+          <p:nvPicPr>
+            <p:cNvPr id="9" name="Graphic 8">
+              <a:extLst>
+                <a:ext uri="{FF2B5EF4-FFF2-40B4-BE49-F238E27FC236}">
+                  <a16:creationId xmlns:a16="http://schemas.microsoft.com/office/drawing/2014/main" id="{68F9F7E6-5895-44CA-B572-CB24E7CE27CA}"/>
+                </a:ext>
+              </a:extLst>
+            </p:cNvPr>
+            <p:cNvPicPr>
+              <a:picLocks noChangeAspect="1"/>
+            </p:cNvPicPr>
+            <p:nvPr/>
+          </p:nvPicPr>
+          <p:blipFill>
+            <a:blip r:embed="rId7">
+              <a:extLst>
+                <a:ext uri="{96DAC541-7B7A-43D3-8B79-37D633B846F1}">
+                  <asvg:svgBlip xmlns:asvg="http://schemas.microsoft.com/office/drawing/2016/SVG/main" r:embed="rId8"/>
+                </a:ext>
+              </a:extLst>
+            </a:blip>
+            <a:stretch>
+              <a:fillRect/>
+            </a:stretch>
+          </p:blipFill>
+          <p:spPr>
+            <a:xfrm>
+              <a:off x="3322792" y="1562375"/>
+              <a:ext cx="162000" cy="162000"/>
+            </a:xfrm>
+            <a:prstGeom prst="rect">
+              <a:avLst/>
+            </a:prstGeom>
+          </p:spPr>
+        </p:pic>
+        <p:pic>
+          <p:nvPicPr>
+            <p:cNvPr id="32" name="Picture 31" descr="A picture containing drawing&#10;&#10;Description automatically generated">
+              <a:extLst>
+                <a:ext uri="{FF2B5EF4-FFF2-40B4-BE49-F238E27FC236}">
+                  <a16:creationId xmlns:a16="http://schemas.microsoft.com/office/drawing/2014/main" id="{5ADAAD93-322B-4C8C-A944-913752A47848}"/>
+                </a:ext>
+              </a:extLst>
+            </p:cNvPr>
+            <p:cNvPicPr>
+              <a:picLocks noChangeAspect="1"/>
+            </p:cNvPicPr>
+            <p:nvPr/>
+          </p:nvPicPr>
+          <p:blipFill>
+            <a:blip r:embed="rId9"/>
+            <a:stretch>
+              <a:fillRect/>
+            </a:stretch>
+          </p:blipFill>
+          <p:spPr>
+            <a:xfrm>
+              <a:off x="4753586" y="1562053"/>
+              <a:ext cx="162302" cy="162000"/>
+            </a:xfrm>
+            <a:prstGeom prst="rect">
+              <a:avLst/>
+            </a:prstGeom>
+          </p:spPr>
+        </p:pic>
+        <p:pic>
+          <p:nvPicPr>
+            <p:cNvPr id="11" name="Graphic 10">
+              <a:extLst>
+                <a:ext uri="{FF2B5EF4-FFF2-40B4-BE49-F238E27FC236}">
+                  <a16:creationId xmlns:a16="http://schemas.microsoft.com/office/drawing/2014/main" id="{0878D13F-62D9-427F-A529-5D0D53752E9D}"/>
+                </a:ext>
+              </a:extLst>
+            </p:cNvPr>
+            <p:cNvPicPr>
+              <a:picLocks noChangeAspect="1"/>
+            </p:cNvPicPr>
+            <p:nvPr/>
+          </p:nvPicPr>
+          <p:blipFill>
+            <a:blip r:embed="rId10">
+              <a:extLst>
+                <a:ext uri="{96DAC541-7B7A-43D3-8B79-37D633B846F1}">
+                  <asvg:svgBlip xmlns:asvg="http://schemas.microsoft.com/office/drawing/2016/SVG/main" r:embed="rId11"/>
+                </a:ext>
+              </a:extLst>
+            </a:blip>
+            <a:stretch>
+              <a:fillRect/>
+            </a:stretch>
+          </p:blipFill>
+          <p:spPr>
+            <a:xfrm>
+              <a:off x="6029032" y="1557529"/>
+              <a:ext cx="162000" cy="162000"/>
+            </a:xfrm>
+            <a:prstGeom prst="rect">
+              <a:avLst/>
+            </a:prstGeom>
+          </p:spPr>
+        </p:pic>
+      </p:grpSp>
+      <p:sp>
+        <p:nvSpPr>
+          <p:cNvPr id="5" name="TextBox 4">
+            <a:extLst>
+              <a:ext uri="{FF2B5EF4-FFF2-40B4-BE49-F238E27FC236}">
+                <a16:creationId xmlns:a16="http://schemas.microsoft.com/office/drawing/2014/main" id="{3B99EBE2-EA6F-473A-B241-60360BFB2973}"/>
+              </a:ext>
+            </a:extLst>
+          </p:cNvPr>
+          <p:cNvSpPr txBox="1"/>
+          <p:nvPr/>
+        </p:nvSpPr>
+        <p:spPr>
+          <a:xfrm>
+            <a:off x="-4067" y="0"/>
+            <a:ext cx="6857162" cy="7478970"/>
+          </a:xfrm>
+          <a:prstGeom prst="rect">
+            <a:avLst/>
+          </a:prstGeom>
+          <a:solidFill>
+            <a:srgbClr val="E8EEF7"/>
+          </a:solidFill>
+        </p:spPr>
+        <p:txBody>
+          <a:bodyPr wrap="square" rtlCol="0">
+            <a:spAutoFit/>
+          </a:bodyPr>
+          <a:lstStyle/>
+          <a:p>
+            <a:endParaRPr lang="en-GB" sz="300" dirty="0">
+              <a:latin typeface="Futura LtCn BT" panose="020B0408020204030204" pitchFamily="34" charset="0"/>
+            </a:endParaRPr>
+          </a:p>
+          <a:p>
+            <a:r>
+              <a:rPr lang="en-GB" sz="1000" b="1" dirty="0">
+                <a:latin typeface="Futura LtCn BT" panose="020B0408020204030204" pitchFamily="34" charset="0"/>
+              </a:rPr>
+              <a:t>SAP ABAP Consultant</a:t>
+            </a:r>
+          </a:p>
+          <a:p>
+            <a:r>
+              <a:rPr lang="en-GB" sz="1000" b="1" dirty="0">
+                <a:latin typeface="Futura LtCn BT" panose="020B0408020204030204" pitchFamily="34" charset="0"/>
+              </a:rPr>
+              <a:t>Belgian Railways| Brussels, BB | 2008 – 2010</a:t>
+            </a:r>
+          </a:p>
+          <a:p>
+            <a:pPr algn="just"/>
+            <a:r>
+              <a:rPr lang="en-GB" sz="800" dirty="0">
+                <a:latin typeface="Futura (Light)" panose="020B7200000000000000" pitchFamily="34" charset="0"/>
+              </a:rPr>
+              <a:t>Mobilized to successfully guide &amp; rescue a failing technical project integrating RF scanning into warehouse management shipment handling. Learned love of OO dev &amp; software in physical systems.</a:t>
+            </a:r>
+          </a:p>
+          <a:p>
+            <a:pPr algn="just"/>
+            <a:endParaRPr lang="en-GB" sz="400" dirty="0">
+              <a:latin typeface="Futura (Light)" panose="020B7200000000000000" pitchFamily="34" charset="0"/>
+            </a:endParaRPr>
+          </a:p>
+          <a:p>
+            <a:pPr marL="90488" indent="-90488" algn="just">
+              <a:buFont typeface="Wingdings" panose="05000000000000000000" pitchFamily="2" charset="2"/>
+              <a:buChar char="§"/>
+            </a:pPr>
+            <a:r>
+              <a:rPr lang="en-GB" sz="800" dirty="0">
+                <a:latin typeface="Futura (Light)" panose="020B7200000000000000" pitchFamily="34" charset="0"/>
+              </a:rPr>
+              <a:t>Individually responsible for complex bespoke development functionality within logistics execution. </a:t>
+            </a:r>
+          </a:p>
+          <a:p>
+            <a:pPr algn="just"/>
+            <a:endParaRPr lang="en-GB" sz="800" dirty="0">
+              <a:latin typeface="Futura LtCn BT" panose="020B0408020204030204" pitchFamily="34" charset="0"/>
+            </a:endParaRPr>
+          </a:p>
+          <a:p>
+            <a:r>
+              <a:rPr lang="en-GB" sz="1000" b="1" dirty="0">
+                <a:latin typeface="Futura LtCn BT" panose="020B0408020204030204" pitchFamily="34" charset="0"/>
+              </a:rPr>
+              <a:t>Senior SAP ABAP Consultant</a:t>
+            </a:r>
+          </a:p>
+          <a:p>
+            <a:r>
+              <a:rPr lang="en-GB" sz="1000" b="1" dirty="0">
+                <a:latin typeface="Futura LtCn BT" panose="020B0408020204030204" pitchFamily="34" charset="0"/>
+              </a:rPr>
+              <a:t>Cap Gemini| Middlesbrough, UK | 2000 – 2008</a:t>
+            </a:r>
+          </a:p>
+          <a:p>
+            <a:pPr algn="just"/>
+            <a:r>
+              <a:rPr lang="en-GB" sz="800" dirty="0">
+                <a:latin typeface="Futura (Light)" panose="020B7200000000000000" pitchFamily="34" charset="0"/>
+              </a:rPr>
+              <a:t>Analysed customer systems from ABAP perspective to enable the smooth transitioning into SAP competency centre flagship nearshoring service. Demonstrated technical &amp; client-facing capability by delivering additional revenue earning on-site consultancy &amp; training. Learned rewards of coaching juniors.</a:t>
+            </a:r>
+          </a:p>
+          <a:p>
+            <a:pPr algn="just"/>
+            <a:endParaRPr lang="en-GB" sz="400" dirty="0">
+              <a:latin typeface="Futura (Light)" panose="020B7200000000000000" pitchFamily="34" charset="0"/>
+            </a:endParaRPr>
+          </a:p>
+          <a:p>
+            <a:pPr marL="90488" indent="-90488" algn="just">
+              <a:buFont typeface="Wingdings" panose="05000000000000000000" pitchFamily="2" charset="2"/>
+              <a:buChar char="§"/>
+            </a:pPr>
+            <a:r>
+              <a:rPr lang="en-GB" sz="800" dirty="0">
+                <a:latin typeface="Futura (Light)" panose="020B7200000000000000" pitchFamily="34" charset="0"/>
+              </a:rPr>
+              <a:t>Supervised 3 ABAP developer colleagues, managing work pipeline and continuous coaching.</a:t>
+            </a:r>
+          </a:p>
+          <a:p>
+            <a:pPr algn="just"/>
+            <a:endParaRPr lang="en-GB" sz="400" dirty="0">
+              <a:latin typeface="Futura (Light)" panose="020B7200000000000000" pitchFamily="34" charset="0"/>
+            </a:endParaRPr>
+          </a:p>
+          <a:p>
+            <a:pPr marL="90488" indent="-90488" algn="just">
+              <a:buFont typeface="Wingdings" panose="05000000000000000000" pitchFamily="2" charset="2"/>
+              <a:buChar char="§"/>
+            </a:pPr>
+            <a:r>
+              <a:rPr lang="en-GB" sz="800" dirty="0">
+                <a:latin typeface="Futura (Light)" panose="020B7200000000000000" pitchFamily="34" charset="0"/>
+              </a:rPr>
+              <a:t>Innovated systems integration monitoring dashboard.</a:t>
+            </a:r>
+            <a:endParaRPr lang="en-GB" sz="900" dirty="0">
+              <a:latin typeface="Futura (Light)" panose="020B7200000000000000" pitchFamily="34" charset="0"/>
+            </a:endParaRPr>
+          </a:p>
+          <a:p>
+            <a:pPr algn="just"/>
+            <a:endParaRPr lang="en-GB" sz="300" dirty="0">
+              <a:latin typeface="Futura (Light)" panose="020B7200000000000000" pitchFamily="34" charset="0"/>
+            </a:endParaRPr>
+          </a:p>
+          <a:p>
+            <a:pPr marL="90488" indent="-90488" algn="just">
+              <a:buFont typeface="Wingdings" panose="05000000000000000000" pitchFamily="2" charset="2"/>
+              <a:buChar char="§"/>
+            </a:pPr>
+            <a:endParaRPr lang="en-GB" sz="900" dirty="0">
+              <a:latin typeface="Futura (Light)" panose="020B7200000000000000" pitchFamily="34" charset="0"/>
+            </a:endParaRPr>
+          </a:p>
+          <a:p>
+            <a:pPr marL="90488" indent="-90488" algn="just">
+              <a:buFont typeface="Wingdings" panose="05000000000000000000" pitchFamily="2" charset="2"/>
+              <a:buChar char="§"/>
+            </a:pPr>
+            <a:endParaRPr lang="en-GB" sz="900" dirty="0">
+              <a:latin typeface="Futura (Light)" panose="020B7200000000000000" pitchFamily="34" charset="0"/>
+            </a:endParaRPr>
+          </a:p>
+          <a:p>
+            <a:pPr marL="90488" indent="-90488" algn="just">
+              <a:buFont typeface="Wingdings" panose="05000000000000000000" pitchFamily="2" charset="2"/>
+              <a:buChar char="§"/>
+            </a:pPr>
+            <a:endParaRPr lang="en-GB" sz="900" dirty="0">
+              <a:latin typeface="Futura (Light)" panose="020B7200000000000000" pitchFamily="34" charset="0"/>
+            </a:endParaRPr>
+          </a:p>
+          <a:p>
+            <a:pPr marL="90488" indent="-90488" algn="just">
+              <a:buFont typeface="Wingdings" panose="05000000000000000000" pitchFamily="2" charset="2"/>
+              <a:buChar char="§"/>
+            </a:pPr>
+            <a:endParaRPr lang="en-GB" sz="900" dirty="0">
+              <a:latin typeface="Futura (Light)" panose="020B7200000000000000" pitchFamily="34" charset="0"/>
+            </a:endParaRPr>
+          </a:p>
+          <a:p>
+            <a:pPr marL="90488" indent="-90488" algn="just">
+              <a:buFont typeface="Wingdings" panose="05000000000000000000" pitchFamily="2" charset="2"/>
+              <a:buChar char="§"/>
+            </a:pPr>
+            <a:endParaRPr lang="en-GB" sz="900" dirty="0">
+              <a:latin typeface="Futura (Light)" panose="020B7200000000000000" pitchFamily="34" charset="0"/>
+            </a:endParaRPr>
+          </a:p>
+          <a:p>
+            <a:pPr marL="90488" indent="-90488" algn="just">
+              <a:buFont typeface="Wingdings" panose="05000000000000000000" pitchFamily="2" charset="2"/>
+              <a:buChar char="§"/>
+            </a:pPr>
+            <a:endParaRPr lang="en-GB" sz="900" dirty="0">
+              <a:latin typeface="Futura (Light)" panose="020B7200000000000000" pitchFamily="34" charset="0"/>
+            </a:endParaRPr>
+          </a:p>
+          <a:p>
+            <a:pPr marL="90488" indent="-90488" algn="just">
+              <a:buFont typeface="Wingdings" panose="05000000000000000000" pitchFamily="2" charset="2"/>
+              <a:buChar char="§"/>
+            </a:pPr>
+            <a:endParaRPr lang="en-GB" sz="900" dirty="0">
+              <a:latin typeface="Futura (Light)" panose="020B7200000000000000" pitchFamily="34" charset="0"/>
+            </a:endParaRPr>
+          </a:p>
+          <a:p>
+            <a:pPr marL="90488" indent="-90488" algn="just">
+              <a:buFont typeface="Wingdings" panose="05000000000000000000" pitchFamily="2" charset="2"/>
+              <a:buChar char="§"/>
+            </a:pPr>
+            <a:endParaRPr lang="en-GB" sz="900" dirty="0">
+              <a:latin typeface="Futura (Light)" panose="020B7200000000000000" pitchFamily="34" charset="0"/>
+            </a:endParaRPr>
+          </a:p>
+          <a:p>
+            <a:pPr marL="90488" indent="-90488" algn="just">
+              <a:buFont typeface="Wingdings" panose="05000000000000000000" pitchFamily="2" charset="2"/>
+              <a:buChar char="§"/>
+            </a:pPr>
+            <a:endParaRPr lang="en-GB" sz="900" dirty="0">
+              <a:latin typeface="Futura (Light)" panose="020B7200000000000000" pitchFamily="34" charset="0"/>
+            </a:endParaRPr>
+          </a:p>
+          <a:p>
+            <a:pPr marL="90488" indent="-90488" algn="just">
+              <a:buFont typeface="Wingdings" panose="05000000000000000000" pitchFamily="2" charset="2"/>
+              <a:buChar char="§"/>
+            </a:pPr>
+            <a:endParaRPr lang="en-GB" sz="900" dirty="0">
+              <a:latin typeface="Futura (Light)" panose="020B7200000000000000" pitchFamily="34" charset="0"/>
+            </a:endParaRPr>
+          </a:p>
+          <a:p>
+            <a:pPr marL="90488" indent="-90488" algn="just">
+              <a:buFont typeface="Wingdings" panose="05000000000000000000" pitchFamily="2" charset="2"/>
+              <a:buChar char="§"/>
+            </a:pPr>
+            <a:endParaRPr lang="en-GB" sz="900" dirty="0">
+              <a:latin typeface="Futura (Light)" panose="020B7200000000000000" pitchFamily="34" charset="0"/>
+            </a:endParaRPr>
+          </a:p>
+          <a:p>
+            <a:pPr marL="90488" indent="-90488" algn="just">
+              <a:buFont typeface="Wingdings" panose="05000000000000000000" pitchFamily="2" charset="2"/>
+              <a:buChar char="§"/>
+            </a:pPr>
+            <a:endParaRPr lang="en-GB" sz="900" dirty="0">
+              <a:latin typeface="Futura (Light)" panose="020B7200000000000000" pitchFamily="34" charset="0"/>
+            </a:endParaRPr>
+          </a:p>
+          <a:p>
+            <a:pPr marL="90488" indent="-90488" algn="just">
+              <a:buFont typeface="Wingdings" panose="05000000000000000000" pitchFamily="2" charset="2"/>
+              <a:buChar char="§"/>
+            </a:pPr>
+            <a:endParaRPr lang="en-GB" sz="900" dirty="0">
+              <a:latin typeface="Futura (Light)" panose="020B7200000000000000" pitchFamily="34" charset="0"/>
+            </a:endParaRPr>
+          </a:p>
+          <a:p>
+            <a:pPr marL="90488" indent="-90488" algn="just">
+              <a:buFont typeface="Wingdings" panose="05000000000000000000" pitchFamily="2" charset="2"/>
+              <a:buChar char="§"/>
+            </a:pPr>
+            <a:endParaRPr lang="en-GB" sz="900" dirty="0">
+              <a:latin typeface="Futura (Light)" panose="020B7200000000000000" pitchFamily="34" charset="0"/>
+            </a:endParaRPr>
+          </a:p>
+          <a:p>
+            <a:endParaRPr lang="en-GB" dirty="0"/>
+          </a:p>
+          <a:p>
+            <a:endParaRPr lang="en-GB" dirty="0"/>
+          </a:p>
+          <a:p>
+            <a:endParaRPr lang="en-GB" dirty="0"/>
+          </a:p>
+          <a:p>
+            <a:endParaRPr lang="en-GB" dirty="0"/>
+          </a:p>
+          <a:p>
+            <a:endParaRPr lang="en-GB" dirty="0"/>
+          </a:p>
+          <a:p>
+            <a:endParaRPr lang="en-GB" dirty="0"/>
+          </a:p>
+          <a:p>
+            <a:endParaRPr lang="en-GB" dirty="0"/>
+          </a:p>
+          <a:p>
+            <a:endParaRPr lang="en-GB" dirty="0"/>
+          </a:p>
+          <a:p>
+            <a:endParaRPr lang="en-GB" dirty="0"/>
+          </a:p>
+          <a:p>
+            <a:endParaRPr lang="en-GB" dirty="0"/>
+          </a:p>
+          <a:p>
+            <a:endParaRPr lang="en-GB" dirty="0"/>
+          </a:p>
+          <a:p>
+            <a:endParaRPr lang="en-GB" dirty="0"/>
+          </a:p>
+          <a:p>
+            <a:endParaRPr lang="en-GB" dirty="0"/>
+          </a:p>
+          <a:p>
+            <a:endParaRPr lang="en-GB" dirty="0"/>
+          </a:p>
+          <a:p>
+            <a:endParaRPr lang="en-GB" dirty="0"/>
+          </a:p>
+          <a:p>
+            <a:endParaRPr lang="en-GB" dirty="0"/>
+          </a:p>
+        </p:txBody>
+      </p:sp>
+      <p:sp>
+        <p:nvSpPr>
+          <p:cNvPr id="25" name="TextBox 24">
+            <a:extLst>
+              <a:ext uri="{FF2B5EF4-FFF2-40B4-BE49-F238E27FC236}">
+                <a16:creationId xmlns:a16="http://schemas.microsoft.com/office/drawing/2014/main" id="{275392DA-C223-4D90-82D1-FB0BDF634E5C}"/>
+              </a:ext>
+            </a:extLst>
+          </p:cNvPr>
+          <p:cNvSpPr txBox="1"/>
+          <p:nvPr/>
+        </p:nvSpPr>
+        <p:spPr>
+          <a:xfrm>
+            <a:off x="3229" y="2267809"/>
+            <a:ext cx="6858838" cy="4858629"/>
+          </a:xfrm>
+          <a:prstGeom prst="rect">
+            <a:avLst/>
+          </a:prstGeom>
+          <a:solidFill>
+            <a:srgbClr val="E8EEF7"/>
+          </a:solidFill>
+          <a:ln>
+            <a:noFill/>
+          </a:ln>
+          <a:effectLst/>
+        </p:spPr>
+        <p:txBody>
+          <a:bodyPr wrap="square" tIns="72000" rtlCol="0">
+            <a:spAutoFit/>
+          </a:bodyPr>
+          <a:lstStyle/>
+          <a:p>
+            <a:r>
+              <a:rPr lang="en-GB" sz="1000" dirty="0">
+                <a:latin typeface="Futura LtCn BT" panose="020B0408020204030204" pitchFamily="34" charset="0"/>
+              </a:rPr>
+              <a:t>Masters Intelligent Systems</a:t>
+            </a:r>
+          </a:p>
+          <a:p>
+            <a:r>
+              <a:rPr lang="en-GB" sz="1000" b="1" dirty="0">
+                <a:latin typeface="Futura LtCn BT" panose="020B0408020204030204" pitchFamily="34" charset="0"/>
+              </a:rPr>
+              <a:t>De Montfort University | UK | 2017 – 2020</a:t>
+            </a:r>
+          </a:p>
+          <a:p>
+            <a:pPr algn="just"/>
+            <a:r>
+              <a:rPr lang="en-GB" sz="800" dirty="0">
+                <a:latin typeface="Futura (Light)" panose="020B7200000000000000" pitchFamily="34" charset="0"/>
+              </a:rPr>
+              <a:t>Discovered why stronger partnerships should exist between enterprise and academia.</a:t>
+            </a:r>
+          </a:p>
+          <a:p>
+            <a:pPr algn="just"/>
+            <a:endParaRPr lang="en-GB" sz="400" dirty="0">
+              <a:latin typeface="Futura (Light)" panose="020B7200000000000000" pitchFamily="34" charset="0"/>
+            </a:endParaRPr>
+          </a:p>
+          <a:p>
+            <a:pPr marL="88900" indent="-88900" algn="just">
+              <a:buFont typeface="Wingdings" panose="05000000000000000000" pitchFamily="2" charset="2"/>
+              <a:buChar char="§"/>
+            </a:pPr>
+            <a:r>
+              <a:rPr lang="en-GB" sz="800" b="1" dirty="0">
+                <a:latin typeface="Futura (Light)" panose="020B7200000000000000" pitchFamily="34" charset="0"/>
+              </a:rPr>
+              <a:t>Masters Thesis Project (90%)</a:t>
+            </a:r>
+          </a:p>
+          <a:p>
+            <a:pPr marL="88900" algn="just"/>
+            <a:r>
+              <a:rPr lang="en-GB" sz="800" dirty="0">
+                <a:latin typeface="Futura (Light)" panose="020B7200000000000000" pitchFamily="34" charset="0"/>
+              </a:rPr>
+              <a:t>Addressed 2 objectives: </a:t>
+            </a:r>
+            <a:r>
+              <a:rPr lang="en-GB" sz="800" b="1" dirty="0">
+                <a:latin typeface="Futura (Light)" panose="020B7200000000000000" pitchFamily="34" charset="0"/>
+              </a:rPr>
+              <a:t>Support decision-making </a:t>
+            </a:r>
+            <a:r>
+              <a:rPr lang="en-GB" sz="800" dirty="0">
+                <a:latin typeface="Futura (Light)" panose="020B7200000000000000" pitchFamily="34" charset="0"/>
+              </a:rPr>
+              <a:t>with timely &amp; highly visual summarisation of the COVID-19 vaccine development landscape. </a:t>
+            </a:r>
+            <a:r>
+              <a:rPr lang="en-GB" sz="800" b="1" dirty="0">
+                <a:latin typeface="Futura (Light)" panose="020B7200000000000000" pitchFamily="34" charset="0"/>
+              </a:rPr>
+              <a:t>Support time-pressured researchers </a:t>
+            </a:r>
+            <a:r>
+              <a:rPr lang="en-GB" sz="800" dirty="0">
+                <a:latin typeface="Futura (Light)" panose="020B7200000000000000" pitchFamily="34" charset="0"/>
+              </a:rPr>
+              <a:t>with more effective information retrieval. Designed, developed &amp; deployed a  cloud-hosted knowledge base of coronavirus research &amp; vaccine clinical trial information. Automated orchestration of high-volume structured &amp; unstructured data aggregation, cleansing, classification, metadata creation &amp; persistence. Automated state-of-the-art BERT-transformer model calibration to complex COVID-19 semantics &amp; embedding of paragraph text sequences into </a:t>
+            </a:r>
+            <a:r>
+              <a:rPr lang="en-GB" sz="800" dirty="0" err="1">
+                <a:latin typeface="Futura (Light)" panose="020B7200000000000000" pitchFamily="34" charset="0"/>
+              </a:rPr>
+              <a:t>ElasticSearch</a:t>
+            </a:r>
+            <a:r>
+              <a:rPr lang="en-GB" sz="800" dirty="0">
+                <a:latin typeface="Futura (Light)" panose="020B7200000000000000" pitchFamily="34" charset="0"/>
+              </a:rPr>
+              <a:t>. Highly visual exploration &amp; search with </a:t>
+            </a:r>
+            <a:r>
+              <a:rPr lang="en-GB" sz="800" dirty="0" err="1">
+                <a:latin typeface="Futura (Light)" panose="020B7200000000000000" pitchFamily="34" charset="0"/>
+              </a:rPr>
+              <a:t>Streamlit</a:t>
+            </a:r>
+            <a:r>
+              <a:rPr lang="en-GB" sz="800" dirty="0">
+                <a:latin typeface="Futura (Light)" panose="020B7200000000000000" pitchFamily="34" charset="0"/>
+              </a:rPr>
+              <a:t>. Search results outperformed </a:t>
+            </a:r>
+            <a:r>
+              <a:rPr lang="en-GB" sz="800" dirty="0" err="1">
+                <a:latin typeface="Futura (Light)" panose="020B7200000000000000" pitchFamily="34" charset="0"/>
+              </a:rPr>
+              <a:t>PubMedCentral</a:t>
+            </a:r>
+            <a:r>
+              <a:rPr lang="en-GB" sz="800" dirty="0">
+                <a:latin typeface="Futura (Light)" panose="020B7200000000000000" pitchFamily="34" charset="0"/>
+              </a:rPr>
+              <a:t> as evaluated by a medical expert.</a:t>
+            </a:r>
+          </a:p>
+          <a:p>
+            <a:pPr marL="88900" algn="just"/>
+            <a:endParaRPr lang="en-GB" sz="400" dirty="0">
+              <a:latin typeface="Futura (Light)" panose="020B7200000000000000" pitchFamily="34" charset="0"/>
+            </a:endParaRPr>
+          </a:p>
+          <a:p>
+            <a:pPr marL="88900" indent="-88900" algn="just">
+              <a:buFont typeface="Wingdings" panose="05000000000000000000" pitchFamily="2" charset="2"/>
+              <a:buChar char="§"/>
+            </a:pPr>
+            <a:r>
+              <a:rPr lang="en-GB" sz="800" b="1" dirty="0">
+                <a:latin typeface="Futura (Light)" panose="020B7200000000000000" pitchFamily="34" charset="0"/>
+              </a:rPr>
+              <a:t>Applied Computational Intelligence (88%) </a:t>
+            </a:r>
+            <a:r>
+              <a:rPr lang="en-GB" sz="800" dirty="0">
+                <a:latin typeface="Futura (Light)" panose="020B7200000000000000" pitchFamily="34" charset="0"/>
+              </a:rPr>
+              <a:t>Predicting customer behaviour with tree-based machine learning classifiers. Extensive Python with data profiling &amp; preparation, unsupervised &amp; supervised machine learning, overfitting protection, hyperparameter tuning, model scoring, evaluation &amp; selection.</a:t>
+            </a:r>
+          </a:p>
+          <a:p>
+            <a:pPr marL="88900" indent="-88900" algn="just">
+              <a:buFont typeface="Wingdings" panose="05000000000000000000" pitchFamily="2" charset="2"/>
+              <a:buChar char="§"/>
+            </a:pPr>
+            <a:endParaRPr lang="en-GB" sz="400" dirty="0">
+              <a:latin typeface="Futura (Light)" panose="020B7200000000000000" pitchFamily="34" charset="0"/>
+            </a:endParaRPr>
+          </a:p>
+          <a:p>
+            <a:pPr marL="88900" indent="-88900" algn="just">
+              <a:buFont typeface="Wingdings" panose="05000000000000000000" pitchFamily="2" charset="2"/>
+              <a:buChar char="§"/>
+            </a:pPr>
+            <a:r>
+              <a:rPr lang="en-GB" sz="800" b="1" dirty="0">
+                <a:latin typeface="Futura (Light)" panose="020B7200000000000000" pitchFamily="34" charset="0"/>
+              </a:rPr>
+              <a:t>A.I. Programming (80%)</a:t>
+            </a:r>
+          </a:p>
+          <a:p>
+            <a:pPr marL="88900" algn="just"/>
+            <a:r>
+              <a:rPr lang="en-GB" sz="800" dirty="0">
+                <a:latin typeface="Futura (Light)" panose="020B7200000000000000" pitchFamily="34" charset="0"/>
+              </a:rPr>
+              <a:t>NLP Python NLTK context-free grammars for natural language to SQL database query.</a:t>
+            </a:r>
+          </a:p>
+          <a:p>
+            <a:pPr marL="88900" algn="just"/>
+            <a:endParaRPr lang="en-GB" sz="400" dirty="0">
+              <a:latin typeface="Futura (Light)" panose="020B7200000000000000" pitchFamily="34" charset="0"/>
+            </a:endParaRPr>
+          </a:p>
+          <a:p>
+            <a:pPr marL="88900" indent="-88900" algn="just">
+              <a:buFont typeface="Wingdings" panose="05000000000000000000" pitchFamily="2" charset="2"/>
+              <a:buChar char="§"/>
+            </a:pPr>
+            <a:r>
+              <a:rPr lang="en-GB" sz="800" b="1" dirty="0">
+                <a:latin typeface="Futura (Light)" panose="020B7200000000000000" pitchFamily="34" charset="0"/>
+              </a:rPr>
+              <a:t>Data Mining (80%)</a:t>
+            </a:r>
+          </a:p>
+          <a:p>
+            <a:pPr marL="88900" algn="just"/>
+            <a:r>
+              <a:rPr lang="en-GB" sz="800" dirty="0">
+                <a:latin typeface="Futura (Light)" panose="020B7200000000000000" pitchFamily="34" charset="0"/>
+              </a:rPr>
+              <a:t>Data analysis &amp; machine learning to predict risk indicators for cardiovascular disease.</a:t>
+            </a:r>
+          </a:p>
+          <a:p>
+            <a:pPr marL="88900" algn="just"/>
+            <a:endParaRPr lang="en-GB" sz="400" dirty="0">
+              <a:latin typeface="Futura (Light)" panose="020B7200000000000000" pitchFamily="34" charset="0"/>
+            </a:endParaRPr>
+          </a:p>
+          <a:p>
+            <a:pPr marL="88900" indent="-88900" algn="just">
+              <a:buFont typeface="Wingdings" panose="05000000000000000000" pitchFamily="2" charset="2"/>
+              <a:buChar char="§"/>
+            </a:pPr>
+            <a:r>
+              <a:rPr lang="en-GB" sz="800" b="1" dirty="0">
+                <a:latin typeface="Futura (Light)" panose="020B7200000000000000" pitchFamily="34" charset="0"/>
+              </a:rPr>
+              <a:t>Neural Networks (80%)</a:t>
+            </a:r>
+          </a:p>
+          <a:p>
+            <a:pPr marL="88900" algn="just"/>
+            <a:r>
+              <a:rPr lang="en-GB" sz="800" dirty="0">
+                <a:latin typeface="Futura (Light)" panose="020B7200000000000000" pitchFamily="34" charset="0"/>
+              </a:rPr>
+              <a:t>Evaluation of biomass &amp; classification of network activity (intrusion, attack, normal).</a:t>
+            </a:r>
+          </a:p>
+          <a:p>
+            <a:pPr marL="88900" algn="just"/>
+            <a:endParaRPr lang="en-GB" sz="400" dirty="0">
+              <a:latin typeface="Futura (Light)" panose="020B7200000000000000" pitchFamily="34" charset="0"/>
+            </a:endParaRPr>
+          </a:p>
+          <a:p>
+            <a:pPr marL="88900" indent="-88900" algn="just">
+              <a:buFont typeface="Wingdings" panose="05000000000000000000" pitchFamily="2" charset="2"/>
+              <a:buChar char="§"/>
+            </a:pPr>
+            <a:r>
+              <a:rPr lang="en-GB" sz="800" b="1" dirty="0">
+                <a:latin typeface="Futura (Light)" panose="020B7200000000000000" pitchFamily="34" charset="0"/>
+              </a:rPr>
+              <a:t>Fuzzy Logic (94%)</a:t>
+            </a:r>
+          </a:p>
+          <a:p>
+            <a:pPr marL="88900" algn="just"/>
+            <a:r>
+              <a:rPr lang="en-GB" sz="800" dirty="0">
+                <a:latin typeface="Futura (Light)" panose="020B7200000000000000" pitchFamily="34" charset="0"/>
+              </a:rPr>
+              <a:t>Classifying breast cancer tumours with fuzzy inference, outperforming neural networks. Authored paper submitted to journal </a:t>
+            </a:r>
+            <a:r>
+              <a:rPr lang="en-GB" sz="800" i="1" dirty="0">
+                <a:latin typeface="Futura (Light)" panose="020B7200000000000000" pitchFamily="34" charset="0"/>
+              </a:rPr>
+              <a:t>Applied Soft Computing </a:t>
+            </a:r>
+            <a:r>
+              <a:rPr lang="en-GB" sz="800" dirty="0">
+                <a:latin typeface="Futura (Light)" panose="020B7200000000000000" pitchFamily="34" charset="0"/>
+              </a:rPr>
+              <a:t>for publication.</a:t>
+            </a:r>
+          </a:p>
+          <a:p>
+            <a:pPr marL="88900" algn="just"/>
+            <a:endParaRPr lang="en-GB" sz="400" dirty="0">
+              <a:latin typeface="Futura (Light)" panose="020B7200000000000000" pitchFamily="34" charset="0"/>
+            </a:endParaRPr>
+          </a:p>
+          <a:p>
+            <a:pPr marL="88900" indent="-88900" algn="just">
+              <a:buFont typeface="Wingdings" panose="05000000000000000000" pitchFamily="2" charset="2"/>
+              <a:buChar char="§"/>
+            </a:pPr>
+            <a:r>
+              <a:rPr lang="en-GB" sz="800" b="1" dirty="0">
+                <a:latin typeface="Futura (Light)" panose="020B7200000000000000" pitchFamily="34" charset="0"/>
+              </a:rPr>
+              <a:t>Research Methods (96%)</a:t>
+            </a:r>
+          </a:p>
+          <a:p>
+            <a:pPr marL="88900" algn="just"/>
+            <a:r>
+              <a:rPr lang="en-GB" sz="800" dirty="0">
+                <a:latin typeface="Futura (Light)" panose="020B7200000000000000" pitchFamily="34" charset="0"/>
+              </a:rPr>
+              <a:t>PhD proposal for augmented analytics.</a:t>
+            </a:r>
+          </a:p>
+          <a:p>
+            <a:pPr marL="88900" algn="just"/>
+            <a:endParaRPr lang="en-GB" sz="400" dirty="0">
+              <a:latin typeface="Futura (Light)" panose="020B7200000000000000" pitchFamily="34" charset="0"/>
+            </a:endParaRPr>
+          </a:p>
+          <a:p>
+            <a:pPr marL="88900" indent="-88900" algn="just">
+              <a:buFont typeface="Wingdings" panose="05000000000000000000" pitchFamily="2" charset="2"/>
+              <a:buChar char="§"/>
+            </a:pPr>
+            <a:r>
+              <a:rPr lang="en-GB" sz="800" b="1" dirty="0">
+                <a:latin typeface="Futura (Light)" panose="020B7200000000000000" pitchFamily="34" charset="0"/>
+              </a:rPr>
+              <a:t>Mobile Robots (97%)</a:t>
+            </a:r>
+          </a:p>
+          <a:p>
+            <a:pPr marL="88900" algn="just"/>
+            <a:r>
+              <a:rPr lang="en-GB" sz="800" dirty="0">
+                <a:latin typeface="Futura (Light)" panose="020B7200000000000000" pitchFamily="34" charset="0"/>
+              </a:rPr>
+              <a:t>Virtual search &amp; rescue robot controlled via Python, implementing obstacle avoidance, sensor data fusion, environment mapping, precision navigation, victim location.</a:t>
+            </a:r>
+          </a:p>
+          <a:p>
+            <a:pPr marL="88900" algn="just"/>
+            <a:endParaRPr lang="en-GB" sz="400" dirty="0">
+              <a:latin typeface="Futura (Light)" panose="020B7200000000000000" pitchFamily="34" charset="0"/>
+            </a:endParaRPr>
+          </a:p>
+          <a:p>
+            <a:pPr marL="88900" indent="-88900" algn="just">
+              <a:buFont typeface="Wingdings" panose="05000000000000000000" pitchFamily="2" charset="2"/>
+              <a:buChar char="§"/>
+            </a:pPr>
+            <a:r>
+              <a:rPr lang="en-GB" sz="800" b="1" dirty="0">
+                <a:latin typeface="Futura (Light)" panose="020B7200000000000000" pitchFamily="34" charset="0"/>
+              </a:rPr>
+              <a:t>Computational Intelligence Optimization (100%) </a:t>
+            </a:r>
+            <a:r>
+              <a:rPr lang="en-GB" sz="800" dirty="0">
+                <a:latin typeface="Futura (Light)" panose="020B7200000000000000" pitchFamily="34" charset="0"/>
+              </a:rPr>
+              <a:t>Design &amp; build of Python-based hyper-heuristic optimization platform to address the real-world problem of scheduling optimisation. 5 example nature-inspired metaheuristic algorithms are implemented. A hyper-heuristic feature dynamically switches between low-level metaheuristics to deterministically use the most appropriate algorithm according to current problem state, or select one stochastically.</a:t>
+            </a:r>
+          </a:p>
+          <a:p>
+            <a:pPr algn="just"/>
+            <a:endParaRPr lang="en-GB" sz="300" dirty="0">
+              <a:latin typeface="Futura (Light)" panose="020B7200000000000000" pitchFamily="34" charset="0"/>
+            </a:endParaRPr>
+          </a:p>
+          <a:p>
+            <a:pPr algn="just"/>
+            <a:endParaRPr lang="en-GB" sz="800" dirty="0">
+              <a:latin typeface="Futura (Light)" panose="020B7200000000000000" pitchFamily="34" charset="0"/>
+            </a:endParaRPr>
+          </a:p>
+        </p:txBody>
+      </p:sp>
+      <p:sp>
+        <p:nvSpPr>
+          <p:cNvPr id="24" name="TextBox 23">
+            <a:extLst>
+              <a:ext uri="{FF2B5EF4-FFF2-40B4-BE49-F238E27FC236}">
+                <a16:creationId xmlns:a16="http://schemas.microsoft.com/office/drawing/2014/main" id="{7BA1BA73-6D25-4ED8-96EF-C296281D9295}"/>
+              </a:ext>
+            </a:extLst>
+          </p:cNvPr>
+          <p:cNvSpPr txBox="1"/>
+          <p:nvPr/>
+        </p:nvSpPr>
+        <p:spPr>
+          <a:xfrm>
+            <a:off x="838" y="2019465"/>
+            <a:ext cx="6857162" cy="246221"/>
+          </a:xfrm>
+          <a:prstGeom prst="rect">
+            <a:avLst/>
+          </a:prstGeom>
+          <a:solidFill>
+            <a:srgbClr val="DAE3F1"/>
+          </a:solidFill>
+          <a:effectLst>
+            <a:outerShdw blurRad="50800" dist="38100" dir="5400000" algn="t" rotWithShape="0">
+              <a:prstClr val="black">
+                <a:alpha val="40000"/>
+              </a:prstClr>
+            </a:outerShdw>
+          </a:effectLst>
+        </p:spPr>
+        <p:txBody>
+          <a:bodyPr wrap="square" lIns="72000" rtlCol="0">
+            <a:spAutoFit/>
+          </a:bodyPr>
+          <a:lstStyle/>
+          <a:p>
+            <a:r>
+              <a:rPr lang="en-GB" sz="1000" b="1" dirty="0">
+                <a:latin typeface="Futura LtCn BT" panose="020B0408020204030204" pitchFamily="34" charset="0"/>
+              </a:rPr>
+              <a:t>EDUCATION</a:t>
+            </a:r>
+          </a:p>
+        </p:txBody>
+      </p:sp>
+      <p:sp>
+        <p:nvSpPr>
+          <p:cNvPr id="22" name="TextBox 21">
+            <a:extLst>
+              <a:ext uri="{FF2B5EF4-FFF2-40B4-BE49-F238E27FC236}">
+                <a16:creationId xmlns:a16="http://schemas.microsoft.com/office/drawing/2014/main" id="{014BC79C-FD8D-41FA-B96A-63B58DDDF113}"/>
+              </a:ext>
+            </a:extLst>
+          </p:cNvPr>
+          <p:cNvSpPr txBox="1"/>
+          <p:nvPr/>
+        </p:nvSpPr>
+        <p:spPr>
+          <a:xfrm>
+            <a:off x="0" y="7017287"/>
+            <a:ext cx="6858838" cy="1026810"/>
+          </a:xfrm>
+          <a:prstGeom prst="rect">
+            <a:avLst/>
+          </a:prstGeom>
+          <a:solidFill>
+            <a:srgbClr val="E8EEF7"/>
+          </a:solidFill>
+          <a:ln>
+            <a:noFill/>
+          </a:ln>
+          <a:effectLst/>
+        </p:spPr>
+        <p:txBody>
+          <a:bodyPr wrap="square" tIns="72000" rtlCol="0">
+            <a:spAutoFit/>
+          </a:bodyPr>
+          <a:lstStyle/>
+          <a:p>
+            <a:r>
+              <a:rPr lang="en-US" sz="800" b="1" dirty="0">
+                <a:latin typeface="Futura (Light)" panose="020B7200000000000000" pitchFamily="34" charset="0"/>
+              </a:rPr>
+              <a:t>Machine Learning &amp; Deep Learning:</a:t>
+            </a:r>
+            <a:r>
+              <a:rPr lang="en-US" sz="800" dirty="0">
+                <a:latin typeface="Futura (Light)" panose="020B7200000000000000" pitchFamily="34" charset="0"/>
+              </a:rPr>
+              <a:t> regression, decision tree, random forest, boosting, classification, clustering, neural networks </a:t>
+            </a:r>
+          </a:p>
+          <a:p>
+            <a:r>
+              <a:rPr lang="en-US" sz="800" b="1" dirty="0">
+                <a:latin typeface="Futura (Light)" panose="020B7200000000000000" pitchFamily="34" charset="0"/>
+              </a:rPr>
+              <a:t>Heuristics:</a:t>
+            </a:r>
+            <a:r>
+              <a:rPr lang="en-US" sz="800" dirty="0">
+                <a:latin typeface="Futura (Light)" panose="020B7200000000000000" pitchFamily="34" charset="0"/>
+              </a:rPr>
+              <a:t> regular expressions, annealing, genetic, evolution, swarm, hyper</a:t>
+            </a:r>
+          </a:p>
+          <a:p>
+            <a:r>
+              <a:rPr lang="en-US" sz="800" b="1" dirty="0">
+                <a:latin typeface="Futura (Light)" panose="020B7200000000000000" pitchFamily="34" charset="0"/>
+              </a:rPr>
+              <a:t>Programming &amp; scripting:</a:t>
+            </a:r>
+            <a:r>
+              <a:rPr lang="en-US" sz="800" dirty="0">
+                <a:latin typeface="Futura (Light)" panose="020B7200000000000000" pitchFamily="34" charset="0"/>
+              </a:rPr>
+              <a:t> Python, JavaScript, SQL, Pandas, </a:t>
+            </a:r>
+            <a:r>
+              <a:rPr lang="en-GB" sz="800" dirty="0">
+                <a:latin typeface="Futura (Light)" panose="020B7200000000000000" pitchFamily="34" charset="0"/>
+              </a:rPr>
+              <a:t>Numpy, </a:t>
+            </a:r>
+            <a:r>
+              <a:rPr lang="en-GB" sz="800" dirty="0" err="1">
+                <a:latin typeface="Futura (Light)" panose="020B7200000000000000" pitchFamily="34" charset="0"/>
+              </a:rPr>
+              <a:t>spaCY</a:t>
+            </a:r>
+            <a:r>
+              <a:rPr lang="en-GB" sz="800" dirty="0">
+                <a:latin typeface="Futura (Light)" panose="020B7200000000000000" pitchFamily="34" charset="0"/>
+              </a:rPr>
+              <a:t>, Scikit-Learn, Keras, NLTK, HTML/CSS3, SAP ABAP</a:t>
+            </a:r>
+          </a:p>
+          <a:p>
+            <a:r>
+              <a:rPr lang="en-US" sz="800" b="1" dirty="0">
+                <a:latin typeface="Futura (Light)" panose="020B7200000000000000" pitchFamily="34" charset="0"/>
+              </a:rPr>
+              <a:t>Database:</a:t>
+            </a:r>
+            <a:r>
+              <a:rPr lang="en-US" sz="800" dirty="0">
+                <a:latin typeface="Futura (Light)" panose="020B7200000000000000" pitchFamily="34" charset="0"/>
+              </a:rPr>
+              <a:t> </a:t>
+            </a:r>
+            <a:r>
+              <a:rPr lang="en-US" sz="800" dirty="0" err="1">
+                <a:latin typeface="Futura (Light)" panose="020B7200000000000000" pitchFamily="34" charset="0"/>
+              </a:rPr>
+              <a:t>PostegreSQL</a:t>
+            </a:r>
+            <a:r>
+              <a:rPr lang="en-US" sz="800" dirty="0">
+                <a:latin typeface="Futura (Light)" panose="020B7200000000000000" pitchFamily="34" charset="0"/>
+              </a:rPr>
+              <a:t>, MySQL, MongoDB, </a:t>
+            </a:r>
+            <a:r>
+              <a:rPr lang="en-US" sz="800" dirty="0" err="1">
+                <a:latin typeface="Futura (Light)" panose="020B7200000000000000" pitchFamily="34" charset="0"/>
+              </a:rPr>
+              <a:t>ElasticSearch</a:t>
+            </a:r>
+            <a:r>
+              <a:rPr lang="en-US" sz="800" dirty="0">
+                <a:latin typeface="Futura (Light)" panose="020B7200000000000000" pitchFamily="34" charset="0"/>
+              </a:rPr>
+              <a:t>, SAP HANA</a:t>
+            </a:r>
+          </a:p>
+          <a:p>
+            <a:r>
+              <a:rPr lang="en-US" sz="800" b="1" dirty="0">
+                <a:latin typeface="Futura (Light)" panose="020B7200000000000000" pitchFamily="34" charset="0"/>
+              </a:rPr>
+              <a:t>Cloud:</a:t>
+            </a:r>
+            <a:r>
+              <a:rPr lang="en-US" sz="800" dirty="0">
+                <a:latin typeface="Futura (Light)" panose="020B7200000000000000" pitchFamily="34" charset="0"/>
+              </a:rPr>
+              <a:t> Azure Machine Learning, blob store, compute clusters, networking, security, </a:t>
+            </a:r>
+            <a:r>
+              <a:rPr lang="en-US" sz="800" dirty="0" err="1">
+                <a:latin typeface="Futura (Light)" panose="020B7200000000000000" pitchFamily="34" charset="0"/>
+              </a:rPr>
+              <a:t>keyvaults</a:t>
+            </a:r>
+            <a:r>
+              <a:rPr lang="en-US" sz="800" dirty="0">
+                <a:latin typeface="Futura (Light)" panose="020B7200000000000000" pitchFamily="34" charset="0"/>
+              </a:rPr>
+              <a:t>, container registries</a:t>
+            </a:r>
+          </a:p>
+          <a:p>
+            <a:r>
+              <a:rPr lang="en-US" sz="800" b="1" dirty="0">
+                <a:latin typeface="Futura (Light)" panose="020B7200000000000000" pitchFamily="34" charset="0"/>
+              </a:rPr>
+              <a:t>Frontend:</a:t>
+            </a:r>
+            <a:r>
+              <a:rPr lang="en-US" sz="800" dirty="0">
+                <a:latin typeface="Futura (Light)" panose="020B7200000000000000" pitchFamily="34" charset="0"/>
+              </a:rPr>
+              <a:t> Power BI, </a:t>
+            </a:r>
+            <a:r>
+              <a:rPr lang="en-US" sz="800" dirty="0" err="1">
+                <a:latin typeface="Futura (Light)" panose="020B7200000000000000" pitchFamily="34" charset="0"/>
+              </a:rPr>
+              <a:t>Streamlit</a:t>
+            </a:r>
+            <a:endParaRPr lang="en-US" sz="800" dirty="0">
+              <a:latin typeface="Futura (Light)" panose="020B7200000000000000" pitchFamily="34" charset="0"/>
+            </a:endParaRPr>
+          </a:p>
+          <a:p>
+            <a:r>
+              <a:rPr lang="en-US" sz="800" b="1" dirty="0">
+                <a:latin typeface="Futura (Light)" panose="020B7200000000000000" pitchFamily="34" charset="0"/>
+              </a:rPr>
+              <a:t>Other:</a:t>
+            </a:r>
+            <a:r>
+              <a:rPr lang="en-US" sz="800" dirty="0">
+                <a:latin typeface="Futura (Light)" panose="020B7200000000000000" pitchFamily="34" charset="0"/>
+              </a:rPr>
+              <a:t> Docker, Linux, GitHub, Apache Airflow, Jira</a:t>
+            </a:r>
+          </a:p>
+          <a:p>
+            <a:endParaRPr lang="en-GB" sz="300" dirty="0">
+              <a:latin typeface="Futura (Light)" panose="020B7200000000000000" pitchFamily="34" charset="0"/>
+            </a:endParaRPr>
+          </a:p>
+        </p:txBody>
+      </p:sp>
+      <p:sp>
+        <p:nvSpPr>
+          <p:cNvPr id="21" name="TextBox 20">
+            <a:extLst>
+              <a:ext uri="{FF2B5EF4-FFF2-40B4-BE49-F238E27FC236}">
+                <a16:creationId xmlns:a16="http://schemas.microsoft.com/office/drawing/2014/main" id="{678915DC-FB6A-476E-B0F9-70A1987F3D16}"/>
+              </a:ext>
+            </a:extLst>
+          </p:cNvPr>
+          <p:cNvSpPr txBox="1"/>
+          <p:nvPr/>
+        </p:nvSpPr>
+        <p:spPr>
+          <a:xfrm>
+            <a:off x="-4067" y="6770889"/>
+            <a:ext cx="6857162" cy="246221"/>
+          </a:xfrm>
+          <a:prstGeom prst="rect">
+            <a:avLst/>
+          </a:prstGeom>
+          <a:solidFill>
+            <a:srgbClr val="DAE3F1"/>
+          </a:solidFill>
+          <a:effectLst>
+            <a:outerShdw blurRad="50800" dist="38100" dir="5400000" algn="t" rotWithShape="0">
+              <a:prstClr val="black">
+                <a:alpha val="40000"/>
+              </a:prstClr>
+            </a:outerShdw>
+          </a:effectLst>
+        </p:spPr>
+        <p:txBody>
+          <a:bodyPr wrap="square" lIns="72000" rtlCol="0">
+            <a:spAutoFit/>
+          </a:bodyPr>
+          <a:lstStyle/>
+          <a:p>
+            <a:r>
+              <a:rPr lang="en-GB" sz="1000" b="1" dirty="0">
+                <a:latin typeface="Futura LtCn BT" panose="020B0408020204030204" pitchFamily="34" charset="0"/>
+              </a:rPr>
+              <a:t>TOOLS</a:t>
+            </a:r>
+          </a:p>
+        </p:txBody>
+      </p:sp>
+      <p:sp>
+        <p:nvSpPr>
+          <p:cNvPr id="23" name="TextBox 22">
+            <a:extLst>
+              <a:ext uri="{FF2B5EF4-FFF2-40B4-BE49-F238E27FC236}">
+                <a16:creationId xmlns:a16="http://schemas.microsoft.com/office/drawing/2014/main" id="{A4FDBD6F-A43E-4812-B57D-EFE4A1FC592A}"/>
+              </a:ext>
+            </a:extLst>
+          </p:cNvPr>
+          <p:cNvSpPr txBox="1"/>
+          <p:nvPr/>
+        </p:nvSpPr>
+        <p:spPr>
+          <a:xfrm>
+            <a:off x="0" y="8229511"/>
+            <a:ext cx="6862068" cy="1016464"/>
+          </a:xfrm>
+          <a:prstGeom prst="rect">
+            <a:avLst/>
+          </a:prstGeom>
+          <a:solidFill>
+            <a:srgbClr val="E8EEF7"/>
+          </a:solidFill>
+        </p:spPr>
+        <p:txBody>
+          <a:bodyPr wrap="square" lIns="70949" tIns="72000" rIns="70949" bIns="35474" rtlCol="0">
+            <a:spAutoFit/>
+          </a:bodyPr>
+          <a:lstStyle/>
+          <a:p>
+            <a:r>
+              <a:rPr lang="en-GB" sz="800" b="1" dirty="0">
+                <a:latin typeface="Futura LtCn BT" panose="020B0408020204030204" pitchFamily="34" charset="0"/>
+              </a:rPr>
+              <a:t>“Tech savvy, experienced, meticulous, dependable, ingenious &amp; eager to learn more” </a:t>
+            </a:r>
+          </a:p>
+          <a:p>
+            <a:r>
+              <a:rPr lang="en-GB" sz="600" dirty="0">
+                <a:latin typeface="Futura (Light)" panose="020B7200000000000000" pitchFamily="34" charset="0"/>
+              </a:rPr>
+              <a:t>Rudi </a:t>
+            </a:r>
+            <a:r>
+              <a:rPr lang="en-GB" sz="600" dirty="0" err="1">
+                <a:latin typeface="Futura (Light)" panose="020B7200000000000000" pitchFamily="34" charset="0"/>
+              </a:rPr>
+              <a:t>Dutli</a:t>
+            </a:r>
+            <a:r>
+              <a:rPr lang="en-GB" sz="600" dirty="0">
+                <a:latin typeface="Futura (Light)" panose="020B7200000000000000" pitchFamily="34" charset="0"/>
+              </a:rPr>
+              <a:t>, Principal, Infosys Lodestone</a:t>
+            </a:r>
+          </a:p>
+          <a:p>
+            <a:endParaRPr lang="en-GB" sz="300" b="1" dirty="0">
+              <a:latin typeface="Futura LtCn BT" panose="020B0408020204030204" pitchFamily="34" charset="0"/>
+            </a:endParaRPr>
+          </a:p>
+          <a:p>
+            <a:r>
+              <a:rPr lang="en-GB" sz="800" b="1" dirty="0">
+                <a:latin typeface="Futura LtCn BT" panose="020B0408020204030204" pitchFamily="34" charset="0"/>
+              </a:rPr>
+              <a:t>“Builds comprehensive understanding of architectures involved, educating &amp; inspiring teams &amp; co-workers in the process. A real flair for challenging, on-the-edge development”</a:t>
+            </a:r>
+          </a:p>
+          <a:p>
+            <a:r>
+              <a:rPr lang="en-GB" sz="600" dirty="0">
+                <a:latin typeface="Futura (Light)" panose="020B7200000000000000" pitchFamily="34" charset="0"/>
+              </a:rPr>
+              <a:t>Trond </a:t>
+            </a:r>
+            <a:r>
+              <a:rPr lang="en-GB" sz="600" dirty="0" err="1">
+                <a:latin typeface="Futura (Light)" panose="020B7200000000000000" pitchFamily="34" charset="0"/>
+              </a:rPr>
+              <a:t>Stroemme</a:t>
+            </a:r>
+            <a:r>
+              <a:rPr lang="en-GB" sz="600" dirty="0">
+                <a:latin typeface="Futura (Light)" panose="020B7200000000000000" pitchFamily="34" charset="0"/>
+              </a:rPr>
+              <a:t>, Team Lead, SAP App Expertise Centre, Nestle</a:t>
+            </a:r>
+          </a:p>
+          <a:p>
+            <a:endParaRPr lang="en-GB" sz="300" b="1" dirty="0">
+              <a:latin typeface="Futura LtCn BT" panose="020B0408020204030204" pitchFamily="34" charset="0"/>
+            </a:endParaRPr>
+          </a:p>
+          <a:p>
+            <a:r>
+              <a:rPr lang="en-GB" sz="800" b="1" dirty="0">
+                <a:latin typeface="Futura LtCn BT" panose="020B0408020204030204" pitchFamily="34" charset="0"/>
+              </a:rPr>
+              <a:t>“An expert in his domain, a great team player. His focus on results with optimal quality is outstanding”</a:t>
+            </a:r>
+          </a:p>
+          <a:p>
+            <a:r>
+              <a:rPr lang="en-GB" sz="600" dirty="0">
+                <a:latin typeface="Futura (Light)" panose="020B7200000000000000" pitchFamily="34" charset="0"/>
+              </a:rPr>
+              <a:t>Norbert </a:t>
+            </a:r>
+            <a:r>
+              <a:rPr lang="en-GB" sz="600" dirty="0" err="1">
+                <a:latin typeface="Futura (Light)" panose="020B7200000000000000" pitchFamily="34" charset="0"/>
+              </a:rPr>
+              <a:t>Rignall</a:t>
+            </a:r>
+            <a:r>
+              <a:rPr lang="en-GB" sz="600" dirty="0">
+                <a:latin typeface="Futura (Light)" panose="020B7200000000000000" pitchFamily="34" charset="0"/>
+              </a:rPr>
+              <a:t>, Master Data Solution Architect, Nestle</a:t>
+            </a:r>
+          </a:p>
+          <a:p>
+            <a:endParaRPr lang="en-GB" sz="300" dirty="0">
+              <a:latin typeface="Futura (Light)" panose="020B7200000000000000" pitchFamily="34" charset="0"/>
+            </a:endParaRPr>
+          </a:p>
+        </p:txBody>
+      </p:sp>
+      <p:sp>
+        <p:nvSpPr>
+          <p:cNvPr id="26" name="TextBox 25">
+            <a:extLst>
+              <a:ext uri="{FF2B5EF4-FFF2-40B4-BE49-F238E27FC236}">
+                <a16:creationId xmlns:a16="http://schemas.microsoft.com/office/drawing/2014/main" id="{876B0FFF-28B4-49D6-BCB7-6234A9D15577}"/>
+              </a:ext>
+            </a:extLst>
+          </p:cNvPr>
+          <p:cNvSpPr txBox="1"/>
+          <p:nvPr/>
+        </p:nvSpPr>
+        <p:spPr>
+          <a:xfrm>
+            <a:off x="3229" y="7981463"/>
+            <a:ext cx="6857162" cy="246221"/>
+          </a:xfrm>
+          <a:prstGeom prst="rect">
+            <a:avLst/>
+          </a:prstGeom>
+          <a:solidFill>
+            <a:srgbClr val="DAE3F1"/>
+          </a:solidFill>
+          <a:effectLst>
+            <a:outerShdw blurRad="50800" dist="38100" dir="5400000" algn="t" rotWithShape="0">
+              <a:prstClr val="black">
+                <a:alpha val="40000"/>
+              </a:prstClr>
+            </a:outerShdw>
+          </a:effectLst>
+        </p:spPr>
+        <p:txBody>
+          <a:bodyPr wrap="square" lIns="72000" rtlCol="0">
+            <a:spAutoFit/>
+          </a:bodyPr>
+          <a:lstStyle/>
+          <a:p>
+            <a:r>
+              <a:rPr lang="en-US" sz="1000" b="1" dirty="0">
+                <a:latin typeface="Futura LtCn BT" panose="020B0408020204030204" pitchFamily="34" charset="0"/>
+              </a:rPr>
+              <a:t>P</a:t>
+            </a:r>
+            <a:r>
+              <a:rPr lang="en-GB" sz="1000" b="1" dirty="0">
+                <a:latin typeface="Futura LtCn BT" panose="020B0408020204030204" pitchFamily="34" charset="0"/>
+              </a:rPr>
+              <a:t>RAISE</a:t>
+            </a:r>
+          </a:p>
+        </p:txBody>
+      </p:sp>
+      <p:sp>
+        <p:nvSpPr>
+          <p:cNvPr id="17" name="TextBox 16">
+            <a:extLst>
+              <a:ext uri="{FF2B5EF4-FFF2-40B4-BE49-F238E27FC236}">
+                <a16:creationId xmlns:a16="http://schemas.microsoft.com/office/drawing/2014/main" id="{55538E6C-3D5C-4B48-BF63-E5227C51AF34}"/>
+              </a:ext>
+            </a:extLst>
+          </p:cNvPr>
+          <p:cNvSpPr txBox="1"/>
+          <p:nvPr/>
+        </p:nvSpPr>
+        <p:spPr>
+          <a:xfrm>
+            <a:off x="838" y="9195087"/>
+            <a:ext cx="6857162" cy="246221"/>
+          </a:xfrm>
+          <a:prstGeom prst="rect">
+            <a:avLst/>
+          </a:prstGeom>
+          <a:solidFill>
+            <a:srgbClr val="DAE3F1"/>
+          </a:solidFill>
+          <a:effectLst>
+            <a:outerShdw blurRad="50800" dist="38100" dir="5400000" algn="t" rotWithShape="0">
+              <a:prstClr val="black">
+                <a:alpha val="40000"/>
+              </a:prstClr>
+            </a:outerShdw>
+          </a:effectLst>
+        </p:spPr>
+        <p:txBody>
+          <a:bodyPr wrap="square" lIns="72000" rtlCol="0">
+            <a:spAutoFit/>
+          </a:bodyPr>
+          <a:lstStyle/>
+          <a:p>
+            <a:r>
+              <a:rPr lang="en-US" sz="1000" b="1" dirty="0">
+                <a:latin typeface="Futura LtCn BT" panose="020B0408020204030204" pitchFamily="34" charset="0"/>
+              </a:rPr>
+              <a:t>AWARDS</a:t>
+            </a:r>
+            <a:endParaRPr lang="en-GB" sz="1000" b="1" dirty="0">
+              <a:latin typeface="Futura LtCn BT" panose="020B0408020204030204" pitchFamily="34" charset="0"/>
+            </a:endParaRPr>
+          </a:p>
+        </p:txBody>
+      </p:sp>
+    </p:spTree>
+    <p:extLst>
+      <p:ext uri="{BB962C8B-B14F-4D97-AF65-F5344CB8AC3E}">
+        <p14:creationId xmlns:p14="http://schemas.microsoft.com/office/powerpoint/2010/main" val="3005190307"/>
       </p:ext>
     </p:extLst>
   </p:cSld>
